--- a/SeleniumPPT.pptx
+++ b/SeleniumPPT.pptx
@@ -5,7 +5,7 @@
     <p:sldMasterId id="2147483664" r:id="rId1"/>
   </p:sldMasterIdLst>
   <p:notesMasterIdLst>
-    <p:notesMasterId r:id="rId49"/>
+    <p:notesMasterId r:id="rId52"/>
   </p:notesMasterIdLst>
   <p:sldIdLst>
     <p:sldId id="256" r:id="rId2"/>
@@ -32,39 +32,42 @@
     <p:sldId id="343" r:id="rId23"/>
     <p:sldId id="345" r:id="rId24"/>
     <p:sldId id="382" r:id="rId25"/>
-    <p:sldId id="346" r:id="rId26"/>
-    <p:sldId id="347" r:id="rId27"/>
-    <p:sldId id="348" r:id="rId28"/>
-    <p:sldId id="349" r:id="rId29"/>
-    <p:sldId id="350" r:id="rId30"/>
-    <p:sldId id="351" r:id="rId31"/>
-    <p:sldId id="352" r:id="rId32"/>
-    <p:sldId id="353" r:id="rId33"/>
-    <p:sldId id="354" r:id="rId34"/>
-    <p:sldId id="355" r:id="rId35"/>
-    <p:sldId id="356" r:id="rId36"/>
-    <p:sldId id="357" r:id="rId37"/>
-    <p:sldId id="358" r:id="rId38"/>
-    <p:sldId id="363" r:id="rId39"/>
-    <p:sldId id="364" r:id="rId40"/>
-    <p:sldId id="365" r:id="rId41"/>
-    <p:sldId id="366" r:id="rId42"/>
-    <p:sldId id="367" r:id="rId43"/>
-    <p:sldId id="368" r:id="rId44"/>
-    <p:sldId id="359" r:id="rId45"/>
-    <p:sldId id="360" r:id="rId46"/>
-    <p:sldId id="361" r:id="rId47"/>
-    <p:sldId id="362" r:id="rId48"/>
+    <p:sldId id="383" r:id="rId26"/>
+    <p:sldId id="346" r:id="rId27"/>
+    <p:sldId id="384" r:id="rId28"/>
+    <p:sldId id="347" r:id="rId29"/>
+    <p:sldId id="385" r:id="rId30"/>
+    <p:sldId id="348" r:id="rId31"/>
+    <p:sldId id="349" r:id="rId32"/>
+    <p:sldId id="350" r:id="rId33"/>
+    <p:sldId id="351" r:id="rId34"/>
+    <p:sldId id="352" r:id="rId35"/>
+    <p:sldId id="353" r:id="rId36"/>
+    <p:sldId id="354" r:id="rId37"/>
+    <p:sldId id="355" r:id="rId38"/>
+    <p:sldId id="356" r:id="rId39"/>
+    <p:sldId id="357" r:id="rId40"/>
+    <p:sldId id="358" r:id="rId41"/>
+    <p:sldId id="363" r:id="rId42"/>
+    <p:sldId id="364" r:id="rId43"/>
+    <p:sldId id="365" r:id="rId44"/>
+    <p:sldId id="366" r:id="rId45"/>
+    <p:sldId id="367" r:id="rId46"/>
+    <p:sldId id="368" r:id="rId47"/>
+    <p:sldId id="359" r:id="rId48"/>
+    <p:sldId id="360" r:id="rId49"/>
+    <p:sldId id="361" r:id="rId50"/>
+    <p:sldId id="362" r:id="rId51"/>
   </p:sldIdLst>
   <p:sldSz cx="12192000" cy="6858000"/>
   <p:notesSz cx="6858000" cy="9144000"/>
   <p:embeddedFontLst>
     <p:embeddedFont>
       <p:font typeface="Trebuchet MS" panose="020B0603020202020204" pitchFamily="34" charset="0"/>
-      <p:regular r:id="rId50"/>
-      <p:bold r:id="rId51"/>
-      <p:italic r:id="rId52"/>
-      <p:boldItalic r:id="rId53"/>
+      <p:regular r:id="rId53"/>
+      <p:bold r:id="rId54"/>
+      <p:italic r:id="rId55"/>
+      <p:boldItalic r:id="rId56"/>
     </p:embeddedFont>
   </p:embeddedFontLst>
   <p:defaultTextStyle>
@@ -25528,91 +25531,6 @@
               <a:t>(Text)</a:t>
             </a:r>
           </a:p>
-          <a:p>
-            <a:pPr lvl="1" fontAlgn="base"/>
-            <a:r>
-              <a:rPr lang="en-IN" sz="1200" dirty="0"/>
-              <a:t>(</a:t>
-            </a:r>
-            <a:r>
-              <a:rPr lang="en-IN" sz="1200" dirty="0" err="1"/>
-              <a:t>isDisplayed</a:t>
-            </a:r>
-            <a:r>
-              <a:rPr lang="en-IN" sz="1200" dirty="0"/>
-              <a:t>)</a:t>
-            </a:r>
-          </a:p>
-          <a:p>
-            <a:pPr lvl="2" fontAlgn="base"/>
-            <a:r>
-              <a:rPr lang="en-IN" sz="1200" dirty="0"/>
-              <a:t>Whether a web element is visible or hidden</a:t>
-            </a:r>
-          </a:p>
-          <a:p>
-            <a:pPr lvl="1" fontAlgn="base"/>
-            <a:r>
-              <a:rPr lang="en-IN" sz="1200" dirty="0" err="1"/>
-              <a:t>isEnbled</a:t>
-            </a:r>
-            <a:r>
-              <a:rPr lang="en-IN" sz="1200" dirty="0"/>
-              <a:t>()</a:t>
-            </a:r>
-          </a:p>
-          <a:p>
-            <a:pPr lvl="2" fontAlgn="base"/>
-            <a:r>
-              <a:rPr lang="en-IN" sz="1200" dirty="0"/>
-              <a:t>Whether a web element is </a:t>
-            </a:r>
-            <a:r>
-              <a:rPr lang="en-IN" sz="1200" dirty="0" err="1"/>
-              <a:t>editables</a:t>
-            </a:r>
-            <a:endParaRPr lang="en-IN" sz="1200" dirty="0"/>
-          </a:p>
-          <a:p>
-            <a:pPr lvl="1" fontAlgn="base"/>
-            <a:r>
-              <a:rPr lang="en-IN" sz="1200" dirty="0" err="1"/>
-              <a:t>isSelected</a:t>
-            </a:r>
-            <a:r>
-              <a:rPr lang="en-IN" sz="1200" dirty="0"/>
-              <a:t>()</a:t>
-            </a:r>
-          </a:p>
-          <a:p>
-            <a:pPr lvl="2" fontAlgn="base"/>
-            <a:r>
-              <a:rPr lang="en-IN" sz="1200" dirty="0"/>
-              <a:t>Whether a web element is selected(check </a:t>
-            </a:r>
-            <a:r>
-              <a:rPr lang="en-IN" sz="1200" dirty="0" err="1"/>
-              <a:t>box,radio</a:t>
-            </a:r>
-            <a:r>
-              <a:rPr lang="en-IN" sz="1200" dirty="0"/>
-              <a:t> buttons </a:t>
-            </a:r>
-            <a:r>
-              <a:rPr lang="en-IN" sz="1200" dirty="0" err="1"/>
-              <a:t>etc</a:t>
-            </a:r>
-            <a:r>
-              <a:rPr lang="en-IN" sz="1200" dirty="0"/>
-              <a:t>)</a:t>
-            </a:r>
-          </a:p>
-          <a:p>
-            <a:pPr fontAlgn="base">
-              <a:buSzPct val="80000"/>
-            </a:pPr>
-            <a:endParaRPr lang="en-IN" sz="1200" dirty="0"/>
-          </a:p>
         </p:txBody>
       </p:sp>
       <p:sp>
@@ -25685,121 +25603,119 @@
         </p:nvSpPr>
         <p:spPr>
           <a:xfrm>
-            <a:off x="677333" y="620688"/>
-            <a:ext cx="8596668" cy="5420675"/>
+            <a:off x="677333" y="548680"/>
+            <a:ext cx="8596668" cy="6192687"/>
           </a:xfrm>
         </p:spPr>
         <p:txBody>
           <a:bodyPr/>
           <a:lstStyle/>
           <a:p>
+            <a:pPr marL="1432561" lvl="3" indent="0" fontAlgn="base">
+              <a:buNone/>
+            </a:pPr>
+            <a:endParaRPr lang="en-IN" dirty="0"/>
+          </a:p>
+          <a:p>
+            <a:pPr lvl="1" fontAlgn="base"/>
+            <a:r>
+              <a:rPr lang="en-IN" sz="1200" dirty="0"/>
+              <a:t>The following 3 methods help us identify the state of web element </a:t>
+            </a:r>
+          </a:p>
+          <a:p>
+            <a:pPr lvl="1" fontAlgn="base"/>
+            <a:r>
+              <a:rPr lang="en-IN" sz="1200" dirty="0"/>
+              <a:t>These methods should be called on </a:t>
+            </a:r>
+            <a:r>
+              <a:rPr lang="en-IN" sz="1200" dirty="0" err="1"/>
+              <a:t>WebElement</a:t>
+            </a:r>
+            <a:r>
+              <a:rPr lang="en-IN" sz="1200" dirty="0"/>
+              <a:t> object</a:t>
+            </a:r>
+          </a:p>
+          <a:p>
+            <a:pPr lvl="1" fontAlgn="base"/>
+            <a:r>
+              <a:rPr lang="en-IN" sz="1200" dirty="0"/>
+              <a:t>(</a:t>
+            </a:r>
+            <a:r>
+              <a:rPr lang="en-IN" sz="1200" dirty="0" err="1"/>
+              <a:t>isDisplayed</a:t>
+            </a:r>
+            <a:r>
+              <a:rPr lang="en-IN" sz="1200" dirty="0"/>
+              <a:t>)</a:t>
+            </a:r>
+          </a:p>
+          <a:p>
+            <a:pPr lvl="2" fontAlgn="base"/>
+            <a:r>
+              <a:rPr lang="en-IN" sz="1200" dirty="0"/>
+              <a:t>Whether a web element is visible or hidden</a:t>
+            </a:r>
+          </a:p>
+          <a:p>
+            <a:pPr lvl="1" fontAlgn="base"/>
+            <a:r>
+              <a:rPr lang="en-IN" sz="1200" dirty="0" err="1"/>
+              <a:t>isEnbled</a:t>
+            </a:r>
+            <a:r>
+              <a:rPr lang="en-IN" sz="1200" dirty="0"/>
+              <a:t>()</a:t>
+            </a:r>
+          </a:p>
+          <a:p>
+            <a:pPr lvl="2" fontAlgn="base"/>
+            <a:r>
+              <a:rPr lang="en-IN" sz="1200" dirty="0"/>
+              <a:t>Whether a web element is editable</a:t>
+            </a:r>
+          </a:p>
+          <a:p>
+            <a:pPr lvl="1" fontAlgn="base"/>
+            <a:r>
+              <a:rPr lang="en-IN" sz="1200" dirty="0" err="1"/>
+              <a:t>isSelected</a:t>
+            </a:r>
+            <a:r>
+              <a:rPr lang="en-IN" sz="1200" dirty="0"/>
+              <a:t>()</a:t>
+            </a:r>
+          </a:p>
+          <a:p>
+            <a:pPr lvl="2" fontAlgn="base"/>
+            <a:r>
+              <a:rPr lang="en-IN" sz="1200" dirty="0"/>
+              <a:t>Whether a web element is selected(check </a:t>
+            </a:r>
+            <a:r>
+              <a:rPr lang="en-IN" sz="1200" dirty="0" err="1"/>
+              <a:t>box,radio</a:t>
+            </a:r>
+            <a:r>
+              <a:rPr lang="en-IN" sz="1200" dirty="0"/>
+              <a:t> buttons </a:t>
+            </a:r>
+            <a:r>
+              <a:rPr lang="en-IN" sz="1200" dirty="0" err="1"/>
+              <a:t>etc</a:t>
+            </a:r>
+            <a:r>
+              <a:rPr lang="en-IN" sz="1200" dirty="0"/>
+              <a:t>)</a:t>
+            </a:r>
+          </a:p>
+          <a:p>
             <a:pPr fontAlgn="base">
               <a:buSzPct val="80000"/>
             </a:pPr>
-            <a:r>
-              <a:rPr lang="en-US" sz="1200" dirty="0"/>
-              <a:t>Dealing with Windows and Tabs</a:t>
-            </a:r>
-          </a:p>
-          <a:p>
-            <a:pPr lvl="1" fontAlgn="base"/>
-            <a:r>
-              <a:rPr lang="en-US" sz="1200" dirty="0" err="1"/>
-              <a:t>getWindowHandle</a:t>
-            </a:r>
-            <a:r>
-              <a:rPr lang="en-US" sz="1200" dirty="0"/>
-              <a:t>() method</a:t>
-            </a:r>
-          </a:p>
-          <a:p>
-            <a:pPr lvl="1" fontAlgn="base"/>
-            <a:r>
-              <a:rPr lang="en-US" sz="1200" dirty="0" err="1"/>
-              <a:t>getWindowHandles</a:t>
-            </a:r>
-            <a:r>
-              <a:rPr lang="en-US" sz="1200" dirty="0"/>
-              <a:t>() method</a:t>
-            </a:r>
-          </a:p>
-          <a:p>
-            <a:pPr lvl="1" fontAlgn="base"/>
-            <a:r>
-              <a:rPr lang="en-US" sz="1200" dirty="0"/>
-              <a:t>Switching to new Window/Tab</a:t>
-            </a:r>
-          </a:p>
-          <a:p>
-            <a:pPr lvl="1" fontAlgn="base"/>
-            <a:r>
-              <a:rPr lang="en-US" sz="1200" dirty="0"/>
-              <a:t>Switching back to parent window</a:t>
-            </a:r>
-          </a:p>
-          <a:p>
-            <a:pPr lvl="1" fontAlgn="base"/>
-            <a:r>
-              <a:rPr lang="en-US" sz="1200" dirty="0"/>
-              <a:t>Difference between close() and Quit()  methods</a:t>
-            </a:r>
-          </a:p>
-          <a:p>
-            <a:pPr lvl="1" fontAlgn="base"/>
-            <a:endParaRPr lang="en-US" sz="1200" dirty="0"/>
-          </a:p>
-          <a:p>
-            <a:pPr fontAlgn="base">
-              <a:buSzPct val="80000"/>
-            </a:pPr>
-            <a:r>
-              <a:rPr lang="en-US" sz="1200" dirty="0"/>
-              <a:t>Dealing with Alerts</a:t>
-            </a:r>
-          </a:p>
-          <a:p>
-            <a:pPr lvl="1" fontAlgn="base"/>
-            <a:r>
-              <a:rPr lang="en-IN" sz="1200" dirty="0" err="1"/>
-              <a:t>driver.switchTo</a:t>
-            </a:r>
-            <a:r>
-              <a:rPr lang="en-IN" sz="1200" dirty="0"/>
-              <a:t>().alert()</a:t>
-            </a:r>
-          </a:p>
-          <a:p>
-            <a:pPr lvl="1" fontAlgn="base"/>
-            <a:r>
-              <a:rPr lang="en-US" sz="1200" dirty="0" err="1"/>
-              <a:t>alert.getText</a:t>
-            </a:r>
-            <a:r>
-              <a:rPr lang="en-US" sz="1200" dirty="0"/>
-              <a:t>()</a:t>
-            </a:r>
-          </a:p>
-          <a:p>
-            <a:pPr lvl="1" fontAlgn="base"/>
-            <a:r>
-              <a:rPr lang="en-US" sz="1200" dirty="0" err="1"/>
-              <a:t>alert.accept</a:t>
-            </a:r>
-            <a:r>
-              <a:rPr lang="en-US" sz="1200" dirty="0"/>
-              <a:t>()</a:t>
-            </a:r>
-          </a:p>
-          <a:p>
-            <a:pPr lvl="1" fontAlgn="base"/>
-            <a:r>
-              <a:rPr lang="en-US" sz="1200" dirty="0" err="1"/>
-              <a:t>alert.dismiss</a:t>
-            </a:r>
-            <a:r>
-              <a:rPr lang="en-US" sz="1200" dirty="0"/>
-              <a:t>()</a:t>
-            </a:r>
             <a:endParaRPr lang="en-IN" sz="1200" dirty="0"/>
           </a:p>
         </p:txBody>
@@ -25826,7 +25742,7 @@
           <a:p>
             <a:r>
               <a:rPr lang="en-US" sz="1400" dirty="0"/>
-              <a:t>Selenium : Dealing with Windows ,Tabs, Alerts and Iframes</a:t>
+              <a:t>Selenium : Element State</a:t>
             </a:r>
             <a:endParaRPr lang="en-IN" sz="1400" dirty="0"/>
           </a:p>
@@ -25835,7 +25751,7 @@
     </p:spTree>
     <p:extLst>
       <p:ext uri="{BB962C8B-B14F-4D97-AF65-F5344CB8AC3E}">
-        <p14:creationId xmlns:p14="http://schemas.microsoft.com/office/powerpoint/2010/main" val="3565964115"/>
+        <p14:creationId xmlns:p14="http://schemas.microsoft.com/office/powerpoint/2010/main" val="1068389802"/>
       </p:ext>
     </p:extLst>
   </p:cSld>
@@ -25874,8 +25790,8 @@
         </p:nvSpPr>
         <p:spPr>
           <a:xfrm>
-            <a:off x="677333" y="620689"/>
-            <a:ext cx="8596668" cy="5420674"/>
+            <a:off x="677333" y="620688"/>
+            <a:ext cx="8596668" cy="6048672"/>
           </a:xfrm>
         </p:spPr>
         <p:txBody>
@@ -25886,104 +25802,164 @@
               <a:buSzPct val="80000"/>
             </a:pPr>
             <a:r>
-              <a:rPr lang="en-US" sz="1200" dirty="0"/>
-              <a:t>Dealing with Iframes</a:t>
+              <a:rPr lang="en-US" sz="1100" dirty="0"/>
+              <a:t>Dealing with Windows and Tabs</a:t>
             </a:r>
           </a:p>
           <a:p>
             <a:pPr lvl="1" fontAlgn="base"/>
             <a:r>
-              <a:rPr lang="en-US" sz="1200" dirty="0"/>
-              <a:t>Switching to Iframe:</a:t>
-            </a:r>
-            <a:endParaRPr lang="en-IN" sz="1200" dirty="0"/>
+              <a:rPr lang="en-US" sz="1100" dirty="0" err="1"/>
+              <a:t>getWindowHandle</a:t>
+            </a:r>
+            <a:r>
+              <a:rPr lang="en-US" sz="1100" dirty="0"/>
+              <a:t>() method</a:t>
+            </a:r>
           </a:p>
           <a:p>
             <a:pPr lvl="2" fontAlgn="base"/>
             <a:r>
-              <a:rPr lang="en-IN" sz="1200" dirty="0" err="1"/>
+              <a:rPr lang="en-US" sz="900" dirty="0"/>
+              <a:t>Returns the handle of the window currently in possession</a:t>
+            </a:r>
+          </a:p>
+          <a:p>
+            <a:pPr lvl="1" fontAlgn="base"/>
+            <a:r>
+              <a:rPr lang="en-US" sz="1100" dirty="0" err="1"/>
+              <a:t>getWindowHandles</a:t>
+            </a:r>
+            <a:r>
+              <a:rPr lang="en-US" sz="1100" dirty="0"/>
+              <a:t>() method</a:t>
+            </a:r>
+          </a:p>
+          <a:p>
+            <a:pPr lvl="2" fontAlgn="base"/>
+            <a:r>
+              <a:rPr lang="en-US" sz="900" dirty="0"/>
+              <a:t>Returns set of all window handles</a:t>
+            </a:r>
+          </a:p>
+          <a:p>
+            <a:pPr lvl="1" fontAlgn="base"/>
+            <a:r>
+              <a:rPr lang="en-GB" sz="1100" dirty="0" err="1"/>
               <a:t>driver.switchTo</a:t>
             </a:r>
             <a:r>
-              <a:rPr lang="en-IN" sz="1200" dirty="0"/>
-              <a:t>().frame(index)</a:t>
-            </a:r>
-            <a:endParaRPr lang="en-US" sz="1200" dirty="0"/>
+              <a:rPr lang="en-GB" sz="1100" dirty="0"/>
+              <a:t>().window(</a:t>
+            </a:r>
+            <a:r>
+              <a:rPr lang="en-GB" sz="1100" dirty="0" err="1"/>
+              <a:t>winHandle</a:t>
+            </a:r>
+            <a:r>
+              <a:rPr lang="en-GB" sz="1100" dirty="0"/>
+              <a:t>);</a:t>
+            </a:r>
+            <a:endParaRPr lang="en-US" sz="1100" dirty="0"/>
           </a:p>
           <a:p>
             <a:pPr lvl="2" fontAlgn="base"/>
             <a:r>
-              <a:rPr lang="en-IN" sz="1200" dirty="0" err="1"/>
-              <a:t>driver.switchTo</a:t>
-            </a:r>
-            <a:r>
-              <a:rPr lang="en-IN" sz="1200" dirty="0"/>
-              <a:t>().frame(</a:t>
-            </a:r>
-            <a:r>
-              <a:rPr lang="en-IN" sz="1200" dirty="0" err="1"/>
-              <a:t>nameorId</a:t>
-            </a:r>
-            <a:r>
-              <a:rPr lang="en-IN" sz="1200" dirty="0"/>
-              <a:t>)</a:t>
+              <a:rPr lang="en-US" sz="900" dirty="0"/>
+              <a:t>Switching to any particular window </a:t>
+            </a:r>
+          </a:p>
+          <a:p>
+            <a:pPr lvl="1" fontAlgn="base"/>
+            <a:r>
+              <a:rPr lang="en-US" sz="1100" dirty="0"/>
+              <a:t>Switching back to parent window</a:t>
+            </a:r>
+          </a:p>
+          <a:p>
+            <a:pPr lvl="1" fontAlgn="base"/>
+            <a:r>
+              <a:rPr lang="en-US" sz="1100" dirty="0"/>
+              <a:t>Difference between close() and Quit()  methods</a:t>
             </a:r>
           </a:p>
           <a:p>
             <a:pPr lvl="2" fontAlgn="base"/>
             <a:r>
-              <a:rPr lang="en-IN" sz="1200" dirty="0" err="1"/>
-              <a:t>driver.switchTo</a:t>
-            </a:r>
-            <a:r>
-              <a:rPr lang="en-IN" sz="1200" dirty="0"/>
-              <a:t>().frame(</a:t>
-            </a:r>
-            <a:r>
-              <a:rPr lang="en-IN" sz="1200" dirty="0" err="1"/>
-              <a:t>webelement</a:t>
-            </a:r>
-            <a:r>
-              <a:rPr lang="en-IN" sz="1200" dirty="0"/>
-              <a:t>)</a:t>
+              <a:rPr lang="en-US" sz="1050" dirty="0"/>
+              <a:t>Close method closed only window in possession</a:t>
+            </a:r>
+          </a:p>
+          <a:p>
+            <a:pPr lvl="2" fontAlgn="base"/>
+            <a:r>
+              <a:rPr lang="en-US" sz="1050" dirty="0"/>
+              <a:t>Quit method closes all windows</a:t>
             </a:r>
           </a:p>
           <a:p>
             <a:pPr lvl="1" fontAlgn="base"/>
             <a:r>
-              <a:rPr lang="en-US" sz="1200" dirty="0"/>
-              <a:t>Switching back to parent page:</a:t>
+              <a:rPr lang="en-US" sz="1100" dirty="0"/>
+              <a:t>How the whole process works?</a:t>
             </a:r>
           </a:p>
           <a:p>
             <a:pPr lvl="2" fontAlgn="base"/>
             <a:r>
-              <a:rPr lang="en-IN" sz="1200" dirty="0" err="1"/>
-              <a:t>driver.switchTo</a:t>
-            </a:r>
-            <a:r>
-              <a:rPr lang="en-IN" sz="1200" dirty="0"/>
-              <a:t>().</a:t>
-            </a:r>
-            <a:r>
-              <a:rPr lang="en-IN" sz="1200" dirty="0" err="1"/>
-              <a:t>defaultContent</a:t>
-            </a:r>
-            <a:r>
-              <a:rPr lang="en-IN" sz="1200" dirty="0"/>
-              <a:t>()</a:t>
-            </a:r>
-          </a:p>
-          <a:p>
-            <a:pPr lvl="1"/>
-            <a:endParaRPr lang="en-IN" u="sng" dirty="0"/>
-          </a:p>
-          <a:p>
-            <a:pPr lvl="1"/>
+              <a:rPr lang="en-GB" sz="1050" dirty="0"/>
+              <a:t>Identify Parent Window Handle =&gt; Before new window is generated, capture parent window handle</a:t>
+            </a:r>
+          </a:p>
+          <a:p>
+            <a:pPr lvl="2" fontAlgn="base"/>
+            <a:r>
+              <a:rPr lang="en-GB" sz="1050" dirty="0"/>
+              <a:t>Do the action =&gt; Do the action which opens a new child window</a:t>
+            </a:r>
+          </a:p>
+          <a:p>
+            <a:pPr lvl="2" fontAlgn="base"/>
+            <a:r>
+              <a:rPr lang="en-GB" sz="1050" dirty="0"/>
+              <a:t>Identify Child Window Handle =&gt; Get all window handles. Iterate through each of them and identify child window </a:t>
+            </a:r>
+            <a:r>
+              <a:rPr lang="en-GB" sz="1050" dirty="0" err="1"/>
+              <a:t>hanlde</a:t>
+            </a:r>
+            <a:r>
+              <a:rPr lang="en-GB" sz="1050" dirty="0"/>
+              <a:t> by comparing with parent window handle</a:t>
+            </a:r>
+          </a:p>
+          <a:p>
+            <a:pPr lvl="2" fontAlgn="base"/>
+            <a:r>
+              <a:rPr lang="en-GB" sz="1050" dirty="0"/>
+              <a:t>Switch to Child Window handle</a:t>
+            </a:r>
+          </a:p>
+          <a:p>
+            <a:pPr lvl="2" fontAlgn="base"/>
+            <a:r>
+              <a:rPr lang="en-GB" sz="1050" dirty="0"/>
+              <a:t>Perform actions on child window handle and close it</a:t>
+            </a:r>
+          </a:p>
+          <a:p>
+            <a:pPr lvl="2" fontAlgn="base"/>
+            <a:r>
+              <a:rPr lang="en-GB" sz="1050" dirty="0"/>
+              <a:t>Switch back to Parent window </a:t>
+            </a:r>
+            <a:endParaRPr lang="en-US" sz="1050" dirty="0"/>
+          </a:p>
+          <a:p>
+            <a:pPr marL="538481" lvl="1" indent="0" fontAlgn="base">
+              <a:buNone/>
+            </a:pPr>
             <a:endParaRPr lang="en-US" dirty="0"/>
-          </a:p>
-          <a:p>
-            <a:endParaRPr lang="en-IN" dirty="0"/>
           </a:p>
         </p:txBody>
       </p:sp>
@@ -26018,7 +25994,7 @@
     </p:spTree>
     <p:extLst>
       <p:ext uri="{BB962C8B-B14F-4D97-AF65-F5344CB8AC3E}">
-        <p14:creationId xmlns:p14="http://schemas.microsoft.com/office/powerpoint/2010/main" val="1835133059"/>
+        <p14:creationId xmlns:p14="http://schemas.microsoft.com/office/powerpoint/2010/main" val="3565964115"/>
       </p:ext>
     </p:extLst>
   </p:cSld>
@@ -26057,221 +26033,134 @@
         </p:nvSpPr>
         <p:spPr>
           <a:xfrm>
-            <a:off x="677332" y="692696"/>
-            <a:ext cx="8803043" cy="6048671"/>
+            <a:off x="677333" y="620688"/>
+            <a:ext cx="8596668" cy="6048672"/>
           </a:xfrm>
         </p:spPr>
         <p:txBody>
           <a:bodyPr/>
           <a:lstStyle/>
           <a:p>
+            <a:pPr marL="91441" indent="0" fontAlgn="base">
+              <a:buSzPct val="80000"/>
+              <a:buNone/>
+            </a:pPr>
+            <a:endParaRPr lang="en-US" dirty="0"/>
+          </a:p>
+          <a:p>
             <a:pPr fontAlgn="base">
               <a:buSzPct val="80000"/>
             </a:pPr>
             <a:r>
-              <a:rPr lang="en-IN" sz="1200" dirty="0"/>
-              <a:t>Mouse actions</a:t>
+              <a:rPr lang="en-US" sz="1600" dirty="0"/>
+              <a:t>Alert:</a:t>
             </a:r>
           </a:p>
           <a:p>
             <a:pPr lvl="1" fontAlgn="base"/>
             <a:r>
-              <a:rPr lang="en-IN" sz="1200" dirty="0"/>
-              <a:t>click()</a:t>
+              <a:rPr lang="en-US" sz="1400" dirty="0"/>
+              <a:t>Alert should be acknowledged before performing any other action</a:t>
             </a:r>
           </a:p>
           <a:p>
             <a:pPr lvl="1" fontAlgn="base"/>
             <a:r>
-              <a:rPr lang="en-IN" sz="1200" dirty="0" err="1"/>
-              <a:t>clickAndHold</a:t>
-            </a:r>
-            <a:r>
-              <a:rPr lang="en-IN" sz="1200" dirty="0"/>
+              <a:rPr lang="en-US" sz="1400" dirty="0"/>
+              <a:t>We can not perform any other action without acknowledging alert</a:t>
+            </a:r>
+          </a:p>
+          <a:p>
+            <a:pPr fontAlgn="base">
+              <a:buSzPct val="80000"/>
+            </a:pPr>
+            <a:r>
+              <a:rPr lang="en-US" sz="1600" dirty="0"/>
+              <a:t>Dealing with Alerts</a:t>
+            </a:r>
+          </a:p>
+          <a:p>
+            <a:pPr lvl="1" fontAlgn="base"/>
+            <a:r>
+              <a:rPr lang="en-IN" dirty="0" err="1"/>
+              <a:t>driver.switchTo</a:t>
+            </a:r>
+            <a:r>
+              <a:rPr lang="en-IN" dirty="0"/>
+              <a:t>().alert()</a:t>
+            </a:r>
+          </a:p>
+          <a:p>
+            <a:pPr lvl="1" fontAlgn="base"/>
+            <a:r>
+              <a:rPr lang="en-US" dirty="0" err="1"/>
+              <a:t>alert.getText</a:t>
+            </a:r>
+            <a:r>
+              <a:rPr lang="en-US" dirty="0"/>
               <a:t>()</a:t>
             </a:r>
           </a:p>
           <a:p>
+            <a:pPr lvl="2" fontAlgn="base"/>
+            <a:r>
+              <a:rPr lang="en-US" dirty="0"/>
+              <a:t>Gives the text message present on the alert</a:t>
+            </a:r>
+          </a:p>
+          <a:p>
             <a:pPr lvl="1" fontAlgn="base"/>
             <a:r>
-              <a:rPr lang="en-US" sz="1200" dirty="0"/>
-              <a:t>Release()</a:t>
-            </a:r>
-            <a:endParaRPr lang="en-IN" sz="1200" dirty="0"/>
+              <a:rPr lang="en-US" dirty="0" err="1"/>
+              <a:t>alert.accept</a:t>
+            </a:r>
+            <a:r>
+              <a:rPr lang="en-US" dirty="0"/>
+              <a:t>()</a:t>
+            </a:r>
+          </a:p>
+          <a:p>
+            <a:pPr lvl="2" fontAlgn="base"/>
+            <a:r>
+              <a:rPr lang="en-US" dirty="0"/>
+              <a:t>Equivalent to clicking OK/Accept</a:t>
+            </a:r>
           </a:p>
           <a:p>
             <a:pPr lvl="1" fontAlgn="base"/>
             <a:r>
-              <a:rPr lang="en-IN" sz="1200" dirty="0" err="1"/>
-              <a:t>doubleClick</a:t>
-            </a:r>
-            <a:r>
-              <a:rPr lang="en-IN" sz="1200" dirty="0"/>
+              <a:rPr lang="en-US" dirty="0" err="1"/>
+              <a:t>alert.dismiss</a:t>
+            </a:r>
+            <a:r>
+              <a:rPr lang="en-US" dirty="0"/>
               <a:t>()</a:t>
             </a:r>
           </a:p>
           <a:p>
+            <a:pPr lvl="2" fontAlgn="base"/>
+            <a:r>
+              <a:rPr lang="en-US" dirty="0"/>
+              <a:t>Equivalent to clicking Reject/cross button</a:t>
+            </a:r>
+          </a:p>
+          <a:p>
             <a:pPr lvl="1" fontAlgn="base"/>
             <a:r>
-              <a:rPr lang="en-IN" sz="1200" dirty="0" err="1"/>
-              <a:t>moveToElement</a:t>
-            </a:r>
-            <a:r>
-              <a:rPr lang="en-IN" sz="1200" dirty="0"/>
+              <a:rPr lang="en-US" dirty="0" err="1"/>
+              <a:t>Alert.sendKeys</a:t>
+            </a:r>
+            <a:r>
+              <a:rPr lang="en-US" dirty="0"/>
               <a:t>()</a:t>
             </a:r>
           </a:p>
           <a:p>
-            <a:pPr lvl="1" fontAlgn="base"/>
-            <a:r>
-              <a:rPr lang="en-IN" sz="1200" dirty="0" err="1"/>
-              <a:t>dragAndDrop</a:t>
-            </a:r>
-            <a:r>
-              <a:rPr lang="en-IN" sz="1200" dirty="0"/>
-              <a:t>(source, target)</a:t>
-            </a:r>
-          </a:p>
-          <a:p>
             <a:pPr lvl="2" fontAlgn="base"/>
             <a:r>
-              <a:rPr lang="en-US" sz="1200" dirty="0" err="1"/>
-              <a:t>actions.dragAndDrop</a:t>
-            </a:r>
-            <a:r>
-              <a:rPr lang="en-US" sz="1200" dirty="0"/>
-              <a:t>(</a:t>
-            </a:r>
-            <a:r>
-              <a:rPr lang="en-US" sz="1200" dirty="0" err="1"/>
-              <a:t>fromElement,toElement</a:t>
-            </a:r>
-            <a:r>
-              <a:rPr lang="en-US" sz="1200" dirty="0"/>
-              <a:t>).build().perform()</a:t>
-            </a:r>
-            <a:endParaRPr lang="en-IN" sz="1200" dirty="0"/>
-          </a:p>
-          <a:p>
-            <a:pPr lvl="2" fontAlgn="base"/>
-            <a:r>
-              <a:rPr lang="en-IN" sz="1200" dirty="0"/>
-              <a:t>Another way to achieve this:</a:t>
-            </a:r>
-          </a:p>
-          <a:p>
-            <a:pPr lvl="3" fontAlgn="base"/>
-            <a:r>
-              <a:rPr lang="en-US" dirty="0" err="1"/>
-              <a:t>actions.clickAndHold</a:t>
-            </a:r>
-            <a:r>
               <a:rPr lang="en-US" dirty="0"/>
-              <a:t>(</a:t>
-            </a:r>
-            <a:r>
-              <a:rPr lang="en-US" dirty="0" err="1"/>
-              <a:t>fromElement</a:t>
-            </a:r>
-            <a:r>
-              <a:rPr lang="en-US" dirty="0"/>
-              <a:t>).</a:t>
-            </a:r>
-            <a:r>
-              <a:rPr lang="en-US" dirty="0" err="1"/>
-              <a:t>moveTo</a:t>
-            </a:r>
-            <a:r>
-              <a:rPr lang="en-US" dirty="0"/>
-              <a:t>(</a:t>
-            </a:r>
-            <a:r>
-              <a:rPr lang="en-US" dirty="0" err="1"/>
-              <a:t>ToElement</a:t>
-            </a:r>
-            <a:r>
-              <a:rPr lang="en-US" dirty="0"/>
-              <a:t>).release().build().perform()</a:t>
-            </a:r>
-            <a:endParaRPr lang="en-IN" dirty="0"/>
-          </a:p>
-          <a:p>
-            <a:pPr lvl="1" fontAlgn="base"/>
-            <a:r>
-              <a:rPr lang="en-IN" sz="1200" dirty="0" err="1"/>
-              <a:t>contextClick</a:t>
-            </a:r>
-            <a:r>
-              <a:rPr lang="en-IN" sz="1200" dirty="0"/>
-              <a:t>()</a:t>
-            </a:r>
-          </a:p>
-          <a:p>
-            <a:pPr lvl="2" fontAlgn="base"/>
-            <a:r>
-              <a:rPr lang="en-IN" sz="1200" dirty="0"/>
-              <a:t>This method opens context menu corresponding web element passed to it.</a:t>
-            </a:r>
-          </a:p>
-          <a:p>
-            <a:pPr lvl="2" fontAlgn="base"/>
-            <a:r>
-              <a:rPr lang="en-IN" sz="1200" dirty="0"/>
-              <a:t>Once the context menu got opened we need to press keyboard down arrow multiple times to go to the option we want to choose and click enter button.</a:t>
-            </a:r>
-          </a:p>
-          <a:p>
-            <a:pPr lvl="2" fontAlgn="base"/>
-            <a:r>
-              <a:rPr lang="en-IN" sz="1200" dirty="0" err="1"/>
-              <a:t>action.moveToElement</a:t>
-            </a:r>
-            <a:r>
-              <a:rPr lang="en-IN" sz="1200" dirty="0"/>
-              <a:t>(el).</a:t>
-            </a:r>
-            <a:r>
-              <a:rPr lang="en-IN" sz="1200" dirty="0" err="1"/>
-              <a:t>contextClick</a:t>
-            </a:r>
-            <a:r>
-              <a:rPr lang="en-IN" sz="1200" dirty="0"/>
-              <a:t>().</a:t>
-            </a:r>
-            <a:r>
-              <a:rPr lang="en-IN" sz="1200" dirty="0" err="1"/>
-              <a:t>sendKeys</a:t>
-            </a:r>
-            <a:r>
-              <a:rPr lang="en-IN" sz="1200" dirty="0"/>
-              <a:t>(</a:t>
-            </a:r>
-            <a:r>
-              <a:rPr lang="en-IN" sz="1200" dirty="0" err="1"/>
-              <a:t>Keys.ARROW_DOWN</a:t>
-            </a:r>
-            <a:r>
-              <a:rPr lang="en-IN" sz="1200" dirty="0"/>
-              <a:t>).</a:t>
-            </a:r>
-            <a:r>
-              <a:rPr lang="en-IN" sz="1200" dirty="0" err="1"/>
-              <a:t>sendKeys</a:t>
-            </a:r>
-            <a:r>
-              <a:rPr lang="en-IN" sz="1200" dirty="0"/>
-              <a:t>(</a:t>
-            </a:r>
-            <a:r>
-              <a:rPr lang="en-IN" sz="1200" dirty="0" err="1"/>
-              <a:t>Keys.RETURN</a:t>
-            </a:r>
-            <a:r>
-              <a:rPr lang="en-IN" sz="1200" dirty="0"/>
-              <a:t>).build().perform()</a:t>
-            </a:r>
-          </a:p>
-          <a:p>
+              <a:t>To enter data into alert’s prompt box</a:t>
+            </a:r>
             <a:endParaRPr lang="en-IN" dirty="0"/>
           </a:p>
         </p:txBody>
@@ -26298,7 +26187,7 @@
           <a:p>
             <a:r>
               <a:rPr lang="en-US" sz="1400" dirty="0"/>
-              <a:t>Selenium : Actions</a:t>
+              <a:t>Selenium : Dealing with Windows ,Tabs, Alerts and Iframes</a:t>
             </a:r>
             <a:endParaRPr lang="en-IN" sz="1400" dirty="0"/>
           </a:p>
@@ -26307,7 +26196,7 @@
     </p:spTree>
     <p:extLst>
       <p:ext uri="{BB962C8B-B14F-4D97-AF65-F5344CB8AC3E}">
-        <p14:creationId xmlns:p14="http://schemas.microsoft.com/office/powerpoint/2010/main" val="686973639"/>
+        <p14:creationId xmlns:p14="http://schemas.microsoft.com/office/powerpoint/2010/main" val="3283540705"/>
       </p:ext>
     </p:extLst>
   </p:cSld>
@@ -26358,15 +26247,88 @@
               <a:buSzPct val="80000"/>
             </a:pPr>
             <a:r>
+              <a:rPr lang="en-US" sz="1200" dirty="0"/>
+              <a:t>Dealing with Iframes</a:t>
+            </a:r>
+          </a:p>
+          <a:p>
+            <a:pPr lvl="1" fontAlgn="base"/>
+            <a:r>
+              <a:rPr lang="en-US" sz="1200" dirty="0"/>
+              <a:t>Switching to Iframe:</a:t>
+            </a:r>
+            <a:endParaRPr lang="en-IN" sz="1200" dirty="0"/>
+          </a:p>
+          <a:p>
+            <a:pPr lvl="2" fontAlgn="base"/>
+            <a:r>
+              <a:rPr lang="en-IN" sz="1200" dirty="0" err="1"/>
+              <a:t>driver.switchTo</a:t>
+            </a:r>
+            <a:r>
               <a:rPr lang="en-IN" sz="1200" dirty="0"/>
-              <a:t>Keyboard actions</a:t>
+              <a:t>().frame(index)</a:t>
+            </a:r>
+            <a:endParaRPr lang="en-US" sz="1200" dirty="0"/>
+          </a:p>
+          <a:p>
+            <a:pPr lvl="2" fontAlgn="base"/>
+            <a:r>
+              <a:rPr lang="en-IN" sz="1200" dirty="0" err="1"/>
+              <a:t>driver.switchTo</a:t>
+            </a:r>
+            <a:r>
+              <a:rPr lang="en-IN" sz="1200" dirty="0"/>
+              <a:t>().frame(</a:t>
+            </a:r>
+            <a:r>
+              <a:rPr lang="en-IN" sz="1200" dirty="0" err="1"/>
+              <a:t>nameorId</a:t>
+            </a:r>
+            <a:r>
+              <a:rPr lang="en-IN" sz="1200" dirty="0"/>
+              <a:t>)</a:t>
+            </a:r>
+          </a:p>
+          <a:p>
+            <a:pPr lvl="2" fontAlgn="base"/>
+            <a:r>
+              <a:rPr lang="en-IN" sz="1200" dirty="0" err="1"/>
+              <a:t>driver.switchTo</a:t>
+            </a:r>
+            <a:r>
+              <a:rPr lang="en-IN" sz="1200" dirty="0"/>
+              <a:t>().frame(</a:t>
+            </a:r>
+            <a:r>
+              <a:rPr lang="en-IN" sz="1200" dirty="0" err="1"/>
+              <a:t>webelement</a:t>
+            </a:r>
+            <a:r>
+              <a:rPr lang="en-IN" sz="1200" dirty="0"/>
+              <a:t>)</a:t>
             </a:r>
           </a:p>
           <a:p>
             <a:pPr lvl="1" fontAlgn="base"/>
             <a:r>
+              <a:rPr lang="en-US" sz="1200" dirty="0"/>
+              <a:t>Switching back to parent page:</a:t>
+            </a:r>
+          </a:p>
+          <a:p>
+            <a:pPr lvl="2" fontAlgn="base"/>
+            <a:r>
               <a:rPr lang="en-IN" sz="1200" dirty="0" err="1"/>
-              <a:t>sendKeys</a:t>
+              <a:t>driver.switchTo</a:t>
+            </a:r>
+            <a:r>
+              <a:rPr lang="en-IN" sz="1200" dirty="0"/>
+              <a:t>().</a:t>
+            </a:r>
+            <a:r>
+              <a:rPr lang="en-IN" sz="1200" dirty="0" err="1"/>
+              <a:t>defaultContent</a:t>
             </a:r>
             <a:r>
               <a:rPr lang="en-IN" sz="1200" dirty="0"/>
@@ -26374,130 +26336,53 @@
             </a:r>
           </a:p>
           <a:p>
+            <a:pPr marL="985520" lvl="2" indent="0" fontAlgn="base">
+              <a:buNone/>
+            </a:pPr>
+            <a:endParaRPr lang="en-IN" sz="1200" dirty="0"/>
+          </a:p>
+          <a:p>
             <a:pPr lvl="1" fontAlgn="base"/>
             <a:r>
-              <a:rPr lang="en-IN" sz="1200" dirty="0" err="1"/>
-              <a:t>keyDown</a:t>
-            </a:r>
+              <a:rPr lang="en-IN" sz="1400" dirty="0"/>
+              <a:t>Flow:</a:t>
+            </a:r>
+          </a:p>
+          <a:p>
+            <a:pPr lvl="2" fontAlgn="base"/>
             <a:r>
               <a:rPr lang="en-IN" sz="1200" dirty="0"/>
-              <a:t>()</a:t>
-            </a:r>
-          </a:p>
-          <a:p>
-            <a:pPr lvl="1" fontAlgn="base"/>
-            <a:r>
-              <a:rPr lang="en-IN" sz="1200" dirty="0" err="1"/>
-              <a:t>keyUp</a:t>
-            </a:r>
+              <a:t>Open parent page</a:t>
+            </a:r>
+          </a:p>
+          <a:p>
+            <a:pPr lvl="2" fontAlgn="base"/>
             <a:r>
               <a:rPr lang="en-IN" sz="1200" dirty="0"/>
-              <a:t>()</a:t>
-            </a:r>
-          </a:p>
-          <a:p>
-            <a:pPr lvl="1" fontAlgn="base"/>
+              <a:t>Switch to any Iframe</a:t>
+            </a:r>
+          </a:p>
+          <a:p>
+            <a:pPr lvl="2" fontAlgn="base"/>
             <a:r>
               <a:rPr lang="en-IN" sz="1200" dirty="0"/>
-              <a:t>Keys from keyboard can be distinguished into two categories:</a:t>
-            </a:r>
-          </a:p>
-          <a:p>
-            <a:pPr lvl="3" fontAlgn="base"/>
-            <a:r>
-              <a:rPr lang="en-IN" dirty="0"/>
-              <a:t>Modifier keys</a:t>
-            </a:r>
-          </a:p>
-          <a:p>
-            <a:pPr lvl="4" fontAlgn="base"/>
-            <a:r>
-              <a:rPr lang="en-IN" dirty="0"/>
-              <a:t>SHIFT,ALT,CONTROL </a:t>
-            </a:r>
-          </a:p>
-          <a:p>
-            <a:pPr lvl="3" fontAlgn="base"/>
-            <a:r>
-              <a:rPr lang="en-IN" dirty="0"/>
-              <a:t>Non Modifier keys</a:t>
-            </a:r>
-          </a:p>
-          <a:p>
-            <a:pPr lvl="4" fontAlgn="base"/>
-            <a:r>
-              <a:rPr lang="en-IN" dirty="0"/>
-              <a:t>All other keys</a:t>
-            </a:r>
-          </a:p>
-          <a:p>
-            <a:pPr lvl="3" fontAlgn="base"/>
-            <a:r>
-              <a:rPr lang="en-US" dirty="0" err="1"/>
-              <a:t>sendKeys</a:t>
-            </a:r>
-            <a:r>
-              <a:rPr lang="en-US" dirty="0"/>
-              <a:t>() works on all keys</a:t>
-            </a:r>
-          </a:p>
-          <a:p>
-            <a:pPr lvl="4" fontAlgn="base"/>
-            <a:r>
-              <a:rPr lang="en-IN" dirty="0"/>
-              <a:t>el1.sendKeys(</a:t>
-            </a:r>
-            <a:r>
-              <a:rPr lang="en-IN" dirty="0" err="1"/>
-              <a:t>Keys.CONTROL+"a</a:t>
-            </a:r>
-            <a:r>
-              <a:rPr lang="en-IN" dirty="0"/>
-              <a:t>")</a:t>
-            </a:r>
-          </a:p>
-          <a:p>
-            <a:pPr lvl="4" fontAlgn="base"/>
-            <a:r>
-              <a:rPr lang="en-IN" dirty="0"/>
-              <a:t>el1.sendKeys("</a:t>
-            </a:r>
-            <a:r>
-              <a:rPr lang="en-IN" dirty="0" err="1"/>
-              <a:t>abc</a:t>
-            </a:r>
-            <a:r>
-              <a:rPr lang="en-IN" dirty="0"/>
-              <a:t>“)</a:t>
-            </a:r>
+              <a:t>Perform actions inside Iframe</a:t>
+            </a:r>
+          </a:p>
+          <a:p>
+            <a:pPr lvl="2" fontAlgn="base"/>
+            <a:r>
+              <a:rPr lang="en-IN" sz="1200" dirty="0"/>
+              <a:t>Switch back to parent page</a:t>
+            </a:r>
+          </a:p>
+          <a:p>
+            <a:pPr lvl="1"/>
+            <a:endParaRPr lang="en-IN" u="sng" dirty="0"/>
+          </a:p>
+          <a:p>
+            <a:pPr lvl="1"/>
             <a:endParaRPr lang="en-US" dirty="0"/>
-          </a:p>
-          <a:p>
-            <a:pPr lvl="3" fontAlgn="base"/>
-            <a:r>
-              <a:rPr lang="en-IN" dirty="0" err="1"/>
-              <a:t>keyDown</a:t>
-            </a:r>
-            <a:r>
-              <a:rPr lang="en-IN" dirty="0"/>
-              <a:t>() and </a:t>
-            </a:r>
-            <a:r>
-              <a:rPr lang="en-IN" dirty="0" err="1"/>
-              <a:t>keyUp</a:t>
-            </a:r>
-            <a:r>
-              <a:rPr lang="en-IN" dirty="0"/>
-              <a:t>() work only on modifier keys</a:t>
-            </a:r>
-          </a:p>
-          <a:p>
-            <a:pPr lvl="1" fontAlgn="base"/>
-            <a:r>
-              <a:rPr lang="en-US" sz="1200" dirty="0"/>
-              <a:t>Example on modifier keys</a:t>
-            </a:r>
-            <a:endParaRPr lang="en-IN" sz="1200" dirty="0"/>
           </a:p>
           <a:p>
             <a:endParaRPr lang="en-IN" dirty="0"/>
@@ -26526,7 +26411,7 @@
           <a:p>
             <a:r>
               <a:rPr lang="en-US" sz="1400" dirty="0"/>
-              <a:t>Selenium : Actions</a:t>
+              <a:t>Selenium : Dealing with Windows ,Tabs, Alerts and Iframes</a:t>
             </a:r>
             <a:endParaRPr lang="en-IN" sz="1400" dirty="0"/>
           </a:p>
@@ -26535,7 +26420,7 @@
     </p:spTree>
     <p:extLst>
       <p:ext uri="{BB962C8B-B14F-4D97-AF65-F5344CB8AC3E}">
-        <p14:creationId xmlns:p14="http://schemas.microsoft.com/office/powerpoint/2010/main" val="103732742"/>
+        <p14:creationId xmlns:p14="http://schemas.microsoft.com/office/powerpoint/2010/main" val="1835133059"/>
       </p:ext>
     </p:extLst>
   </p:cSld>
@@ -26574,8 +26459,8 @@
         </p:nvSpPr>
         <p:spPr>
           <a:xfrm>
-            <a:off x="677333" y="609601"/>
-            <a:ext cx="8596668" cy="5431762"/>
+            <a:off x="677332" y="692696"/>
+            <a:ext cx="8803043" cy="6048671"/>
           </a:xfrm>
         </p:spPr>
         <p:txBody>
@@ -26586,56 +26471,18 @@
               <a:buSzPct val="80000"/>
             </a:pPr>
             <a:r>
-              <a:rPr lang="en-US" sz="1200" dirty="0"/>
-              <a:t>Navigation interface</a:t>
-            </a:r>
-          </a:p>
-          <a:p>
-            <a:pPr lvl="1" fontAlgn="base"/>
-            <a:r>
-              <a:rPr lang="en-US" sz="1200" dirty="0" err="1"/>
-              <a:t>driver.navigate</a:t>
-            </a:r>
-            <a:r>
-              <a:rPr lang="en-US" sz="1200" dirty="0"/>
-              <a:t>().to()</a:t>
-            </a:r>
-          </a:p>
-          <a:p>
-            <a:pPr lvl="1" fontAlgn="base"/>
-            <a:r>
-              <a:rPr lang="en-US" sz="1200" dirty="0" err="1"/>
-              <a:t>driver.navigate</a:t>
-            </a:r>
-            <a:r>
-              <a:rPr lang="en-US" sz="1200" dirty="0"/>
-              <a:t>().back()</a:t>
-            </a:r>
-          </a:p>
-          <a:p>
-            <a:pPr lvl="1" fontAlgn="base"/>
-            <a:r>
-              <a:rPr lang="en-US" sz="1200" dirty="0" err="1"/>
-              <a:t>driver.navigate</a:t>
-            </a:r>
-            <a:r>
-              <a:rPr lang="en-US" sz="1200" dirty="0"/>
-              <a:t>().forward()</a:t>
-            </a:r>
-          </a:p>
-          <a:p>
-            <a:pPr lvl="1" fontAlgn="base"/>
-            <a:r>
-              <a:rPr lang="en-US" sz="1200" dirty="0" err="1"/>
-              <a:t>driver.navigate</a:t>
-            </a:r>
-            <a:r>
-              <a:rPr lang="en-US" sz="1200" dirty="0"/>
-              <a:t>().refresh()</a:t>
-            </a:r>
-          </a:p>
-          <a:p>
-            <a:endParaRPr lang="en-IN" dirty="0"/>
+              <a:rPr lang="en-IN" sz="1200" dirty="0"/>
+              <a:t>Mouse actions</a:t>
+            </a:r>
+          </a:p>
+          <a:p>
+            <a:pPr fontAlgn="base">
+              <a:buSzPct val="80000"/>
+            </a:pPr>
+            <a:r>
+              <a:rPr lang="en-IN" sz="1200" dirty="0"/>
+              <a:t>Keyboard Actions</a:t>
+            </a:r>
           </a:p>
         </p:txBody>
       </p:sp>
@@ -26661,7 +26508,7 @@
           <a:p>
             <a:r>
               <a:rPr lang="en-US" sz="1400" dirty="0"/>
-              <a:t>Selenium : Navigation</a:t>
+              <a:t>Selenium : Actions</a:t>
             </a:r>
             <a:endParaRPr lang="en-IN" sz="1400" dirty="0"/>
           </a:p>
@@ -26670,7 +26517,7 @@
     </p:spTree>
     <p:extLst>
       <p:ext uri="{BB962C8B-B14F-4D97-AF65-F5344CB8AC3E}">
-        <p14:creationId xmlns:p14="http://schemas.microsoft.com/office/powerpoint/2010/main" val="1988136971"/>
+        <p14:creationId xmlns:p14="http://schemas.microsoft.com/office/powerpoint/2010/main" val="3728599077"/>
       </p:ext>
     </p:extLst>
   </p:cSld>
@@ -26934,8 +26781,8 @@
         </p:nvSpPr>
         <p:spPr>
           <a:xfrm>
-            <a:off x="677333" y="685801"/>
-            <a:ext cx="8596668" cy="5355562"/>
+            <a:off x="677332" y="692696"/>
+            <a:ext cx="8803043" cy="6048671"/>
           </a:xfrm>
         </p:spPr>
         <p:txBody>
@@ -26946,65 +26793,74 @@
               <a:buSzPct val="80000"/>
             </a:pPr>
             <a:r>
+              <a:rPr lang="en-IN" sz="1200" dirty="0"/>
+              <a:t>Mouse actions</a:t>
+            </a:r>
+          </a:p>
+          <a:p>
+            <a:pPr lvl="1" fontAlgn="base"/>
+            <a:r>
+              <a:rPr lang="en-IN" sz="1200" dirty="0"/>
+              <a:t>click()</a:t>
+            </a:r>
+          </a:p>
+          <a:p>
+            <a:pPr lvl="1" fontAlgn="base"/>
+            <a:r>
+              <a:rPr lang="en-IN" sz="1200" dirty="0" err="1"/>
+              <a:t>moveToElement</a:t>
+            </a:r>
+            <a:r>
+              <a:rPr lang="en-IN" sz="1200" dirty="0"/>
+              <a:t>()</a:t>
+            </a:r>
+          </a:p>
+          <a:p>
+            <a:pPr lvl="1" fontAlgn="base"/>
+            <a:r>
+              <a:rPr lang="en-IN" sz="1200" dirty="0" err="1"/>
+              <a:t>doubleClick</a:t>
+            </a:r>
+            <a:r>
+              <a:rPr lang="en-IN" sz="1200" dirty="0"/>
+              <a:t>()</a:t>
+            </a:r>
+          </a:p>
+          <a:p>
+            <a:pPr lvl="1" fontAlgn="base"/>
+            <a:r>
+              <a:rPr lang="en-IN" sz="1200" dirty="0" err="1"/>
+              <a:t>clickAndHold</a:t>
+            </a:r>
+            <a:r>
+              <a:rPr lang="en-IN" sz="1200" dirty="0"/>
+              <a:t>()</a:t>
+            </a:r>
+          </a:p>
+          <a:p>
+            <a:pPr lvl="1" fontAlgn="base"/>
+            <a:r>
+              <a:rPr lang="en-US" sz="1200" dirty="0"/>
+              <a:t>Release()</a:t>
+            </a:r>
+            <a:endParaRPr lang="en-IN" sz="1200" dirty="0"/>
+          </a:p>
+          <a:p>
+            <a:pPr lvl="1" fontAlgn="base"/>
+            <a:r>
+              <a:rPr lang="en-IN" sz="1200" dirty="0" err="1"/>
+              <a:t>dragAndDrop</a:t>
+            </a:r>
+            <a:r>
+              <a:rPr lang="en-IN" sz="1200" dirty="0"/>
+              <a:t>(source, target)</a:t>
+            </a:r>
+          </a:p>
+          <a:p>
+            <a:pPr lvl="2" fontAlgn="base"/>
+            <a:r>
               <a:rPr lang="en-US" sz="1200" dirty="0" err="1"/>
-              <a:t>TakesScreenshot</a:t>
-            </a:r>
-            <a:r>
-              <a:rPr lang="en-US" sz="1200" dirty="0"/>
-              <a:t> interface </a:t>
-            </a:r>
-          </a:p>
-          <a:p>
-            <a:pPr lvl="1" fontAlgn="base"/>
-            <a:r>
-              <a:rPr lang="en-US" sz="1200" dirty="0"/>
-              <a:t>Indicates a driver that can capture a screenshot and store it.</a:t>
-            </a:r>
-          </a:p>
-          <a:p>
-            <a:pPr lvl="2" fontAlgn="base"/>
-            <a:r>
-              <a:rPr lang="en-US" sz="1000" dirty="0" err="1"/>
-              <a:t>TakesScreenshot</a:t>
-            </a:r>
-            <a:r>
-              <a:rPr lang="en-US" sz="1000" dirty="0"/>
-              <a:t> </a:t>
-            </a:r>
-            <a:r>
-              <a:rPr lang="en-US" sz="1000" dirty="0" err="1"/>
-              <a:t>ts</a:t>
-            </a:r>
-            <a:r>
-              <a:rPr lang="en-US" sz="1000" dirty="0"/>
-              <a:t> = ((</a:t>
-            </a:r>
-            <a:r>
-              <a:rPr lang="en-US" sz="1000" dirty="0" err="1"/>
-              <a:t>TakesScreenshot</a:t>
-            </a:r>
-            <a:r>
-              <a:rPr lang="en-US" sz="1000" dirty="0"/>
-              <a:t>)driver);</a:t>
-            </a:r>
-          </a:p>
-          <a:p>
-            <a:pPr lvl="2" fontAlgn="base"/>
-            <a:r>
-              <a:rPr lang="en-US" sz="1200" dirty="0"/>
-              <a:t>File </a:t>
-            </a:r>
-            <a:r>
-              <a:rPr lang="en-US" sz="1200" dirty="0" err="1"/>
-              <a:t>screenshotFile</a:t>
-            </a:r>
-            <a:r>
-              <a:rPr lang="en-US" sz="1200" dirty="0"/>
-              <a:t> = </a:t>
-            </a:r>
-            <a:r>
-              <a:rPr lang="en-US" sz="1200" dirty="0" err="1"/>
-              <a:t>ts.getScreenshotAs</a:t>
+              <a:t>actions.dragAndDrop</a:t>
             </a:r>
             <a:r>
               <a:rPr lang="en-US" sz="1200" dirty="0"/>
@@ -27012,37 +26868,131 @@
             </a:r>
             <a:r>
               <a:rPr lang="en-US" sz="1200" dirty="0" err="1"/>
-              <a:t>OutputType.FILE</a:t>
+              <a:t>fromElement,toElement</a:t>
             </a:r>
             <a:r>
               <a:rPr lang="en-US" sz="1200" dirty="0"/>
-              <a:t>);</a:t>
-            </a:r>
+              <a:t>).build().perform()</a:t>
+            </a:r>
+            <a:endParaRPr lang="en-IN" sz="1200" dirty="0"/>
           </a:p>
           <a:p>
             <a:pPr lvl="2" fontAlgn="base"/>
             <a:r>
-              <a:rPr lang="en-US" sz="1000" dirty="0" err="1"/>
-              <a:t>FileUtils.copyFile</a:t>
-            </a:r>
-            <a:r>
-              <a:rPr lang="en-US" sz="1000" dirty="0"/>
+              <a:rPr lang="en-IN" sz="1200" dirty="0"/>
+              <a:t>Another way to achieve this:</a:t>
+            </a:r>
+          </a:p>
+          <a:p>
+            <a:pPr lvl="3" fontAlgn="base"/>
+            <a:r>
+              <a:rPr lang="en-US" dirty="0" err="1"/>
+              <a:t>actions.clickAndHold</a:t>
+            </a:r>
+            <a:r>
+              <a:rPr lang="en-US" dirty="0"/>
               <a:t>(</a:t>
             </a:r>
             <a:r>
-              <a:rPr lang="en-US" sz="1000" dirty="0" err="1"/>
-              <a:t>screenshotFile</a:t>
-            </a:r>
-            <a:r>
-              <a:rPr lang="en-US" sz="1000" dirty="0"/>
-              <a:t>, new File("test1.jpg"));</a:t>
-            </a:r>
+              <a:rPr lang="en-US" dirty="0" err="1"/>
+              <a:t>fromElement</a:t>
+            </a:r>
+            <a:r>
+              <a:rPr lang="en-US" dirty="0"/>
+              <a:t>).</a:t>
+            </a:r>
+            <a:r>
+              <a:rPr lang="en-US" dirty="0" err="1"/>
+              <a:t>moveTo</a:t>
+            </a:r>
+            <a:r>
+              <a:rPr lang="en-US" dirty="0"/>
+              <a:t>(</a:t>
+            </a:r>
+            <a:r>
+              <a:rPr lang="en-US" dirty="0" err="1"/>
+              <a:t>ToElement</a:t>
+            </a:r>
+            <a:r>
+              <a:rPr lang="en-US" dirty="0"/>
+              <a:t>).release().build().perform()</a:t>
+            </a:r>
+            <a:endParaRPr lang="en-IN" dirty="0"/>
           </a:p>
           <a:p>
             <a:pPr lvl="1" fontAlgn="base"/>
             <a:r>
-              <a:rPr lang="en-US" sz="1200" dirty="0"/>
-              <a:t>When to take screenshots?</a:t>
+              <a:rPr lang="en-IN" sz="1200" dirty="0" err="1"/>
+              <a:t>contextClick</a:t>
+            </a:r>
+            <a:r>
+              <a:rPr lang="en-IN" sz="1200" dirty="0"/>
+              <a:t>()</a:t>
+            </a:r>
+          </a:p>
+          <a:p>
+            <a:pPr lvl="2" fontAlgn="base"/>
+            <a:r>
+              <a:rPr lang="en-IN" sz="1200" dirty="0"/>
+              <a:t>This method opens context menu corresponding web element passed to it.</a:t>
+            </a:r>
+          </a:p>
+          <a:p>
+            <a:pPr lvl="2" fontAlgn="base"/>
+            <a:r>
+              <a:rPr lang="en-IN" sz="1200" dirty="0"/>
+              <a:t>Once the context menu got opened, we need to press keyboard down arrow multiple times to go to the option we want to choose and click enter button.</a:t>
+            </a:r>
+          </a:p>
+          <a:p>
+            <a:pPr lvl="2" fontAlgn="base"/>
+            <a:r>
+              <a:rPr lang="en-IN" sz="1200" dirty="0" err="1"/>
+              <a:t>action.moveToElement</a:t>
+            </a:r>
+            <a:r>
+              <a:rPr lang="en-IN" sz="1200" dirty="0"/>
+              <a:t>(el).</a:t>
+            </a:r>
+            <a:r>
+              <a:rPr lang="en-IN" sz="1200" dirty="0" err="1"/>
+              <a:t>contextClick</a:t>
+            </a:r>
+            <a:r>
+              <a:rPr lang="en-IN" sz="1200" dirty="0"/>
+              <a:t>().</a:t>
+            </a:r>
+            <a:r>
+              <a:rPr lang="en-IN" sz="1200" dirty="0" err="1"/>
+              <a:t>sendKeys</a:t>
+            </a:r>
+            <a:r>
+              <a:rPr lang="en-IN" sz="1200" dirty="0"/>
+              <a:t>(</a:t>
+            </a:r>
+            <a:r>
+              <a:rPr lang="en-IN" sz="1200" dirty="0" err="1"/>
+              <a:t>Keys.ARROW_DOWN</a:t>
+            </a:r>
+            <a:r>
+              <a:rPr lang="en-IN" sz="1200" dirty="0"/>
+              <a:t>).</a:t>
+            </a:r>
+            <a:r>
+              <a:rPr lang="en-IN" sz="1200" dirty="0" err="1"/>
+              <a:t>sendKeys</a:t>
+            </a:r>
+            <a:r>
+              <a:rPr lang="en-IN" sz="1200" dirty="0"/>
+              <a:t>(</a:t>
+            </a:r>
+            <a:r>
+              <a:rPr lang="en-IN" sz="1200" dirty="0" err="1"/>
+              <a:t>Keys.RETURN</a:t>
+            </a:r>
+            <a:r>
+              <a:rPr lang="en-IN" sz="1200" dirty="0"/>
+              <a:t>).build().perform()</a:t>
             </a:r>
           </a:p>
         </p:txBody>
@@ -27069,13 +27019,18 @@
           <a:p>
             <a:r>
               <a:rPr lang="en-US" sz="1400" dirty="0"/>
-              <a:t>Selenium : Taking Screenshots</a:t>
+              <a:t>Selenium : Actions</a:t>
             </a:r>
             <a:endParaRPr lang="en-IN" sz="1400" dirty="0"/>
           </a:p>
         </p:txBody>
       </p:sp>
     </p:spTree>
+    <p:extLst>
+      <p:ext uri="{BB962C8B-B14F-4D97-AF65-F5344CB8AC3E}">
+        <p14:creationId xmlns:p14="http://schemas.microsoft.com/office/powerpoint/2010/main" val="686973639"/>
+      </p:ext>
+    </p:extLst>
   </p:cSld>
   <p:clrMapOvr>
     <a:masterClrMapping/>
@@ -27112,8 +27067,8 @@
         </p:nvSpPr>
         <p:spPr>
           <a:xfrm>
-            <a:off x="677333" y="685801"/>
-            <a:ext cx="8596668" cy="5355562"/>
+            <a:off x="677333" y="620689"/>
+            <a:ext cx="8596668" cy="5420674"/>
           </a:xfrm>
         </p:spPr>
         <p:txBody>
@@ -27123,123 +27078,68 @@
             <a:pPr fontAlgn="base">
               <a:buSzPct val="80000"/>
             </a:pPr>
-            <a:r>
-              <a:rPr lang="en-US" sz="1200" dirty="0"/>
-              <a:t>JavascriptExecutor Interface</a:t>
-            </a:r>
-          </a:p>
-          <a:p>
-            <a:pPr lvl="1" fontAlgn="base"/>
-            <a:r>
-              <a:rPr lang="en-US" sz="1200" dirty="0"/>
-              <a:t>JavaScriptExecutor is an interface which provides mechanism to execute JavaScript through selenium driver</a:t>
-            </a:r>
-          </a:p>
-          <a:p>
-            <a:pPr lvl="1" fontAlgn="base"/>
-            <a:r>
-              <a:rPr lang="en-US" sz="1200" dirty="0"/>
-              <a:t>Sample JavaScript:</a:t>
+            <a:endParaRPr lang="en-IN" sz="1200" dirty="0"/>
+          </a:p>
+          <a:p>
+            <a:pPr fontAlgn="base"/>
+            <a:r>
+              <a:rPr lang="en-IN" sz="1400" dirty="0"/>
+              <a:t>Keys from keyboard can be distinguished into two categories:</a:t>
             </a:r>
           </a:p>
           <a:p>
             <a:pPr lvl="2" fontAlgn="base"/>
             <a:r>
-              <a:rPr lang="en-US" sz="1200" dirty="0"/>
-              <a:t>Scroll Page</a:t>
+              <a:rPr lang="en-IN" dirty="0"/>
+              <a:t>Modifier keys =&gt; Use only </a:t>
+            </a:r>
+            <a:r>
+              <a:rPr lang="en-IN" dirty="0" err="1"/>
+              <a:t>KeyDown</a:t>
+            </a:r>
+            <a:r>
+              <a:rPr lang="en-IN" dirty="0"/>
+              <a:t> and </a:t>
+            </a:r>
+            <a:r>
+              <a:rPr lang="en-IN" dirty="0" err="1"/>
+              <a:t>KeyUP</a:t>
+            </a:r>
+            <a:r>
+              <a:rPr lang="en-IN" dirty="0"/>
+              <a:t> methods</a:t>
             </a:r>
           </a:p>
           <a:p>
             <a:pPr lvl="3" fontAlgn="base"/>
             <a:r>
-              <a:rPr lang="en-US" dirty="0" err="1"/>
-              <a:t>js.executeScript</a:t>
-            </a:r>
-            <a:r>
-              <a:rPr lang="en-US" dirty="0"/>
-              <a:t>("</a:t>
-            </a:r>
-            <a:r>
-              <a:rPr lang="en-US" dirty="0" err="1"/>
-              <a:t>window.scrollBy</a:t>
-            </a:r>
-            <a:r>
-              <a:rPr lang="en-US" dirty="0"/>
-              <a:t>(0,150)");</a:t>
+              <a:rPr lang="en-IN" dirty="0"/>
+              <a:t>SHIFT,ALT,CONTROL </a:t>
             </a:r>
           </a:p>
           <a:p>
             <a:pPr lvl="2" fontAlgn="base"/>
             <a:r>
-              <a:rPr lang="en-US" sz="1200" dirty="0"/>
-              <a:t>Get Title of a </a:t>
-            </a:r>
-            <a:r>
-              <a:rPr lang="en-US" sz="1200" dirty="0" err="1"/>
-              <a:t>WebPage</a:t>
-            </a:r>
-            <a:endParaRPr lang="en-US" sz="1200" dirty="0"/>
+              <a:rPr lang="en-IN" dirty="0"/>
+              <a:t>Non-Modifier keys =&gt; Use only </a:t>
+            </a:r>
+            <a:r>
+              <a:rPr lang="en-IN" dirty="0" err="1"/>
+              <a:t>sendKeys</a:t>
+            </a:r>
+            <a:endParaRPr lang="en-IN" dirty="0"/>
           </a:p>
           <a:p>
             <a:pPr lvl="3" fontAlgn="base"/>
             <a:r>
-              <a:rPr lang="en-US" dirty="0"/>
-              <a:t>string </a:t>
-            </a:r>
-            <a:r>
-              <a:rPr lang="en-US" dirty="0" err="1"/>
-              <a:t>sText</a:t>
-            </a:r>
-            <a:r>
-              <a:rPr lang="en-US" dirty="0"/>
-              <a:t> =  </a:t>
-            </a:r>
-            <a:r>
-              <a:rPr lang="en-US" dirty="0" err="1"/>
-              <a:t>js.executeScript</a:t>
-            </a:r>
-            <a:r>
-              <a:rPr lang="en-US" dirty="0"/>
-              <a:t>("return </a:t>
-            </a:r>
-            <a:r>
-              <a:rPr lang="en-US" dirty="0" err="1"/>
-              <a:t>document.title</a:t>
-            </a:r>
-            <a:r>
-              <a:rPr lang="en-US" dirty="0"/>
-              <a:t>;").</a:t>
-            </a:r>
-            <a:r>
-              <a:rPr lang="en-US" dirty="0" err="1"/>
-              <a:t>toString</a:t>
-            </a:r>
-            <a:r>
-              <a:rPr lang="en-US" dirty="0"/>
-              <a:t>();</a:t>
-            </a:r>
-          </a:p>
-          <a:p>
-            <a:pPr lvl="2" fontAlgn="base"/>
-            <a:r>
-              <a:rPr lang="en-US" sz="1200" dirty="0"/>
-              <a:t>Click element</a:t>
-            </a:r>
-          </a:p>
-          <a:p>
-            <a:pPr lvl="3" fontAlgn="base"/>
-            <a:r>
-              <a:rPr lang="en-US" dirty="0" err="1"/>
-              <a:t>js.executeScript</a:t>
-            </a:r>
-            <a:r>
-              <a:rPr lang="en-US" dirty="0"/>
-              <a:t>("arguments[0].click();", element);</a:t>
-            </a:r>
-          </a:p>
-          <a:p>
-            <a:pPr lvl="2"/>
-            <a:endParaRPr lang="en-US" dirty="0"/>
+              <a:rPr lang="en-IN" dirty="0"/>
+              <a:t>All </a:t>
+            </a:r>
+            <a:r>
+              <a:rPr lang="en-IN"/>
+              <a:t>other keys</a:t>
+            </a:r>
+            <a:endParaRPr lang="en-IN" sz="1200" dirty="0"/>
           </a:p>
         </p:txBody>
       </p:sp>
@@ -27265,13 +27165,18 @@
           <a:p>
             <a:r>
               <a:rPr lang="en-US" sz="1400" dirty="0"/>
-              <a:t>Selenium : Executing JavaScript</a:t>
+              <a:t>Selenium : Actions</a:t>
             </a:r>
             <a:endParaRPr lang="en-IN" sz="1400" dirty="0"/>
           </a:p>
         </p:txBody>
       </p:sp>
     </p:spTree>
+    <p:extLst>
+      <p:ext uri="{BB962C8B-B14F-4D97-AF65-F5344CB8AC3E}">
+        <p14:creationId xmlns:p14="http://schemas.microsoft.com/office/powerpoint/2010/main" val="103732742"/>
+      </p:ext>
+    </p:extLst>
   </p:cSld>
   <p:clrMapOvr>
     <a:masterClrMapping/>
@@ -27298,33 +27203,6 @@
       </p:grpSpPr>
       <p:sp>
         <p:nvSpPr>
-          <p:cNvPr id="2" name="Title 1"/>
-          <p:cNvSpPr>
-            <a:spLocks noGrp="1"/>
-          </p:cNvSpPr>
-          <p:nvPr>
-            <p:ph type="title"/>
-          </p:nvPr>
-        </p:nvSpPr>
-        <p:spPr>
-          <a:xfrm>
-            <a:off x="838200" y="152400"/>
-            <a:ext cx="8596668" cy="304800"/>
-          </a:xfrm>
-        </p:spPr>
-        <p:txBody>
-          <a:bodyPr/>
-          <a:lstStyle/>
-          <a:p>
-            <a:r>
-              <a:rPr lang="en-US" sz="1400" dirty="0"/>
-              <a:t>Selenium : Waits</a:t>
-            </a:r>
-          </a:p>
-        </p:txBody>
-      </p:sp>
-      <p:sp>
-        <p:nvSpPr>
           <p:cNvPr id="3" name="Text Placeholder 2"/>
           <p:cNvSpPr>
             <a:spLocks noGrp="1"/>
@@ -27335,8 +27213,8 @@
         </p:nvSpPr>
         <p:spPr>
           <a:xfrm>
-            <a:off x="914400" y="457200"/>
-            <a:ext cx="8596668" cy="5203162"/>
+            <a:off x="677333" y="609601"/>
+            <a:ext cx="8596668" cy="5431762"/>
           </a:xfrm>
         </p:spPr>
         <p:txBody>
@@ -27348,107 +27226,92 @@
             </a:pPr>
             <a:r>
               <a:rPr lang="en-US" sz="1200" dirty="0"/>
-              <a:t>Why Waits?</a:t>
+              <a:t>Navigation interface</a:t>
             </a:r>
           </a:p>
           <a:p>
             <a:pPr lvl="1" fontAlgn="base"/>
             <a:r>
+              <a:rPr lang="en-US" sz="1200" dirty="0" err="1"/>
+              <a:t>driver.navigate</a:t>
+            </a:r>
+            <a:r>
               <a:rPr lang="en-US" sz="1200" dirty="0"/>
-              <a:t>Elements takes time to load in the web page</a:t>
-            </a:r>
-          </a:p>
-          <a:p>
-            <a:pPr lvl="2" fontAlgn="base"/>
+              <a:t>().to()</a:t>
+            </a:r>
+          </a:p>
+          <a:p>
+            <a:pPr lvl="1" fontAlgn="base"/>
+            <a:r>
+              <a:rPr lang="en-US" sz="1200" dirty="0" err="1"/>
+              <a:t>driver.navigate</a:t>
+            </a:r>
             <a:r>
               <a:rPr lang="en-US" sz="1200" dirty="0"/>
-              <a:t>An element not being present at all in the DOM.</a:t>
-            </a:r>
-          </a:p>
-          <a:p>
-            <a:pPr lvl="2" fontAlgn="base"/>
+              <a:t>().back()</a:t>
+            </a:r>
+          </a:p>
+          <a:p>
+            <a:pPr lvl="1" fontAlgn="base"/>
+            <a:r>
+              <a:rPr lang="en-US" sz="1200" dirty="0" err="1"/>
+              <a:t>driver.navigate</a:t>
+            </a:r>
             <a:r>
               <a:rPr lang="en-US" sz="1200" dirty="0"/>
-              <a:t>An element being present in the DOM but not visible.</a:t>
-            </a:r>
-          </a:p>
-          <a:p>
-            <a:pPr lvl="2" fontAlgn="base"/>
+              <a:t>().forward()</a:t>
+            </a:r>
+          </a:p>
+          <a:p>
+            <a:pPr lvl="1" fontAlgn="base"/>
+            <a:r>
+              <a:rPr lang="en-US" sz="1200" dirty="0" err="1"/>
+              <a:t>driver.navigate</a:t>
+            </a:r>
             <a:r>
               <a:rPr lang="en-US" sz="1200" dirty="0"/>
-              <a:t>An element being present in the DOM but not enabled. (i.e. clickable)</a:t>
-            </a:r>
-          </a:p>
-          <a:p>
-            <a:pPr lvl="1" fontAlgn="base"/>
-            <a:r>
-              <a:rPr lang="en-US" sz="1200" dirty="0"/>
-              <a:t>AJAX </a:t>
-            </a:r>
-          </a:p>
-          <a:p>
-            <a:pPr lvl="2" fontAlgn="base"/>
-            <a:r>
-              <a:rPr lang="en-US" sz="1200" dirty="0"/>
-              <a:t>Asynchronous JavaScript and XML</a:t>
-            </a:r>
-          </a:p>
-          <a:p>
-            <a:pPr lvl="2" fontAlgn="base"/>
-            <a:r>
-              <a:rPr lang="en-US" sz="1200" dirty="0"/>
-              <a:t>Ajax allows content on Web pages to update immediately  without page load</a:t>
-            </a:r>
-          </a:p>
-          <a:p>
-            <a:pPr fontAlgn="base">
-              <a:buSzPct val="80000"/>
-            </a:pPr>
-            <a:r>
-              <a:rPr lang="en-US" sz="1200" dirty="0"/>
-              <a:t>Wait Interface</a:t>
-            </a:r>
-          </a:p>
-          <a:p>
-            <a:pPr lvl="1" fontAlgn="base"/>
-            <a:r>
-              <a:rPr lang="en-US" sz="1200" dirty="0"/>
-              <a:t>Wait interface</a:t>
-            </a:r>
-          </a:p>
-          <a:p>
-            <a:pPr lvl="1" fontAlgn="base"/>
-            <a:r>
-              <a:rPr lang="en-US" sz="1200" dirty="0" err="1"/>
-              <a:t>FluentWait</a:t>
-            </a:r>
-            <a:r>
-              <a:rPr lang="en-US" sz="1200" dirty="0"/>
-              <a:t> implements Wait</a:t>
-            </a:r>
-          </a:p>
-          <a:p>
-            <a:pPr lvl="1" fontAlgn="base"/>
-            <a:r>
-              <a:rPr lang="en-US" sz="1200" dirty="0" err="1"/>
-              <a:t>WebDriverWait</a:t>
-            </a:r>
-            <a:r>
-              <a:rPr lang="en-US" sz="1200" dirty="0"/>
-              <a:t> extends </a:t>
-            </a:r>
-            <a:r>
-              <a:rPr lang="en-US" sz="1200" dirty="0" err="1"/>
-              <a:t>FluentWait</a:t>
-            </a:r>
-            <a:endParaRPr lang="en-US" sz="1200" dirty="0"/>
-          </a:p>
-          <a:p>
-            <a:endParaRPr lang="en-US" dirty="0"/>
+              <a:t>().refresh()</a:t>
+            </a:r>
+          </a:p>
+          <a:p>
+            <a:endParaRPr lang="en-IN" dirty="0"/>
+          </a:p>
+        </p:txBody>
+      </p:sp>
+      <p:sp>
+        <p:nvSpPr>
+          <p:cNvPr id="4" name="Title 1"/>
+          <p:cNvSpPr>
+            <a:spLocks noGrp="1"/>
+          </p:cNvSpPr>
+          <p:nvPr>
+            <p:ph type="title"/>
+          </p:nvPr>
+        </p:nvSpPr>
+        <p:spPr>
+          <a:xfrm>
+            <a:off x="695400" y="188640"/>
+            <a:ext cx="8596668" cy="360040"/>
+          </a:xfrm>
+        </p:spPr>
+        <p:txBody>
+          <a:bodyPr/>
+          <a:lstStyle/>
+          <a:p>
+            <a:r>
+              <a:rPr lang="en-US" sz="1400" dirty="0"/>
+              <a:t>Selenium : Navigation</a:t>
+            </a:r>
+            <a:endParaRPr lang="en-IN" sz="1400" dirty="0"/>
           </a:p>
         </p:txBody>
       </p:sp>
     </p:spTree>
+    <p:extLst>
+      <p:ext uri="{BB962C8B-B14F-4D97-AF65-F5344CB8AC3E}">
+        <p14:creationId xmlns:p14="http://schemas.microsoft.com/office/powerpoint/2010/main" val="1988136971"/>
+      </p:ext>
+    </p:extLst>
   </p:cSld>
   <p:clrMapOvr>
     <a:masterClrMapping/>
@@ -27485,6 +27348,557 @@
         </p:nvSpPr>
         <p:spPr>
           <a:xfrm>
+            <a:off x="677333" y="685801"/>
+            <a:ext cx="8596668" cy="5355562"/>
+          </a:xfrm>
+        </p:spPr>
+        <p:txBody>
+          <a:bodyPr/>
+          <a:lstStyle/>
+          <a:p>
+            <a:pPr fontAlgn="base">
+              <a:buSzPct val="80000"/>
+            </a:pPr>
+            <a:r>
+              <a:rPr lang="en-US" sz="1200" dirty="0" err="1"/>
+              <a:t>TakesScreenshot</a:t>
+            </a:r>
+            <a:r>
+              <a:rPr lang="en-US" sz="1200" dirty="0"/>
+              <a:t> interface </a:t>
+            </a:r>
+          </a:p>
+          <a:p>
+            <a:pPr lvl="1" fontAlgn="base"/>
+            <a:r>
+              <a:rPr lang="en-US" sz="1200" dirty="0"/>
+              <a:t>Indicates a driver that can capture a screenshot and store it.</a:t>
+            </a:r>
+          </a:p>
+          <a:p>
+            <a:pPr lvl="2" fontAlgn="base"/>
+            <a:r>
+              <a:rPr lang="en-US" sz="1000" dirty="0" err="1"/>
+              <a:t>TakesScreenshot</a:t>
+            </a:r>
+            <a:r>
+              <a:rPr lang="en-US" sz="1000" dirty="0"/>
+              <a:t> </a:t>
+            </a:r>
+            <a:r>
+              <a:rPr lang="en-US" sz="1000" dirty="0" err="1"/>
+              <a:t>ts</a:t>
+            </a:r>
+            <a:r>
+              <a:rPr lang="en-US" sz="1000" dirty="0"/>
+              <a:t> = ((</a:t>
+            </a:r>
+            <a:r>
+              <a:rPr lang="en-US" sz="1000" dirty="0" err="1"/>
+              <a:t>TakesScreenshot</a:t>
+            </a:r>
+            <a:r>
+              <a:rPr lang="en-US" sz="1000" dirty="0"/>
+              <a:t>)driver);</a:t>
+            </a:r>
+          </a:p>
+          <a:p>
+            <a:pPr lvl="2" fontAlgn="base"/>
+            <a:r>
+              <a:rPr lang="en-US" sz="1200" dirty="0"/>
+              <a:t>File </a:t>
+            </a:r>
+            <a:r>
+              <a:rPr lang="en-US" sz="1200" dirty="0" err="1"/>
+              <a:t>screenshotFile</a:t>
+            </a:r>
+            <a:r>
+              <a:rPr lang="en-US" sz="1200" dirty="0"/>
+              <a:t> = </a:t>
+            </a:r>
+            <a:r>
+              <a:rPr lang="en-US" sz="1200" dirty="0" err="1"/>
+              <a:t>ts.getScreenshotAs</a:t>
+            </a:r>
+            <a:r>
+              <a:rPr lang="en-US" sz="1200" dirty="0"/>
+              <a:t>(</a:t>
+            </a:r>
+            <a:r>
+              <a:rPr lang="en-US" sz="1200" dirty="0" err="1"/>
+              <a:t>OutputType.FILE</a:t>
+            </a:r>
+            <a:r>
+              <a:rPr lang="en-US" sz="1200" dirty="0"/>
+              <a:t>);</a:t>
+            </a:r>
+          </a:p>
+          <a:p>
+            <a:pPr lvl="2" fontAlgn="base"/>
+            <a:r>
+              <a:rPr lang="en-US" sz="1000" dirty="0" err="1"/>
+              <a:t>FileUtils.copyFile</a:t>
+            </a:r>
+            <a:r>
+              <a:rPr lang="en-US" sz="1000" dirty="0"/>
+              <a:t>(</a:t>
+            </a:r>
+            <a:r>
+              <a:rPr lang="en-US" sz="1000" dirty="0" err="1"/>
+              <a:t>screenshotFile</a:t>
+            </a:r>
+            <a:r>
+              <a:rPr lang="en-US" sz="1000" dirty="0"/>
+              <a:t>, new File("test1.jpg"));</a:t>
+            </a:r>
+          </a:p>
+          <a:p>
+            <a:pPr lvl="1" fontAlgn="base"/>
+            <a:r>
+              <a:rPr lang="en-US" sz="1200" dirty="0"/>
+              <a:t>When to take screenshots?</a:t>
+            </a:r>
+          </a:p>
+        </p:txBody>
+      </p:sp>
+      <p:sp>
+        <p:nvSpPr>
+          <p:cNvPr id="4" name="Title 1"/>
+          <p:cNvSpPr>
+            <a:spLocks noGrp="1"/>
+          </p:cNvSpPr>
+          <p:nvPr>
+            <p:ph type="title"/>
+          </p:nvPr>
+        </p:nvSpPr>
+        <p:spPr>
+          <a:xfrm>
+            <a:off x="695400" y="188640"/>
+            <a:ext cx="8596668" cy="360040"/>
+          </a:xfrm>
+        </p:spPr>
+        <p:txBody>
+          <a:bodyPr/>
+          <a:lstStyle/>
+          <a:p>
+            <a:r>
+              <a:rPr lang="en-US" sz="1400" dirty="0"/>
+              <a:t>Selenium : Taking Screenshots</a:t>
+            </a:r>
+            <a:endParaRPr lang="en-IN" sz="1400" dirty="0"/>
+          </a:p>
+        </p:txBody>
+      </p:sp>
+    </p:spTree>
+  </p:cSld>
+  <p:clrMapOvr>
+    <a:masterClrMapping/>
+  </p:clrMapOvr>
+</p:sld>
+</file>
+
+<file path=ppt/slides/slide34.xml><?xml version="1.0" encoding="utf-8"?>
+<p:sld xmlns:a="http://schemas.openxmlformats.org/drawingml/2006/main" xmlns:r="http://schemas.openxmlformats.org/officeDocument/2006/relationships" xmlns:p="http://schemas.openxmlformats.org/presentationml/2006/main">
+  <p:cSld>
+    <p:spTree>
+      <p:nvGrpSpPr>
+        <p:cNvPr id="1" name=""/>
+        <p:cNvGrpSpPr/>
+        <p:nvPr/>
+      </p:nvGrpSpPr>
+      <p:grpSpPr>
+        <a:xfrm>
+          <a:off x="0" y="0"/>
+          <a:ext cx="0" cy="0"/>
+          <a:chOff x="0" y="0"/>
+          <a:chExt cx="0" cy="0"/>
+        </a:xfrm>
+      </p:grpSpPr>
+      <p:sp>
+        <p:nvSpPr>
+          <p:cNvPr id="3" name="Text Placeholder 2"/>
+          <p:cNvSpPr>
+            <a:spLocks noGrp="1"/>
+          </p:cNvSpPr>
+          <p:nvPr>
+            <p:ph type="body" idx="1"/>
+          </p:nvPr>
+        </p:nvSpPr>
+        <p:spPr>
+          <a:xfrm>
+            <a:off x="677333" y="685801"/>
+            <a:ext cx="8596668" cy="5355562"/>
+          </a:xfrm>
+        </p:spPr>
+        <p:txBody>
+          <a:bodyPr/>
+          <a:lstStyle/>
+          <a:p>
+            <a:pPr fontAlgn="base">
+              <a:buSzPct val="80000"/>
+            </a:pPr>
+            <a:r>
+              <a:rPr lang="en-US" sz="1200" dirty="0"/>
+              <a:t>JavascriptExecutor Interface</a:t>
+            </a:r>
+          </a:p>
+          <a:p>
+            <a:pPr lvl="1" fontAlgn="base"/>
+            <a:r>
+              <a:rPr lang="en-US" sz="1200" dirty="0"/>
+              <a:t>JavaScriptExecutor is an interface which provides mechanism to execute JavaScript through selenium driver</a:t>
+            </a:r>
+          </a:p>
+          <a:p>
+            <a:pPr lvl="1" fontAlgn="base"/>
+            <a:r>
+              <a:rPr lang="en-US" sz="1200" dirty="0"/>
+              <a:t>Sample JavaScript:</a:t>
+            </a:r>
+          </a:p>
+          <a:p>
+            <a:pPr lvl="2" fontAlgn="base"/>
+            <a:r>
+              <a:rPr lang="en-US" sz="1200" dirty="0"/>
+              <a:t>Scroll Page</a:t>
+            </a:r>
+          </a:p>
+          <a:p>
+            <a:pPr lvl="3" fontAlgn="base"/>
+            <a:r>
+              <a:rPr lang="en-US" dirty="0" err="1"/>
+              <a:t>js.executeScript</a:t>
+            </a:r>
+            <a:r>
+              <a:rPr lang="en-US" dirty="0"/>
+              <a:t>("</a:t>
+            </a:r>
+            <a:r>
+              <a:rPr lang="en-US" dirty="0" err="1"/>
+              <a:t>window.scrollBy</a:t>
+            </a:r>
+            <a:r>
+              <a:rPr lang="en-US" dirty="0"/>
+              <a:t>(0,150)");</a:t>
+            </a:r>
+          </a:p>
+          <a:p>
+            <a:pPr lvl="2" fontAlgn="base"/>
+            <a:r>
+              <a:rPr lang="en-US" sz="1200" dirty="0"/>
+              <a:t>Get Title of a </a:t>
+            </a:r>
+            <a:r>
+              <a:rPr lang="en-US" sz="1200" dirty="0" err="1"/>
+              <a:t>WebPage</a:t>
+            </a:r>
+            <a:endParaRPr lang="en-US" sz="1200" dirty="0"/>
+          </a:p>
+          <a:p>
+            <a:pPr lvl="3" fontAlgn="base"/>
+            <a:r>
+              <a:rPr lang="en-US" dirty="0"/>
+              <a:t>string </a:t>
+            </a:r>
+            <a:r>
+              <a:rPr lang="en-US" dirty="0" err="1"/>
+              <a:t>sText</a:t>
+            </a:r>
+            <a:r>
+              <a:rPr lang="en-US" dirty="0"/>
+              <a:t> =  </a:t>
+            </a:r>
+            <a:r>
+              <a:rPr lang="en-US" dirty="0" err="1"/>
+              <a:t>js.executeScript</a:t>
+            </a:r>
+            <a:r>
+              <a:rPr lang="en-US" dirty="0"/>
+              <a:t>("return </a:t>
+            </a:r>
+            <a:r>
+              <a:rPr lang="en-US" dirty="0" err="1"/>
+              <a:t>document.title</a:t>
+            </a:r>
+            <a:r>
+              <a:rPr lang="en-US" dirty="0"/>
+              <a:t>;").</a:t>
+            </a:r>
+            <a:r>
+              <a:rPr lang="en-US" dirty="0" err="1"/>
+              <a:t>toString</a:t>
+            </a:r>
+            <a:r>
+              <a:rPr lang="en-US" dirty="0"/>
+              <a:t>();</a:t>
+            </a:r>
+          </a:p>
+          <a:p>
+            <a:pPr lvl="2" fontAlgn="base"/>
+            <a:r>
+              <a:rPr lang="en-US" sz="1200" dirty="0"/>
+              <a:t>Click element</a:t>
+            </a:r>
+          </a:p>
+          <a:p>
+            <a:pPr lvl="3" fontAlgn="base"/>
+            <a:r>
+              <a:rPr lang="en-US" dirty="0" err="1"/>
+              <a:t>js.executeScript</a:t>
+            </a:r>
+            <a:r>
+              <a:rPr lang="en-US" dirty="0"/>
+              <a:t>("arguments[0].click();", element);</a:t>
+            </a:r>
+          </a:p>
+          <a:p>
+            <a:pPr lvl="2"/>
+            <a:endParaRPr lang="en-US" dirty="0"/>
+          </a:p>
+        </p:txBody>
+      </p:sp>
+      <p:sp>
+        <p:nvSpPr>
+          <p:cNvPr id="4" name="Title 1"/>
+          <p:cNvSpPr>
+            <a:spLocks noGrp="1"/>
+          </p:cNvSpPr>
+          <p:nvPr>
+            <p:ph type="title"/>
+          </p:nvPr>
+        </p:nvSpPr>
+        <p:spPr>
+          <a:xfrm>
+            <a:off x="695400" y="188640"/>
+            <a:ext cx="8596668" cy="360040"/>
+          </a:xfrm>
+        </p:spPr>
+        <p:txBody>
+          <a:bodyPr/>
+          <a:lstStyle/>
+          <a:p>
+            <a:r>
+              <a:rPr lang="en-US" sz="1400" dirty="0"/>
+              <a:t>Selenium : Executing JavaScript</a:t>
+            </a:r>
+            <a:endParaRPr lang="en-IN" sz="1400" dirty="0"/>
+          </a:p>
+        </p:txBody>
+      </p:sp>
+    </p:spTree>
+  </p:cSld>
+  <p:clrMapOvr>
+    <a:masterClrMapping/>
+  </p:clrMapOvr>
+</p:sld>
+</file>
+
+<file path=ppt/slides/slide35.xml><?xml version="1.0" encoding="utf-8"?>
+<p:sld xmlns:a="http://schemas.openxmlformats.org/drawingml/2006/main" xmlns:r="http://schemas.openxmlformats.org/officeDocument/2006/relationships" xmlns:p="http://schemas.openxmlformats.org/presentationml/2006/main">
+  <p:cSld>
+    <p:spTree>
+      <p:nvGrpSpPr>
+        <p:cNvPr id="1" name=""/>
+        <p:cNvGrpSpPr/>
+        <p:nvPr/>
+      </p:nvGrpSpPr>
+      <p:grpSpPr>
+        <a:xfrm>
+          <a:off x="0" y="0"/>
+          <a:ext cx="0" cy="0"/>
+          <a:chOff x="0" y="0"/>
+          <a:chExt cx="0" cy="0"/>
+        </a:xfrm>
+      </p:grpSpPr>
+      <p:sp>
+        <p:nvSpPr>
+          <p:cNvPr id="2" name="Title 1"/>
+          <p:cNvSpPr>
+            <a:spLocks noGrp="1"/>
+          </p:cNvSpPr>
+          <p:nvPr>
+            <p:ph type="title"/>
+          </p:nvPr>
+        </p:nvSpPr>
+        <p:spPr>
+          <a:xfrm>
+            <a:off x="838200" y="152400"/>
+            <a:ext cx="8596668" cy="304800"/>
+          </a:xfrm>
+        </p:spPr>
+        <p:txBody>
+          <a:bodyPr/>
+          <a:lstStyle/>
+          <a:p>
+            <a:r>
+              <a:rPr lang="en-US" sz="1400" dirty="0"/>
+              <a:t>Selenium : Waits</a:t>
+            </a:r>
+          </a:p>
+        </p:txBody>
+      </p:sp>
+      <p:sp>
+        <p:nvSpPr>
+          <p:cNvPr id="3" name="Text Placeholder 2"/>
+          <p:cNvSpPr>
+            <a:spLocks noGrp="1"/>
+          </p:cNvSpPr>
+          <p:nvPr>
+            <p:ph type="body" idx="1"/>
+          </p:nvPr>
+        </p:nvSpPr>
+        <p:spPr>
+          <a:xfrm>
+            <a:off x="914400" y="457200"/>
+            <a:ext cx="8596668" cy="5203162"/>
+          </a:xfrm>
+        </p:spPr>
+        <p:txBody>
+          <a:bodyPr/>
+          <a:lstStyle/>
+          <a:p>
+            <a:pPr fontAlgn="base">
+              <a:buSzPct val="80000"/>
+            </a:pPr>
+            <a:r>
+              <a:rPr lang="en-US" sz="1200" dirty="0"/>
+              <a:t>Why Waits?</a:t>
+            </a:r>
+          </a:p>
+          <a:p>
+            <a:pPr lvl="1" fontAlgn="base"/>
+            <a:r>
+              <a:rPr lang="en-US" sz="1200" dirty="0"/>
+              <a:t>Elements takes time to load in the web page</a:t>
+            </a:r>
+          </a:p>
+          <a:p>
+            <a:pPr lvl="2" fontAlgn="base"/>
+            <a:r>
+              <a:rPr lang="en-US" sz="1200" dirty="0"/>
+              <a:t>An element not being present at all in the DOM.</a:t>
+            </a:r>
+          </a:p>
+          <a:p>
+            <a:pPr lvl="2" fontAlgn="base"/>
+            <a:r>
+              <a:rPr lang="en-US" sz="1200" dirty="0"/>
+              <a:t>An element being present in the DOM but not visible.</a:t>
+            </a:r>
+          </a:p>
+          <a:p>
+            <a:pPr lvl="2" fontAlgn="base"/>
+            <a:r>
+              <a:rPr lang="en-US" sz="1200" dirty="0"/>
+              <a:t>An element being present in the DOM but not enabled. (i.e. clickable)</a:t>
+            </a:r>
+          </a:p>
+          <a:p>
+            <a:pPr lvl="1" fontAlgn="base"/>
+            <a:r>
+              <a:rPr lang="en-US" sz="1200" dirty="0"/>
+              <a:t>AJAX </a:t>
+            </a:r>
+          </a:p>
+          <a:p>
+            <a:pPr lvl="2" fontAlgn="base"/>
+            <a:r>
+              <a:rPr lang="en-US" sz="1200" dirty="0"/>
+              <a:t>Asynchronous JavaScript and XML</a:t>
+            </a:r>
+          </a:p>
+          <a:p>
+            <a:pPr lvl="2" fontAlgn="base"/>
+            <a:r>
+              <a:rPr lang="en-US" sz="1200" dirty="0"/>
+              <a:t>Ajax allows content on Web pages to update immediately  without page load</a:t>
+            </a:r>
+          </a:p>
+          <a:p>
+            <a:pPr fontAlgn="base">
+              <a:buSzPct val="80000"/>
+            </a:pPr>
+            <a:r>
+              <a:rPr lang="en-US" sz="1200" dirty="0"/>
+              <a:t>Wait Interface</a:t>
+            </a:r>
+          </a:p>
+          <a:p>
+            <a:pPr lvl="1" fontAlgn="base"/>
+            <a:r>
+              <a:rPr lang="en-US" sz="1200" dirty="0"/>
+              <a:t>Wait interface</a:t>
+            </a:r>
+          </a:p>
+          <a:p>
+            <a:pPr lvl="1" fontAlgn="base"/>
+            <a:r>
+              <a:rPr lang="en-US" sz="1200" dirty="0" err="1"/>
+              <a:t>FluentWait</a:t>
+            </a:r>
+            <a:r>
+              <a:rPr lang="en-US" sz="1200" dirty="0"/>
+              <a:t> implements Wait</a:t>
+            </a:r>
+          </a:p>
+          <a:p>
+            <a:pPr lvl="1" fontAlgn="base"/>
+            <a:r>
+              <a:rPr lang="en-US" sz="1200" dirty="0" err="1"/>
+              <a:t>WebDriverWait</a:t>
+            </a:r>
+            <a:r>
+              <a:rPr lang="en-US" sz="1200" dirty="0"/>
+              <a:t> extends </a:t>
+            </a:r>
+            <a:r>
+              <a:rPr lang="en-US" sz="1200" dirty="0" err="1"/>
+              <a:t>FluentWait</a:t>
+            </a:r>
+            <a:endParaRPr lang="en-US" sz="1200" dirty="0"/>
+          </a:p>
+          <a:p>
+            <a:endParaRPr lang="en-US" dirty="0"/>
+          </a:p>
+        </p:txBody>
+      </p:sp>
+    </p:spTree>
+  </p:cSld>
+  <p:clrMapOvr>
+    <a:masterClrMapping/>
+  </p:clrMapOvr>
+</p:sld>
+</file>
+
+<file path=ppt/slides/slide36.xml><?xml version="1.0" encoding="utf-8"?>
+<p:sld xmlns:a="http://schemas.openxmlformats.org/drawingml/2006/main" xmlns:r="http://schemas.openxmlformats.org/officeDocument/2006/relationships" xmlns:p="http://schemas.openxmlformats.org/presentationml/2006/main">
+  <p:cSld>
+    <p:spTree>
+      <p:nvGrpSpPr>
+        <p:cNvPr id="1" name=""/>
+        <p:cNvGrpSpPr/>
+        <p:nvPr/>
+      </p:nvGrpSpPr>
+      <p:grpSpPr>
+        <a:xfrm>
+          <a:off x="0" y="0"/>
+          <a:ext cx="0" cy="0"/>
+          <a:chOff x="0" y="0"/>
+          <a:chExt cx="0" cy="0"/>
+        </a:xfrm>
+      </p:grpSpPr>
+      <p:sp>
+        <p:nvSpPr>
+          <p:cNvPr id="3" name="Text Placeholder 2"/>
+          <p:cNvSpPr>
+            <a:spLocks noGrp="1"/>
+          </p:cNvSpPr>
+          <p:nvPr>
+            <p:ph type="body" idx="1"/>
+          </p:nvPr>
+        </p:nvSpPr>
+        <p:spPr>
+          <a:xfrm>
             <a:off x="685800" y="533400"/>
             <a:ext cx="8596668" cy="6324600"/>
           </a:xfrm>
@@ -27717,7 +28131,7 @@
 </p:sld>
 </file>
 
-<file path=ppt/slides/slide34.xml><?xml version="1.0" encoding="utf-8"?>
+<file path=ppt/slides/slide37.xml><?xml version="1.0" encoding="utf-8"?>
 <p:sld xmlns:a="http://schemas.openxmlformats.org/drawingml/2006/main" xmlns:r="http://schemas.openxmlformats.org/officeDocument/2006/relationships" xmlns:p="http://schemas.openxmlformats.org/presentationml/2006/main">
   <p:cSld>
     <p:spTree>
@@ -27888,7 +28302,7 @@
 </p:sld>
 </file>
 
-<file path=ppt/slides/slide35.xml><?xml version="1.0" encoding="utf-8"?>
+<file path=ppt/slides/slide38.xml><?xml version="1.0" encoding="utf-8"?>
 <p:sld xmlns:a="http://schemas.openxmlformats.org/drawingml/2006/main" xmlns:r="http://schemas.openxmlformats.org/officeDocument/2006/relationships" xmlns:p="http://schemas.openxmlformats.org/presentationml/2006/main">
   <p:cSld>
     <p:spTree>
@@ -28067,574 +28481,6 @@
     <p:extLst>
       <p:ext uri="{BB962C8B-B14F-4D97-AF65-F5344CB8AC3E}">
         <p14:creationId xmlns:p14="http://schemas.microsoft.com/office/powerpoint/2010/main" val="1656973629"/>
-      </p:ext>
-    </p:extLst>
-  </p:cSld>
-  <p:clrMapOvr>
-    <a:masterClrMapping/>
-  </p:clrMapOvr>
-</p:sld>
-</file>
-
-<file path=ppt/slides/slide36.xml><?xml version="1.0" encoding="utf-8"?>
-<p:sld xmlns:a="http://schemas.openxmlformats.org/drawingml/2006/main" xmlns:r="http://schemas.openxmlformats.org/officeDocument/2006/relationships" xmlns:p="http://schemas.openxmlformats.org/presentationml/2006/main">
-  <p:cSld>
-    <p:spTree>
-      <p:nvGrpSpPr>
-        <p:cNvPr id="1" name=""/>
-        <p:cNvGrpSpPr/>
-        <p:nvPr/>
-      </p:nvGrpSpPr>
-      <p:grpSpPr>
-        <a:xfrm>
-          <a:off x="0" y="0"/>
-          <a:ext cx="0" cy="0"/>
-          <a:chOff x="0" y="0"/>
-          <a:chExt cx="0" cy="0"/>
-        </a:xfrm>
-      </p:grpSpPr>
-      <p:sp>
-        <p:nvSpPr>
-          <p:cNvPr id="3" name="Text Placeholder 2"/>
-          <p:cNvSpPr>
-            <a:spLocks noGrp="1"/>
-          </p:cNvSpPr>
-          <p:nvPr>
-            <p:ph type="body" idx="1"/>
-          </p:nvPr>
-        </p:nvSpPr>
-        <p:spPr>
-          <a:xfrm>
-            <a:off x="677333" y="762001"/>
-            <a:ext cx="8596668" cy="5279362"/>
-          </a:xfrm>
-        </p:spPr>
-        <p:txBody>
-          <a:bodyPr/>
-          <a:lstStyle/>
-          <a:p>
-            <a:pPr fontAlgn="base">
-              <a:buSzPct val="80000"/>
-            </a:pPr>
-            <a:r>
-              <a:rPr lang="en-IN" sz="1200" dirty="0"/>
-              <a:t>Installing Maven:</a:t>
-            </a:r>
-          </a:p>
-          <a:p>
-            <a:pPr lvl="1" fontAlgn="base"/>
-            <a:r>
-              <a:rPr lang="en-IN" sz="1200" dirty="0"/>
-              <a:t>Prerequisites:</a:t>
-            </a:r>
-          </a:p>
-          <a:p>
-            <a:pPr lvl="2" fontAlgn="base"/>
-            <a:r>
-              <a:rPr lang="en-IN" sz="1200" dirty="0"/>
-              <a:t>JDK is installed</a:t>
-            </a:r>
-          </a:p>
-          <a:p>
-            <a:pPr lvl="2" fontAlgn="base"/>
-            <a:r>
-              <a:rPr lang="en-IN" sz="1200" dirty="0"/>
-              <a:t>JAVA_HOME is set</a:t>
-            </a:r>
-          </a:p>
-          <a:p>
-            <a:pPr lvl="1" fontAlgn="base"/>
-            <a:r>
-              <a:rPr lang="en-IN" sz="1200" dirty="0"/>
-              <a:t>Installing Maven in System:</a:t>
-            </a:r>
-          </a:p>
-          <a:p>
-            <a:pPr lvl="2" fontAlgn="base"/>
-            <a:r>
-              <a:rPr lang="en-IN" sz="1200" dirty="0"/>
-              <a:t>Download Maven</a:t>
-            </a:r>
-          </a:p>
-          <a:p>
-            <a:pPr lvl="2" fontAlgn="base"/>
-            <a:r>
-              <a:rPr lang="en-IN" sz="1200" dirty="0">
-                <a:hlinkClick r:id="rId2"/>
-              </a:rPr>
-              <a:t>https://maven.apache.org/download.cgi</a:t>
-            </a:r>
-            <a:endParaRPr lang="en-IN" sz="1200" dirty="0"/>
-          </a:p>
-          <a:p>
-            <a:pPr lvl="2" fontAlgn="base"/>
-            <a:r>
-              <a:rPr lang="en-IN" sz="1200" dirty="0"/>
-              <a:t>Extract it</a:t>
-            </a:r>
-          </a:p>
-          <a:p>
-            <a:pPr lvl="2" fontAlgn="base"/>
-            <a:r>
-              <a:rPr lang="en-IN" sz="1200" dirty="0"/>
-              <a:t>Set M2_HOME environment variable</a:t>
-            </a:r>
-          </a:p>
-          <a:p>
-            <a:pPr lvl="2" fontAlgn="base"/>
-            <a:r>
-              <a:rPr lang="en-IN" sz="1200" dirty="0"/>
-              <a:t>Set path variable</a:t>
-            </a:r>
-          </a:p>
-          <a:p>
-            <a:pPr lvl="1" fontAlgn="base"/>
-            <a:r>
-              <a:rPr lang="en-IN" sz="1200" dirty="0"/>
-              <a:t>Installing Maven in eclipse</a:t>
-            </a:r>
-          </a:p>
-          <a:p>
-            <a:endParaRPr lang="en-IN" dirty="0"/>
-          </a:p>
-        </p:txBody>
-      </p:sp>
-      <p:sp>
-        <p:nvSpPr>
-          <p:cNvPr id="4" name="Title 1"/>
-          <p:cNvSpPr>
-            <a:spLocks noGrp="1"/>
-          </p:cNvSpPr>
-          <p:nvPr>
-            <p:ph type="title"/>
-          </p:nvPr>
-        </p:nvSpPr>
-        <p:spPr>
-          <a:xfrm>
-            <a:off x="685800" y="304800"/>
-            <a:ext cx="8596668" cy="304800"/>
-          </a:xfrm>
-        </p:spPr>
-        <p:txBody>
-          <a:bodyPr/>
-          <a:lstStyle/>
-          <a:p>
-            <a:r>
-              <a:rPr lang="en-US" sz="1600" dirty="0"/>
-              <a:t>Maven : SetUp</a:t>
-            </a:r>
-          </a:p>
-        </p:txBody>
-      </p:sp>
-    </p:spTree>
-    <p:extLst>
-      <p:ext uri="{BB962C8B-B14F-4D97-AF65-F5344CB8AC3E}">
-        <p14:creationId xmlns:p14="http://schemas.microsoft.com/office/powerpoint/2010/main" val="2408037249"/>
-      </p:ext>
-    </p:extLst>
-  </p:cSld>
-  <p:clrMapOvr>
-    <a:masterClrMapping/>
-  </p:clrMapOvr>
-</p:sld>
-</file>
-
-<file path=ppt/slides/slide37.xml><?xml version="1.0" encoding="utf-8"?>
-<p:sld xmlns:a="http://schemas.openxmlformats.org/drawingml/2006/main" xmlns:r="http://schemas.openxmlformats.org/officeDocument/2006/relationships" xmlns:p="http://schemas.openxmlformats.org/presentationml/2006/main">
-  <p:cSld>
-    <p:spTree>
-      <p:nvGrpSpPr>
-        <p:cNvPr id="1" name=""/>
-        <p:cNvGrpSpPr/>
-        <p:nvPr/>
-      </p:nvGrpSpPr>
-      <p:grpSpPr>
-        <a:xfrm>
-          <a:off x="0" y="0"/>
-          <a:ext cx="0" cy="0"/>
-          <a:chOff x="0" y="0"/>
-          <a:chExt cx="0" cy="0"/>
-        </a:xfrm>
-      </p:grpSpPr>
-      <p:sp>
-        <p:nvSpPr>
-          <p:cNvPr id="3" name="Text Placeholder 2"/>
-          <p:cNvSpPr>
-            <a:spLocks noGrp="1"/>
-          </p:cNvSpPr>
-          <p:nvPr>
-            <p:ph type="body" idx="1"/>
-          </p:nvPr>
-        </p:nvSpPr>
-        <p:spPr>
-          <a:xfrm>
-            <a:off x="677333" y="609600"/>
-            <a:ext cx="8596668" cy="6095999"/>
-          </a:xfrm>
-        </p:spPr>
-        <p:txBody>
-          <a:bodyPr/>
-          <a:lstStyle/>
-          <a:p>
-            <a:pPr fontAlgn="base"/>
-            <a:endParaRPr lang="en-IN" sz="1200" dirty="0"/>
-          </a:p>
-          <a:p>
-            <a:pPr fontAlgn="base">
-              <a:buSzPct val="80000"/>
-            </a:pPr>
-            <a:r>
-              <a:rPr lang="en-IN" sz="1200" dirty="0"/>
-              <a:t>Creating First Maven project:</a:t>
-            </a:r>
-          </a:p>
-          <a:p>
-            <a:pPr lvl="1" fontAlgn="base"/>
-            <a:r>
-              <a:rPr lang="en-IN" sz="1200" dirty="0"/>
-              <a:t>Creating from eclipse</a:t>
-            </a:r>
-          </a:p>
-          <a:p>
-            <a:pPr lvl="1" fontAlgn="base"/>
-            <a:r>
-              <a:rPr lang="en-IN" sz="1200" dirty="0"/>
-              <a:t>Creating from command line</a:t>
-            </a:r>
-          </a:p>
-          <a:p>
-            <a:pPr lvl="2" fontAlgn="base"/>
-            <a:r>
-              <a:rPr lang="en-IN" sz="1200" dirty="0" err="1"/>
-              <a:t>mvn</a:t>
-            </a:r>
-            <a:r>
-              <a:rPr lang="en-IN" sz="1200" dirty="0"/>
-              <a:t> </a:t>
-            </a:r>
-            <a:r>
-              <a:rPr lang="en-IN" sz="1200" dirty="0" err="1"/>
-              <a:t>archetype:generate</a:t>
-            </a:r>
-            <a:r>
-              <a:rPr lang="en-IN" sz="1200" dirty="0"/>
-              <a:t> </a:t>
-            </a:r>
-          </a:p>
-          <a:p>
-            <a:pPr lvl="3" fontAlgn="base"/>
-            <a:r>
-              <a:rPr lang="en-IN" dirty="0"/>
-              <a:t>	-</a:t>
-            </a:r>
-            <a:r>
-              <a:rPr lang="en-IN" dirty="0" err="1"/>
-              <a:t>DgroupId</a:t>
-            </a:r>
-            <a:r>
-              <a:rPr lang="en-IN" dirty="0"/>
-              <a:t>=</a:t>
-            </a:r>
-            <a:r>
-              <a:rPr lang="en-IN" dirty="0" err="1"/>
-              <a:t>com.google</a:t>
-            </a:r>
-            <a:r>
-              <a:rPr lang="en-IN" dirty="0"/>
-              <a:t> </a:t>
-            </a:r>
-          </a:p>
-          <a:p>
-            <a:pPr lvl="3" fontAlgn="base"/>
-            <a:r>
-              <a:rPr lang="en-IN" dirty="0"/>
-              <a:t>	-</a:t>
-            </a:r>
-            <a:r>
-              <a:rPr lang="en-IN" dirty="0" err="1"/>
-              <a:t>DartifactId</a:t>
-            </a:r>
-            <a:r>
-              <a:rPr lang="en-IN" dirty="0"/>
-              <a:t>=ml2 </a:t>
-            </a:r>
-          </a:p>
-          <a:p>
-            <a:pPr lvl="3" fontAlgn="base"/>
-            <a:r>
-              <a:rPr lang="en-IN" dirty="0"/>
-              <a:t>	-</a:t>
-            </a:r>
-            <a:r>
-              <a:rPr lang="en-IN" dirty="0" err="1"/>
-              <a:t>DarchetypeArtifactId</a:t>
-            </a:r>
-            <a:r>
-              <a:rPr lang="en-IN" dirty="0"/>
-              <a:t>=maven-archetype-</a:t>
-            </a:r>
-            <a:r>
-              <a:rPr lang="en-IN" dirty="0" err="1"/>
-              <a:t>quickstart</a:t>
-            </a:r>
-            <a:endParaRPr lang="en-IN" dirty="0"/>
-          </a:p>
-          <a:p>
-            <a:pPr lvl="1" fontAlgn="base"/>
-            <a:r>
-              <a:rPr lang="en-IN" sz="1200" dirty="0"/>
-              <a:t>What is Archetype?</a:t>
-            </a:r>
-          </a:p>
-          <a:p>
-            <a:pPr lvl="1" fontAlgn="base"/>
-            <a:r>
-              <a:rPr lang="en-IN" sz="1200" dirty="0"/>
-              <a:t>What is </a:t>
-            </a:r>
-            <a:r>
-              <a:rPr lang="en-IN" sz="1200" dirty="0" err="1"/>
-              <a:t>groupId</a:t>
-            </a:r>
-            <a:r>
-              <a:rPr lang="en-IN" sz="1200" dirty="0"/>
-              <a:t>?</a:t>
-            </a:r>
-          </a:p>
-          <a:p>
-            <a:pPr lvl="1" fontAlgn="base"/>
-            <a:r>
-              <a:rPr lang="en-IN" sz="1200" dirty="0"/>
-              <a:t>What is </a:t>
-            </a:r>
-            <a:r>
-              <a:rPr lang="en-IN" sz="1200" dirty="0" err="1"/>
-              <a:t>artifactId</a:t>
-            </a:r>
-            <a:r>
-              <a:rPr lang="en-IN" sz="1200" dirty="0"/>
-              <a:t>?</a:t>
-            </a:r>
-          </a:p>
-          <a:p>
-            <a:pPr lvl="1" fontAlgn="base"/>
-            <a:r>
-              <a:rPr lang="en-IN" sz="1200" dirty="0"/>
-              <a:t>What is Version?</a:t>
-            </a:r>
-          </a:p>
-          <a:p>
-            <a:pPr marL="91441" indent="0">
-              <a:buNone/>
-            </a:pPr>
-            <a:endParaRPr lang="en-IN" dirty="0"/>
-          </a:p>
-        </p:txBody>
-      </p:sp>
-      <p:sp>
-        <p:nvSpPr>
-          <p:cNvPr id="4" name="Title 1"/>
-          <p:cNvSpPr>
-            <a:spLocks noGrp="1"/>
-          </p:cNvSpPr>
-          <p:nvPr>
-            <p:ph type="title"/>
-          </p:nvPr>
-        </p:nvSpPr>
-        <p:spPr>
-          <a:xfrm>
-            <a:off x="685800" y="304800"/>
-            <a:ext cx="8596668" cy="304800"/>
-          </a:xfrm>
-        </p:spPr>
-        <p:txBody>
-          <a:bodyPr/>
-          <a:lstStyle/>
-          <a:p>
-            <a:r>
-              <a:rPr lang="en-US" sz="1600" dirty="0"/>
-              <a:t>Maven : Creating First Maven Project</a:t>
-            </a:r>
-          </a:p>
-        </p:txBody>
-      </p:sp>
-    </p:spTree>
-    <p:extLst>
-      <p:ext uri="{BB962C8B-B14F-4D97-AF65-F5344CB8AC3E}">
-        <p14:creationId xmlns:p14="http://schemas.microsoft.com/office/powerpoint/2010/main" val="819843082"/>
-      </p:ext>
-    </p:extLst>
-  </p:cSld>
-  <p:clrMapOvr>
-    <a:masterClrMapping/>
-  </p:clrMapOvr>
-</p:sld>
-</file>
-
-<file path=ppt/slides/slide38.xml><?xml version="1.0" encoding="utf-8"?>
-<p:sld xmlns:a="http://schemas.openxmlformats.org/drawingml/2006/main" xmlns:r="http://schemas.openxmlformats.org/officeDocument/2006/relationships" xmlns:p="http://schemas.openxmlformats.org/presentationml/2006/main">
-  <p:cSld>
-    <p:spTree>
-      <p:nvGrpSpPr>
-        <p:cNvPr id="1" name=""/>
-        <p:cNvGrpSpPr/>
-        <p:nvPr/>
-      </p:nvGrpSpPr>
-      <p:grpSpPr>
-        <a:xfrm>
-          <a:off x="0" y="0"/>
-          <a:ext cx="0" cy="0"/>
-          <a:chOff x="0" y="0"/>
-          <a:chExt cx="0" cy="0"/>
-        </a:xfrm>
-      </p:grpSpPr>
-      <p:sp>
-        <p:nvSpPr>
-          <p:cNvPr id="3" name="Text Placeholder 2"/>
-          <p:cNvSpPr>
-            <a:spLocks noGrp="1"/>
-          </p:cNvSpPr>
-          <p:nvPr>
-            <p:ph type="body" idx="1"/>
-          </p:nvPr>
-        </p:nvSpPr>
-        <p:spPr>
-          <a:xfrm>
-            <a:off x="677333" y="685801"/>
-            <a:ext cx="8596668" cy="5355562"/>
-          </a:xfrm>
-        </p:spPr>
-        <p:txBody>
-          <a:bodyPr/>
-          <a:lstStyle/>
-          <a:p>
-            <a:pPr fontAlgn="base">
-              <a:buSzPct val="80000"/>
-            </a:pPr>
-            <a:r>
-              <a:rPr lang="en-IN" sz="1200" dirty="0"/>
-              <a:t>Main code 	: </a:t>
-            </a:r>
-            <a:r>
-              <a:rPr lang="en-IN" sz="1200" dirty="0" err="1"/>
-              <a:t>src</a:t>
-            </a:r>
-            <a:r>
-              <a:rPr lang="en-IN" sz="1200" dirty="0"/>
-              <a:t>/main/java</a:t>
-            </a:r>
-          </a:p>
-          <a:p>
-            <a:pPr fontAlgn="base">
-              <a:buSzPct val="80000"/>
-            </a:pPr>
-            <a:r>
-              <a:rPr lang="en-IN" sz="1200" dirty="0"/>
-              <a:t>Main resources 	: </a:t>
-            </a:r>
-            <a:r>
-              <a:rPr lang="en-IN" sz="1200" dirty="0" err="1"/>
-              <a:t>src</a:t>
-            </a:r>
-            <a:r>
-              <a:rPr lang="en-IN" sz="1200" dirty="0"/>
-              <a:t>/main/resources</a:t>
-            </a:r>
-          </a:p>
-          <a:p>
-            <a:pPr fontAlgn="base">
-              <a:buSzPct val="80000"/>
-            </a:pPr>
-            <a:r>
-              <a:rPr lang="en-IN" sz="1200" dirty="0"/>
-              <a:t>Test code 	: </a:t>
-            </a:r>
-            <a:r>
-              <a:rPr lang="en-IN" sz="1200" dirty="0" err="1"/>
-              <a:t>src</a:t>
-            </a:r>
-            <a:r>
-              <a:rPr lang="en-IN" sz="1200" dirty="0"/>
-              <a:t>/test/java</a:t>
-            </a:r>
-          </a:p>
-          <a:p>
-            <a:pPr fontAlgn="base">
-              <a:buSzPct val="80000"/>
-            </a:pPr>
-            <a:r>
-              <a:rPr lang="en-IN" sz="1200" dirty="0"/>
-              <a:t>Test Resources 	: </a:t>
-            </a:r>
-            <a:r>
-              <a:rPr lang="en-IN" sz="1200" dirty="0" err="1"/>
-              <a:t>src</a:t>
-            </a:r>
-            <a:r>
-              <a:rPr lang="en-IN" sz="1200" dirty="0"/>
-              <a:t>/test/resources</a:t>
-            </a:r>
-          </a:p>
-          <a:p>
-            <a:pPr fontAlgn="base">
-              <a:buSzPct val="80000"/>
-            </a:pPr>
-            <a:r>
-              <a:rPr lang="en-IN" sz="1200" dirty="0"/>
-              <a:t>target directory 	: Contains all output of the build.</a:t>
-            </a:r>
-          </a:p>
-          <a:p>
-            <a:pPr fontAlgn="base">
-              <a:buSzPct val="80000"/>
-            </a:pPr>
-            <a:r>
-              <a:rPr lang="en-IN" sz="1200" dirty="0"/>
-              <a:t>Pom.xml 	: Should be present in project’s in root folder</a:t>
-            </a:r>
-          </a:p>
-          <a:p>
-            <a:pPr fontAlgn="base">
-              <a:buSzPct val="80000"/>
-            </a:pPr>
-            <a:br>
-              <a:rPr lang="en-IN" sz="1200" dirty="0"/>
-            </a:br>
-            <a:endParaRPr lang="en-IN" sz="1200" dirty="0"/>
-          </a:p>
-        </p:txBody>
-      </p:sp>
-      <p:sp>
-        <p:nvSpPr>
-          <p:cNvPr id="4" name="Title 1"/>
-          <p:cNvSpPr>
-            <a:spLocks noGrp="1"/>
-          </p:cNvSpPr>
-          <p:nvPr>
-            <p:ph type="title"/>
-          </p:nvPr>
-        </p:nvSpPr>
-        <p:spPr>
-          <a:xfrm>
-            <a:off x="685800" y="304800"/>
-            <a:ext cx="8596668" cy="304800"/>
-          </a:xfrm>
-        </p:spPr>
-        <p:txBody>
-          <a:bodyPr/>
-          <a:lstStyle/>
-          <a:p>
-            <a:r>
-              <a:rPr lang="en-US" sz="1600" dirty="0"/>
-              <a:t>Maven : Folder Structure</a:t>
-            </a:r>
-          </a:p>
-        </p:txBody>
-      </p:sp>
-    </p:spTree>
-    <p:extLst>
-      <p:ext uri="{BB962C8B-B14F-4D97-AF65-F5344CB8AC3E}">
-        <p14:creationId xmlns:p14="http://schemas.microsoft.com/office/powerpoint/2010/main" val="994180501"/>
       </p:ext>
     </p:extLst>
   </p:cSld>
@@ -28673,8 +28519,8 @@
         </p:nvSpPr>
         <p:spPr>
           <a:xfrm>
-            <a:off x="677333" y="685801"/>
-            <a:ext cx="8596668" cy="5355562"/>
+            <a:off x="677333" y="762001"/>
+            <a:ext cx="8596668" cy="5279362"/>
           </a:xfrm>
         </p:spPr>
         <p:txBody>
@@ -28686,85 +28532,84 @@
             </a:pPr>
             <a:r>
               <a:rPr lang="en-IN" sz="1200" dirty="0"/>
-              <a:t>Maven Build Lifecycle:</a:t>
-            </a:r>
-          </a:p>
-          <a:p>
-            <a:pPr marL="342900" lvl="1" indent="-251459" fontAlgn="base"/>
+              <a:t>Installing Maven:</a:t>
+            </a:r>
+          </a:p>
+          <a:p>
+            <a:pPr lvl="1" fontAlgn="base"/>
             <a:r>
               <a:rPr lang="en-IN" sz="1200" dirty="0"/>
-              <a:t>It's a definition of process for building and distributing a project.</a:t>
-            </a:r>
-          </a:p>
-          <a:p>
-            <a:pPr marL="342900" lvl="1" indent="-251459" fontAlgn="base"/>
+              <a:t>Prerequisites:</a:t>
+            </a:r>
+          </a:p>
+          <a:p>
+            <a:pPr lvl="2" fontAlgn="base"/>
             <a:r>
               <a:rPr lang="en-IN" sz="1200" dirty="0"/>
-              <a:t>Build cycle consists of multiple phases which execute in a particular sequence:</a:t>
-            </a:r>
-          </a:p>
-          <a:p>
-            <a:pPr marL="342900" lvl="1" indent="-251459" fontAlgn="base"/>
+              <a:t>JDK is installed</a:t>
+            </a:r>
+          </a:p>
+          <a:p>
+            <a:pPr lvl="2" fontAlgn="base"/>
             <a:r>
               <a:rPr lang="en-IN" sz="1200" dirty="0"/>
-              <a:t>Phases in build lifecycle are:</a:t>
-            </a:r>
-          </a:p>
-          <a:p>
-            <a:pPr marL="342900" lvl="2" indent="-251459" fontAlgn="base"/>
+              <a:t>JAVA_HOME is set</a:t>
+            </a:r>
+          </a:p>
+          <a:p>
+            <a:pPr lvl="1" fontAlgn="base"/>
             <a:r>
               <a:rPr lang="en-IN" sz="1200" dirty="0"/>
-              <a:t>compile </a:t>
-            </a:r>
-          </a:p>
-          <a:p>
-            <a:pPr marL="342900" lvl="2" indent="-251459" fontAlgn="base"/>
+              <a:t>Installing Maven in System:</a:t>
+            </a:r>
+          </a:p>
+          <a:p>
+            <a:pPr lvl="2" fontAlgn="base"/>
             <a:r>
               <a:rPr lang="en-IN" sz="1200" dirty="0"/>
-              <a:t>test-compile</a:t>
-            </a:r>
-          </a:p>
-          <a:p>
-            <a:pPr marL="342900" lvl="2" indent="-251459" fontAlgn="base"/>
+              <a:t>Download Maven</a:t>
+            </a:r>
+          </a:p>
+          <a:p>
+            <a:pPr lvl="2" fontAlgn="base"/>
+            <a:r>
+              <a:rPr lang="en-IN" sz="1200" dirty="0">
+                <a:hlinkClick r:id="rId2"/>
+              </a:rPr>
+              <a:t>https://maven.apache.org/download.cgi</a:t>
+            </a:r>
+            <a:endParaRPr lang="en-IN" sz="1200" dirty="0"/>
+          </a:p>
+          <a:p>
+            <a:pPr lvl="2" fontAlgn="base"/>
             <a:r>
               <a:rPr lang="en-IN" sz="1200" dirty="0"/>
-              <a:t>test </a:t>
-            </a:r>
-          </a:p>
-          <a:p>
-            <a:pPr marL="342900" lvl="2" indent="-251459" fontAlgn="base"/>
+              <a:t>Extract it</a:t>
+            </a:r>
+          </a:p>
+          <a:p>
+            <a:pPr lvl="2" fontAlgn="base"/>
             <a:r>
               <a:rPr lang="en-IN" sz="1200" dirty="0"/>
-              <a:t>package</a:t>
-            </a:r>
-          </a:p>
-          <a:p>
-            <a:pPr marL="342900" lvl="2" indent="-251459" fontAlgn="base"/>
+              <a:t>Set M2_HOME environment variable</a:t>
+            </a:r>
+          </a:p>
+          <a:p>
+            <a:pPr lvl="2" fontAlgn="base"/>
             <a:r>
               <a:rPr lang="en-IN" sz="1200" dirty="0"/>
-              <a:t>install </a:t>
-            </a:r>
-          </a:p>
-          <a:p>
-            <a:pPr marL="342900" lvl="2" indent="-251459" fontAlgn="base"/>
+              <a:t>Set path variable</a:t>
+            </a:r>
+          </a:p>
+          <a:p>
+            <a:pPr lvl="1" fontAlgn="base"/>
             <a:r>
               <a:rPr lang="en-IN" sz="1200" dirty="0"/>
-              <a:t>deploy</a:t>
-            </a:r>
-          </a:p>
-          <a:p>
-            <a:pPr marL="342900" lvl="1" indent="-251459" fontAlgn="base"/>
-            <a:r>
-              <a:rPr lang="en-IN" sz="1200" dirty="0"/>
-              <a:t>Build phases get executed in above order</a:t>
-            </a:r>
-          </a:p>
-          <a:p>
-            <a:pPr marL="342900" lvl="1" indent="-251459" fontAlgn="base"/>
-            <a:r>
-              <a:rPr lang="en-IN" sz="1200" dirty="0"/>
-              <a:t>When we run any particular phase ,then all the phases which come early in the order are first  executed and then the selected phase gets executed.</a:t>
-            </a:r>
+              <a:t>Installing Maven in eclipse</a:t>
+            </a:r>
+          </a:p>
+          <a:p>
+            <a:endParaRPr lang="en-IN" dirty="0"/>
           </a:p>
         </p:txBody>
       </p:sp>
@@ -28789,8 +28634,8 @@
           <a:lstStyle/>
           <a:p>
             <a:r>
-              <a:rPr lang="en-US" sz="1400" dirty="0"/>
-              <a:t>Maven : Build Lifecycle</a:t>
+              <a:rPr lang="en-US" sz="1600" dirty="0"/>
+              <a:t>Maven : SetUp</a:t>
             </a:r>
           </a:p>
         </p:txBody>
@@ -28798,7 +28643,7 @@
     </p:spTree>
     <p:extLst>
       <p:ext uri="{BB962C8B-B14F-4D97-AF65-F5344CB8AC3E}">
-        <p14:creationId xmlns:p14="http://schemas.microsoft.com/office/powerpoint/2010/main" val="4225815344"/>
+        <p14:creationId xmlns:p14="http://schemas.microsoft.com/office/powerpoint/2010/main" val="2408037249"/>
       </p:ext>
     </p:extLst>
   </p:cSld>
@@ -29139,8 +28984,8 @@
         </p:nvSpPr>
         <p:spPr>
           <a:xfrm>
-            <a:off x="677333" y="685801"/>
-            <a:ext cx="8596668" cy="5355562"/>
+            <a:off x="677333" y="609600"/>
+            <a:ext cx="8596668" cy="6095999"/>
           </a:xfrm>
         </p:spPr>
         <p:txBody>
@@ -29148,165 +28993,156 @@
           <a:lstStyle/>
           <a:p>
             <a:pPr fontAlgn="base"/>
+            <a:endParaRPr lang="en-IN" sz="1200" dirty="0"/>
+          </a:p>
+          <a:p>
+            <a:pPr fontAlgn="base">
+              <a:buSzPct val="80000"/>
+            </a:pPr>
             <a:r>
               <a:rPr lang="en-IN" sz="1200" dirty="0"/>
-              <a:t>Maven build lifecycle</a:t>
-            </a:r>
-          </a:p>
-          <a:p>
-            <a:pPr fontAlgn="base"/>
+              <a:t>Creating First Maven project:</a:t>
+            </a:r>
+          </a:p>
+          <a:p>
+            <a:pPr lvl="1" fontAlgn="base"/>
+            <a:r>
+              <a:rPr lang="en-IN" sz="1200" dirty="0"/>
+              <a:t>Creating from eclipse</a:t>
+            </a:r>
+          </a:p>
+          <a:p>
+            <a:pPr lvl="1" fontAlgn="base"/>
+            <a:r>
+              <a:rPr lang="en-IN" sz="1200" dirty="0"/>
+              <a:t>Creating from command line</a:t>
+            </a:r>
+          </a:p>
+          <a:p>
+            <a:pPr lvl="2" fontAlgn="base"/>
             <a:r>
               <a:rPr lang="en-IN" sz="1200" dirty="0" err="1"/>
-              <a:t>Mvn</a:t>
+              <a:t>mvn</a:t>
             </a:r>
             <a:r>
               <a:rPr lang="en-IN" sz="1200" dirty="0"/>
-              <a:t> Compile </a:t>
-            </a:r>
+              <a:t> </a:t>
+            </a:r>
+            <a:r>
+              <a:rPr lang="en-IN" sz="1200" dirty="0" err="1"/>
+              <a:t>archetype:generate</a:t>
+            </a:r>
+            <a:r>
+              <a:rPr lang="en-IN" sz="1200" dirty="0"/>
+              <a:t> </a:t>
+            </a:r>
+          </a:p>
+          <a:p>
+            <a:pPr lvl="3" fontAlgn="base"/>
+            <a:r>
+              <a:rPr lang="en-IN" dirty="0"/>
+              <a:t>	-</a:t>
+            </a:r>
+            <a:r>
+              <a:rPr lang="en-IN" dirty="0" err="1"/>
+              <a:t>DgroupId</a:t>
+            </a:r>
+            <a:r>
+              <a:rPr lang="en-IN" dirty="0"/>
+              <a:t>=</a:t>
+            </a:r>
+            <a:r>
+              <a:rPr lang="en-IN" dirty="0" err="1"/>
+              <a:t>com.google</a:t>
+            </a:r>
+            <a:r>
+              <a:rPr lang="en-IN" dirty="0"/>
+              <a:t> </a:t>
+            </a:r>
+          </a:p>
+          <a:p>
+            <a:pPr lvl="3" fontAlgn="base"/>
+            <a:r>
+              <a:rPr lang="en-IN" dirty="0"/>
+              <a:t>	-</a:t>
+            </a:r>
+            <a:r>
+              <a:rPr lang="en-IN" dirty="0" err="1"/>
+              <a:t>DartifactId</a:t>
+            </a:r>
+            <a:r>
+              <a:rPr lang="en-IN" dirty="0"/>
+              <a:t>=ml2 </a:t>
+            </a:r>
+          </a:p>
+          <a:p>
+            <a:pPr lvl="3" fontAlgn="base"/>
+            <a:r>
+              <a:rPr lang="en-IN" dirty="0"/>
+              <a:t>	-</a:t>
+            </a:r>
+            <a:r>
+              <a:rPr lang="en-IN" dirty="0" err="1"/>
+              <a:t>DarchetypeArtifactId</a:t>
+            </a:r>
+            <a:r>
+              <a:rPr lang="en-IN" dirty="0"/>
+              <a:t>=maven-archetype-</a:t>
+            </a:r>
+            <a:r>
+              <a:rPr lang="en-IN" dirty="0" err="1"/>
+              <a:t>quickstart</a:t>
+            </a:r>
+            <a:endParaRPr lang="en-IN" dirty="0"/>
           </a:p>
           <a:p>
             <a:pPr lvl="1" fontAlgn="base"/>
             <a:r>
               <a:rPr lang="en-IN" sz="1200" dirty="0"/>
-              <a:t>Compile main code present in </a:t>
+              <a:t>What is Archetype?</a:t>
+            </a:r>
+          </a:p>
+          <a:p>
+            <a:pPr lvl="1" fontAlgn="base"/>
+            <a:r>
+              <a:rPr lang="en-IN" sz="1200" dirty="0"/>
+              <a:t>What is </a:t>
             </a:r>
             <a:r>
               <a:rPr lang="en-IN" sz="1200" dirty="0" err="1"/>
-              <a:t>src</a:t>
+              <a:t>groupId</a:t>
             </a:r>
             <a:r>
               <a:rPr lang="en-IN" sz="1200" dirty="0"/>
-              <a:t>/main/java </a:t>
+              <a:t>?</a:t>
             </a:r>
           </a:p>
           <a:p>
             <a:pPr lvl="1" fontAlgn="base"/>
             <a:r>
               <a:rPr lang="en-IN" sz="1200" dirty="0"/>
-              <a:t>Generates target/classes</a:t>
-            </a:r>
-          </a:p>
-          <a:p>
-            <a:pPr fontAlgn="base"/>
+              <a:t>What is </a:t>
+            </a:r>
             <a:r>
               <a:rPr lang="en-IN" sz="1200" dirty="0" err="1"/>
-              <a:t>Mvn</a:t>
+              <a:t>artifactId</a:t>
             </a:r>
             <a:r>
               <a:rPr lang="en-IN" sz="1200" dirty="0"/>
-              <a:t> Test-compile</a:t>
+              <a:t>?</a:t>
             </a:r>
           </a:p>
           <a:p>
             <a:pPr lvl="1" fontAlgn="base"/>
             <a:r>
               <a:rPr lang="en-IN" sz="1200" dirty="0"/>
-              <a:t>Compile unit test code present in </a:t>
-            </a:r>
-            <a:r>
-              <a:rPr lang="en-IN" sz="1200" dirty="0" err="1"/>
-              <a:t>src</a:t>
-            </a:r>
-            <a:r>
-              <a:rPr lang="en-IN" sz="1200" dirty="0"/>
-              <a:t>/test/java</a:t>
-            </a:r>
-          </a:p>
-          <a:p>
-            <a:pPr lvl="1" fontAlgn="base"/>
-            <a:r>
-              <a:rPr lang="en-IN" sz="1200" dirty="0"/>
-              <a:t>Generates test-classes</a:t>
-            </a:r>
-          </a:p>
-          <a:p>
-            <a:pPr fontAlgn="base"/>
-            <a:r>
-              <a:rPr lang="en-IN" sz="1200" dirty="0" err="1"/>
-              <a:t>Mvn</a:t>
-            </a:r>
-            <a:r>
-              <a:rPr lang="en-IN" sz="1200" dirty="0"/>
-              <a:t> test</a:t>
-            </a:r>
-          </a:p>
-          <a:p>
-            <a:pPr lvl="1" fontAlgn="base"/>
-            <a:r>
-              <a:rPr lang="en-IN" sz="1200" dirty="0"/>
-              <a:t>To run compile unit tests</a:t>
-            </a:r>
-          </a:p>
-          <a:p>
-            <a:pPr lvl="1" fontAlgn="base"/>
-            <a:r>
-              <a:rPr lang="en-IN" sz="1200" dirty="0"/>
-              <a:t>Generates </a:t>
-            </a:r>
-            <a:r>
-              <a:rPr lang="en-IN" sz="1200" dirty="0" err="1"/>
-              <a:t>surefire</a:t>
-            </a:r>
-            <a:r>
-              <a:rPr lang="en-IN" sz="1200" dirty="0"/>
-              <a:t>-reports folder</a:t>
-            </a:r>
-          </a:p>
-          <a:p>
-            <a:pPr fontAlgn="base"/>
-            <a:r>
-              <a:rPr lang="en-IN" sz="1200" dirty="0" err="1"/>
-              <a:t>Mvn</a:t>
-            </a:r>
-            <a:r>
-              <a:rPr lang="en-IN" sz="1200" dirty="0"/>
-              <a:t> package</a:t>
-            </a:r>
-          </a:p>
-          <a:p>
-            <a:pPr lvl="1" fontAlgn="base"/>
-            <a:r>
-              <a:rPr lang="en-IN" sz="1200" dirty="0"/>
-              <a:t>To generate jar or war</a:t>
-            </a:r>
-          </a:p>
-          <a:p>
-            <a:pPr fontAlgn="base"/>
-            <a:r>
-              <a:rPr lang="en-IN" sz="1200" dirty="0" err="1"/>
-              <a:t>Mvn</a:t>
-            </a:r>
-            <a:r>
-              <a:rPr lang="en-IN" sz="1200" dirty="0"/>
-              <a:t> install</a:t>
-            </a:r>
-          </a:p>
-          <a:p>
-            <a:pPr lvl="1" fontAlgn="base"/>
-            <a:r>
-              <a:rPr lang="en-IN" sz="1200" dirty="0"/>
-              <a:t>To copy jar/war into local maven repository</a:t>
-            </a:r>
-          </a:p>
-          <a:p>
-            <a:pPr fontAlgn="base"/>
-            <a:r>
-              <a:rPr lang="en-IN" sz="1200" dirty="0" err="1"/>
-              <a:t>Mvn</a:t>
-            </a:r>
-            <a:r>
-              <a:rPr lang="en-IN" sz="1200" dirty="0"/>
-              <a:t> deploy</a:t>
-            </a:r>
-          </a:p>
-          <a:p>
-            <a:pPr lvl="1" fontAlgn="base"/>
-            <a:r>
-              <a:rPr lang="en-IN" sz="1000" dirty="0"/>
-              <a:t>To deploy the jar</a:t>
-            </a:r>
-          </a:p>
-          <a:p>
+              <a:t>What is Version?</a:t>
+            </a:r>
+          </a:p>
+          <a:p>
+            <a:pPr marL="91441" indent="0">
+              <a:buNone/>
+            </a:pPr>
             <a:endParaRPr lang="en-IN" dirty="0"/>
           </a:p>
         </p:txBody>
@@ -29333,7 +29169,7 @@
           <a:p>
             <a:r>
               <a:rPr lang="en-US" sz="1600" dirty="0"/>
-              <a:t>Maven : Build Lifecycle</a:t>
+              <a:t>Maven : Creating First Maven Project</a:t>
             </a:r>
           </a:p>
         </p:txBody>
@@ -29341,7 +29177,7 @@
     </p:spTree>
     <p:extLst>
       <p:ext uri="{BB962C8B-B14F-4D97-AF65-F5344CB8AC3E}">
-        <p14:creationId xmlns:p14="http://schemas.microsoft.com/office/powerpoint/2010/main" val="1670723145"/>
+        <p14:creationId xmlns:p14="http://schemas.microsoft.com/office/powerpoint/2010/main" val="819843082"/>
       </p:ext>
     </p:extLst>
   </p:cSld>
@@ -29380,131 +29216,107 @@
         </p:nvSpPr>
         <p:spPr>
           <a:xfrm>
-            <a:off x="677333" y="762001"/>
-            <a:ext cx="8596668" cy="5279362"/>
+            <a:off x="677333" y="685801"/>
+            <a:ext cx="8596668" cy="5355562"/>
           </a:xfrm>
         </p:spPr>
         <p:txBody>
           <a:bodyPr/>
           <a:lstStyle/>
           <a:p>
-            <a:pPr fontAlgn="base"/>
-            <a:r>
-              <a:rPr lang="en-IN" sz="1100" dirty="0"/>
-              <a:t>A Project Object Model or POM is the fundamental unit of work in Maven</a:t>
-            </a:r>
-          </a:p>
-          <a:p>
-            <a:pPr fontAlgn="base"/>
-            <a:r>
-              <a:rPr lang="en-IN" sz="1100" dirty="0"/>
-              <a:t>POM.XML</a:t>
-            </a:r>
-          </a:p>
-          <a:p>
-            <a:pPr lvl="1" fontAlgn="base"/>
-            <a:r>
-              <a:rPr lang="en-IN" sz="1100" dirty="0"/>
-              <a:t>Minimal POM</a:t>
-            </a:r>
-          </a:p>
-          <a:p>
-            <a:pPr lvl="1" fontAlgn="base"/>
-            <a:r>
-              <a:rPr lang="en-IN" sz="1100" dirty="0"/>
-              <a:t>Effective POM</a:t>
-            </a:r>
-          </a:p>
-          <a:p>
-            <a:pPr fontAlgn="base"/>
-            <a:r>
-              <a:rPr lang="en-IN" sz="1100" dirty="0"/>
-              <a:t>Dependency management:</a:t>
-            </a:r>
-          </a:p>
-          <a:p>
-            <a:pPr lvl="1" fontAlgn="base"/>
-            <a:r>
-              <a:rPr lang="en-IN" sz="1100" dirty="0"/>
-              <a:t>Project dependencies</a:t>
-            </a:r>
-          </a:p>
-          <a:p>
-            <a:pPr lvl="1" fontAlgn="base"/>
-            <a:r>
-              <a:rPr lang="en-IN" sz="1100" dirty="0"/>
-              <a:t>Local repository</a:t>
-            </a:r>
-          </a:p>
-          <a:p>
-            <a:pPr lvl="1" fontAlgn="base"/>
-            <a:r>
-              <a:rPr lang="en-IN" sz="1100" dirty="0"/>
-              <a:t>Transitive dependencies</a:t>
-            </a:r>
-          </a:p>
-          <a:p>
-            <a:pPr lvl="2" fontAlgn="base"/>
-            <a:r>
-              <a:rPr lang="en-IN" sz="1100" dirty="0"/>
-              <a:t>Dependant jars of dependent jars are called as transitive dependencies. </a:t>
-            </a:r>
-          </a:p>
-          <a:p>
-            <a:pPr lvl="2" fontAlgn="base"/>
-            <a:r>
-              <a:rPr lang="en-IN" sz="1100" dirty="0"/>
-              <a:t>Dependency hierarchy is found in pom.xml</a:t>
-            </a:r>
-          </a:p>
-          <a:p>
-            <a:pPr lvl="1" fontAlgn="base"/>
-            <a:r>
-              <a:rPr lang="en-IN" sz="1100" dirty="0"/>
-              <a:t>Excluding transitive dependencies</a:t>
-            </a:r>
-          </a:p>
-          <a:p>
-            <a:pPr lvl="2" fontAlgn="base"/>
-            <a:r>
-              <a:rPr lang="en-IN" sz="1100" dirty="0"/>
-              <a:t>To exclude one or more transitive dependencies.</a:t>
-            </a:r>
-          </a:p>
-          <a:p>
-            <a:pPr fontAlgn="base"/>
-            <a:r>
-              <a:rPr lang="en-IN" sz="1100" dirty="0"/>
-              <a:t>Maven plugins and goals:</a:t>
-            </a:r>
-          </a:p>
-          <a:p>
-            <a:pPr lvl="1" fontAlgn="base"/>
-            <a:r>
-              <a:rPr lang="en-IN" sz="1100" dirty="0"/>
-              <a:t>Plugin :Plugin is artefact which executes goals</a:t>
-            </a:r>
-          </a:p>
-          <a:p>
-            <a:pPr lvl="1" fontAlgn="base"/>
-            <a:r>
-              <a:rPr lang="en-IN" sz="1100" dirty="0"/>
-              <a:t>Goal : Goal is a task in a phase</a:t>
-            </a:r>
-          </a:p>
-          <a:p>
-            <a:pPr lvl="1" fontAlgn="base"/>
-            <a:r>
-              <a:rPr lang="en-IN" sz="1100" dirty="0"/>
-              <a:t>Plugin can execute goals from multiple phases</a:t>
-            </a:r>
-          </a:p>
-          <a:p>
-            <a:pPr lvl="2" fontAlgn="base"/>
+            <a:pPr fontAlgn="base">
+              <a:buSzPct val="80000"/>
+            </a:pPr>
+            <a:r>
+              <a:rPr lang="en-IN" sz="1200" dirty="0"/>
+              <a:t>Main code 	: </a:t>
+            </a:r>
+            <a:r>
+              <a:rPr lang="en-IN" sz="1200" dirty="0" err="1"/>
+              <a:t>src</a:t>
+            </a:r>
+            <a:r>
+              <a:rPr lang="en-IN" sz="1200" dirty="0"/>
+              <a:t>/main/java</a:t>
+            </a:r>
+          </a:p>
+          <a:p>
+            <a:pPr fontAlgn="base">
+              <a:buSzPct val="80000"/>
+            </a:pPr>
+            <a:r>
+              <a:rPr lang="en-IN" sz="1200" dirty="0"/>
+              <a:t>Main resources 	: </a:t>
+            </a:r>
+            <a:r>
+              <a:rPr lang="en-IN" sz="1200" dirty="0" err="1"/>
+              <a:t>src</a:t>
+            </a:r>
+            <a:r>
+              <a:rPr lang="en-IN" sz="1200" dirty="0"/>
+              <a:t>/main/resources</a:t>
+            </a:r>
+          </a:p>
+          <a:p>
+            <a:pPr fontAlgn="base">
+              <a:buSzPct val="80000"/>
+            </a:pPr>
+            <a:r>
+              <a:rPr lang="en-IN" sz="1200" dirty="0"/>
+              <a:t>Test code 	: </a:t>
+            </a:r>
+            <a:r>
+              <a:rPr lang="en-IN" sz="1200" dirty="0" err="1"/>
+              <a:t>src</a:t>
+            </a:r>
+            <a:r>
+              <a:rPr lang="en-IN" sz="1200" dirty="0"/>
+              <a:t>/test/java</a:t>
+            </a:r>
+          </a:p>
+          <a:p>
+            <a:pPr fontAlgn="base">
+              <a:buSzPct val="80000"/>
+            </a:pPr>
+            <a:r>
+              <a:rPr lang="en-IN" sz="1200" dirty="0"/>
+              <a:t>Test Resources 	: </a:t>
+            </a:r>
+            <a:r>
+              <a:rPr lang="en-IN" sz="1200" dirty="0" err="1"/>
+              <a:t>src</a:t>
+            </a:r>
+            <a:r>
+              <a:rPr lang="en-IN" sz="1200" dirty="0"/>
+              <a:t>/test/resources</a:t>
+            </a:r>
+          </a:p>
+          <a:p>
+            <a:pPr fontAlgn="base">
+              <a:buSzPct val="80000"/>
+            </a:pPr>
+            <a:r>
+              <a:rPr lang="en-IN" sz="1200" dirty="0"/>
+              <a:t>target directory 	: Contains all output of the build.</a:t>
+            </a:r>
+          </a:p>
+          <a:p>
+            <a:pPr fontAlgn="base">
+              <a:buSzPct val="80000"/>
+            </a:pPr>
+            <a:r>
+              <a:rPr lang="en-IN" sz="1200" dirty="0"/>
+              <a:t>Pom.xml 	: Should be present in project’s in root folder</a:t>
+            </a:r>
+          </a:p>
+          <a:p>
+            <a:pPr fontAlgn="base">
+              <a:buSzPct val="80000"/>
+            </a:pPr>
+            <a:br>
+              <a:rPr lang="en-IN" sz="1200" dirty="0"/>
+            </a:br>
             <a:endParaRPr lang="en-IN" sz="1200" dirty="0"/>
-          </a:p>
-          <a:p>
-            <a:endParaRPr lang="en-IN" dirty="0"/>
           </a:p>
         </p:txBody>
       </p:sp>
@@ -29530,7 +29342,7 @@
           <a:p>
             <a:r>
               <a:rPr lang="en-US" sz="1600" dirty="0"/>
-              <a:t>Maven : POM</a:t>
+              <a:t>Maven : Folder Structure</a:t>
             </a:r>
           </a:p>
         </p:txBody>
@@ -29538,7 +29350,7 @@
     </p:spTree>
     <p:extLst>
       <p:ext uri="{BB962C8B-B14F-4D97-AF65-F5344CB8AC3E}">
-        <p14:creationId xmlns:p14="http://schemas.microsoft.com/office/powerpoint/2010/main" val="1246472079"/>
+        <p14:creationId xmlns:p14="http://schemas.microsoft.com/office/powerpoint/2010/main" val="994180501"/>
       </p:ext>
     </p:extLst>
   </p:cSld>
@@ -29585,121 +29397,90 @@
           <a:bodyPr/>
           <a:lstStyle/>
           <a:p>
-            <a:pPr fontAlgn="base"/>
-            <a:r>
-              <a:rPr lang="en-IN" sz="1100" dirty="0"/>
-              <a:t>Running a project having no dependencies.</a:t>
-            </a:r>
-          </a:p>
-          <a:p>
-            <a:pPr lvl="1" fontAlgn="base"/>
-            <a:r>
-              <a:rPr lang="en-IN" sz="1100" dirty="0"/>
-              <a:t>Step1 : Add manifest entry to pom.xml</a:t>
-            </a:r>
-          </a:p>
-          <a:p>
-            <a:pPr fontAlgn="base"/>
-            <a:r>
-              <a:rPr lang="en-IN" sz="1100" dirty="0"/>
-              <a:t>Running a project having dependencies.</a:t>
-            </a:r>
-          </a:p>
-          <a:p>
-            <a:pPr lvl="1" fontAlgn="base"/>
-            <a:r>
-              <a:rPr lang="en-IN" sz="1100" dirty="0"/>
-              <a:t>Create all required folders</a:t>
-            </a:r>
-          </a:p>
-          <a:p>
-            <a:pPr lvl="2" fontAlgn="base"/>
-            <a:r>
-              <a:rPr lang="en-IN" sz="1100" dirty="0" err="1"/>
-              <a:t>conf</a:t>
-            </a:r>
-            <a:endParaRPr lang="en-IN" sz="1100" dirty="0"/>
-          </a:p>
-          <a:p>
-            <a:pPr lvl="2" fontAlgn="base"/>
-            <a:r>
-              <a:rPr lang="en-IN" sz="1100" dirty="0"/>
-              <a:t>drivers</a:t>
-            </a:r>
-          </a:p>
-          <a:p>
-            <a:pPr lvl="1" fontAlgn="base"/>
-            <a:r>
-              <a:rPr lang="en-IN" sz="1100" dirty="0"/>
-              <a:t>Step1: Add manifest entry to pom.xml</a:t>
-            </a:r>
-          </a:p>
-          <a:p>
-            <a:pPr lvl="1" fontAlgn="base"/>
-            <a:r>
-              <a:rPr lang="en-IN" sz="1100" dirty="0"/>
-              <a:t>Step2: Use assembly plugin</a:t>
-            </a:r>
-          </a:p>
-          <a:p>
-            <a:pPr lvl="2" fontAlgn="base"/>
-            <a:r>
-              <a:rPr lang="en-IN" sz="1100" dirty="0"/>
-              <a:t>What is assembly?</a:t>
-            </a:r>
-          </a:p>
-          <a:p>
-            <a:pPr lvl="2" fontAlgn="base"/>
-            <a:r>
-              <a:rPr lang="en-IN" sz="1100" dirty="0"/>
-              <a:t>Add assembly plugin to pom.xml</a:t>
-            </a:r>
-          </a:p>
-          <a:p>
-            <a:pPr lvl="2" fontAlgn="base"/>
-            <a:r>
-              <a:rPr lang="en-IN" sz="1100" dirty="0"/>
-              <a:t>Create assembly.xml</a:t>
-            </a:r>
-          </a:p>
-          <a:p>
-            <a:pPr lvl="3" fontAlgn="base"/>
-            <a:r>
-              <a:rPr lang="en-IN" sz="1100" dirty="0"/>
-              <a:t>Define formats</a:t>
-            </a:r>
-          </a:p>
-          <a:p>
-            <a:pPr lvl="3" fontAlgn="base"/>
-            <a:r>
-              <a:rPr lang="en-IN" sz="1100" dirty="0"/>
-              <a:t>Add dependency sets</a:t>
-            </a:r>
-          </a:p>
-          <a:p>
-            <a:pPr lvl="3" fontAlgn="base"/>
-            <a:r>
-              <a:rPr lang="en-IN" sz="1100" dirty="0"/>
-              <a:t>Add an entry for </a:t>
-            </a:r>
-            <a:r>
-              <a:rPr lang="en-IN" sz="1100" dirty="0" err="1"/>
-              <a:t>conf</a:t>
-            </a:r>
-            <a:r>
-              <a:rPr lang="en-IN" sz="1100" dirty="0"/>
-              <a:t> folder</a:t>
-            </a:r>
-          </a:p>
-          <a:p>
-            <a:pPr lvl="3" fontAlgn="base"/>
-            <a:r>
-              <a:rPr lang="en-IN" sz="1100" dirty="0"/>
-              <a:t>Add an entry for drivers folder</a:t>
-            </a:r>
-          </a:p>
-          <a:p>
-            <a:endParaRPr lang="en-IN" dirty="0"/>
+            <a:pPr fontAlgn="base">
+              <a:buSzPct val="80000"/>
+            </a:pPr>
+            <a:r>
+              <a:rPr lang="en-IN" sz="1200" dirty="0"/>
+              <a:t>Maven Build Lifecycle:</a:t>
+            </a:r>
+          </a:p>
+          <a:p>
+            <a:pPr marL="342900" lvl="1" indent="-251459" fontAlgn="base"/>
+            <a:r>
+              <a:rPr lang="en-IN" sz="1200" dirty="0"/>
+              <a:t>It's a definition of process for building and distributing a project.</a:t>
+            </a:r>
+          </a:p>
+          <a:p>
+            <a:pPr marL="342900" lvl="1" indent="-251459" fontAlgn="base"/>
+            <a:r>
+              <a:rPr lang="en-IN" sz="1200" dirty="0"/>
+              <a:t>Build cycle consists of multiple phases which execute in a particular sequence:</a:t>
+            </a:r>
+          </a:p>
+          <a:p>
+            <a:pPr marL="342900" lvl="1" indent="-251459" fontAlgn="base"/>
+            <a:r>
+              <a:rPr lang="en-IN" sz="1200" dirty="0"/>
+              <a:t>Phases in build lifecycle are:</a:t>
+            </a:r>
+          </a:p>
+          <a:p>
+            <a:pPr marL="342900" lvl="2" indent="-251459" fontAlgn="base"/>
+            <a:r>
+              <a:rPr lang="en-IN" sz="1200" dirty="0"/>
+              <a:t>compile </a:t>
+            </a:r>
+          </a:p>
+          <a:p>
+            <a:pPr marL="342900" lvl="2" indent="-251459" fontAlgn="base"/>
+            <a:r>
+              <a:rPr lang="en-IN" sz="1200" dirty="0"/>
+              <a:t>test-compile</a:t>
+            </a:r>
+          </a:p>
+          <a:p>
+            <a:pPr marL="342900" lvl="2" indent="-251459" fontAlgn="base"/>
+            <a:r>
+              <a:rPr lang="en-IN" sz="1200" dirty="0"/>
+              <a:t>test </a:t>
+            </a:r>
+          </a:p>
+          <a:p>
+            <a:pPr marL="342900" lvl="2" indent="-251459" fontAlgn="base"/>
+            <a:r>
+              <a:rPr lang="en-IN" sz="1200" dirty="0"/>
+              <a:t>package</a:t>
+            </a:r>
+          </a:p>
+          <a:p>
+            <a:pPr marL="342900" lvl="2" indent="-251459" fontAlgn="base"/>
+            <a:r>
+              <a:rPr lang="en-IN" sz="1200" dirty="0"/>
+              <a:t>install </a:t>
+            </a:r>
+          </a:p>
+          <a:p>
+            <a:pPr marL="342900" lvl="2" indent="-251459" fontAlgn="base"/>
+            <a:r>
+              <a:rPr lang="en-IN" sz="1200" dirty="0"/>
+              <a:t>deploy</a:t>
+            </a:r>
+          </a:p>
+          <a:p>
+            <a:pPr marL="342900" lvl="1" indent="-251459" fontAlgn="base"/>
+            <a:r>
+              <a:rPr lang="en-IN" sz="1200" dirty="0"/>
+              <a:t>Build phases get executed in above order</a:t>
+            </a:r>
+          </a:p>
+          <a:p>
+            <a:pPr marL="342900" lvl="1" indent="-251459" fontAlgn="base"/>
+            <a:r>
+              <a:rPr lang="en-IN" sz="1200" dirty="0"/>
+              <a:t>When we run any particular phase ,then all the phases which come early in the order are first  executed and then the selected phase gets executed.</a:t>
+            </a:r>
           </a:p>
         </p:txBody>
       </p:sp>
@@ -29724,8 +29505,8 @@
           <a:lstStyle/>
           <a:p>
             <a:r>
-              <a:rPr lang="en-US" sz="1600" dirty="0"/>
-              <a:t>Maven : Building runnable jars</a:t>
+              <a:rPr lang="en-US" sz="1400" dirty="0"/>
+              <a:t>Maven : Build Lifecycle</a:t>
             </a:r>
           </a:p>
         </p:txBody>
@@ -29733,7 +29514,7 @@
     </p:spTree>
     <p:extLst>
       <p:ext uri="{BB962C8B-B14F-4D97-AF65-F5344CB8AC3E}">
-        <p14:creationId xmlns:p14="http://schemas.microsoft.com/office/powerpoint/2010/main" val="3199482505"/>
+        <p14:creationId xmlns:p14="http://schemas.microsoft.com/office/powerpoint/2010/main" val="4225815344"/>
       </p:ext>
     </p:extLst>
   </p:cSld>
@@ -29783,87 +29564,161 @@
             <a:pPr fontAlgn="base"/>
             <a:r>
               <a:rPr lang="en-IN" sz="1200" dirty="0"/>
-              <a:t>Maven Build Profiles:</a:t>
-            </a:r>
-          </a:p>
-          <a:p>
-            <a:pPr lvl="1" fontAlgn="base"/>
-            <a:r>
-              <a:rPr lang="en-IN" sz="1200" dirty="0"/>
-              <a:t>A Build profile is a set of configuration values</a:t>
-            </a:r>
-          </a:p>
-          <a:p>
-            <a:pPr lvl="1" fontAlgn="base"/>
-            <a:r>
-              <a:rPr lang="en-IN" sz="1200" dirty="0"/>
-              <a:t>Using a build profile, you can customize build for different environments such as Production , Development and QA environments.</a:t>
-            </a:r>
-          </a:p>
-          <a:p>
-            <a:pPr lvl="1" fontAlgn="base"/>
-            <a:r>
-              <a:rPr lang="en-IN" sz="1200" dirty="0"/>
-              <a:t>Step1: Create a project and implement assembly as shown in previous slide</a:t>
-            </a:r>
-          </a:p>
-          <a:p>
-            <a:pPr lvl="1" fontAlgn="base"/>
-            <a:r>
-              <a:rPr lang="en-IN" sz="1200" dirty="0"/>
-              <a:t>Step2: Add place holders in configuration files</a:t>
-            </a:r>
-          </a:p>
-          <a:p>
-            <a:pPr lvl="1" fontAlgn="base"/>
-            <a:r>
-              <a:rPr lang="en-IN" sz="1200" dirty="0"/>
-              <a:t>Step3: Add a resource element to pom.xml</a:t>
-            </a:r>
-          </a:p>
-          <a:p>
-            <a:pPr lvl="2" fontAlgn="base"/>
-            <a:r>
-              <a:rPr lang="en-IN" sz="1200" dirty="0"/>
-              <a:t>Set filtering to true</a:t>
-            </a:r>
-          </a:p>
-          <a:p>
-            <a:pPr lvl="2" fontAlgn="base"/>
-            <a:r>
-              <a:rPr lang="en-IN" sz="1200" dirty="0"/>
-              <a:t>Define your custom configuration folder directory</a:t>
-            </a:r>
-          </a:p>
-          <a:p>
-            <a:pPr lvl="1" fontAlgn="base"/>
-            <a:r>
-              <a:rPr lang="en-IN" sz="1200" dirty="0"/>
-              <a:t>Step4: Add profiles element in pom.xml</a:t>
-            </a:r>
-          </a:p>
-          <a:p>
-            <a:pPr lvl="1" fontAlgn="base"/>
-            <a:r>
-              <a:rPr lang="en-IN" sz="1200" dirty="0"/>
-              <a:t>Step5: Build project with -P </a:t>
-            </a:r>
-          </a:p>
-          <a:p>
-            <a:pPr lvl="2" fontAlgn="base"/>
+              <a:t>Maven build lifecycle</a:t>
+            </a:r>
+          </a:p>
+          <a:p>
+            <a:pPr fontAlgn="base"/>
             <a:r>
               <a:rPr lang="en-IN" sz="1200" dirty="0" err="1"/>
               <a:t>Mvn</a:t>
             </a:r>
             <a:r>
               <a:rPr lang="en-IN" sz="1200" dirty="0"/>
-              <a:t> clean install -</a:t>
+              <a:t> Compile </a:t>
+            </a:r>
+          </a:p>
+          <a:p>
+            <a:pPr lvl="1" fontAlgn="base"/>
+            <a:r>
+              <a:rPr lang="en-IN" sz="1200" dirty="0"/>
+              <a:t>Compile main code present in </a:t>
             </a:r>
             <a:r>
               <a:rPr lang="en-IN" sz="1200" dirty="0" err="1"/>
-              <a:t>Pqa</a:t>
-            </a:r>
-            <a:endParaRPr lang="en-IN" sz="1200" dirty="0"/>
+              <a:t>src</a:t>
+            </a:r>
+            <a:r>
+              <a:rPr lang="en-IN" sz="1200" dirty="0"/>
+              <a:t>/main/java </a:t>
+            </a:r>
+          </a:p>
+          <a:p>
+            <a:pPr lvl="1" fontAlgn="base"/>
+            <a:r>
+              <a:rPr lang="en-IN" sz="1200" dirty="0"/>
+              <a:t>Generates target/classes</a:t>
+            </a:r>
+          </a:p>
+          <a:p>
+            <a:pPr fontAlgn="base"/>
+            <a:r>
+              <a:rPr lang="en-IN" sz="1200" dirty="0" err="1"/>
+              <a:t>Mvn</a:t>
+            </a:r>
+            <a:r>
+              <a:rPr lang="en-IN" sz="1200" dirty="0"/>
+              <a:t> Test-compile</a:t>
+            </a:r>
+          </a:p>
+          <a:p>
+            <a:pPr lvl="1" fontAlgn="base"/>
+            <a:r>
+              <a:rPr lang="en-IN" sz="1200" dirty="0"/>
+              <a:t>Compile unit test code present in </a:t>
+            </a:r>
+            <a:r>
+              <a:rPr lang="en-IN" sz="1200" dirty="0" err="1"/>
+              <a:t>src</a:t>
+            </a:r>
+            <a:r>
+              <a:rPr lang="en-IN" sz="1200" dirty="0"/>
+              <a:t>/test/java</a:t>
+            </a:r>
+          </a:p>
+          <a:p>
+            <a:pPr lvl="1" fontAlgn="base"/>
+            <a:r>
+              <a:rPr lang="en-IN" sz="1200" dirty="0"/>
+              <a:t>Generates test-classes</a:t>
+            </a:r>
+          </a:p>
+          <a:p>
+            <a:pPr fontAlgn="base"/>
+            <a:r>
+              <a:rPr lang="en-IN" sz="1200" dirty="0" err="1"/>
+              <a:t>Mvn</a:t>
+            </a:r>
+            <a:r>
+              <a:rPr lang="en-IN" sz="1200" dirty="0"/>
+              <a:t> test</a:t>
+            </a:r>
+          </a:p>
+          <a:p>
+            <a:pPr lvl="1" fontAlgn="base"/>
+            <a:r>
+              <a:rPr lang="en-IN" sz="1200" dirty="0"/>
+              <a:t>To run compile unit tests</a:t>
+            </a:r>
+          </a:p>
+          <a:p>
+            <a:pPr lvl="1" fontAlgn="base"/>
+            <a:r>
+              <a:rPr lang="en-IN" sz="1200" dirty="0"/>
+              <a:t>Generates </a:t>
+            </a:r>
+            <a:r>
+              <a:rPr lang="en-IN" sz="1200" dirty="0" err="1"/>
+              <a:t>surefire</a:t>
+            </a:r>
+            <a:r>
+              <a:rPr lang="en-IN" sz="1200" dirty="0"/>
+              <a:t>-reports folder</a:t>
+            </a:r>
+          </a:p>
+          <a:p>
+            <a:pPr fontAlgn="base"/>
+            <a:r>
+              <a:rPr lang="en-IN" sz="1200" dirty="0" err="1"/>
+              <a:t>Mvn</a:t>
+            </a:r>
+            <a:r>
+              <a:rPr lang="en-IN" sz="1200" dirty="0"/>
+              <a:t> package</a:t>
+            </a:r>
+          </a:p>
+          <a:p>
+            <a:pPr lvl="1" fontAlgn="base"/>
+            <a:r>
+              <a:rPr lang="en-IN" sz="1200" dirty="0"/>
+              <a:t>To generate jar or war</a:t>
+            </a:r>
+          </a:p>
+          <a:p>
+            <a:pPr fontAlgn="base"/>
+            <a:r>
+              <a:rPr lang="en-IN" sz="1200" dirty="0" err="1"/>
+              <a:t>Mvn</a:t>
+            </a:r>
+            <a:r>
+              <a:rPr lang="en-IN" sz="1200" dirty="0"/>
+              <a:t> install</a:t>
+            </a:r>
+          </a:p>
+          <a:p>
+            <a:pPr lvl="1" fontAlgn="base"/>
+            <a:r>
+              <a:rPr lang="en-IN" sz="1200" dirty="0"/>
+              <a:t>To copy jar/war into local maven repository</a:t>
+            </a:r>
+          </a:p>
+          <a:p>
+            <a:pPr fontAlgn="base"/>
+            <a:r>
+              <a:rPr lang="en-IN" sz="1200" dirty="0" err="1"/>
+              <a:t>Mvn</a:t>
+            </a:r>
+            <a:r>
+              <a:rPr lang="en-IN" sz="1200" dirty="0"/>
+              <a:t> deploy</a:t>
+            </a:r>
+          </a:p>
+          <a:p>
+            <a:pPr lvl="1" fontAlgn="base"/>
+            <a:r>
+              <a:rPr lang="en-IN" sz="1000" dirty="0"/>
+              <a:t>To deploy the jar</a:t>
+            </a:r>
           </a:p>
           <a:p>
             <a:endParaRPr lang="en-IN" dirty="0"/>
@@ -29892,7 +29747,7 @@
           <a:p>
             <a:r>
               <a:rPr lang="en-US" sz="1600" dirty="0"/>
-              <a:t>Maven : Profiles</a:t>
+              <a:t>Maven : Build Lifecycle</a:t>
             </a:r>
           </a:p>
         </p:txBody>
@@ -29900,7 +29755,7 @@
     </p:spTree>
     <p:extLst>
       <p:ext uri="{BB962C8B-B14F-4D97-AF65-F5344CB8AC3E}">
-        <p14:creationId xmlns:p14="http://schemas.microsoft.com/office/powerpoint/2010/main" val="3249783198"/>
+        <p14:creationId xmlns:p14="http://schemas.microsoft.com/office/powerpoint/2010/main" val="1670723145"/>
       </p:ext>
     </p:extLst>
   </p:cSld>
@@ -29939,8 +29794,8 @@
         </p:nvSpPr>
         <p:spPr>
           <a:xfrm>
-            <a:off x="677333" y="685801"/>
-            <a:ext cx="8596668" cy="5355562"/>
+            <a:off x="677333" y="762001"/>
+            <a:ext cx="8596668" cy="5279362"/>
           </a:xfrm>
         </p:spPr>
         <p:txBody>
@@ -29949,73 +29804,118 @@
           <a:p>
             <a:pPr fontAlgn="base"/>
             <a:r>
-              <a:rPr lang="en-IN" sz="1200" dirty="0"/>
-              <a:t>Ways of running selenium tests:</a:t>
+              <a:rPr lang="en-IN" sz="1100" dirty="0"/>
+              <a:t>A Project Object Model or POM is the fundamental unit of work in Maven</a:t>
+            </a:r>
+          </a:p>
+          <a:p>
+            <a:pPr fontAlgn="base"/>
+            <a:r>
+              <a:rPr lang="en-IN" sz="1100" dirty="0"/>
+              <a:t>POM.XML</a:t>
             </a:r>
           </a:p>
           <a:p>
             <a:pPr lvl="1" fontAlgn="base"/>
             <a:r>
-              <a:rPr lang="en-IN" sz="1200" dirty="0"/>
-              <a:t>Local:</a:t>
+              <a:rPr lang="en-IN" sz="1100" dirty="0"/>
+              <a:t>Minimal POM</a:t>
+            </a:r>
+          </a:p>
+          <a:p>
+            <a:pPr lvl="1" fontAlgn="base"/>
+            <a:r>
+              <a:rPr lang="en-IN" sz="1100" dirty="0"/>
+              <a:t>Effective POM</a:t>
+            </a:r>
+          </a:p>
+          <a:p>
+            <a:pPr fontAlgn="base"/>
+            <a:r>
+              <a:rPr lang="en-IN" sz="1100" dirty="0"/>
+              <a:t>Dependency management:</a:t>
+            </a:r>
+          </a:p>
+          <a:p>
+            <a:pPr lvl="1" fontAlgn="base"/>
+            <a:r>
+              <a:rPr lang="en-IN" sz="1100" dirty="0"/>
+              <a:t>Project dependencies</a:t>
+            </a:r>
+          </a:p>
+          <a:p>
+            <a:pPr lvl="1" fontAlgn="base"/>
+            <a:r>
+              <a:rPr lang="en-IN" sz="1100" dirty="0"/>
+              <a:t>Local repository</a:t>
+            </a:r>
+          </a:p>
+          <a:p>
+            <a:pPr lvl="1" fontAlgn="base"/>
+            <a:r>
+              <a:rPr lang="en-IN" sz="1100" dirty="0"/>
+              <a:t>Transitive dependencies</a:t>
             </a:r>
           </a:p>
           <a:p>
             <a:pPr lvl="2" fontAlgn="base"/>
             <a:r>
-              <a:rPr lang="en-IN" sz="1200" dirty="0"/>
-              <a:t>WebDriver is used to run tests locally</a:t>
+              <a:rPr lang="en-IN" sz="1100" dirty="0"/>
+              <a:t>Dependant jars of dependent jars are called as transitive dependencies. </a:t>
+            </a:r>
+          </a:p>
+          <a:p>
+            <a:pPr lvl="2" fontAlgn="base"/>
+            <a:r>
+              <a:rPr lang="en-IN" sz="1100" dirty="0"/>
+              <a:t>Dependency hierarchy is found in pom.xml</a:t>
             </a:r>
           </a:p>
           <a:p>
             <a:pPr lvl="1" fontAlgn="base"/>
             <a:r>
-              <a:rPr lang="en-IN" sz="1200" dirty="0"/>
-              <a:t>Remote:</a:t>
+              <a:rPr lang="en-IN" sz="1100" dirty="0"/>
+              <a:t>Excluding transitive dependencies</a:t>
             </a:r>
           </a:p>
           <a:p>
             <a:pPr lvl="2" fontAlgn="base"/>
             <a:r>
-              <a:rPr lang="en-IN" sz="1200" dirty="0" err="1"/>
-              <a:t>RemoteWebDriver</a:t>
-            </a:r>
-            <a:r>
-              <a:rPr lang="en-IN" sz="1200" dirty="0"/>
-              <a:t> is used to run tests remotely</a:t>
+              <a:rPr lang="en-IN" sz="1100" dirty="0"/>
+              <a:t>To exclude one or more transitive dependencies.</a:t>
+            </a:r>
+          </a:p>
+          <a:p>
+            <a:pPr fontAlgn="base"/>
+            <a:r>
+              <a:rPr lang="en-IN" sz="1100" dirty="0"/>
+              <a:t>Maven plugins and goals:</a:t>
+            </a:r>
+          </a:p>
+          <a:p>
+            <a:pPr lvl="1" fontAlgn="base"/>
+            <a:r>
+              <a:rPr lang="en-IN" sz="1100" dirty="0"/>
+              <a:t>Plugin :Plugin is artefact which executes goals</a:t>
+            </a:r>
+          </a:p>
+          <a:p>
+            <a:pPr lvl="1" fontAlgn="base"/>
+            <a:r>
+              <a:rPr lang="en-IN" sz="1100" dirty="0"/>
+              <a:t>Goal : Goal is a task in a phase</a:t>
+            </a:r>
+          </a:p>
+          <a:p>
+            <a:pPr lvl="1" fontAlgn="base"/>
+            <a:r>
+              <a:rPr lang="en-IN" sz="1100" dirty="0"/>
+              <a:t>Plugin can execute goals from multiple phases</a:t>
             </a:r>
           </a:p>
           <a:p>
             <a:pPr lvl="2" fontAlgn="base"/>
-            <a:r>
-              <a:rPr lang="en-IN" sz="1200" dirty="0" err="1"/>
-              <a:t>RemoteWebDriver</a:t>
-            </a:r>
-            <a:r>
-              <a:rPr lang="en-IN" sz="1200" dirty="0"/>
-              <a:t> runs tests on selenium grid</a:t>
-            </a:r>
-          </a:p>
-          <a:p>
-            <a:pPr fontAlgn="base"/>
-            <a:r>
-              <a:rPr lang="en-IN" sz="1200" dirty="0"/>
-              <a:t>Why do we need selenium grid?</a:t>
-            </a:r>
-          </a:p>
-          <a:p>
-            <a:pPr lvl="1" fontAlgn="base"/>
-            <a:r>
-              <a:rPr lang="en-IN" sz="1200" dirty="0"/>
-              <a:t>To run tests on multiple OS, Browser and device combinations.</a:t>
-            </a:r>
-          </a:p>
-          <a:p>
-            <a:pPr lvl="1" fontAlgn="base"/>
-            <a:r>
-              <a:rPr lang="en-IN" sz="1200" dirty="0"/>
-              <a:t>To run tests in parallel to reduce execution time</a:t>
-            </a:r>
+            <a:endParaRPr lang="en-IN" sz="1200" dirty="0"/>
           </a:p>
           <a:p>
             <a:endParaRPr lang="en-IN" dirty="0"/>
@@ -30044,7 +29944,7 @@
           <a:p>
             <a:r>
               <a:rPr lang="en-US" sz="1600" dirty="0"/>
-              <a:t>Selenium Grid</a:t>
+              <a:t>Maven : POM</a:t>
             </a:r>
           </a:p>
         </p:txBody>
@@ -30052,7 +29952,7 @@
     </p:spTree>
     <p:extLst>
       <p:ext uri="{BB962C8B-B14F-4D97-AF65-F5344CB8AC3E}">
-        <p14:creationId xmlns:p14="http://schemas.microsoft.com/office/powerpoint/2010/main" val="959145365"/>
+        <p14:creationId xmlns:p14="http://schemas.microsoft.com/office/powerpoint/2010/main" val="1246472079"/>
       </p:ext>
     </p:extLst>
   </p:cSld>
@@ -30091,8 +29991,8 @@
         </p:nvSpPr>
         <p:spPr>
           <a:xfrm>
-            <a:off x="677333" y="762000"/>
-            <a:ext cx="8596668" cy="5279363"/>
+            <a:off x="677333" y="685801"/>
+            <a:ext cx="8596668" cy="5355562"/>
           </a:xfrm>
         </p:spPr>
         <p:txBody>
@@ -30101,13 +30001,119 @@
           <a:p>
             <a:pPr fontAlgn="base"/>
             <a:r>
-              <a:rPr lang="en-US" sz="1200" dirty="0"/>
-              <a:t>Selenium Grid Structure:</a:t>
+              <a:rPr lang="en-IN" sz="1100" dirty="0"/>
+              <a:t>Running a project having no dependencies.</a:t>
+            </a:r>
+          </a:p>
+          <a:p>
+            <a:pPr lvl="1" fontAlgn="base"/>
+            <a:r>
+              <a:rPr lang="en-IN" sz="1100" dirty="0"/>
+              <a:t>Step1 : Add manifest entry to pom.xml</a:t>
             </a:r>
           </a:p>
           <a:p>
             <a:pPr fontAlgn="base"/>
-            <a:endParaRPr lang="en-IN" sz="1200" dirty="0"/>
+            <a:r>
+              <a:rPr lang="en-IN" sz="1100" dirty="0"/>
+              <a:t>Running a project having dependencies.</a:t>
+            </a:r>
+          </a:p>
+          <a:p>
+            <a:pPr lvl="1" fontAlgn="base"/>
+            <a:r>
+              <a:rPr lang="en-IN" sz="1100" dirty="0"/>
+              <a:t>Create all required folders</a:t>
+            </a:r>
+          </a:p>
+          <a:p>
+            <a:pPr lvl="2" fontAlgn="base"/>
+            <a:r>
+              <a:rPr lang="en-IN" sz="1100" dirty="0" err="1"/>
+              <a:t>conf</a:t>
+            </a:r>
+            <a:endParaRPr lang="en-IN" sz="1100" dirty="0"/>
+          </a:p>
+          <a:p>
+            <a:pPr lvl="2" fontAlgn="base"/>
+            <a:r>
+              <a:rPr lang="en-IN" sz="1100" dirty="0"/>
+              <a:t>drivers</a:t>
+            </a:r>
+          </a:p>
+          <a:p>
+            <a:pPr lvl="1" fontAlgn="base"/>
+            <a:r>
+              <a:rPr lang="en-IN" sz="1100" dirty="0"/>
+              <a:t>Step1: Add manifest entry to pom.xml</a:t>
+            </a:r>
+          </a:p>
+          <a:p>
+            <a:pPr lvl="1" fontAlgn="base"/>
+            <a:r>
+              <a:rPr lang="en-IN" sz="1100" dirty="0"/>
+              <a:t>Step2: Use assembly plugin</a:t>
+            </a:r>
+          </a:p>
+          <a:p>
+            <a:pPr lvl="2" fontAlgn="base"/>
+            <a:r>
+              <a:rPr lang="en-IN" sz="1100" dirty="0"/>
+              <a:t>What is assembly?</a:t>
+            </a:r>
+          </a:p>
+          <a:p>
+            <a:pPr lvl="2" fontAlgn="base"/>
+            <a:r>
+              <a:rPr lang="en-IN" sz="1100" dirty="0"/>
+              <a:t>Add assembly plugin to pom.xml</a:t>
+            </a:r>
+          </a:p>
+          <a:p>
+            <a:pPr lvl="2" fontAlgn="base"/>
+            <a:r>
+              <a:rPr lang="en-IN" sz="1100" dirty="0"/>
+              <a:t>Create assembly.xml</a:t>
+            </a:r>
+          </a:p>
+          <a:p>
+            <a:pPr lvl="3" fontAlgn="base"/>
+            <a:r>
+              <a:rPr lang="en-IN" sz="1100" dirty="0"/>
+              <a:t>Define formats</a:t>
+            </a:r>
+          </a:p>
+          <a:p>
+            <a:pPr lvl="3" fontAlgn="base"/>
+            <a:r>
+              <a:rPr lang="en-IN" sz="1100" dirty="0"/>
+              <a:t>Add dependency sets</a:t>
+            </a:r>
+          </a:p>
+          <a:p>
+            <a:pPr lvl="3" fontAlgn="base"/>
+            <a:r>
+              <a:rPr lang="en-IN" sz="1100" dirty="0"/>
+              <a:t>Add an entry for </a:t>
+            </a:r>
+            <a:r>
+              <a:rPr lang="en-IN" sz="1100" dirty="0" err="1"/>
+              <a:t>conf</a:t>
+            </a:r>
+            <a:r>
+              <a:rPr lang="en-IN" sz="1100" dirty="0"/>
+              <a:t> folder</a:t>
+            </a:r>
+          </a:p>
+          <a:p>
+            <a:pPr lvl="3" fontAlgn="base"/>
+            <a:r>
+              <a:rPr lang="en-IN" sz="1100" dirty="0"/>
+              <a:t>Add an entry for drivers folder</a:t>
+            </a:r>
+          </a:p>
+          <a:p>
+            <a:endParaRPr lang="en-IN" dirty="0"/>
           </a:p>
         </p:txBody>
       </p:sp>
@@ -30133,306 +30139,15 @@
           <a:p>
             <a:r>
               <a:rPr lang="en-US" sz="1600" dirty="0"/>
-              <a:t>Selenium Grid</a:t>
-            </a:r>
-          </a:p>
-        </p:txBody>
-      </p:sp>
-      <p:pic>
-        <p:nvPicPr>
-          <p:cNvPr id="1026" name="Picture 2"/>
-          <p:cNvPicPr>
-            <a:picLocks noChangeAspect="1" noChangeArrowheads="1"/>
-          </p:cNvPicPr>
-          <p:nvPr/>
-        </p:nvPicPr>
-        <p:blipFill>
-          <a:blip r:embed="rId2">
-            <a:extLst>
-              <a:ext uri="{28A0092B-C50C-407E-A947-70E740481C1C}">
-                <a14:useLocalDpi xmlns:a14="http://schemas.microsoft.com/office/drawing/2010/main" val="0"/>
-              </a:ext>
-            </a:extLst>
-          </a:blip>
-          <a:srcRect/>
-          <a:stretch>
-            <a:fillRect/>
-          </a:stretch>
-        </p:blipFill>
-        <p:spPr bwMode="auto">
-          <a:xfrm>
-            <a:off x="1295400" y="3718808"/>
-            <a:ext cx="4114800" cy="2868260"/>
-          </a:xfrm>
-          <a:prstGeom prst="rect">
-            <a:avLst/>
-          </a:prstGeom>
-          <a:noFill/>
-          <a:ln>
-            <a:noFill/>
-          </a:ln>
-          <a:extLst>
-            <a:ext uri="{909E8E84-426E-40DD-AFC4-6F175D3DCCD1}">
-              <a14:hiddenFill xmlns:a14="http://schemas.microsoft.com/office/drawing/2010/main">
-                <a:solidFill>
-                  <a:schemeClr val="accent1"/>
-                </a:solidFill>
-              </a14:hiddenFill>
-            </a:ext>
-            <a:ext uri="{91240B29-F687-4F45-9708-019B960494DF}">
-              <a14:hiddenLine xmlns:a14="http://schemas.microsoft.com/office/drawing/2010/main" w="9525">
-                <a:solidFill>
-                  <a:schemeClr val="tx1"/>
-                </a:solidFill>
-                <a:miter lim="800000"/>
-                <a:headEnd/>
-                <a:tailEnd/>
-              </a14:hiddenLine>
-            </a:ext>
-          </a:extLst>
-        </p:spPr>
-      </p:pic>
-      <p:sp>
-        <p:nvSpPr>
-          <p:cNvPr id="6" name="Rectangle 5"/>
-          <p:cNvSpPr/>
-          <p:nvPr/>
-        </p:nvSpPr>
-        <p:spPr>
-          <a:xfrm>
-            <a:off x="1143000" y="1066800"/>
-            <a:ext cx="6019800" cy="2652008"/>
-          </a:xfrm>
-          <a:prstGeom prst="rect">
-            <a:avLst/>
-          </a:prstGeom>
-        </p:spPr>
-        <p:txBody>
-          <a:bodyPr wrap="square">
-            <a:spAutoFit/>
-          </a:bodyPr>
-          <a:lstStyle/>
-          <a:p>
-            <a:pPr marL="171450" indent="-171450" fontAlgn="base">
-              <a:spcBef>
-                <a:spcPts val="1000"/>
-              </a:spcBef>
-              <a:buClr>
-                <a:schemeClr val="accent1"/>
-              </a:buClr>
-              <a:buFont typeface="Noto Sans Symbols"/>
-              <a:buChar char="●"/>
-            </a:pPr>
-            <a:r>
-              <a:rPr lang="en-IN" sz="1200" dirty="0">
-                <a:solidFill>
-                  <a:srgbClr val="3F3F3F"/>
-                </a:solidFill>
-                <a:latin typeface="Trebuchet MS"/>
-                <a:ea typeface="Trebuchet MS"/>
-                <a:cs typeface="Trebuchet MS"/>
-                <a:sym typeface="Trebuchet MS"/>
-              </a:rPr>
-              <a:t>Selenium Grid components:</a:t>
-            </a:r>
-          </a:p>
-          <a:p>
-            <a:pPr marL="342900" lvl="0" indent="-251459" fontAlgn="base">
-              <a:spcBef>
-                <a:spcPts val="1000"/>
-              </a:spcBef>
-              <a:buClr>
-                <a:srgbClr val="90C226"/>
-              </a:buClr>
-              <a:buSzPct val="79999"/>
-              <a:buFont typeface="Noto Sans Symbols"/>
-              <a:buChar char="●"/>
-            </a:pPr>
-            <a:r>
-              <a:rPr lang="en-IN" sz="1200" dirty="0">
-                <a:solidFill>
-                  <a:srgbClr val="3F3F3F"/>
-                </a:solidFill>
-                <a:latin typeface="Trebuchet MS"/>
-                <a:ea typeface="Trebuchet MS"/>
-                <a:cs typeface="Trebuchet MS"/>
-                <a:sym typeface="Trebuchet MS"/>
-              </a:rPr>
-              <a:t>Grid </a:t>
-            </a:r>
-            <a:r>
-              <a:rPr lang="en-IN" sz="1200" dirty="0" err="1">
-                <a:solidFill>
-                  <a:srgbClr val="3F3F3F"/>
-                </a:solidFill>
-                <a:latin typeface="Trebuchet MS"/>
-                <a:ea typeface="Trebuchet MS"/>
-                <a:cs typeface="Trebuchet MS"/>
-                <a:sym typeface="Trebuchet MS"/>
-              </a:rPr>
-              <a:t>Hub</a:t>
-            </a:r>
-            <a:r>
-              <a:rPr lang="en-IN" sz="1200" dirty="0" err="1">
-                <a:solidFill>
-                  <a:srgbClr val="3F3F3F"/>
-                </a:solidFill>
-                <a:latin typeface="Trebuchet MS"/>
-                <a:sym typeface="Trebuchet MS"/>
-              </a:rPr>
-              <a:t>Selenium</a:t>
-            </a:r>
-            <a:r>
-              <a:rPr lang="en-IN" sz="1200" dirty="0">
-                <a:solidFill>
-                  <a:srgbClr val="3F3F3F"/>
-                </a:solidFill>
-                <a:latin typeface="Trebuchet MS"/>
-                <a:sym typeface="Trebuchet MS"/>
-              </a:rPr>
-              <a:t> Grid components:</a:t>
-            </a:r>
-          </a:p>
-          <a:p>
-            <a:pPr marL="742950" lvl="1" indent="-204469" fontAlgn="base">
-              <a:spcBef>
-                <a:spcPts val="1000"/>
-              </a:spcBef>
-              <a:buClr>
-                <a:srgbClr val="90C226"/>
-              </a:buClr>
-              <a:buSzPct val="80000"/>
-              <a:buFont typeface="Noto Sans Symbols"/>
-              <a:buChar char="●"/>
-            </a:pPr>
-            <a:r>
-              <a:rPr lang="en-IN" sz="1200" dirty="0">
-                <a:solidFill>
-                  <a:srgbClr val="3F3F3F"/>
-                </a:solidFill>
-                <a:latin typeface="Trebuchet MS"/>
-                <a:sym typeface="Trebuchet MS"/>
-              </a:rPr>
-              <a:t>Grid Hub</a:t>
-            </a:r>
-          </a:p>
-          <a:p>
-            <a:pPr marL="1143000" lvl="2" indent="-157480" fontAlgn="base">
-              <a:spcBef>
-                <a:spcPts val="1000"/>
-              </a:spcBef>
-              <a:buClr>
-                <a:srgbClr val="90C226"/>
-              </a:buClr>
-              <a:buSzPct val="80000"/>
-              <a:buFont typeface="Noto Sans Symbols"/>
-              <a:buChar char="●"/>
-            </a:pPr>
-            <a:r>
-              <a:rPr lang="en-IN" sz="1200" dirty="0">
-                <a:solidFill>
-                  <a:srgbClr val="3F3F3F"/>
-                </a:solidFill>
-                <a:latin typeface="Trebuchet MS"/>
-                <a:sym typeface="Trebuchet MS"/>
-              </a:rPr>
-              <a:t>The Hub is the central point that will receive all the test request and distribute them the right nodes</a:t>
-            </a:r>
-          </a:p>
-          <a:p>
-            <a:pPr marL="742950" lvl="1" indent="-204469" fontAlgn="base">
-              <a:spcBef>
-                <a:spcPts val="1000"/>
-              </a:spcBef>
-              <a:buClr>
-                <a:srgbClr val="90C226"/>
-              </a:buClr>
-              <a:buSzPct val="80000"/>
-              <a:buFont typeface="Noto Sans Symbols"/>
-              <a:buChar char="●"/>
-            </a:pPr>
-            <a:r>
-              <a:rPr lang="en-IN" sz="1200" dirty="0">
-                <a:solidFill>
-                  <a:srgbClr val="3F3F3F"/>
-                </a:solidFill>
-                <a:latin typeface="Trebuchet MS"/>
-                <a:sym typeface="Trebuchet MS"/>
-              </a:rPr>
-              <a:t>Grid Nodes</a:t>
-            </a:r>
-          </a:p>
-          <a:p>
-            <a:pPr marL="1143000" lvl="2" indent="-157480" fontAlgn="base">
-              <a:spcBef>
-                <a:spcPts val="1000"/>
-              </a:spcBef>
-              <a:buClr>
-                <a:srgbClr val="90C226"/>
-              </a:buClr>
-              <a:buSzPct val="80000"/>
-              <a:buFont typeface="Noto Sans Symbols"/>
-              <a:buChar char="●"/>
-            </a:pPr>
-            <a:r>
-              <a:rPr lang="en-IN" sz="1200" dirty="0">
-                <a:solidFill>
-                  <a:srgbClr val="3F3F3F"/>
-                </a:solidFill>
-                <a:latin typeface="Trebuchet MS"/>
-                <a:sym typeface="Trebuchet MS"/>
-              </a:rPr>
-              <a:t>Nodes need to be registered with hub </a:t>
-            </a:r>
-          </a:p>
-          <a:p>
-            <a:pPr marL="1143000" lvl="2" indent="-157480" fontAlgn="base">
-              <a:spcBef>
-                <a:spcPts val="1000"/>
-              </a:spcBef>
-              <a:buClr>
-                <a:srgbClr val="90C226"/>
-              </a:buClr>
-              <a:buSzPct val="80000"/>
-              <a:buFont typeface="Noto Sans Symbols"/>
-              <a:buChar char="●"/>
-            </a:pPr>
-            <a:r>
-              <a:rPr lang="en-IN" sz="1200" dirty="0">
-                <a:solidFill>
-                  <a:srgbClr val="3F3F3F"/>
-                </a:solidFill>
-                <a:latin typeface="Trebuchet MS"/>
-                <a:sym typeface="Trebuchet MS"/>
-              </a:rPr>
-              <a:t>Tests are run on nodes</a:t>
-            </a:r>
-          </a:p>
-          <a:p>
-            <a:pPr lvl="4" fontAlgn="base">
-              <a:spcBef>
-                <a:spcPts val="1000"/>
-              </a:spcBef>
-              <a:buClr>
-                <a:schemeClr val="accent1"/>
-              </a:buClr>
-            </a:pPr>
-            <a:endParaRPr lang="en-IN" sz="1200" dirty="0">
-              <a:solidFill>
-                <a:srgbClr val="3F3F3F"/>
-              </a:solidFill>
-              <a:latin typeface="Trebuchet MS"/>
-              <a:ea typeface="Trebuchet MS"/>
-              <a:cs typeface="Trebuchet MS"/>
-              <a:sym typeface="Trebuchet MS"/>
-            </a:endParaRPr>
+              <a:t>Maven : Building runnable jars</a:t>
+            </a:r>
           </a:p>
         </p:txBody>
       </p:sp>
     </p:spTree>
     <p:extLst>
       <p:ext uri="{BB962C8B-B14F-4D97-AF65-F5344CB8AC3E}">
-        <p14:creationId xmlns:p14="http://schemas.microsoft.com/office/powerpoint/2010/main" val="2104627659"/>
+        <p14:creationId xmlns:p14="http://schemas.microsoft.com/office/powerpoint/2010/main" val="3199482505"/>
       </p:ext>
     </p:extLst>
   </p:cSld>
@@ -30481,74 +30196,86 @@
           <a:p>
             <a:pPr fontAlgn="base"/>
             <a:r>
-              <a:rPr lang="en-IN" sz="1400" dirty="0"/>
-              <a:t>Selenium Grid Infrastructure:</a:t>
+              <a:rPr lang="en-IN" sz="1200" dirty="0"/>
+              <a:t>Maven Build Profiles:</a:t>
             </a:r>
           </a:p>
           <a:p>
             <a:pPr lvl="1" fontAlgn="base"/>
             <a:r>
               <a:rPr lang="en-IN" sz="1200" dirty="0"/>
-              <a:t>Setup locally</a:t>
+              <a:t>A Build profile is a set of configuration values</a:t>
+            </a:r>
+          </a:p>
+          <a:p>
+            <a:pPr lvl="1" fontAlgn="base"/>
+            <a:r>
+              <a:rPr lang="en-IN" sz="1200" dirty="0"/>
+              <a:t>Using a build profile, you can customize build for different environments such as Production , Development and QA environments.</a:t>
+            </a:r>
+          </a:p>
+          <a:p>
+            <a:pPr lvl="1" fontAlgn="base"/>
+            <a:r>
+              <a:rPr lang="en-IN" sz="1200" dirty="0"/>
+              <a:t>Step1: Create a project and implement assembly as shown in previous slide</a:t>
+            </a:r>
+          </a:p>
+          <a:p>
+            <a:pPr lvl="1" fontAlgn="base"/>
+            <a:r>
+              <a:rPr lang="en-IN" sz="1200" dirty="0"/>
+              <a:t>Step2: Add place holders in configuration files</a:t>
+            </a:r>
+          </a:p>
+          <a:p>
+            <a:pPr lvl="1" fontAlgn="base"/>
+            <a:r>
+              <a:rPr lang="en-IN" sz="1200" dirty="0"/>
+              <a:t>Step3: Add a resource element to pom.xml</a:t>
             </a:r>
           </a:p>
           <a:p>
             <a:pPr lvl="2" fontAlgn="base"/>
             <a:r>
-              <a:rPr lang="en-US" sz="1200" dirty="0"/>
-              <a:t>We can setup selenium grid locally on our infrastructure</a:t>
-            </a:r>
-            <a:endParaRPr lang="en-IN" sz="1200" dirty="0"/>
+              <a:rPr lang="en-IN" sz="1200" dirty="0"/>
+              <a:t>Set filtering to true</a:t>
+            </a:r>
+          </a:p>
+          <a:p>
+            <a:pPr lvl="2" fontAlgn="base"/>
+            <a:r>
+              <a:rPr lang="en-IN" sz="1200" dirty="0"/>
+              <a:t>Define your custom configuration folder directory</a:t>
+            </a:r>
           </a:p>
           <a:p>
             <a:pPr lvl="1" fontAlgn="base"/>
             <a:r>
               <a:rPr lang="en-IN" sz="1200" dirty="0"/>
-              <a:t>Cloud/online tools</a:t>
+              <a:t>Step4: Add profiles element in pom.xml</a:t>
+            </a:r>
+          </a:p>
+          <a:p>
+            <a:pPr lvl="1" fontAlgn="base"/>
+            <a:r>
+              <a:rPr lang="en-IN" sz="1200" dirty="0"/>
+              <a:t>Step5: Build project with -P </a:t>
             </a:r>
           </a:p>
           <a:p>
             <a:pPr lvl="2" fontAlgn="base"/>
             <a:r>
-              <a:rPr lang="en-US" sz="1200" dirty="0"/>
-              <a:t>There are 3</a:t>
-            </a:r>
-            <a:r>
-              <a:rPr lang="en-US" sz="1200" baseline="30000" dirty="0"/>
-              <a:t>rd</a:t>
-            </a:r>
-            <a:r>
-              <a:rPr lang="en-US" sz="1200" dirty="0"/>
-              <a:t> party tools which are set up on cloud.</a:t>
-            </a:r>
-          </a:p>
-          <a:p>
-            <a:pPr lvl="3" fontAlgn="base"/>
-            <a:r>
-              <a:rPr lang="en-IN" sz="900" dirty="0"/>
-              <a:t>Browserstack.com</a:t>
-            </a:r>
-          </a:p>
-          <a:p>
-            <a:pPr lvl="3" fontAlgn="base"/>
-            <a:r>
-              <a:rPr lang="en-IN" sz="900" dirty="0"/>
-              <a:t>saucelabs.com</a:t>
-            </a:r>
-            <a:endParaRPr lang="en-US" sz="900" dirty="0"/>
-          </a:p>
-          <a:p>
-            <a:pPr lvl="2" fontAlgn="base"/>
-            <a:r>
-              <a:rPr lang="en-US" sz="1200" dirty="0"/>
-              <a:t>We need to purchase the subscription and use them directly.</a:t>
-            </a:r>
-          </a:p>
-          <a:p>
-            <a:pPr lvl="2" fontAlgn="base"/>
-            <a:r>
-              <a:rPr lang="en-US" sz="1200" dirty="0"/>
-              <a:t>Less maintenance overhead</a:t>
+              <a:rPr lang="en-IN" sz="1200" dirty="0" err="1"/>
+              <a:t>Mvn</a:t>
+            </a:r>
+            <a:r>
+              <a:rPr lang="en-IN" sz="1200" dirty="0"/>
+              <a:t> clean install -</a:t>
+            </a:r>
+            <a:r>
+              <a:rPr lang="en-IN" sz="1200" dirty="0" err="1"/>
+              <a:t>Pqa</a:t>
             </a:r>
             <a:endParaRPr lang="en-IN" sz="1200" dirty="0"/>
           </a:p>
@@ -30579,7 +30306,7 @@
           <a:p>
             <a:r>
               <a:rPr lang="en-US" sz="1600" dirty="0"/>
-              <a:t>Selenium Grid</a:t>
+              <a:t>Maven : Profiles</a:t>
             </a:r>
           </a:p>
         </p:txBody>
@@ -30587,7 +30314,7 @@
     </p:spTree>
     <p:extLst>
       <p:ext uri="{BB962C8B-B14F-4D97-AF65-F5344CB8AC3E}">
-        <p14:creationId xmlns:p14="http://schemas.microsoft.com/office/powerpoint/2010/main" val="3159775197"/>
+        <p14:creationId xmlns:p14="http://schemas.microsoft.com/office/powerpoint/2010/main" val="3249783198"/>
       </p:ext>
     </p:extLst>
   </p:cSld>
@@ -30626,239 +30353,86 @@
         </p:nvSpPr>
         <p:spPr>
           <a:xfrm>
-            <a:off x="677333" y="685800"/>
-            <a:ext cx="8596668" cy="6019799"/>
+            <a:off x="677333" y="685801"/>
+            <a:ext cx="8596668" cy="5355562"/>
           </a:xfrm>
         </p:spPr>
         <p:txBody>
           <a:bodyPr/>
           <a:lstStyle/>
           <a:p>
-            <a:r>
-              <a:rPr lang="en-US" sz="1050" dirty="0"/>
-              <a:t>Setting up selenium grid locally:</a:t>
+            <a:pPr fontAlgn="base"/>
+            <a:r>
+              <a:rPr lang="en-IN" sz="1200" dirty="0"/>
+              <a:t>Ways of running selenium tests:</a:t>
             </a:r>
           </a:p>
           <a:p>
             <a:pPr lvl="1" fontAlgn="base"/>
             <a:r>
-              <a:rPr lang="en-IN" sz="1050" dirty="0"/>
-              <a:t>Start hub:</a:t>
-            </a:r>
-          </a:p>
-          <a:p>
-            <a:pPr lvl="3" fontAlgn="base"/>
-            <a:r>
-              <a:rPr lang="en-IN" sz="1000" b="1" i="1" dirty="0"/>
-              <a:t>java -jar selenium-server-standalone-3.0.1.jar -role hub</a:t>
+              <a:rPr lang="en-IN" sz="1200" dirty="0"/>
+              <a:t>Local:</a:t>
+            </a:r>
+          </a:p>
+          <a:p>
+            <a:pPr lvl="2" fontAlgn="base"/>
+            <a:r>
+              <a:rPr lang="en-IN" sz="1200" dirty="0"/>
+              <a:t>WebDriver is used to run tests locally</a:t>
             </a:r>
           </a:p>
           <a:p>
             <a:pPr lvl="1" fontAlgn="base"/>
             <a:r>
-              <a:rPr lang="en-IN" sz="1050" dirty="0"/>
-              <a:t>Registering nodes with hub:</a:t>
-            </a:r>
-          </a:p>
-          <a:p>
-            <a:pPr lvl="3" fontAlgn="base"/>
-            <a:r>
-              <a:rPr lang="en-IN" sz="800" b="1" i="1" dirty="0"/>
-              <a:t>java -jar selenium-server-standalone-3.0.1.jar -role node </a:t>
-            </a:r>
-          </a:p>
-          <a:p>
-            <a:pPr marL="1432561" lvl="3" indent="0">
-              <a:buNone/>
-            </a:pPr>
-            <a:r>
-              <a:rPr lang="en-IN" sz="800" b="1" i="1" dirty="0"/>
-              <a:t>	-hub "http://192.168.2.192:4444/grid/register" </a:t>
-            </a:r>
-          </a:p>
-          <a:p>
-            <a:pPr marL="538481" lvl="1" indent="0">
-              <a:buNone/>
-            </a:pPr>
-            <a:r>
-              <a:rPr lang="en-IN" sz="800" b="1" i="1" dirty="0"/>
-              <a:t>		-browser "</a:t>
-            </a:r>
-            <a:r>
-              <a:rPr lang="en-IN" sz="800" b="1" i="1" dirty="0" err="1"/>
-              <a:t>browserName</a:t>
-            </a:r>
-            <a:r>
-              <a:rPr lang="en-IN" sz="800" b="1" i="1" dirty="0"/>
-              <a:t>=</a:t>
-            </a:r>
-            <a:r>
-              <a:rPr lang="en-IN" sz="800" b="1" i="1" dirty="0" err="1"/>
-              <a:t>firefox,firefox_binary</a:t>
-            </a:r>
-            <a:r>
-              <a:rPr lang="en-IN" sz="800" b="1" i="1" dirty="0"/>
-              <a:t>=</a:t>
-            </a:r>
-            <a:r>
-              <a:rPr lang="en-IN" sz="800" b="1" i="1" dirty="0" err="1"/>
-              <a:t>geckodriver.exe,maxInstances</a:t>
-            </a:r>
-            <a:r>
-              <a:rPr lang="en-IN" sz="800" b="1" i="1" dirty="0"/>
-              <a:t>=1,platform=WINDOWS" </a:t>
-            </a:r>
-          </a:p>
-          <a:p>
-            <a:pPr marL="538481" lvl="1" indent="0">
-              <a:buNone/>
-            </a:pPr>
-            <a:r>
-              <a:rPr lang="en-IN" sz="800" b="1" i="1" dirty="0"/>
-              <a:t>		-browser "</a:t>
-            </a:r>
-            <a:r>
-              <a:rPr lang="en-IN" sz="800" b="1" i="1" dirty="0" err="1"/>
-              <a:t>browserName</a:t>
-            </a:r>
-            <a:r>
-              <a:rPr lang="en-IN" sz="800" b="1" i="1" dirty="0"/>
-              <a:t>=</a:t>
-            </a:r>
-            <a:r>
-              <a:rPr lang="en-IN" sz="800" b="1" i="1" dirty="0" err="1"/>
-              <a:t>chrome,chrome_binary</a:t>
-            </a:r>
-            <a:r>
-              <a:rPr lang="en-IN" sz="800" b="1" i="1" dirty="0"/>
-              <a:t>=</a:t>
-            </a:r>
-            <a:r>
-              <a:rPr lang="en-IN" sz="800" b="1" i="1" dirty="0" err="1"/>
-              <a:t>chromedriver.exe,maxInstances</a:t>
-            </a:r>
-            <a:r>
-              <a:rPr lang="en-IN" sz="800" b="1" i="1" dirty="0"/>
-              <a:t>=1,platform=WINDOWS"</a:t>
+              <a:rPr lang="en-IN" sz="1200" dirty="0"/>
+              <a:t>Remote:</a:t>
+            </a:r>
+          </a:p>
+          <a:p>
+            <a:pPr lvl="2" fontAlgn="base"/>
+            <a:r>
+              <a:rPr lang="en-IN" sz="1200" dirty="0" err="1"/>
+              <a:t>RemoteWebDriver</a:t>
+            </a:r>
+            <a:r>
+              <a:rPr lang="en-IN" sz="1200" dirty="0"/>
+              <a:t> is used to run tests remotely</a:t>
+            </a:r>
+          </a:p>
+          <a:p>
+            <a:pPr lvl="2" fontAlgn="base"/>
+            <a:r>
+              <a:rPr lang="en-IN" sz="1200" dirty="0" err="1"/>
+              <a:t>RemoteWebDriver</a:t>
+            </a:r>
+            <a:r>
+              <a:rPr lang="en-IN" sz="1200" dirty="0"/>
+              <a:t> runs tests on selenium grid</a:t>
+            </a:r>
+          </a:p>
+          <a:p>
+            <a:pPr fontAlgn="base"/>
+            <a:r>
+              <a:rPr lang="en-IN" sz="1200" dirty="0"/>
+              <a:t>Why do we need selenium grid?</a:t>
             </a:r>
           </a:p>
           <a:p>
             <a:pPr lvl="1" fontAlgn="base"/>
             <a:r>
-              <a:rPr lang="en-IN" sz="1050" dirty="0"/>
-              <a:t>Using grid to run tests:</a:t>
-            </a:r>
-          </a:p>
-          <a:p>
-            <a:pPr lvl="2" fontAlgn="base"/>
-            <a:r>
-              <a:rPr lang="en-IN" sz="1050" dirty="0"/>
-              <a:t>After the grid is in-place, we need to access the grid from our test cases.</a:t>
-            </a:r>
-          </a:p>
-          <a:p>
-            <a:pPr lvl="3" fontAlgn="base"/>
-            <a:r>
-              <a:rPr lang="en-IN" sz="1050" dirty="0"/>
-              <a:t>Grid URL : </a:t>
-            </a:r>
-            <a:r>
-              <a:rPr lang="en-IN" sz="1000" b="1" i="1" dirty="0"/>
-              <a:t>http://localhost:4444/wd/hub</a:t>
-            </a:r>
-          </a:p>
-          <a:p>
-            <a:pPr lvl="2" fontAlgn="base"/>
-            <a:r>
-              <a:rPr lang="en-IN" sz="1050" dirty="0"/>
-              <a:t>We need </a:t>
-            </a:r>
-            <a:r>
-              <a:rPr lang="en-IN" sz="1050" dirty="0" err="1"/>
-              <a:t>DesiredCapabilities</a:t>
-            </a:r>
-            <a:r>
-              <a:rPr lang="en-IN" sz="1050" dirty="0"/>
-              <a:t> class to define which browser, version and platform you wish to use. </a:t>
-            </a:r>
-          </a:p>
-          <a:p>
-            <a:pPr lvl="3" fontAlgn="base"/>
-            <a:r>
-              <a:rPr lang="en-IN" sz="1050" dirty="0" err="1"/>
-              <a:t>capability.setBrowserName</a:t>
-            </a:r>
-            <a:r>
-              <a:rPr lang="en-IN" sz="1050" dirty="0"/>
-              <a:t>();</a:t>
-            </a:r>
-            <a:br>
-              <a:rPr lang="en-IN" sz="1050" dirty="0"/>
-            </a:br>
-            <a:r>
-              <a:rPr lang="en-IN" sz="1050" dirty="0" err="1"/>
-              <a:t>capability.setPlatform</a:t>
-            </a:r>
-            <a:r>
-              <a:rPr lang="en-IN" sz="1050" dirty="0"/>
-              <a:t>();</a:t>
-            </a:r>
-            <a:br>
-              <a:rPr lang="en-IN" sz="1050" dirty="0"/>
-            </a:br>
-            <a:r>
-              <a:rPr lang="en-IN" sz="1050" dirty="0" err="1"/>
-              <a:t>capability.setVersion</a:t>
-            </a:r>
-            <a:r>
-              <a:rPr lang="en-IN" sz="1050" dirty="0"/>
-              <a:t>()</a:t>
-            </a:r>
-          </a:p>
-          <a:p>
-            <a:pPr lvl="2" fontAlgn="base"/>
-            <a:r>
-              <a:rPr lang="en-IN" sz="1050" dirty="0"/>
-              <a:t>We need </a:t>
-            </a:r>
-            <a:r>
-              <a:rPr lang="en-IN" sz="1050" dirty="0" err="1"/>
-              <a:t>RemoteWebDriver</a:t>
-            </a:r>
-            <a:r>
-              <a:rPr lang="en-IN" sz="1050" dirty="0"/>
-              <a:t> class instead of WebDriver class as we need to run tests remotely</a:t>
-            </a:r>
-          </a:p>
-          <a:p>
-            <a:pPr lvl="2" fontAlgn="base"/>
-            <a:r>
-              <a:rPr lang="en-IN" sz="1050" dirty="0"/>
-              <a:t>Pass grid </a:t>
-            </a:r>
-            <a:r>
-              <a:rPr lang="en-IN" sz="1050" dirty="0" err="1"/>
-              <a:t>url</a:t>
-            </a:r>
-            <a:r>
-              <a:rPr lang="en-IN" sz="1050" dirty="0"/>
-              <a:t> and capabilities object to </a:t>
-            </a:r>
-            <a:r>
-              <a:rPr lang="en-IN" sz="1050" dirty="0" err="1"/>
-              <a:t>RemoteWebDriver</a:t>
-            </a:r>
-            <a:r>
-              <a:rPr lang="en-IN" sz="1050"/>
-              <a:t> class</a:t>
-            </a:r>
-            <a:endParaRPr lang="en-IN" sz="1050" dirty="0"/>
-          </a:p>
-          <a:p>
-            <a:br>
-              <a:rPr lang="en-IN" sz="1000" dirty="0"/>
-            </a:br>
-            <a:endParaRPr lang="en-IN" sz="1000" dirty="0"/>
+              <a:rPr lang="en-IN" sz="1200" dirty="0"/>
+              <a:t>To run tests on multiple OS, Browser and device combinations.</a:t>
+            </a:r>
+          </a:p>
+          <a:p>
+            <a:pPr lvl="1" fontAlgn="base"/>
+            <a:r>
+              <a:rPr lang="en-IN" sz="1200" dirty="0"/>
+              <a:t>To run tests in parallel to reduce execution time</a:t>
+            </a:r>
+          </a:p>
+          <a:p>
+            <a:endParaRPr lang="en-IN" dirty="0"/>
           </a:p>
         </p:txBody>
       </p:sp>
@@ -30892,7 +30466,542 @@
     </p:spTree>
     <p:extLst>
       <p:ext uri="{BB962C8B-B14F-4D97-AF65-F5344CB8AC3E}">
-        <p14:creationId xmlns:p14="http://schemas.microsoft.com/office/powerpoint/2010/main" val="323259617"/>
+        <p14:creationId xmlns:p14="http://schemas.microsoft.com/office/powerpoint/2010/main" val="959145365"/>
+      </p:ext>
+    </p:extLst>
+  </p:cSld>
+  <p:clrMapOvr>
+    <a:masterClrMapping/>
+  </p:clrMapOvr>
+</p:sld>
+</file>
+
+<file path=ppt/slides/slide48.xml><?xml version="1.0" encoding="utf-8"?>
+<p:sld xmlns:a="http://schemas.openxmlformats.org/drawingml/2006/main" xmlns:r="http://schemas.openxmlformats.org/officeDocument/2006/relationships" xmlns:p="http://schemas.openxmlformats.org/presentationml/2006/main">
+  <p:cSld>
+    <p:spTree>
+      <p:nvGrpSpPr>
+        <p:cNvPr id="1" name=""/>
+        <p:cNvGrpSpPr/>
+        <p:nvPr/>
+      </p:nvGrpSpPr>
+      <p:grpSpPr>
+        <a:xfrm>
+          <a:off x="0" y="0"/>
+          <a:ext cx="0" cy="0"/>
+          <a:chOff x="0" y="0"/>
+          <a:chExt cx="0" cy="0"/>
+        </a:xfrm>
+      </p:grpSpPr>
+      <p:sp>
+        <p:nvSpPr>
+          <p:cNvPr id="3" name="Text Placeholder 2"/>
+          <p:cNvSpPr>
+            <a:spLocks noGrp="1"/>
+          </p:cNvSpPr>
+          <p:nvPr>
+            <p:ph type="body" idx="1"/>
+          </p:nvPr>
+        </p:nvSpPr>
+        <p:spPr>
+          <a:xfrm>
+            <a:off x="677333" y="762000"/>
+            <a:ext cx="8596668" cy="5279363"/>
+          </a:xfrm>
+        </p:spPr>
+        <p:txBody>
+          <a:bodyPr/>
+          <a:lstStyle/>
+          <a:p>
+            <a:pPr fontAlgn="base"/>
+            <a:r>
+              <a:rPr lang="en-US" sz="1200" dirty="0"/>
+              <a:t>Selenium Grid Structure:</a:t>
+            </a:r>
+          </a:p>
+          <a:p>
+            <a:pPr fontAlgn="base"/>
+            <a:endParaRPr lang="en-IN" sz="1200" dirty="0"/>
+          </a:p>
+        </p:txBody>
+      </p:sp>
+      <p:sp>
+        <p:nvSpPr>
+          <p:cNvPr id="4" name="Title 1"/>
+          <p:cNvSpPr>
+            <a:spLocks noGrp="1"/>
+          </p:cNvSpPr>
+          <p:nvPr>
+            <p:ph type="title"/>
+          </p:nvPr>
+        </p:nvSpPr>
+        <p:spPr>
+          <a:xfrm>
+            <a:off x="685800" y="304800"/>
+            <a:ext cx="8596668" cy="304800"/>
+          </a:xfrm>
+        </p:spPr>
+        <p:txBody>
+          <a:bodyPr/>
+          <a:lstStyle/>
+          <a:p>
+            <a:r>
+              <a:rPr lang="en-US" sz="1600" dirty="0"/>
+              <a:t>Selenium Grid</a:t>
+            </a:r>
+          </a:p>
+        </p:txBody>
+      </p:sp>
+      <p:pic>
+        <p:nvPicPr>
+          <p:cNvPr id="1026" name="Picture 2"/>
+          <p:cNvPicPr>
+            <a:picLocks noChangeAspect="1" noChangeArrowheads="1"/>
+          </p:cNvPicPr>
+          <p:nvPr/>
+        </p:nvPicPr>
+        <p:blipFill>
+          <a:blip r:embed="rId2">
+            <a:extLst>
+              <a:ext uri="{28A0092B-C50C-407E-A947-70E740481C1C}">
+                <a14:useLocalDpi xmlns:a14="http://schemas.microsoft.com/office/drawing/2010/main" val="0"/>
+              </a:ext>
+            </a:extLst>
+          </a:blip>
+          <a:srcRect/>
+          <a:stretch>
+            <a:fillRect/>
+          </a:stretch>
+        </p:blipFill>
+        <p:spPr bwMode="auto">
+          <a:xfrm>
+            <a:off x="1295400" y="3718808"/>
+            <a:ext cx="4114800" cy="2868260"/>
+          </a:xfrm>
+          <a:prstGeom prst="rect">
+            <a:avLst/>
+          </a:prstGeom>
+          <a:noFill/>
+          <a:ln>
+            <a:noFill/>
+          </a:ln>
+          <a:extLst>
+            <a:ext uri="{909E8E84-426E-40DD-AFC4-6F175D3DCCD1}">
+              <a14:hiddenFill xmlns:a14="http://schemas.microsoft.com/office/drawing/2010/main">
+                <a:solidFill>
+                  <a:schemeClr val="accent1"/>
+                </a:solidFill>
+              </a14:hiddenFill>
+            </a:ext>
+            <a:ext uri="{91240B29-F687-4F45-9708-019B960494DF}">
+              <a14:hiddenLine xmlns:a14="http://schemas.microsoft.com/office/drawing/2010/main" w="9525">
+                <a:solidFill>
+                  <a:schemeClr val="tx1"/>
+                </a:solidFill>
+                <a:miter lim="800000"/>
+                <a:headEnd/>
+                <a:tailEnd/>
+              </a14:hiddenLine>
+            </a:ext>
+          </a:extLst>
+        </p:spPr>
+      </p:pic>
+      <p:sp>
+        <p:nvSpPr>
+          <p:cNvPr id="6" name="Rectangle 5"/>
+          <p:cNvSpPr/>
+          <p:nvPr/>
+        </p:nvSpPr>
+        <p:spPr>
+          <a:xfrm>
+            <a:off x="1143000" y="1066800"/>
+            <a:ext cx="6019800" cy="2652008"/>
+          </a:xfrm>
+          <a:prstGeom prst="rect">
+            <a:avLst/>
+          </a:prstGeom>
+        </p:spPr>
+        <p:txBody>
+          <a:bodyPr wrap="square">
+            <a:spAutoFit/>
+          </a:bodyPr>
+          <a:lstStyle/>
+          <a:p>
+            <a:pPr marL="171450" indent="-171450" fontAlgn="base">
+              <a:spcBef>
+                <a:spcPts val="1000"/>
+              </a:spcBef>
+              <a:buClr>
+                <a:schemeClr val="accent1"/>
+              </a:buClr>
+              <a:buFont typeface="Noto Sans Symbols"/>
+              <a:buChar char="●"/>
+            </a:pPr>
+            <a:r>
+              <a:rPr lang="en-IN" sz="1200" dirty="0">
+                <a:solidFill>
+                  <a:srgbClr val="3F3F3F"/>
+                </a:solidFill>
+                <a:latin typeface="Trebuchet MS"/>
+                <a:ea typeface="Trebuchet MS"/>
+                <a:cs typeface="Trebuchet MS"/>
+                <a:sym typeface="Trebuchet MS"/>
+              </a:rPr>
+              <a:t>Selenium Grid components:</a:t>
+            </a:r>
+          </a:p>
+          <a:p>
+            <a:pPr marL="342900" lvl="0" indent="-251459" fontAlgn="base">
+              <a:spcBef>
+                <a:spcPts val="1000"/>
+              </a:spcBef>
+              <a:buClr>
+                <a:srgbClr val="90C226"/>
+              </a:buClr>
+              <a:buSzPct val="79999"/>
+              <a:buFont typeface="Noto Sans Symbols"/>
+              <a:buChar char="●"/>
+            </a:pPr>
+            <a:r>
+              <a:rPr lang="en-IN" sz="1200" dirty="0">
+                <a:solidFill>
+                  <a:srgbClr val="3F3F3F"/>
+                </a:solidFill>
+                <a:latin typeface="Trebuchet MS"/>
+                <a:ea typeface="Trebuchet MS"/>
+                <a:cs typeface="Trebuchet MS"/>
+                <a:sym typeface="Trebuchet MS"/>
+              </a:rPr>
+              <a:t>Grid </a:t>
+            </a:r>
+            <a:r>
+              <a:rPr lang="en-IN" sz="1200" dirty="0" err="1">
+                <a:solidFill>
+                  <a:srgbClr val="3F3F3F"/>
+                </a:solidFill>
+                <a:latin typeface="Trebuchet MS"/>
+                <a:ea typeface="Trebuchet MS"/>
+                <a:cs typeface="Trebuchet MS"/>
+                <a:sym typeface="Trebuchet MS"/>
+              </a:rPr>
+              <a:t>Hub</a:t>
+            </a:r>
+            <a:r>
+              <a:rPr lang="en-IN" sz="1200" dirty="0" err="1">
+                <a:solidFill>
+                  <a:srgbClr val="3F3F3F"/>
+                </a:solidFill>
+                <a:latin typeface="Trebuchet MS"/>
+                <a:sym typeface="Trebuchet MS"/>
+              </a:rPr>
+              <a:t>Selenium</a:t>
+            </a:r>
+            <a:r>
+              <a:rPr lang="en-IN" sz="1200" dirty="0">
+                <a:solidFill>
+                  <a:srgbClr val="3F3F3F"/>
+                </a:solidFill>
+                <a:latin typeface="Trebuchet MS"/>
+                <a:sym typeface="Trebuchet MS"/>
+              </a:rPr>
+              <a:t> Grid components:</a:t>
+            </a:r>
+          </a:p>
+          <a:p>
+            <a:pPr marL="742950" lvl="1" indent="-204469" fontAlgn="base">
+              <a:spcBef>
+                <a:spcPts val="1000"/>
+              </a:spcBef>
+              <a:buClr>
+                <a:srgbClr val="90C226"/>
+              </a:buClr>
+              <a:buSzPct val="80000"/>
+              <a:buFont typeface="Noto Sans Symbols"/>
+              <a:buChar char="●"/>
+            </a:pPr>
+            <a:r>
+              <a:rPr lang="en-IN" sz="1200" dirty="0">
+                <a:solidFill>
+                  <a:srgbClr val="3F3F3F"/>
+                </a:solidFill>
+                <a:latin typeface="Trebuchet MS"/>
+                <a:sym typeface="Trebuchet MS"/>
+              </a:rPr>
+              <a:t>Grid Hub</a:t>
+            </a:r>
+          </a:p>
+          <a:p>
+            <a:pPr marL="1143000" lvl="2" indent="-157480" fontAlgn="base">
+              <a:spcBef>
+                <a:spcPts val="1000"/>
+              </a:spcBef>
+              <a:buClr>
+                <a:srgbClr val="90C226"/>
+              </a:buClr>
+              <a:buSzPct val="80000"/>
+              <a:buFont typeface="Noto Sans Symbols"/>
+              <a:buChar char="●"/>
+            </a:pPr>
+            <a:r>
+              <a:rPr lang="en-IN" sz="1200" dirty="0">
+                <a:solidFill>
+                  <a:srgbClr val="3F3F3F"/>
+                </a:solidFill>
+                <a:latin typeface="Trebuchet MS"/>
+                <a:sym typeface="Trebuchet MS"/>
+              </a:rPr>
+              <a:t>The Hub is the central point that will receive all the test request and distribute them the right nodes</a:t>
+            </a:r>
+          </a:p>
+          <a:p>
+            <a:pPr marL="742950" lvl="1" indent="-204469" fontAlgn="base">
+              <a:spcBef>
+                <a:spcPts val="1000"/>
+              </a:spcBef>
+              <a:buClr>
+                <a:srgbClr val="90C226"/>
+              </a:buClr>
+              <a:buSzPct val="80000"/>
+              <a:buFont typeface="Noto Sans Symbols"/>
+              <a:buChar char="●"/>
+            </a:pPr>
+            <a:r>
+              <a:rPr lang="en-IN" sz="1200" dirty="0">
+                <a:solidFill>
+                  <a:srgbClr val="3F3F3F"/>
+                </a:solidFill>
+                <a:latin typeface="Trebuchet MS"/>
+                <a:sym typeface="Trebuchet MS"/>
+              </a:rPr>
+              <a:t>Grid Nodes</a:t>
+            </a:r>
+          </a:p>
+          <a:p>
+            <a:pPr marL="1143000" lvl="2" indent="-157480" fontAlgn="base">
+              <a:spcBef>
+                <a:spcPts val="1000"/>
+              </a:spcBef>
+              <a:buClr>
+                <a:srgbClr val="90C226"/>
+              </a:buClr>
+              <a:buSzPct val="80000"/>
+              <a:buFont typeface="Noto Sans Symbols"/>
+              <a:buChar char="●"/>
+            </a:pPr>
+            <a:r>
+              <a:rPr lang="en-IN" sz="1200" dirty="0">
+                <a:solidFill>
+                  <a:srgbClr val="3F3F3F"/>
+                </a:solidFill>
+                <a:latin typeface="Trebuchet MS"/>
+                <a:sym typeface="Trebuchet MS"/>
+              </a:rPr>
+              <a:t>Nodes need to be registered with hub </a:t>
+            </a:r>
+          </a:p>
+          <a:p>
+            <a:pPr marL="1143000" lvl="2" indent="-157480" fontAlgn="base">
+              <a:spcBef>
+                <a:spcPts val="1000"/>
+              </a:spcBef>
+              <a:buClr>
+                <a:srgbClr val="90C226"/>
+              </a:buClr>
+              <a:buSzPct val="80000"/>
+              <a:buFont typeface="Noto Sans Symbols"/>
+              <a:buChar char="●"/>
+            </a:pPr>
+            <a:r>
+              <a:rPr lang="en-IN" sz="1200" dirty="0">
+                <a:solidFill>
+                  <a:srgbClr val="3F3F3F"/>
+                </a:solidFill>
+                <a:latin typeface="Trebuchet MS"/>
+                <a:sym typeface="Trebuchet MS"/>
+              </a:rPr>
+              <a:t>Tests are run on nodes</a:t>
+            </a:r>
+          </a:p>
+          <a:p>
+            <a:pPr lvl="4" fontAlgn="base">
+              <a:spcBef>
+                <a:spcPts val="1000"/>
+              </a:spcBef>
+              <a:buClr>
+                <a:schemeClr val="accent1"/>
+              </a:buClr>
+            </a:pPr>
+            <a:endParaRPr lang="en-IN" sz="1200" dirty="0">
+              <a:solidFill>
+                <a:srgbClr val="3F3F3F"/>
+              </a:solidFill>
+              <a:latin typeface="Trebuchet MS"/>
+              <a:ea typeface="Trebuchet MS"/>
+              <a:cs typeface="Trebuchet MS"/>
+              <a:sym typeface="Trebuchet MS"/>
+            </a:endParaRPr>
+          </a:p>
+        </p:txBody>
+      </p:sp>
+    </p:spTree>
+    <p:extLst>
+      <p:ext uri="{BB962C8B-B14F-4D97-AF65-F5344CB8AC3E}">
+        <p14:creationId xmlns:p14="http://schemas.microsoft.com/office/powerpoint/2010/main" val="2104627659"/>
+      </p:ext>
+    </p:extLst>
+  </p:cSld>
+  <p:clrMapOvr>
+    <a:masterClrMapping/>
+  </p:clrMapOvr>
+</p:sld>
+</file>
+
+<file path=ppt/slides/slide49.xml><?xml version="1.0" encoding="utf-8"?>
+<p:sld xmlns:a="http://schemas.openxmlformats.org/drawingml/2006/main" xmlns:r="http://schemas.openxmlformats.org/officeDocument/2006/relationships" xmlns:p="http://schemas.openxmlformats.org/presentationml/2006/main">
+  <p:cSld>
+    <p:spTree>
+      <p:nvGrpSpPr>
+        <p:cNvPr id="1" name=""/>
+        <p:cNvGrpSpPr/>
+        <p:nvPr/>
+      </p:nvGrpSpPr>
+      <p:grpSpPr>
+        <a:xfrm>
+          <a:off x="0" y="0"/>
+          <a:ext cx="0" cy="0"/>
+          <a:chOff x="0" y="0"/>
+          <a:chExt cx="0" cy="0"/>
+        </a:xfrm>
+      </p:grpSpPr>
+      <p:sp>
+        <p:nvSpPr>
+          <p:cNvPr id="3" name="Text Placeholder 2"/>
+          <p:cNvSpPr>
+            <a:spLocks noGrp="1"/>
+          </p:cNvSpPr>
+          <p:nvPr>
+            <p:ph type="body" idx="1"/>
+          </p:nvPr>
+        </p:nvSpPr>
+        <p:spPr>
+          <a:xfrm>
+            <a:off x="677333" y="685801"/>
+            <a:ext cx="8596668" cy="5355562"/>
+          </a:xfrm>
+        </p:spPr>
+        <p:txBody>
+          <a:bodyPr/>
+          <a:lstStyle/>
+          <a:p>
+            <a:pPr fontAlgn="base"/>
+            <a:r>
+              <a:rPr lang="en-IN" sz="1400" dirty="0"/>
+              <a:t>Selenium Grid Infrastructure:</a:t>
+            </a:r>
+          </a:p>
+          <a:p>
+            <a:pPr lvl="1" fontAlgn="base"/>
+            <a:r>
+              <a:rPr lang="en-IN" sz="1200" dirty="0"/>
+              <a:t>Setup locally</a:t>
+            </a:r>
+          </a:p>
+          <a:p>
+            <a:pPr lvl="2" fontAlgn="base"/>
+            <a:r>
+              <a:rPr lang="en-US" sz="1200" dirty="0"/>
+              <a:t>We can setup selenium grid locally on our infrastructure</a:t>
+            </a:r>
+            <a:endParaRPr lang="en-IN" sz="1200" dirty="0"/>
+          </a:p>
+          <a:p>
+            <a:pPr lvl="1" fontAlgn="base"/>
+            <a:r>
+              <a:rPr lang="en-IN" sz="1200" dirty="0"/>
+              <a:t>Cloud/online tools</a:t>
+            </a:r>
+          </a:p>
+          <a:p>
+            <a:pPr lvl="2" fontAlgn="base"/>
+            <a:r>
+              <a:rPr lang="en-US" sz="1200" dirty="0"/>
+              <a:t>There are 3</a:t>
+            </a:r>
+            <a:r>
+              <a:rPr lang="en-US" sz="1200" baseline="30000" dirty="0"/>
+              <a:t>rd</a:t>
+            </a:r>
+            <a:r>
+              <a:rPr lang="en-US" sz="1200" dirty="0"/>
+              <a:t> party tools which are set up on cloud.</a:t>
+            </a:r>
+          </a:p>
+          <a:p>
+            <a:pPr lvl="3" fontAlgn="base"/>
+            <a:r>
+              <a:rPr lang="en-IN" sz="900" dirty="0"/>
+              <a:t>Browserstack.com</a:t>
+            </a:r>
+          </a:p>
+          <a:p>
+            <a:pPr lvl="3" fontAlgn="base"/>
+            <a:r>
+              <a:rPr lang="en-IN" sz="900" dirty="0"/>
+              <a:t>saucelabs.com</a:t>
+            </a:r>
+            <a:endParaRPr lang="en-US" sz="900" dirty="0"/>
+          </a:p>
+          <a:p>
+            <a:pPr lvl="2" fontAlgn="base"/>
+            <a:r>
+              <a:rPr lang="en-US" sz="1200" dirty="0"/>
+              <a:t>We need to purchase the subscription and use them directly.</a:t>
+            </a:r>
+          </a:p>
+          <a:p>
+            <a:pPr lvl="2" fontAlgn="base"/>
+            <a:r>
+              <a:rPr lang="en-US" sz="1200" dirty="0"/>
+              <a:t>Less maintenance overhead</a:t>
+            </a:r>
+            <a:endParaRPr lang="en-IN" sz="1200" dirty="0"/>
+          </a:p>
+          <a:p>
+            <a:endParaRPr lang="en-IN" dirty="0"/>
+          </a:p>
+        </p:txBody>
+      </p:sp>
+      <p:sp>
+        <p:nvSpPr>
+          <p:cNvPr id="4" name="Title 1"/>
+          <p:cNvSpPr>
+            <a:spLocks noGrp="1"/>
+          </p:cNvSpPr>
+          <p:nvPr>
+            <p:ph type="title"/>
+          </p:nvPr>
+        </p:nvSpPr>
+        <p:spPr>
+          <a:xfrm>
+            <a:off x="685800" y="304800"/>
+            <a:ext cx="8596668" cy="304800"/>
+          </a:xfrm>
+        </p:spPr>
+        <p:txBody>
+          <a:bodyPr/>
+          <a:lstStyle/>
+          <a:p>
+            <a:r>
+              <a:rPr lang="en-US" sz="1600" dirty="0"/>
+              <a:t>Selenium Grid</a:t>
+            </a:r>
+          </a:p>
+        </p:txBody>
+      </p:sp>
+    </p:spTree>
+    <p:extLst>
+      <p:ext uri="{BB962C8B-B14F-4D97-AF65-F5344CB8AC3E}">
+        <p14:creationId xmlns:p14="http://schemas.microsoft.com/office/powerpoint/2010/main" val="3159775197"/>
       </p:ext>
     </p:extLst>
   </p:cSld>
@@ -31162,6 +31271,311 @@
     <p:extLst>
       <p:ext uri="{BB962C8B-B14F-4D97-AF65-F5344CB8AC3E}">
         <p14:creationId xmlns:p14="http://schemas.microsoft.com/office/powerpoint/2010/main" val="2138711350"/>
+      </p:ext>
+    </p:extLst>
+  </p:cSld>
+  <p:clrMapOvr>
+    <a:masterClrMapping/>
+  </p:clrMapOvr>
+</p:sld>
+</file>
+
+<file path=ppt/slides/slide50.xml><?xml version="1.0" encoding="utf-8"?>
+<p:sld xmlns:a="http://schemas.openxmlformats.org/drawingml/2006/main" xmlns:r="http://schemas.openxmlformats.org/officeDocument/2006/relationships" xmlns:p="http://schemas.openxmlformats.org/presentationml/2006/main">
+  <p:cSld>
+    <p:spTree>
+      <p:nvGrpSpPr>
+        <p:cNvPr id="1" name=""/>
+        <p:cNvGrpSpPr/>
+        <p:nvPr/>
+      </p:nvGrpSpPr>
+      <p:grpSpPr>
+        <a:xfrm>
+          <a:off x="0" y="0"/>
+          <a:ext cx="0" cy="0"/>
+          <a:chOff x="0" y="0"/>
+          <a:chExt cx="0" cy="0"/>
+        </a:xfrm>
+      </p:grpSpPr>
+      <p:sp>
+        <p:nvSpPr>
+          <p:cNvPr id="3" name="Text Placeholder 2"/>
+          <p:cNvSpPr>
+            <a:spLocks noGrp="1"/>
+          </p:cNvSpPr>
+          <p:nvPr>
+            <p:ph type="body" idx="1"/>
+          </p:nvPr>
+        </p:nvSpPr>
+        <p:spPr>
+          <a:xfrm>
+            <a:off x="677333" y="685800"/>
+            <a:ext cx="8596668" cy="6019799"/>
+          </a:xfrm>
+        </p:spPr>
+        <p:txBody>
+          <a:bodyPr/>
+          <a:lstStyle/>
+          <a:p>
+            <a:r>
+              <a:rPr lang="en-US" sz="1050" dirty="0"/>
+              <a:t>Setting up selenium grid locally:</a:t>
+            </a:r>
+          </a:p>
+          <a:p>
+            <a:pPr lvl="1" fontAlgn="base"/>
+            <a:r>
+              <a:rPr lang="en-IN" sz="1050" dirty="0"/>
+              <a:t>Start hub:</a:t>
+            </a:r>
+          </a:p>
+          <a:p>
+            <a:pPr lvl="3" fontAlgn="base"/>
+            <a:r>
+              <a:rPr lang="en-IN" sz="1000" b="1" i="1" dirty="0"/>
+              <a:t>java -jar selenium-server-standalone-3.0.1.jar -role hub</a:t>
+            </a:r>
+          </a:p>
+          <a:p>
+            <a:pPr lvl="1" fontAlgn="base"/>
+            <a:r>
+              <a:rPr lang="en-IN" sz="1050" dirty="0"/>
+              <a:t>Registering nodes with hub:</a:t>
+            </a:r>
+          </a:p>
+          <a:p>
+            <a:pPr lvl="3" fontAlgn="base"/>
+            <a:r>
+              <a:rPr lang="en-IN" sz="800" b="1" i="1" dirty="0"/>
+              <a:t>java -jar selenium-server-standalone-3.0.1.jar -role node </a:t>
+            </a:r>
+          </a:p>
+          <a:p>
+            <a:pPr marL="1432561" lvl="3" indent="0">
+              <a:buNone/>
+            </a:pPr>
+            <a:r>
+              <a:rPr lang="en-IN" sz="800" b="1" i="1" dirty="0"/>
+              <a:t>	-hub "http://192.168.2.192:4444/grid/register" </a:t>
+            </a:r>
+          </a:p>
+          <a:p>
+            <a:pPr marL="538481" lvl="1" indent="0">
+              <a:buNone/>
+            </a:pPr>
+            <a:r>
+              <a:rPr lang="en-IN" sz="800" b="1" i="1" dirty="0"/>
+              <a:t>		-browser "</a:t>
+            </a:r>
+            <a:r>
+              <a:rPr lang="en-IN" sz="800" b="1" i="1" dirty="0" err="1"/>
+              <a:t>browserName</a:t>
+            </a:r>
+            <a:r>
+              <a:rPr lang="en-IN" sz="800" b="1" i="1" dirty="0"/>
+              <a:t>=</a:t>
+            </a:r>
+            <a:r>
+              <a:rPr lang="en-IN" sz="800" b="1" i="1" dirty="0" err="1"/>
+              <a:t>firefox,firefox_binary</a:t>
+            </a:r>
+            <a:r>
+              <a:rPr lang="en-IN" sz="800" b="1" i="1" dirty="0"/>
+              <a:t>=</a:t>
+            </a:r>
+            <a:r>
+              <a:rPr lang="en-IN" sz="800" b="1" i="1" dirty="0" err="1"/>
+              <a:t>geckodriver.exe,maxInstances</a:t>
+            </a:r>
+            <a:r>
+              <a:rPr lang="en-IN" sz="800" b="1" i="1" dirty="0"/>
+              <a:t>=1,platform=WINDOWS" </a:t>
+            </a:r>
+          </a:p>
+          <a:p>
+            <a:pPr marL="538481" lvl="1" indent="0">
+              <a:buNone/>
+            </a:pPr>
+            <a:r>
+              <a:rPr lang="en-IN" sz="800" b="1" i="1" dirty="0"/>
+              <a:t>		-browser "</a:t>
+            </a:r>
+            <a:r>
+              <a:rPr lang="en-IN" sz="800" b="1" i="1" dirty="0" err="1"/>
+              <a:t>browserName</a:t>
+            </a:r>
+            <a:r>
+              <a:rPr lang="en-IN" sz="800" b="1" i="1" dirty="0"/>
+              <a:t>=</a:t>
+            </a:r>
+            <a:r>
+              <a:rPr lang="en-IN" sz="800" b="1" i="1" dirty="0" err="1"/>
+              <a:t>chrome,chrome_binary</a:t>
+            </a:r>
+            <a:r>
+              <a:rPr lang="en-IN" sz="800" b="1" i="1" dirty="0"/>
+              <a:t>=</a:t>
+            </a:r>
+            <a:r>
+              <a:rPr lang="en-IN" sz="800" b="1" i="1" dirty="0" err="1"/>
+              <a:t>chromedriver.exe,maxInstances</a:t>
+            </a:r>
+            <a:r>
+              <a:rPr lang="en-IN" sz="800" b="1" i="1" dirty="0"/>
+              <a:t>=1,platform=WINDOWS"</a:t>
+            </a:r>
+          </a:p>
+          <a:p>
+            <a:pPr lvl="1" fontAlgn="base"/>
+            <a:r>
+              <a:rPr lang="en-IN" sz="1050" dirty="0"/>
+              <a:t>Using grid to run tests:</a:t>
+            </a:r>
+          </a:p>
+          <a:p>
+            <a:pPr lvl="2" fontAlgn="base"/>
+            <a:r>
+              <a:rPr lang="en-IN" sz="1050" dirty="0"/>
+              <a:t>After the grid is in-place, we need to access the grid from our test cases.</a:t>
+            </a:r>
+          </a:p>
+          <a:p>
+            <a:pPr lvl="3" fontAlgn="base"/>
+            <a:r>
+              <a:rPr lang="en-IN" sz="1050" dirty="0"/>
+              <a:t>Grid URL : </a:t>
+            </a:r>
+            <a:r>
+              <a:rPr lang="en-IN" sz="1000" b="1" i="1" dirty="0"/>
+              <a:t>http://localhost:4444/wd/hub</a:t>
+            </a:r>
+          </a:p>
+          <a:p>
+            <a:pPr lvl="2" fontAlgn="base"/>
+            <a:r>
+              <a:rPr lang="en-IN" sz="1050" dirty="0"/>
+              <a:t>We need </a:t>
+            </a:r>
+            <a:r>
+              <a:rPr lang="en-IN" sz="1050" dirty="0" err="1"/>
+              <a:t>DesiredCapabilities</a:t>
+            </a:r>
+            <a:r>
+              <a:rPr lang="en-IN" sz="1050" dirty="0"/>
+              <a:t> class to define which browser, version and platform you wish to use. </a:t>
+            </a:r>
+          </a:p>
+          <a:p>
+            <a:pPr lvl="3" fontAlgn="base"/>
+            <a:r>
+              <a:rPr lang="en-IN" sz="1050" dirty="0" err="1"/>
+              <a:t>capability.setBrowserName</a:t>
+            </a:r>
+            <a:r>
+              <a:rPr lang="en-IN" sz="1050" dirty="0"/>
+              <a:t>();</a:t>
+            </a:r>
+            <a:br>
+              <a:rPr lang="en-IN" sz="1050" dirty="0"/>
+            </a:br>
+            <a:r>
+              <a:rPr lang="en-IN" sz="1050" dirty="0" err="1"/>
+              <a:t>capability.setPlatform</a:t>
+            </a:r>
+            <a:r>
+              <a:rPr lang="en-IN" sz="1050" dirty="0"/>
+              <a:t>();</a:t>
+            </a:r>
+            <a:br>
+              <a:rPr lang="en-IN" sz="1050" dirty="0"/>
+            </a:br>
+            <a:r>
+              <a:rPr lang="en-IN" sz="1050" dirty="0" err="1"/>
+              <a:t>capability.setVersion</a:t>
+            </a:r>
+            <a:r>
+              <a:rPr lang="en-IN" sz="1050" dirty="0"/>
+              <a:t>()</a:t>
+            </a:r>
+          </a:p>
+          <a:p>
+            <a:pPr lvl="2" fontAlgn="base"/>
+            <a:r>
+              <a:rPr lang="en-IN" sz="1050" dirty="0"/>
+              <a:t>We need </a:t>
+            </a:r>
+            <a:r>
+              <a:rPr lang="en-IN" sz="1050" dirty="0" err="1"/>
+              <a:t>RemoteWebDriver</a:t>
+            </a:r>
+            <a:r>
+              <a:rPr lang="en-IN" sz="1050" dirty="0"/>
+              <a:t> class instead of WebDriver class as we need to run tests remotely</a:t>
+            </a:r>
+          </a:p>
+          <a:p>
+            <a:pPr lvl="2" fontAlgn="base"/>
+            <a:r>
+              <a:rPr lang="en-IN" sz="1050" dirty="0"/>
+              <a:t>Pass grid </a:t>
+            </a:r>
+            <a:r>
+              <a:rPr lang="en-IN" sz="1050" dirty="0" err="1"/>
+              <a:t>url</a:t>
+            </a:r>
+            <a:r>
+              <a:rPr lang="en-IN" sz="1050" dirty="0"/>
+              <a:t> and capabilities object to </a:t>
+            </a:r>
+            <a:r>
+              <a:rPr lang="en-IN" sz="1050" dirty="0" err="1"/>
+              <a:t>RemoteWebDriver</a:t>
+            </a:r>
+            <a:r>
+              <a:rPr lang="en-IN" sz="1050"/>
+              <a:t> class</a:t>
+            </a:r>
+            <a:endParaRPr lang="en-IN" sz="1050" dirty="0"/>
+          </a:p>
+          <a:p>
+            <a:br>
+              <a:rPr lang="en-IN" sz="1000" dirty="0"/>
+            </a:br>
+            <a:endParaRPr lang="en-IN" sz="1000" dirty="0"/>
+          </a:p>
+        </p:txBody>
+      </p:sp>
+      <p:sp>
+        <p:nvSpPr>
+          <p:cNvPr id="4" name="Title 1"/>
+          <p:cNvSpPr>
+            <a:spLocks noGrp="1"/>
+          </p:cNvSpPr>
+          <p:nvPr>
+            <p:ph type="title"/>
+          </p:nvPr>
+        </p:nvSpPr>
+        <p:spPr>
+          <a:xfrm>
+            <a:off x="685800" y="304800"/>
+            <a:ext cx="8596668" cy="304800"/>
+          </a:xfrm>
+        </p:spPr>
+        <p:txBody>
+          <a:bodyPr/>
+          <a:lstStyle/>
+          <a:p>
+            <a:r>
+              <a:rPr lang="en-US" sz="1600" dirty="0"/>
+              <a:t>Selenium Grid</a:t>
+            </a:r>
+          </a:p>
+        </p:txBody>
+      </p:sp>
+    </p:spTree>
+    <p:extLst>
+      <p:ext uri="{BB962C8B-B14F-4D97-AF65-F5344CB8AC3E}">
+        <p14:creationId xmlns:p14="http://schemas.microsoft.com/office/powerpoint/2010/main" val="323259617"/>
       </p:ext>
     </p:extLst>
   </p:cSld>

--- a/SeleniumPPT.pptx
+++ b/SeleniumPPT.pptx
@@ -5,7 +5,7 @@
     <p:sldMasterId id="2147483664" r:id="rId1"/>
   </p:sldMasterIdLst>
   <p:notesMasterIdLst>
-    <p:notesMasterId r:id="rId52"/>
+    <p:notesMasterId r:id="rId54"/>
   </p:notesMasterIdLst>
   <p:sldIdLst>
     <p:sldId id="256" r:id="rId2"/>
@@ -42,32 +42,34 @@
     <p:sldId id="350" r:id="rId33"/>
     <p:sldId id="351" r:id="rId34"/>
     <p:sldId id="352" r:id="rId35"/>
-    <p:sldId id="353" r:id="rId36"/>
-    <p:sldId id="354" r:id="rId37"/>
-    <p:sldId id="355" r:id="rId38"/>
-    <p:sldId id="356" r:id="rId39"/>
-    <p:sldId id="357" r:id="rId40"/>
-    <p:sldId id="358" r:id="rId41"/>
-    <p:sldId id="363" r:id="rId42"/>
-    <p:sldId id="364" r:id="rId43"/>
-    <p:sldId id="365" r:id="rId44"/>
-    <p:sldId id="366" r:id="rId45"/>
-    <p:sldId id="367" r:id="rId46"/>
-    <p:sldId id="368" r:id="rId47"/>
-    <p:sldId id="359" r:id="rId48"/>
-    <p:sldId id="360" r:id="rId49"/>
-    <p:sldId id="361" r:id="rId50"/>
-    <p:sldId id="362" r:id="rId51"/>
+    <p:sldId id="386" r:id="rId36"/>
+    <p:sldId id="353" r:id="rId37"/>
+    <p:sldId id="354" r:id="rId38"/>
+    <p:sldId id="388" r:id="rId39"/>
+    <p:sldId id="387" r:id="rId40"/>
+    <p:sldId id="356" r:id="rId41"/>
+    <p:sldId id="357" r:id="rId42"/>
+    <p:sldId id="358" r:id="rId43"/>
+    <p:sldId id="363" r:id="rId44"/>
+    <p:sldId id="364" r:id="rId45"/>
+    <p:sldId id="365" r:id="rId46"/>
+    <p:sldId id="366" r:id="rId47"/>
+    <p:sldId id="367" r:id="rId48"/>
+    <p:sldId id="368" r:id="rId49"/>
+    <p:sldId id="359" r:id="rId50"/>
+    <p:sldId id="360" r:id="rId51"/>
+    <p:sldId id="361" r:id="rId52"/>
+    <p:sldId id="362" r:id="rId53"/>
   </p:sldIdLst>
   <p:sldSz cx="12192000" cy="6858000"/>
   <p:notesSz cx="6858000" cy="9144000"/>
   <p:embeddedFontLst>
     <p:embeddedFont>
       <p:font typeface="Trebuchet MS" panose="020B0603020202020204" pitchFamily="34" charset="0"/>
-      <p:regular r:id="rId53"/>
-      <p:bold r:id="rId54"/>
-      <p:italic r:id="rId55"/>
-      <p:boldItalic r:id="rId56"/>
+      <p:regular r:id="rId55"/>
+      <p:bold r:id="rId56"/>
+      <p:italic r:id="rId57"/>
+      <p:boldItalic r:id="rId58"/>
     </p:embeddedFont>
   </p:embeddedFontLst>
   <p:defaultTextStyle>
@@ -27539,7 +27541,51 @@
             </a:pPr>
             <a:r>
               <a:rPr lang="en-US" sz="1200" dirty="0"/>
-              <a:t>JavascriptExecutor Interface</a:t>
+              <a:t>Why do we need to take help of </a:t>
+            </a:r>
+            <a:r>
+              <a:rPr lang="en-US" sz="1200" dirty="0" err="1"/>
+              <a:t>Javascript</a:t>
+            </a:r>
+            <a:r>
+              <a:rPr lang="en-US" sz="1200" dirty="0"/>
+              <a:t> in Selenium?</a:t>
+            </a:r>
+          </a:p>
+          <a:p>
+            <a:pPr lvl="1" fontAlgn="base"/>
+            <a:r>
+              <a:rPr lang="en-US" sz="1000" dirty="0"/>
+              <a:t>If there is no method in Selenium to perform action (Eg: There is no selenium method to scroll in a web page)</a:t>
+            </a:r>
+          </a:p>
+          <a:p>
+            <a:pPr lvl="1" fontAlgn="base"/>
+            <a:r>
+              <a:rPr lang="en-US" sz="1000" dirty="0"/>
+              <a:t>In some cases, selenium methods don’t work for some reasons.</a:t>
+            </a:r>
+          </a:p>
+          <a:p>
+            <a:pPr marL="538481" lvl="1" indent="0" fontAlgn="base">
+              <a:buNone/>
+            </a:pPr>
+            <a:r>
+              <a:rPr lang="en-US" sz="1000" dirty="0"/>
+              <a:t> </a:t>
+            </a:r>
+          </a:p>
+          <a:p>
+            <a:pPr fontAlgn="base">
+              <a:buSzPct val="80000"/>
+            </a:pPr>
+            <a:r>
+              <a:rPr lang="en-US" sz="1200" dirty="0" err="1"/>
+              <a:t>JavascriptExecutor</a:t>
+            </a:r>
+            <a:r>
+              <a:rPr lang="en-US" sz="1200" dirty="0"/>
+              <a:t> Interface</a:t>
             </a:r>
           </a:p>
           <a:p>
@@ -27694,6 +27740,209 @@
 </file>
 
 <file path=ppt/slides/slide35.xml><?xml version="1.0" encoding="utf-8"?>
+<p:sld xmlns:a="http://schemas.openxmlformats.org/drawingml/2006/main" xmlns:r="http://schemas.openxmlformats.org/officeDocument/2006/relationships" xmlns:p="http://schemas.openxmlformats.org/presentationml/2006/main">
+  <p:cSld>
+    <p:spTree>
+      <p:nvGrpSpPr>
+        <p:cNvPr id="1" name=""/>
+        <p:cNvGrpSpPr/>
+        <p:nvPr/>
+      </p:nvGrpSpPr>
+      <p:grpSpPr>
+        <a:xfrm>
+          <a:off x="0" y="0"/>
+          <a:ext cx="0" cy="0"/>
+          <a:chOff x="0" y="0"/>
+          <a:chExt cx="0" cy="0"/>
+        </a:xfrm>
+      </p:grpSpPr>
+      <p:sp>
+        <p:nvSpPr>
+          <p:cNvPr id="3" name="Text Placeholder 2"/>
+          <p:cNvSpPr>
+            <a:spLocks noGrp="1"/>
+          </p:cNvSpPr>
+          <p:nvPr>
+            <p:ph type="body" idx="1"/>
+          </p:nvPr>
+        </p:nvSpPr>
+        <p:spPr>
+          <a:xfrm>
+            <a:off x="677333" y="685801"/>
+            <a:ext cx="8596668" cy="5355562"/>
+          </a:xfrm>
+        </p:spPr>
+        <p:txBody>
+          <a:bodyPr/>
+          <a:lstStyle/>
+          <a:p>
+            <a:pPr fontAlgn="base">
+              <a:buSzPct val="80000"/>
+            </a:pPr>
+            <a:r>
+              <a:rPr lang="en-US" sz="1200" dirty="0"/>
+              <a:t>Examples:</a:t>
+            </a:r>
+          </a:p>
+          <a:p>
+            <a:pPr lvl="1" fontAlgn="base"/>
+            <a:r>
+              <a:rPr lang="en-US" dirty="0" err="1"/>
+              <a:t>js.executeScript</a:t>
+            </a:r>
+            <a:r>
+              <a:rPr lang="en-US" dirty="0"/>
+              <a:t>("</a:t>
+            </a:r>
+            <a:r>
+              <a:rPr lang="en-US" dirty="0" err="1"/>
+              <a:t>document.getElementById</a:t>
+            </a:r>
+            <a:r>
+              <a:rPr lang="en-US" dirty="0"/>
+              <a:t>(</a:t>
+            </a:r>
+            <a:r>
+              <a:rPr lang="en-US" dirty="0" err="1"/>
+              <a:t>wmail</a:t>
+            </a:r>
+            <a:r>
+              <a:rPr lang="en-US" dirty="0"/>
+              <a:t>').value=</a:t>
+            </a:r>
+            <a:r>
+              <a:rPr lang="en-US" dirty="0" err="1"/>
+              <a:t>emailvalue</a:t>
+            </a:r>
+            <a:r>
+              <a:rPr lang="en-US" dirty="0"/>
+              <a:t>';");</a:t>
+            </a:r>
+          </a:p>
+          <a:p>
+            <a:pPr lvl="1" fontAlgn="base"/>
+            <a:r>
+              <a:rPr lang="en-US" dirty="0" err="1"/>
+              <a:t>js.executeScript</a:t>
+            </a:r>
+            <a:r>
+              <a:rPr lang="en-US" dirty="0"/>
+              <a:t>("alert(</a:t>
+            </a:r>
+            <a:r>
+              <a:rPr lang="en-US" dirty="0" err="1"/>
+              <a:t>IAmAnAlert</a:t>
+            </a:r>
+            <a:r>
+              <a:rPr lang="en-US" dirty="0"/>
+              <a:t>');");</a:t>
+            </a:r>
+          </a:p>
+          <a:p>
+            <a:pPr lvl="1" fontAlgn="base"/>
+            <a:r>
+              <a:rPr lang="en-US" dirty="0" err="1"/>
+              <a:t>js.executeScript</a:t>
+            </a:r>
+            <a:r>
+              <a:rPr lang="en-US" dirty="0"/>
+              <a:t>("</a:t>
+            </a:r>
+            <a:r>
+              <a:rPr lang="en-US" dirty="0" err="1"/>
+              <a:t>history.go</a:t>
+            </a:r>
+            <a:r>
+              <a:rPr lang="en-US" dirty="0"/>
+              <a:t>(0)");</a:t>
+            </a:r>
+          </a:p>
+          <a:p>
+            <a:pPr lvl="1" fontAlgn="base"/>
+            <a:r>
+              <a:rPr lang="en-US" dirty="0" err="1"/>
+              <a:t>js.executeScript</a:t>
+            </a:r>
+            <a:r>
+              <a:rPr lang="en-US" dirty="0"/>
+              <a:t>("return document.URL;").</a:t>
+            </a:r>
+            <a:r>
+              <a:rPr lang="en-US" dirty="0" err="1"/>
+              <a:t>toString</a:t>
+            </a:r>
+            <a:r>
+              <a:rPr lang="en-US" dirty="0"/>
+              <a:t>();</a:t>
+            </a:r>
+          </a:p>
+          <a:p>
+            <a:pPr lvl="1" fontAlgn="base"/>
+            <a:r>
+              <a:rPr lang="en-US" dirty="0" err="1"/>
+              <a:t>js.executeScript</a:t>
+            </a:r>
+            <a:r>
+              <a:rPr lang="en-US" dirty="0"/>
+              <a:t>("</a:t>
+            </a:r>
+            <a:r>
+              <a:rPr lang="en-US" dirty="0" err="1"/>
+              <a:t>window.scrollBy</a:t>
+            </a:r>
+            <a:r>
+              <a:rPr lang="en-US" dirty="0"/>
+              <a:t>(0,500)");</a:t>
+            </a:r>
+          </a:p>
+          <a:p>
+            <a:pPr lvl="2"/>
+            <a:endParaRPr lang="en-US" dirty="0"/>
+          </a:p>
+        </p:txBody>
+      </p:sp>
+      <p:sp>
+        <p:nvSpPr>
+          <p:cNvPr id="4" name="Title 1"/>
+          <p:cNvSpPr>
+            <a:spLocks noGrp="1"/>
+          </p:cNvSpPr>
+          <p:nvPr>
+            <p:ph type="title"/>
+          </p:nvPr>
+        </p:nvSpPr>
+        <p:spPr>
+          <a:xfrm>
+            <a:off x="695400" y="188640"/>
+            <a:ext cx="8596668" cy="360040"/>
+          </a:xfrm>
+        </p:spPr>
+        <p:txBody>
+          <a:bodyPr/>
+          <a:lstStyle/>
+          <a:p>
+            <a:r>
+              <a:rPr lang="en-US" sz="1400" dirty="0"/>
+              <a:t>Selenium : Executing JavaScript</a:t>
+            </a:r>
+            <a:endParaRPr lang="en-IN" sz="1400" dirty="0"/>
+          </a:p>
+        </p:txBody>
+      </p:sp>
+    </p:spTree>
+    <p:extLst>
+      <p:ext uri="{BB962C8B-B14F-4D97-AF65-F5344CB8AC3E}">
+        <p14:creationId xmlns:p14="http://schemas.microsoft.com/office/powerpoint/2010/main" val="3659312350"/>
+      </p:ext>
+    </p:extLst>
+  </p:cSld>
+  <p:clrMapOvr>
+    <a:masterClrMapping/>
+  </p:clrMapOvr>
+</p:sld>
+</file>
+
+<file path=ppt/slides/slide36.xml><?xml version="1.0" encoding="utf-8"?>
 <p:sld xmlns:a="http://schemas.openxmlformats.org/drawingml/2006/main" xmlns:r="http://schemas.openxmlformats.org/officeDocument/2006/relationships" xmlns:p="http://schemas.openxmlformats.org/presentationml/2006/main">
   <p:cSld>
     <p:spTree>
@@ -27870,7 +28119,7 @@
 </p:sld>
 </file>
 
-<file path=ppt/slides/slide36.xml><?xml version="1.0" encoding="utf-8"?>
+<file path=ppt/slides/slide37.xml><?xml version="1.0" encoding="utf-8"?>
 <p:sld xmlns:a="http://schemas.openxmlformats.org/drawingml/2006/main" xmlns:r="http://schemas.openxmlformats.org/officeDocument/2006/relationships" xmlns:p="http://schemas.openxmlformats.org/presentationml/2006/main">
   <p:cSld>
     <p:spTree>
@@ -27923,6 +28172,38 @@
             </a:r>
           </a:p>
           <a:p>
+            <a:pPr lvl="2" fontAlgn="base"/>
+            <a:r>
+              <a:rPr lang="en-GB" sz="1000" dirty="0" err="1"/>
+              <a:t>driver.manage</a:t>
+            </a:r>
+            <a:r>
+              <a:rPr lang="en-GB" sz="1000" dirty="0"/>
+              <a:t>().timeouts().</a:t>
+            </a:r>
+            <a:r>
+              <a:rPr lang="en-GB" sz="1000" dirty="0" err="1"/>
+              <a:t>implicitlyWait</a:t>
+            </a:r>
+            <a:r>
+              <a:rPr lang="en-GB" sz="1000" dirty="0"/>
+              <a:t>(10, </a:t>
+            </a:r>
+            <a:r>
+              <a:rPr lang="en-GB" sz="1000" dirty="0" err="1"/>
+              <a:t>TimeUnit.</a:t>
+            </a:r>
+            <a:r>
+              <a:rPr lang="en-GB" sz="1000" b="1" i="1" dirty="0" err="1"/>
+              <a:t>SECONDS</a:t>
+            </a:r>
+            <a:r>
+              <a:rPr lang="en-GB" sz="1000" b="1" i="1" dirty="0"/>
+              <a:t>);</a:t>
+            </a:r>
+            <a:endParaRPr lang="en-US" sz="1000" dirty="0"/>
+          </a:p>
+          <a:p>
             <a:pPr lvl="1" fontAlgn="base"/>
             <a:r>
               <a:rPr lang="en-US" sz="1200" dirty="0"/>
@@ -27941,145 +28222,29 @@
             </a:r>
           </a:p>
           <a:p>
-            <a:pPr fontAlgn="base">
-              <a:buSzPct val="80000"/>
+            <a:pPr lvl="2" fontAlgn="base"/>
+            <a:r>
+              <a:rPr lang="en-US" sz="1200" dirty="0" err="1"/>
+              <a:t>WebDriverWait</a:t>
+            </a:r>
+            <a:r>
+              <a:rPr lang="en-US" sz="1200" dirty="0"/>
+              <a:t> + Expected Conditions</a:t>
+            </a:r>
+          </a:p>
+          <a:p>
+            <a:pPr marL="91441" indent="0">
+              <a:buNone/>
             </a:pPr>
-            <a:r>
-              <a:rPr lang="en-US" sz="1200" dirty="0"/>
-              <a:t>Implicit wait:</a:t>
-            </a:r>
-          </a:p>
-          <a:p>
-            <a:pPr lvl="1" fontAlgn="base"/>
-            <a:r>
-              <a:rPr lang="en-US" sz="1200" dirty="0"/>
-              <a:t>The implicit wait will tell to the </a:t>
-            </a:r>
-            <a:r>
-              <a:rPr lang="en-US" sz="1200" dirty="0" err="1"/>
-              <a:t>webdriver</a:t>
-            </a:r>
-            <a:r>
-              <a:rPr lang="en-US" sz="1200" dirty="0"/>
-              <a:t> to wait for certain amount of time before it throws a "No Such Element Exception". </a:t>
-            </a:r>
-          </a:p>
-          <a:p>
-            <a:pPr lvl="1" fontAlgn="base"/>
-            <a:r>
-              <a:rPr lang="en-US" sz="1200" dirty="0"/>
-              <a:t>The default setting is 0 seconds. </a:t>
-            </a:r>
-          </a:p>
-          <a:p>
-            <a:pPr lvl="1" fontAlgn="base"/>
-            <a:r>
-              <a:rPr lang="en-US" sz="1200" dirty="0"/>
-              <a:t>Once we set the time, web driver will wait for that time before throwing an exception.</a:t>
-            </a:r>
-          </a:p>
-          <a:p>
-            <a:pPr lvl="1" fontAlgn="base"/>
-            <a:r>
-              <a:rPr lang="en-US" sz="1200" dirty="0"/>
-              <a:t>Implicit wait applies throughout driver instance</a:t>
-            </a:r>
-          </a:p>
-          <a:p>
-            <a:pPr lvl="1" fontAlgn="base"/>
-            <a:r>
-              <a:rPr lang="en-US" sz="1200" dirty="0"/>
-              <a:t>Poling interval is 250 ms</a:t>
-            </a:r>
-          </a:p>
-          <a:p>
-            <a:pPr fontAlgn="base">
-              <a:buSzPct val="80000"/>
-            </a:pPr>
-            <a:r>
-              <a:rPr lang="en-US" sz="1200" dirty="0"/>
-              <a:t>Explicit wait:</a:t>
-            </a:r>
-          </a:p>
-          <a:p>
-            <a:pPr lvl="1" fontAlgn="base"/>
-            <a:r>
-              <a:rPr lang="en-US" sz="1200" dirty="0"/>
-              <a:t>The explicit wait tells the Web Driver to wait for certain conditions</a:t>
-            </a:r>
-          </a:p>
-          <a:p>
-            <a:pPr lvl="1" fontAlgn="base"/>
-            <a:r>
-              <a:rPr lang="en-US" sz="1200" dirty="0"/>
-              <a:t>Explicit wait is a wait which explicitly waits for a certain condition called Expected Condition.</a:t>
-            </a:r>
-          </a:p>
-          <a:p>
-            <a:pPr lvl="1" fontAlgn="base"/>
-            <a:r>
-              <a:rPr lang="en-US" sz="1200" dirty="0"/>
-              <a:t>Poling interval is 500 ms</a:t>
-            </a:r>
-          </a:p>
-          <a:p>
-            <a:pPr lvl="1" fontAlgn="base"/>
-            <a:r>
-              <a:rPr lang="en-US" sz="1200" dirty="0"/>
-              <a:t>Few conditions:</a:t>
-            </a:r>
-          </a:p>
-          <a:p>
-            <a:pPr lvl="2" fontAlgn="base"/>
-            <a:r>
-              <a:rPr lang="en-US" sz="1200" dirty="0" err="1"/>
-              <a:t>presenceOfElementLocated</a:t>
-            </a:r>
-            <a:r>
-              <a:rPr lang="en-US" sz="1200" dirty="0"/>
-              <a:t>()</a:t>
-            </a:r>
-          </a:p>
-          <a:p>
-            <a:pPr lvl="2" fontAlgn="base"/>
-            <a:r>
-              <a:rPr lang="en-US" sz="1200" dirty="0" err="1"/>
-              <a:t>visibilityOfElementLocated</a:t>
-            </a:r>
-            <a:r>
-              <a:rPr lang="en-US" sz="1200" dirty="0"/>
-              <a:t>()</a:t>
-            </a:r>
-          </a:p>
-          <a:p>
-            <a:pPr lvl="2" fontAlgn="base"/>
-            <a:r>
-              <a:rPr lang="en-US" sz="1200" dirty="0" err="1"/>
-              <a:t>elementToBeClickable</a:t>
-            </a:r>
-            <a:r>
-              <a:rPr lang="en-US" sz="1200" dirty="0"/>
-              <a:t>()</a:t>
-            </a:r>
-          </a:p>
-          <a:p>
-            <a:pPr lvl="2" fontAlgn="base"/>
-            <a:r>
-              <a:rPr lang="en-US" sz="1200" dirty="0" err="1"/>
-              <a:t>alertIsPresent</a:t>
-            </a:r>
-            <a:r>
-              <a:rPr lang="en-US" sz="1200" dirty="0"/>
-              <a:t>()</a:t>
-            </a:r>
-          </a:p>
-          <a:p>
             <a:br>
               <a:rPr lang="en-US" dirty="0"/>
             </a:br>
             <a:endParaRPr lang="en-US" dirty="0"/>
           </a:p>
           <a:p>
+            <a:pPr marL="91441" indent="0">
+              <a:buNone/>
+            </a:pPr>
             <a:br>
               <a:rPr lang="en-US" dirty="0"/>
             </a:br>
@@ -28123,177 +28288,6 @@
           </a:p>
         </p:txBody>
       </p:sp>
-    </p:spTree>
-  </p:cSld>
-  <p:clrMapOvr>
-    <a:masterClrMapping/>
-  </p:clrMapOvr>
-</p:sld>
-</file>
-
-<file path=ppt/slides/slide37.xml><?xml version="1.0" encoding="utf-8"?>
-<p:sld xmlns:a="http://schemas.openxmlformats.org/drawingml/2006/main" xmlns:r="http://schemas.openxmlformats.org/officeDocument/2006/relationships" xmlns:p="http://schemas.openxmlformats.org/presentationml/2006/main">
-  <p:cSld>
-    <p:spTree>
-      <p:nvGrpSpPr>
-        <p:cNvPr id="1" name=""/>
-        <p:cNvGrpSpPr/>
-        <p:nvPr/>
-      </p:nvGrpSpPr>
-      <p:grpSpPr>
-        <a:xfrm>
-          <a:off x="0" y="0"/>
-          <a:ext cx="0" cy="0"/>
-          <a:chOff x="0" y="0"/>
-          <a:chExt cx="0" cy="0"/>
-        </a:xfrm>
-      </p:grpSpPr>
-      <p:sp>
-        <p:nvSpPr>
-          <p:cNvPr id="2" name="Title 1"/>
-          <p:cNvSpPr>
-            <a:spLocks noGrp="1"/>
-          </p:cNvSpPr>
-          <p:nvPr>
-            <p:ph type="title"/>
-          </p:nvPr>
-        </p:nvSpPr>
-        <p:spPr>
-          <a:xfrm>
-            <a:off x="685800" y="304800"/>
-            <a:ext cx="8596668" cy="304800"/>
-          </a:xfrm>
-        </p:spPr>
-        <p:txBody>
-          <a:bodyPr/>
-          <a:lstStyle/>
-          <a:p>
-            <a:r>
-              <a:rPr lang="en-US" sz="1400" dirty="0"/>
-              <a:t>Selenium: Waits</a:t>
-            </a:r>
-          </a:p>
-        </p:txBody>
-      </p:sp>
-      <p:sp>
-        <p:nvSpPr>
-          <p:cNvPr id="3" name="Text Placeholder 2"/>
-          <p:cNvSpPr>
-            <a:spLocks noGrp="1"/>
-          </p:cNvSpPr>
-          <p:nvPr>
-            <p:ph type="body" idx="1"/>
-          </p:nvPr>
-        </p:nvSpPr>
-        <p:spPr>
-          <a:xfrm>
-            <a:off x="677333" y="685801"/>
-            <a:ext cx="8596668" cy="5355562"/>
-          </a:xfrm>
-        </p:spPr>
-        <p:txBody>
-          <a:bodyPr/>
-          <a:lstStyle/>
-          <a:p>
-            <a:pPr fontAlgn="base">
-              <a:buSzPct val="80000"/>
-            </a:pPr>
-            <a:r>
-              <a:rPr lang="en-US" sz="1200" dirty="0" err="1"/>
-              <a:t>FluentWait</a:t>
-            </a:r>
-            <a:r>
-              <a:rPr lang="en-US" sz="1200" dirty="0"/>
-              <a:t>:</a:t>
-            </a:r>
-          </a:p>
-          <a:p>
-            <a:pPr lvl="1" fontAlgn="base"/>
-            <a:r>
-              <a:rPr lang="en-US" sz="1200" dirty="0" err="1"/>
-              <a:t>FluentWait</a:t>
-            </a:r>
-            <a:r>
-              <a:rPr lang="en-US" sz="1200" dirty="0"/>
-              <a:t> is a wait in which we can set </a:t>
-            </a:r>
-          </a:p>
-          <a:p>
-            <a:pPr lvl="2" fontAlgn="base"/>
-            <a:r>
-              <a:rPr lang="en-US" sz="1200" dirty="0"/>
-              <a:t> Frequency with which </a:t>
-            </a:r>
-            <a:r>
-              <a:rPr lang="en-US" sz="1200" dirty="0" err="1"/>
-              <a:t>FluentWait</a:t>
-            </a:r>
-            <a:r>
-              <a:rPr lang="en-US" sz="1200" dirty="0"/>
-              <a:t> has to check the conditions defined.</a:t>
-            </a:r>
-          </a:p>
-          <a:p>
-            <a:pPr lvl="2" fontAlgn="base"/>
-            <a:r>
-              <a:rPr lang="en-US" sz="1200" dirty="0"/>
-              <a:t>Ignore specific types of exception  such as </a:t>
-            </a:r>
-            <a:r>
-              <a:rPr lang="en-US" sz="1200" dirty="0" err="1"/>
-              <a:t>NoSuchElementExceptions</a:t>
-            </a:r>
-            <a:r>
-              <a:rPr lang="en-US" sz="1200" dirty="0"/>
-              <a:t> while searching for an element.</a:t>
-            </a:r>
-          </a:p>
-          <a:p>
-            <a:pPr lvl="2" fontAlgn="base"/>
-            <a:r>
-              <a:rPr lang="en-US" sz="1200" dirty="0"/>
-              <a:t>Maximum amount of time to wait for a condition</a:t>
-            </a:r>
-          </a:p>
-          <a:p>
-            <a:pPr lvl="1"/>
-            <a:endParaRPr lang="en-US" dirty="0"/>
-          </a:p>
-        </p:txBody>
-      </p:sp>
-      <p:pic>
-        <p:nvPicPr>
-          <p:cNvPr id="1026" name="Picture 2"/>
-          <p:cNvPicPr>
-            <a:picLocks noChangeAspect="1" noChangeArrowheads="1"/>
-          </p:cNvPicPr>
-          <p:nvPr/>
-        </p:nvPicPr>
-        <p:blipFill>
-          <a:blip r:embed="rId2"/>
-          <a:srcRect/>
-          <a:stretch>
-            <a:fillRect/>
-          </a:stretch>
-        </p:blipFill>
-        <p:spPr bwMode="auto">
-          <a:xfrm>
-            <a:off x="2438400" y="2438400"/>
-            <a:ext cx="5467350" cy="1609725"/>
-          </a:xfrm>
-          <a:prstGeom prst="rect">
-            <a:avLst/>
-          </a:prstGeom>
-          <a:noFill/>
-          <a:ln w="9525">
-            <a:noFill/>
-            <a:miter lim="800000"/>
-            <a:headEnd/>
-            <a:tailEnd/>
-          </a:ln>
-          <a:effectLst/>
-        </p:spPr>
-      </p:pic>
     </p:spTree>
   </p:cSld>
   <p:clrMapOvr>
@@ -28331,8 +28325,8 @@
         </p:nvSpPr>
         <p:spPr>
           <a:xfrm>
-            <a:off x="677333" y="685800"/>
-            <a:ext cx="8596668" cy="5638799"/>
+            <a:off x="685800" y="533400"/>
+            <a:ext cx="8596668" cy="6324600"/>
           </a:xfrm>
         </p:spPr>
         <p:txBody>
@@ -28343,110 +28337,220 @@
               <a:buSzPct val="80000"/>
             </a:pPr>
             <a:r>
-              <a:rPr lang="en-IN" sz="1200" dirty="0"/>
-              <a:t>What is Maven?</a:t>
+              <a:rPr lang="en-US" sz="1200" dirty="0"/>
+              <a:t>Implicit wait:</a:t>
+            </a:r>
+          </a:p>
+          <a:p>
+            <a:pPr lvl="1" fontAlgn="base"/>
+            <a:r>
+              <a:rPr lang="en-US" sz="1200" dirty="0"/>
+              <a:t>The implicit wait will tell to the </a:t>
+            </a:r>
+            <a:r>
+              <a:rPr lang="en-US" sz="1200" dirty="0" err="1"/>
+              <a:t>webdriver</a:t>
+            </a:r>
+            <a:r>
+              <a:rPr lang="en-US" sz="1200" dirty="0"/>
+              <a:t> to wait for certain amount of time before it throws a "No Such Element Exception". </a:t>
+            </a:r>
+          </a:p>
+          <a:p>
+            <a:pPr lvl="1" fontAlgn="base"/>
+            <a:r>
+              <a:rPr lang="en-US" sz="1200" dirty="0"/>
+              <a:t>The default setting is 0 seconds. </a:t>
+            </a:r>
+          </a:p>
+          <a:p>
+            <a:pPr lvl="1" fontAlgn="base"/>
+            <a:r>
+              <a:rPr lang="en-US" sz="1200" dirty="0"/>
+              <a:t>Once we set the time, web driver will wait for that time before throwing an exception.</a:t>
+            </a:r>
+          </a:p>
+          <a:p>
+            <a:pPr lvl="1" fontAlgn="base"/>
+            <a:r>
+              <a:rPr lang="en-US" sz="1200" dirty="0"/>
+              <a:t>Implicit wait applies throughout driver instance=&gt; Wherever </a:t>
+            </a:r>
+            <a:r>
+              <a:rPr lang="en-US" sz="1200" dirty="0" err="1"/>
+              <a:t>findElement</a:t>
+            </a:r>
+            <a:r>
+              <a:rPr lang="en-US" sz="1200" dirty="0"/>
+              <a:t>(s) methods are called</a:t>
+            </a:r>
+          </a:p>
+          <a:p>
+            <a:pPr lvl="1" fontAlgn="base"/>
+            <a:r>
+              <a:rPr lang="en-US" sz="1200" dirty="0"/>
+              <a:t>Poling interval is 250 </a:t>
+            </a:r>
+            <a:r>
+              <a:rPr lang="en-US" sz="1200" dirty="0" err="1"/>
+              <a:t>ms</a:t>
+            </a:r>
+            <a:endParaRPr lang="en-US" sz="1200" dirty="0"/>
+          </a:p>
+          <a:p>
+            <a:pPr lvl="1" fontAlgn="base"/>
+            <a:r>
+              <a:rPr lang="en-US" sz="1200" dirty="0"/>
+              <a:t>Single line of code:</a:t>
             </a:r>
           </a:p>
           <a:p>
             <a:pPr lvl="2" fontAlgn="base"/>
             <a:r>
-              <a:rPr lang="en-IN" sz="1200" dirty="0"/>
-              <a:t>Maven is a software project management tool</a:t>
+              <a:rPr lang="en-GB" dirty="0" err="1"/>
+              <a:t>driver.manage</a:t>
+            </a:r>
+            <a:r>
+              <a:rPr lang="en-GB" dirty="0"/>
+              <a:t>().timeouts().</a:t>
+            </a:r>
+            <a:r>
+              <a:rPr lang="en-GB" dirty="0" err="1"/>
+              <a:t>implicitlyWait</a:t>
+            </a:r>
+            <a:r>
+              <a:rPr lang="en-GB" dirty="0"/>
+              <a:t>(10, </a:t>
+            </a:r>
+            <a:r>
+              <a:rPr lang="en-GB" dirty="0" err="1"/>
+              <a:t>TimeUnit.</a:t>
+            </a:r>
+            <a:r>
+              <a:rPr lang="en-GB" b="1" i="1" dirty="0" err="1"/>
+              <a:t>SECONDS</a:t>
+            </a:r>
+            <a:r>
+              <a:rPr lang="en-GB" b="1" i="1" dirty="0"/>
+              <a:t>);</a:t>
+            </a:r>
+          </a:p>
+          <a:p>
+            <a:pPr lvl="1" fontAlgn="base"/>
+            <a:r>
+              <a:rPr lang="en-GB" sz="1200" dirty="0"/>
+              <a:t> Why Explicit Wait?? Or The scenario in which </a:t>
+            </a:r>
+            <a:r>
+              <a:rPr lang="en-GB" sz="1200" dirty="0" err="1"/>
+              <a:t>ImplictWait</a:t>
+            </a:r>
+            <a:r>
+              <a:rPr lang="en-GB" sz="1200" dirty="0"/>
+              <a:t> is not acceptable?</a:t>
             </a:r>
           </a:p>
           <a:p>
             <a:pPr lvl="2" fontAlgn="base"/>
             <a:r>
-              <a:rPr lang="en-IN" sz="1200" dirty="0"/>
-              <a:t>Maven can manage a project's Build, reporting and documentation</a:t>
+              <a:rPr lang="en-GB" sz="1000" dirty="0"/>
+              <a:t> Let’s say 1000 elements are there in all the tests</a:t>
             </a:r>
           </a:p>
           <a:p>
             <a:pPr lvl="2" fontAlgn="base"/>
             <a:r>
-              <a:rPr lang="en-IN" sz="1200" dirty="0"/>
-              <a:t>Maven works on POM </a:t>
-            </a:r>
-          </a:p>
-          <a:p>
-            <a:pPr lvl="3" fontAlgn="base"/>
-            <a:r>
-              <a:rPr lang="en-IN" dirty="0"/>
-              <a:t>Project Object Model</a:t>
-            </a:r>
-          </a:p>
-          <a:p>
-            <a:pPr lvl="3" fontAlgn="base"/>
-            <a:r>
-              <a:rPr lang="en-IN" dirty="0"/>
-              <a:t>POM is the fundamental unit of work in Maven. </a:t>
-            </a:r>
-          </a:p>
-          <a:p>
-            <a:pPr lvl="3" fontAlgn="base"/>
-            <a:r>
-              <a:rPr lang="en-IN" dirty="0"/>
-              <a:t>It is an XML file that contains information about the project and configuration details used by Maven to build the project.</a:t>
-            </a:r>
-          </a:p>
-          <a:p>
-            <a:pPr lvl="1" fontAlgn="base"/>
-            <a:r>
-              <a:rPr lang="en-IN" sz="1200" dirty="0"/>
-              <a:t>What is a build tool?</a:t>
+              <a:rPr lang="en-GB" sz="1000" dirty="0"/>
+              <a:t>On an average most of the elements take a maximum of 10 Seconds =&gt; Set </a:t>
+            </a:r>
+            <a:r>
+              <a:rPr lang="en-GB" sz="1000" dirty="0" err="1"/>
+              <a:t>ImplicitWait</a:t>
+            </a:r>
+            <a:r>
+              <a:rPr lang="en-GB" sz="1000" dirty="0"/>
+              <a:t> to 10 Second</a:t>
             </a:r>
           </a:p>
           <a:p>
             <a:pPr lvl="2" fontAlgn="base"/>
             <a:r>
-              <a:rPr lang="en-IN" sz="1200" dirty="0"/>
-              <a:t>Compile source code</a:t>
+              <a:rPr lang="en-GB" sz="1000" dirty="0"/>
+              <a:t> Four Elements are there which are taking more than 10 seconds =&gt; say  30,25,25,20</a:t>
             </a:r>
           </a:p>
           <a:p>
             <a:pPr lvl="2" fontAlgn="base"/>
             <a:r>
-              <a:rPr lang="en-IN" sz="1200" dirty="0"/>
-              <a:t>Compile and run tests</a:t>
+              <a:rPr lang="en-GB" sz="1000" dirty="0"/>
+              <a:t> One possible solution is to increase </a:t>
+            </a:r>
+            <a:r>
+              <a:rPr lang="en-GB" sz="1000" dirty="0" err="1"/>
+              <a:t>ImplicitWait</a:t>
+            </a:r>
+            <a:r>
+              <a:rPr lang="en-GB" sz="1000" dirty="0"/>
+              <a:t> to =&gt; 30 =&gt; But, This is not acceptable as it waits 30 seconds for even those elements which take a maximum of 10 second</a:t>
             </a:r>
           </a:p>
           <a:p>
             <a:pPr lvl="2" fontAlgn="base"/>
             <a:r>
-              <a:rPr lang="en-IN" sz="1200" dirty="0"/>
-              <a:t>Copy Resources</a:t>
+              <a:rPr lang="en-GB" sz="1000" dirty="0"/>
+              <a:t> To Overcome this, </a:t>
+            </a:r>
+            <a:r>
+              <a:rPr lang="en-GB" sz="1000" dirty="0" err="1"/>
+              <a:t>ExplicitWait</a:t>
+            </a:r>
+            <a:r>
+              <a:rPr lang="en-GB" sz="1000" dirty="0"/>
+              <a:t> is introduced</a:t>
             </a:r>
           </a:p>
           <a:p>
             <a:pPr lvl="2" fontAlgn="base"/>
             <a:r>
-              <a:rPr lang="en-IN" sz="1200" dirty="0"/>
-              <a:t>Package project</a:t>
-            </a:r>
-          </a:p>
-          <a:p>
-            <a:pPr lvl="2" fontAlgn="base"/>
-            <a:r>
-              <a:rPr lang="en-IN" sz="1200" dirty="0"/>
-              <a:t>Deploy project</a:t>
-            </a:r>
-          </a:p>
-          <a:p>
-            <a:pPr lvl="1" fontAlgn="base"/>
-            <a:r>
-              <a:rPr lang="en-IN" sz="1200" dirty="0"/>
-              <a:t>Maven Objectives:</a:t>
-            </a:r>
-          </a:p>
-          <a:p>
-            <a:pPr lvl="2" fontAlgn="base"/>
-            <a:r>
-              <a:rPr lang="en-IN" sz="1200" dirty="0"/>
-              <a:t>Making build process easy</a:t>
-            </a:r>
-          </a:p>
-          <a:p>
-            <a:endParaRPr lang="en-IN" dirty="0"/>
+              <a:rPr lang="en-GB" sz="1000" dirty="0"/>
+              <a:t> Explicit Wait can be set to a single element =&gt; You can set an explicit wait of 30 seconds to an </a:t>
+            </a:r>
+            <a:r>
+              <a:rPr lang="en-GB" sz="1000" dirty="0" err="1"/>
+              <a:t>elemenet</a:t>
+            </a:r>
+            <a:r>
+              <a:rPr lang="en-GB" sz="1000" dirty="0"/>
+              <a:t> which takes 30 seconds </a:t>
+            </a:r>
+            <a:endParaRPr lang="en-US" sz="1000" dirty="0"/>
+          </a:p>
+          <a:p>
+            <a:pPr marL="91441" indent="0">
+              <a:buNone/>
+            </a:pPr>
+            <a:br>
+              <a:rPr lang="en-US" dirty="0"/>
+            </a:br>
+            <a:endParaRPr lang="en-US" dirty="0"/>
+          </a:p>
+          <a:p>
+            <a:pPr marL="91441" indent="0">
+              <a:buNone/>
+            </a:pPr>
+            <a:br>
+              <a:rPr lang="en-US" dirty="0"/>
+            </a:br>
+            <a:br>
+              <a:rPr lang="en-US" dirty="0"/>
+            </a:br>
+            <a:br>
+              <a:rPr lang="en-US" dirty="0"/>
+            </a:br>
+            <a:br>
+              <a:rPr lang="en-US" dirty="0"/>
+            </a:br>
+            <a:endParaRPr lang="en-US" dirty="0"/>
           </a:p>
         </p:txBody>
       </p:sp>
@@ -28462,7 +28566,7 @@
         </p:nvSpPr>
         <p:spPr>
           <a:xfrm>
-            <a:off x="685800" y="304800"/>
+            <a:off x="609600" y="228600"/>
             <a:ext cx="8596668" cy="304800"/>
           </a:xfrm>
         </p:spPr>
@@ -28472,7 +28576,7 @@
           <a:p>
             <a:r>
               <a:rPr lang="en-US" sz="1400" dirty="0"/>
-              <a:t>Maven : Introduction</a:t>
+              <a:t>Selenium : Waits</a:t>
             </a:r>
           </a:p>
         </p:txBody>
@@ -28480,7 +28584,7 @@
     </p:spTree>
     <p:extLst>
       <p:ext uri="{BB962C8B-B14F-4D97-AF65-F5344CB8AC3E}">
-        <p14:creationId xmlns:p14="http://schemas.microsoft.com/office/powerpoint/2010/main" val="1656973629"/>
+        <p14:creationId xmlns:p14="http://schemas.microsoft.com/office/powerpoint/2010/main" val="2933431627"/>
       </p:ext>
     </p:extLst>
   </p:cSld>
@@ -28519,8 +28623,8 @@
         </p:nvSpPr>
         <p:spPr>
           <a:xfrm>
-            <a:off x="677333" y="762001"/>
-            <a:ext cx="8596668" cy="5279362"/>
+            <a:off x="685800" y="533400"/>
+            <a:ext cx="8596668" cy="6324600"/>
           </a:xfrm>
         </p:spPr>
         <p:txBody>
@@ -28531,85 +28635,121 @@
               <a:buSzPct val="80000"/>
             </a:pPr>
             <a:r>
-              <a:rPr lang="en-IN" sz="1200" dirty="0"/>
-              <a:t>Installing Maven:</a:t>
+              <a:rPr lang="en-US" sz="1200" dirty="0"/>
+              <a:t>Explicit wait:</a:t>
             </a:r>
           </a:p>
           <a:p>
             <a:pPr lvl="1" fontAlgn="base"/>
             <a:r>
-              <a:rPr lang="en-IN" sz="1200" dirty="0"/>
-              <a:t>Prerequisites:</a:t>
+              <a:rPr lang="en-US" sz="1200" dirty="0"/>
+              <a:t>The explicit wait tells the Web Driver to wait for certain conditions</a:t>
+            </a:r>
+          </a:p>
+          <a:p>
+            <a:pPr lvl="1" fontAlgn="base"/>
+            <a:r>
+              <a:rPr lang="en-US" sz="1200" dirty="0"/>
+              <a:t>Explicit wait is a wait which explicitly waits for a certain condition called Expected Condition.</a:t>
+            </a:r>
+          </a:p>
+          <a:p>
+            <a:pPr lvl="1" fontAlgn="base"/>
+            <a:r>
+              <a:rPr lang="en-US" sz="1200" dirty="0"/>
+              <a:t>Poling interval is 500 ms</a:t>
+            </a:r>
+          </a:p>
+          <a:p>
+            <a:pPr lvl="1" fontAlgn="base"/>
+            <a:r>
+              <a:rPr lang="en-US" sz="1200" dirty="0"/>
+              <a:t>Few conditions:</a:t>
             </a:r>
           </a:p>
           <a:p>
             <a:pPr lvl="2" fontAlgn="base"/>
             <a:r>
-              <a:rPr lang="en-IN" sz="1200" dirty="0"/>
-              <a:t>JDK is installed</a:t>
+              <a:rPr lang="en-US" sz="1200" dirty="0" err="1"/>
+              <a:t>presenceOfElementLocated</a:t>
+            </a:r>
+            <a:r>
+              <a:rPr lang="en-US" sz="1200" dirty="0"/>
+              <a:t>()</a:t>
             </a:r>
           </a:p>
           <a:p>
             <a:pPr lvl="2" fontAlgn="base"/>
             <a:r>
-              <a:rPr lang="en-IN" sz="1200" dirty="0"/>
-              <a:t>JAVA_HOME is set</a:t>
-            </a:r>
-          </a:p>
-          <a:p>
-            <a:pPr lvl="1" fontAlgn="base"/>
-            <a:r>
-              <a:rPr lang="en-IN" sz="1200" dirty="0"/>
-              <a:t>Installing Maven in System:</a:t>
+              <a:rPr lang="en-US" sz="1200" dirty="0" err="1"/>
+              <a:t>visibilityOfElementLocated</a:t>
+            </a:r>
+            <a:r>
+              <a:rPr lang="en-US" sz="1200" dirty="0"/>
+              <a:t>()</a:t>
             </a:r>
           </a:p>
           <a:p>
             <a:pPr lvl="2" fontAlgn="base"/>
             <a:r>
-              <a:rPr lang="en-IN" sz="1200" dirty="0"/>
-              <a:t>Download Maven</a:t>
+              <a:rPr lang="en-US" sz="1200" dirty="0" err="1"/>
+              <a:t>elementToBeClickable</a:t>
+            </a:r>
+            <a:r>
+              <a:rPr lang="en-US" sz="1200" dirty="0"/>
+              <a:t>()</a:t>
             </a:r>
           </a:p>
           <a:p>
             <a:pPr lvl="2" fontAlgn="base"/>
             <a:r>
-              <a:rPr lang="en-IN" sz="1200" dirty="0">
-                <a:hlinkClick r:id="rId2"/>
-              </a:rPr>
-              <a:t>https://maven.apache.org/download.cgi</a:t>
-            </a:r>
-            <a:endParaRPr lang="en-IN" sz="1200" dirty="0"/>
+              <a:rPr lang="en-US" sz="1200" dirty="0" err="1"/>
+              <a:t>alertIsPresent</a:t>
+            </a:r>
+            <a:r>
+              <a:rPr lang="en-US" sz="1200" dirty="0"/>
+              <a:t>()</a:t>
+            </a:r>
           </a:p>
           <a:p>
             <a:pPr lvl="2" fontAlgn="base"/>
-            <a:r>
-              <a:rPr lang="en-IN" sz="1200" dirty="0"/>
-              <a:t>Extract it</a:t>
-            </a:r>
+            <a:endParaRPr lang="en-US" sz="1200" dirty="0"/>
           </a:p>
           <a:p>
             <a:pPr lvl="2" fontAlgn="base"/>
-            <a:r>
-              <a:rPr lang="en-IN" sz="1200" dirty="0"/>
-              <a:t>Set M2_HOME environment variable</a:t>
-            </a:r>
+            <a:endParaRPr lang="en-US" sz="1200" dirty="0"/>
           </a:p>
           <a:p>
             <a:pPr lvl="2" fontAlgn="base"/>
             <a:r>
-              <a:rPr lang="en-IN" sz="1200" dirty="0"/>
-              <a:t>Set path variable</a:t>
-            </a:r>
-          </a:p>
-          <a:p>
-            <a:pPr lvl="1" fontAlgn="base"/>
-            <a:r>
-              <a:rPr lang="en-IN" sz="1200" dirty="0"/>
-              <a:t>Installing Maven in eclipse</a:t>
-            </a:r>
-          </a:p>
-          <a:p>
-            <a:endParaRPr lang="en-IN" dirty="0"/>
+              <a:rPr lang="en-US" sz="1200" dirty="0"/>
+              <a:t>Displayed =&gt; Hidden Or Shown =&gt; Element is present in the page but Hidden/</a:t>
+            </a:r>
+            <a:r>
+              <a:rPr lang="en-US" sz="1200" dirty="0" err="1"/>
+              <a:t>NotHidden</a:t>
+            </a:r>
+            <a:endParaRPr lang="en-US" sz="1200" dirty="0"/>
+          </a:p>
+          <a:p>
+            <a:pPr lvl="2" fontAlgn="base"/>
+            <a:r>
+              <a:rPr lang="en-US" sz="1200" dirty="0"/>
+              <a:t>Enabled =&gt; Is Editable Or Not</a:t>
+            </a:r>
+          </a:p>
+          <a:p>
+            <a:pPr lvl="2" fontAlgn="base"/>
+            <a:br>
+              <a:rPr lang="en-US" dirty="0"/>
+            </a:br>
+            <a:br>
+              <a:rPr lang="en-US" dirty="0"/>
+            </a:br>
+            <a:br>
+              <a:rPr lang="en-US" dirty="0"/>
+            </a:br>
+            <a:endParaRPr lang="en-US" dirty="0"/>
           </a:p>
         </p:txBody>
       </p:sp>
@@ -28625,7 +28765,7 @@
         </p:nvSpPr>
         <p:spPr>
           <a:xfrm>
-            <a:off x="685800" y="304800"/>
+            <a:off x="609600" y="228600"/>
             <a:ext cx="8596668" cy="304800"/>
           </a:xfrm>
         </p:spPr>
@@ -28634,8 +28774,8 @@
           <a:lstStyle/>
           <a:p>
             <a:r>
-              <a:rPr lang="en-US" sz="1600" dirty="0"/>
-              <a:t>Maven : SetUp</a:t>
+              <a:rPr lang="en-US" sz="1400" dirty="0"/>
+              <a:t>Selenium : Waits</a:t>
             </a:r>
           </a:p>
         </p:txBody>
@@ -28643,7 +28783,7 @@
     </p:spTree>
     <p:extLst>
       <p:ext uri="{BB962C8B-B14F-4D97-AF65-F5344CB8AC3E}">
-        <p14:creationId xmlns:p14="http://schemas.microsoft.com/office/powerpoint/2010/main" val="2408037249"/>
+        <p14:creationId xmlns:p14="http://schemas.microsoft.com/office/powerpoint/2010/main" val="2585357644"/>
       </p:ext>
     </p:extLst>
   </p:cSld>
@@ -28984,165 +29124,121 @@
         </p:nvSpPr>
         <p:spPr>
           <a:xfrm>
-            <a:off x="677333" y="609600"/>
-            <a:ext cx="8596668" cy="6095999"/>
+            <a:off x="677333" y="685800"/>
+            <a:ext cx="8596668" cy="5638799"/>
           </a:xfrm>
         </p:spPr>
         <p:txBody>
           <a:bodyPr/>
           <a:lstStyle/>
           <a:p>
-            <a:pPr fontAlgn="base"/>
-            <a:endParaRPr lang="en-IN" sz="1200" dirty="0"/>
-          </a:p>
-          <a:p>
             <a:pPr fontAlgn="base">
               <a:buSzPct val="80000"/>
             </a:pPr>
             <a:r>
               <a:rPr lang="en-IN" sz="1200" dirty="0"/>
-              <a:t>Creating First Maven project:</a:t>
+              <a:t>What is Maven?</a:t>
+            </a:r>
+          </a:p>
+          <a:p>
+            <a:pPr lvl="2" fontAlgn="base"/>
+            <a:r>
+              <a:rPr lang="en-IN" sz="1200" dirty="0"/>
+              <a:t>Maven is a software project management tool</a:t>
+            </a:r>
+          </a:p>
+          <a:p>
+            <a:pPr lvl="2" fontAlgn="base"/>
+            <a:r>
+              <a:rPr lang="en-IN" sz="1200" dirty="0"/>
+              <a:t>Maven can manage a project's Build, reporting and documentation</a:t>
+            </a:r>
+          </a:p>
+          <a:p>
+            <a:pPr lvl="2" fontAlgn="base"/>
+            <a:r>
+              <a:rPr lang="en-IN" sz="1200" dirty="0"/>
+              <a:t>Maven works on POM </a:t>
+            </a:r>
+          </a:p>
+          <a:p>
+            <a:pPr lvl="3" fontAlgn="base"/>
+            <a:r>
+              <a:rPr lang="en-IN" dirty="0"/>
+              <a:t>Project Object Model</a:t>
+            </a:r>
+          </a:p>
+          <a:p>
+            <a:pPr lvl="3" fontAlgn="base"/>
+            <a:r>
+              <a:rPr lang="en-IN" dirty="0"/>
+              <a:t>POM is the fundamental unit of work in Maven. </a:t>
+            </a:r>
+          </a:p>
+          <a:p>
+            <a:pPr lvl="3" fontAlgn="base"/>
+            <a:r>
+              <a:rPr lang="en-IN" dirty="0"/>
+              <a:t>It is an XML file that contains information about the project and configuration details used by Maven to build the project.</a:t>
             </a:r>
           </a:p>
           <a:p>
             <a:pPr lvl="1" fontAlgn="base"/>
             <a:r>
               <a:rPr lang="en-IN" sz="1200" dirty="0"/>
-              <a:t>Creating from eclipse</a:t>
+              <a:t>What is a build tool?</a:t>
+            </a:r>
+          </a:p>
+          <a:p>
+            <a:pPr lvl="2" fontAlgn="base"/>
+            <a:r>
+              <a:rPr lang="en-IN" sz="1200" dirty="0"/>
+              <a:t>Compile source code</a:t>
+            </a:r>
+          </a:p>
+          <a:p>
+            <a:pPr lvl="2" fontAlgn="base"/>
+            <a:r>
+              <a:rPr lang="en-IN" sz="1200" dirty="0"/>
+              <a:t>Compile and run tests</a:t>
+            </a:r>
+          </a:p>
+          <a:p>
+            <a:pPr lvl="2" fontAlgn="base"/>
+            <a:r>
+              <a:rPr lang="en-IN" sz="1200" dirty="0"/>
+              <a:t>Copy Resources</a:t>
+            </a:r>
+          </a:p>
+          <a:p>
+            <a:pPr lvl="2" fontAlgn="base"/>
+            <a:r>
+              <a:rPr lang="en-IN" sz="1200" dirty="0"/>
+              <a:t>Package project</a:t>
+            </a:r>
+          </a:p>
+          <a:p>
+            <a:pPr lvl="2" fontAlgn="base"/>
+            <a:r>
+              <a:rPr lang="en-IN" sz="1200" dirty="0"/>
+              <a:t>Deploy project</a:t>
             </a:r>
           </a:p>
           <a:p>
             <a:pPr lvl="1" fontAlgn="base"/>
             <a:r>
               <a:rPr lang="en-IN" sz="1200" dirty="0"/>
-              <a:t>Creating from command line</a:t>
+              <a:t>Maven Objectives:</a:t>
             </a:r>
           </a:p>
           <a:p>
             <a:pPr lvl="2" fontAlgn="base"/>
             <a:r>
-              <a:rPr lang="en-IN" sz="1200" dirty="0" err="1"/>
-              <a:t>mvn</a:t>
-            </a:r>
-            <a:r>
               <a:rPr lang="en-IN" sz="1200" dirty="0"/>
-              <a:t> </a:t>
-            </a:r>
-            <a:r>
-              <a:rPr lang="en-IN" sz="1200" dirty="0" err="1"/>
-              <a:t>archetype:generate</a:t>
-            </a:r>
-            <a:r>
-              <a:rPr lang="en-IN" sz="1200" dirty="0"/>
-              <a:t> </a:t>
-            </a:r>
-          </a:p>
-          <a:p>
-            <a:pPr lvl="3" fontAlgn="base"/>
-            <a:r>
-              <a:rPr lang="en-IN" dirty="0"/>
-              <a:t>	-</a:t>
-            </a:r>
-            <a:r>
-              <a:rPr lang="en-IN" dirty="0" err="1"/>
-              <a:t>DgroupId</a:t>
-            </a:r>
-            <a:r>
-              <a:rPr lang="en-IN" dirty="0"/>
-              <a:t>=</a:t>
-            </a:r>
-            <a:r>
-              <a:rPr lang="en-IN" dirty="0" err="1"/>
-              <a:t>com.google</a:t>
-            </a:r>
-            <a:r>
-              <a:rPr lang="en-IN" dirty="0"/>
-              <a:t> </a:t>
-            </a:r>
-          </a:p>
-          <a:p>
-            <a:pPr lvl="3" fontAlgn="base"/>
-            <a:r>
-              <a:rPr lang="en-IN" dirty="0"/>
-              <a:t>	-</a:t>
-            </a:r>
-            <a:r>
-              <a:rPr lang="en-IN" dirty="0" err="1"/>
-              <a:t>DartifactId</a:t>
-            </a:r>
-            <a:r>
-              <a:rPr lang="en-IN" dirty="0"/>
-              <a:t>=ml2 </a:t>
-            </a:r>
-          </a:p>
-          <a:p>
-            <a:pPr lvl="3" fontAlgn="base"/>
-            <a:r>
-              <a:rPr lang="en-IN" dirty="0"/>
-              <a:t>	-</a:t>
-            </a:r>
-            <a:r>
-              <a:rPr lang="en-IN" dirty="0" err="1"/>
-              <a:t>DarchetypeArtifactId</a:t>
-            </a:r>
-            <a:r>
-              <a:rPr lang="en-IN" dirty="0"/>
-              <a:t>=maven-archetype-</a:t>
-            </a:r>
-            <a:r>
-              <a:rPr lang="en-IN" dirty="0" err="1"/>
-              <a:t>quickstart</a:t>
-            </a:r>
-            <a:endParaRPr lang="en-IN" dirty="0"/>
-          </a:p>
-          <a:p>
-            <a:pPr lvl="1" fontAlgn="base"/>
-            <a:r>
-              <a:rPr lang="en-IN" sz="1200" dirty="0"/>
-              <a:t>What is Archetype?</a:t>
-            </a:r>
-          </a:p>
-          <a:p>
-            <a:pPr lvl="1" fontAlgn="base"/>
-            <a:r>
-              <a:rPr lang="en-IN" sz="1200" dirty="0"/>
-              <a:t>What is </a:t>
-            </a:r>
-            <a:r>
-              <a:rPr lang="en-IN" sz="1200" dirty="0" err="1"/>
-              <a:t>groupId</a:t>
-            </a:r>
-            <a:r>
-              <a:rPr lang="en-IN" sz="1200" dirty="0"/>
-              <a:t>?</a:t>
-            </a:r>
-          </a:p>
-          <a:p>
-            <a:pPr lvl="1" fontAlgn="base"/>
-            <a:r>
-              <a:rPr lang="en-IN" sz="1200" dirty="0"/>
-              <a:t>What is </a:t>
-            </a:r>
-            <a:r>
-              <a:rPr lang="en-IN" sz="1200" dirty="0" err="1"/>
-              <a:t>artifactId</a:t>
-            </a:r>
-            <a:r>
-              <a:rPr lang="en-IN" sz="1200" dirty="0"/>
-              <a:t>?</a:t>
-            </a:r>
-          </a:p>
-          <a:p>
-            <a:pPr lvl="1" fontAlgn="base"/>
-            <a:r>
-              <a:rPr lang="en-IN" sz="1200" dirty="0"/>
-              <a:t>What is Version?</a:t>
-            </a:r>
-          </a:p>
-          <a:p>
-            <a:pPr marL="91441" indent="0">
-              <a:buNone/>
-            </a:pPr>
+              <a:t>Making build process easy</a:t>
+            </a:r>
+          </a:p>
+          <a:p>
             <a:endParaRPr lang="en-IN" dirty="0"/>
           </a:p>
         </p:txBody>
@@ -29168,8 +29264,8 @@
           <a:lstStyle/>
           <a:p>
             <a:r>
-              <a:rPr lang="en-US" sz="1600" dirty="0"/>
-              <a:t>Maven : Creating First Maven Project</a:t>
+              <a:rPr lang="en-US" sz="1400" dirty="0"/>
+              <a:t>Maven : Introduction</a:t>
             </a:r>
           </a:p>
         </p:txBody>
@@ -29177,7 +29273,7 @@
     </p:spTree>
     <p:extLst>
       <p:ext uri="{BB962C8B-B14F-4D97-AF65-F5344CB8AC3E}">
-        <p14:creationId xmlns:p14="http://schemas.microsoft.com/office/powerpoint/2010/main" val="819843082"/>
+        <p14:creationId xmlns:p14="http://schemas.microsoft.com/office/powerpoint/2010/main" val="1656973629"/>
       </p:ext>
     </p:extLst>
   </p:cSld>
@@ -29216,8 +29312,8 @@
         </p:nvSpPr>
         <p:spPr>
           <a:xfrm>
-            <a:off x="677333" y="685801"/>
-            <a:ext cx="8596668" cy="5355562"/>
+            <a:off x="677333" y="762001"/>
+            <a:ext cx="8596668" cy="5279362"/>
           </a:xfrm>
         </p:spPr>
         <p:txBody>
@@ -29229,94 +29325,84 @@
             </a:pPr>
             <a:r>
               <a:rPr lang="en-IN" sz="1200" dirty="0"/>
-              <a:t>Main code 	: </a:t>
-            </a:r>
-            <a:r>
-              <a:rPr lang="en-IN" sz="1200" dirty="0" err="1"/>
-              <a:t>src</a:t>
-            </a:r>
+              <a:t>Installing Maven:</a:t>
+            </a:r>
+          </a:p>
+          <a:p>
+            <a:pPr lvl="1" fontAlgn="base"/>
             <a:r>
               <a:rPr lang="en-IN" sz="1200" dirty="0"/>
-              <a:t>/main/java</a:t>
-            </a:r>
-          </a:p>
-          <a:p>
-            <a:pPr fontAlgn="base">
-              <a:buSzPct val="80000"/>
-            </a:pPr>
+              <a:t>Prerequisites:</a:t>
+            </a:r>
+          </a:p>
+          <a:p>
+            <a:pPr lvl="2" fontAlgn="base"/>
             <a:r>
               <a:rPr lang="en-IN" sz="1200" dirty="0"/>
-              <a:t>Main resources 	: </a:t>
-            </a:r>
-            <a:r>
-              <a:rPr lang="en-IN" sz="1200" dirty="0" err="1"/>
-              <a:t>src</a:t>
-            </a:r>
+              <a:t>JDK is installed</a:t>
+            </a:r>
+          </a:p>
+          <a:p>
+            <a:pPr lvl="2" fontAlgn="base"/>
             <a:r>
               <a:rPr lang="en-IN" sz="1200" dirty="0"/>
-              <a:t>/main/resources</a:t>
-            </a:r>
-          </a:p>
-          <a:p>
-            <a:pPr fontAlgn="base">
-              <a:buSzPct val="80000"/>
-            </a:pPr>
+              <a:t>JAVA_HOME is set</a:t>
+            </a:r>
+          </a:p>
+          <a:p>
+            <a:pPr lvl="1" fontAlgn="base"/>
             <a:r>
               <a:rPr lang="en-IN" sz="1200" dirty="0"/>
-              <a:t>Test code 	: </a:t>
-            </a:r>
-            <a:r>
-              <a:rPr lang="en-IN" sz="1200" dirty="0" err="1"/>
-              <a:t>src</a:t>
-            </a:r>
+              <a:t>Installing Maven in System:</a:t>
+            </a:r>
+          </a:p>
+          <a:p>
+            <a:pPr lvl="2" fontAlgn="base"/>
             <a:r>
               <a:rPr lang="en-IN" sz="1200" dirty="0"/>
-              <a:t>/test/java</a:t>
-            </a:r>
-          </a:p>
-          <a:p>
-            <a:pPr fontAlgn="base">
-              <a:buSzPct val="80000"/>
-            </a:pPr>
+              <a:t>Download Maven</a:t>
+            </a:r>
+          </a:p>
+          <a:p>
+            <a:pPr lvl="2" fontAlgn="base"/>
+            <a:r>
+              <a:rPr lang="en-IN" sz="1200" dirty="0">
+                <a:hlinkClick r:id="rId2"/>
+              </a:rPr>
+              <a:t>https://maven.apache.org/download.cgi</a:t>
+            </a:r>
+            <a:endParaRPr lang="en-IN" sz="1200" dirty="0"/>
+          </a:p>
+          <a:p>
+            <a:pPr lvl="2" fontAlgn="base"/>
             <a:r>
               <a:rPr lang="en-IN" sz="1200" dirty="0"/>
-              <a:t>Test Resources 	: </a:t>
-            </a:r>
-            <a:r>
-              <a:rPr lang="en-IN" sz="1200" dirty="0" err="1"/>
-              <a:t>src</a:t>
-            </a:r>
+              <a:t>Extract it</a:t>
+            </a:r>
+          </a:p>
+          <a:p>
+            <a:pPr lvl="2" fontAlgn="base"/>
             <a:r>
               <a:rPr lang="en-IN" sz="1200" dirty="0"/>
-              <a:t>/test/resources</a:t>
-            </a:r>
-          </a:p>
-          <a:p>
-            <a:pPr fontAlgn="base">
-              <a:buSzPct val="80000"/>
-            </a:pPr>
+              <a:t>Set M2_HOME environment variable</a:t>
+            </a:r>
+          </a:p>
+          <a:p>
+            <a:pPr lvl="2" fontAlgn="base"/>
             <a:r>
               <a:rPr lang="en-IN" sz="1200" dirty="0"/>
-              <a:t>target directory 	: Contains all output of the build.</a:t>
-            </a:r>
-          </a:p>
-          <a:p>
-            <a:pPr fontAlgn="base">
-              <a:buSzPct val="80000"/>
-            </a:pPr>
+              <a:t>Set path variable</a:t>
+            </a:r>
+          </a:p>
+          <a:p>
+            <a:pPr lvl="1" fontAlgn="base"/>
             <a:r>
               <a:rPr lang="en-IN" sz="1200" dirty="0"/>
-              <a:t>Pom.xml 	: Should be present in project’s in root folder</a:t>
-            </a:r>
-          </a:p>
-          <a:p>
-            <a:pPr fontAlgn="base">
-              <a:buSzPct val="80000"/>
-            </a:pPr>
-            <a:br>
-              <a:rPr lang="en-IN" sz="1200" dirty="0"/>
-            </a:br>
-            <a:endParaRPr lang="en-IN" sz="1200" dirty="0"/>
+              <a:t>Installing Maven in eclipse</a:t>
+            </a:r>
+          </a:p>
+          <a:p>
+            <a:endParaRPr lang="en-IN" dirty="0"/>
           </a:p>
         </p:txBody>
       </p:sp>
@@ -29342,7 +29428,7 @@
           <a:p>
             <a:r>
               <a:rPr lang="en-US" sz="1600" dirty="0"/>
-              <a:t>Maven : Folder Structure</a:t>
+              <a:t>Maven : SetUp</a:t>
             </a:r>
           </a:p>
         </p:txBody>
@@ -29350,7 +29436,7 @@
     </p:spTree>
     <p:extLst>
       <p:ext uri="{BB962C8B-B14F-4D97-AF65-F5344CB8AC3E}">
-        <p14:creationId xmlns:p14="http://schemas.microsoft.com/office/powerpoint/2010/main" val="994180501"/>
+        <p14:creationId xmlns:p14="http://schemas.microsoft.com/office/powerpoint/2010/main" val="2408037249"/>
       </p:ext>
     </p:extLst>
   </p:cSld>
@@ -29389,98 +29475,166 @@
         </p:nvSpPr>
         <p:spPr>
           <a:xfrm>
-            <a:off x="677333" y="685801"/>
-            <a:ext cx="8596668" cy="5355562"/>
+            <a:off x="677333" y="609600"/>
+            <a:ext cx="8596668" cy="6095999"/>
           </a:xfrm>
         </p:spPr>
         <p:txBody>
           <a:bodyPr/>
           <a:lstStyle/>
           <a:p>
+            <a:pPr fontAlgn="base"/>
+            <a:endParaRPr lang="en-IN" sz="1200" dirty="0"/>
+          </a:p>
+          <a:p>
             <a:pPr fontAlgn="base">
               <a:buSzPct val="80000"/>
             </a:pPr>
             <a:r>
               <a:rPr lang="en-IN" sz="1200" dirty="0"/>
-              <a:t>Maven Build Lifecycle:</a:t>
-            </a:r>
-          </a:p>
-          <a:p>
-            <a:pPr marL="342900" lvl="1" indent="-251459" fontAlgn="base"/>
+              <a:t>Creating First Maven project:</a:t>
+            </a:r>
+          </a:p>
+          <a:p>
+            <a:pPr lvl="1" fontAlgn="base"/>
             <a:r>
               <a:rPr lang="en-IN" sz="1200" dirty="0"/>
-              <a:t>It's a definition of process for building and distributing a project.</a:t>
-            </a:r>
-          </a:p>
-          <a:p>
-            <a:pPr marL="342900" lvl="1" indent="-251459" fontAlgn="base"/>
+              <a:t>Creating from eclipse</a:t>
+            </a:r>
+          </a:p>
+          <a:p>
+            <a:pPr lvl="1" fontAlgn="base"/>
             <a:r>
               <a:rPr lang="en-IN" sz="1200" dirty="0"/>
-              <a:t>Build cycle consists of multiple phases which execute in a particular sequence:</a:t>
-            </a:r>
-          </a:p>
-          <a:p>
-            <a:pPr marL="342900" lvl="1" indent="-251459" fontAlgn="base"/>
+              <a:t>Creating from command line</a:t>
+            </a:r>
+          </a:p>
+          <a:p>
+            <a:pPr lvl="2" fontAlgn="base"/>
+            <a:r>
+              <a:rPr lang="en-IN" sz="1200" dirty="0" err="1"/>
+              <a:t>mvn</a:t>
+            </a:r>
             <a:r>
               <a:rPr lang="en-IN" sz="1200" dirty="0"/>
-              <a:t>Phases in build lifecycle are:</a:t>
-            </a:r>
-          </a:p>
-          <a:p>
-            <a:pPr marL="342900" lvl="2" indent="-251459" fontAlgn="base"/>
+              <a:t> </a:t>
+            </a:r>
+            <a:r>
+              <a:rPr lang="en-IN" sz="1200" dirty="0" err="1"/>
+              <a:t>archetype:generate</a:t>
+            </a:r>
             <a:r>
               <a:rPr lang="en-IN" sz="1200" dirty="0"/>
-              <a:t>compile </a:t>
-            </a:r>
-          </a:p>
-          <a:p>
-            <a:pPr marL="342900" lvl="2" indent="-251459" fontAlgn="base"/>
+              <a:t> </a:t>
+            </a:r>
+          </a:p>
+          <a:p>
+            <a:pPr lvl="3" fontAlgn="base"/>
+            <a:r>
+              <a:rPr lang="en-IN" dirty="0"/>
+              <a:t>	-</a:t>
+            </a:r>
+            <a:r>
+              <a:rPr lang="en-IN" dirty="0" err="1"/>
+              <a:t>DgroupId</a:t>
+            </a:r>
+            <a:r>
+              <a:rPr lang="en-IN" dirty="0"/>
+              <a:t>=</a:t>
+            </a:r>
+            <a:r>
+              <a:rPr lang="en-IN" dirty="0" err="1"/>
+              <a:t>com.google</a:t>
+            </a:r>
+            <a:r>
+              <a:rPr lang="en-IN" dirty="0"/>
+              <a:t> </a:t>
+            </a:r>
+          </a:p>
+          <a:p>
+            <a:pPr lvl="3" fontAlgn="base"/>
+            <a:r>
+              <a:rPr lang="en-IN" dirty="0"/>
+              <a:t>	-</a:t>
+            </a:r>
+            <a:r>
+              <a:rPr lang="en-IN" dirty="0" err="1"/>
+              <a:t>DartifactId</a:t>
+            </a:r>
+            <a:r>
+              <a:rPr lang="en-IN" dirty="0"/>
+              <a:t>=ml2 </a:t>
+            </a:r>
+          </a:p>
+          <a:p>
+            <a:pPr lvl="3" fontAlgn="base"/>
+            <a:r>
+              <a:rPr lang="en-IN" dirty="0"/>
+              <a:t>	-</a:t>
+            </a:r>
+            <a:r>
+              <a:rPr lang="en-IN" dirty="0" err="1"/>
+              <a:t>DarchetypeArtifactId</a:t>
+            </a:r>
+            <a:r>
+              <a:rPr lang="en-IN" dirty="0"/>
+              <a:t>=maven-archetype-</a:t>
+            </a:r>
+            <a:r>
+              <a:rPr lang="en-IN" dirty="0" err="1"/>
+              <a:t>quickstart</a:t>
+            </a:r>
+            <a:endParaRPr lang="en-IN" dirty="0"/>
+          </a:p>
+          <a:p>
+            <a:pPr lvl="1" fontAlgn="base"/>
             <a:r>
               <a:rPr lang="en-IN" sz="1200" dirty="0"/>
-              <a:t>test-compile</a:t>
-            </a:r>
-          </a:p>
-          <a:p>
-            <a:pPr marL="342900" lvl="2" indent="-251459" fontAlgn="base"/>
+              <a:t>What is Archetype?</a:t>
+            </a:r>
+          </a:p>
+          <a:p>
+            <a:pPr lvl="1" fontAlgn="base"/>
             <a:r>
               <a:rPr lang="en-IN" sz="1200" dirty="0"/>
-              <a:t>test </a:t>
-            </a:r>
-          </a:p>
-          <a:p>
-            <a:pPr marL="342900" lvl="2" indent="-251459" fontAlgn="base"/>
+              <a:t>What is </a:t>
+            </a:r>
+            <a:r>
+              <a:rPr lang="en-IN" sz="1200" dirty="0" err="1"/>
+              <a:t>groupId</a:t>
+            </a:r>
             <a:r>
               <a:rPr lang="en-IN" sz="1200" dirty="0"/>
-              <a:t>package</a:t>
-            </a:r>
-          </a:p>
-          <a:p>
-            <a:pPr marL="342900" lvl="2" indent="-251459" fontAlgn="base"/>
+              <a:t>?</a:t>
+            </a:r>
+          </a:p>
+          <a:p>
+            <a:pPr lvl="1" fontAlgn="base"/>
             <a:r>
               <a:rPr lang="en-IN" sz="1200" dirty="0"/>
-              <a:t>install </a:t>
-            </a:r>
-          </a:p>
-          <a:p>
-            <a:pPr marL="342900" lvl="2" indent="-251459" fontAlgn="base"/>
+              <a:t>What is </a:t>
+            </a:r>
+            <a:r>
+              <a:rPr lang="en-IN" sz="1200" dirty="0" err="1"/>
+              <a:t>artifactId</a:t>
+            </a:r>
             <a:r>
               <a:rPr lang="en-IN" sz="1200" dirty="0"/>
-              <a:t>deploy</a:t>
-            </a:r>
-          </a:p>
-          <a:p>
-            <a:pPr marL="342900" lvl="1" indent="-251459" fontAlgn="base"/>
+              <a:t>?</a:t>
+            </a:r>
+          </a:p>
+          <a:p>
+            <a:pPr lvl="1" fontAlgn="base"/>
             <a:r>
               <a:rPr lang="en-IN" sz="1200" dirty="0"/>
-              <a:t>Build phases get executed in above order</a:t>
-            </a:r>
-          </a:p>
-          <a:p>
-            <a:pPr marL="342900" lvl="1" indent="-251459" fontAlgn="base"/>
-            <a:r>
-              <a:rPr lang="en-IN" sz="1200" dirty="0"/>
-              <a:t>When we run any particular phase ,then all the phases which come early in the order are first  executed and then the selected phase gets executed.</a:t>
-            </a:r>
+              <a:t>What is Version?</a:t>
+            </a:r>
+          </a:p>
+          <a:p>
+            <a:pPr marL="91441" indent="0">
+              <a:buNone/>
+            </a:pPr>
+            <a:endParaRPr lang="en-IN" dirty="0"/>
           </a:p>
         </p:txBody>
       </p:sp>
@@ -29505,8 +29659,8 @@
           <a:lstStyle/>
           <a:p>
             <a:r>
-              <a:rPr lang="en-US" sz="1400" dirty="0"/>
-              <a:t>Maven : Build Lifecycle</a:t>
+              <a:rPr lang="en-US" sz="1600" dirty="0"/>
+              <a:t>Maven : Creating First Maven Project</a:t>
             </a:r>
           </a:p>
         </p:txBody>
@@ -29514,7 +29668,7 @@
     </p:spTree>
     <p:extLst>
       <p:ext uri="{BB962C8B-B14F-4D97-AF65-F5344CB8AC3E}">
-        <p14:creationId xmlns:p14="http://schemas.microsoft.com/office/powerpoint/2010/main" val="4225815344"/>
+        <p14:creationId xmlns:p14="http://schemas.microsoft.com/office/powerpoint/2010/main" val="819843082"/>
       </p:ext>
     </p:extLst>
   </p:cSld>
@@ -29561,28 +29715,12 @@
           <a:bodyPr/>
           <a:lstStyle/>
           <a:p>
-            <a:pPr fontAlgn="base"/>
+            <a:pPr fontAlgn="base">
+              <a:buSzPct val="80000"/>
+            </a:pPr>
             <a:r>
               <a:rPr lang="en-IN" sz="1200" dirty="0"/>
-              <a:t>Maven build lifecycle</a:t>
-            </a:r>
-          </a:p>
-          <a:p>
-            <a:pPr fontAlgn="base"/>
-            <a:r>
-              <a:rPr lang="en-IN" sz="1200" dirty="0" err="1"/>
-              <a:t>Mvn</a:t>
-            </a:r>
-            <a:r>
-              <a:rPr lang="en-IN" sz="1200" dirty="0"/>
-              <a:t> Compile </a:t>
-            </a:r>
-          </a:p>
-          <a:p>
-            <a:pPr lvl="1" fontAlgn="base"/>
-            <a:r>
-              <a:rPr lang="en-IN" sz="1200" dirty="0"/>
-              <a:t>Compile main code present in </a:t>
+              <a:t>Main code 	: </a:t>
             </a:r>
             <a:r>
               <a:rPr lang="en-IN" sz="1200" dirty="0" err="1"/>
@@ -29590,32 +29728,16 @@
             </a:r>
             <a:r>
               <a:rPr lang="en-IN" sz="1200" dirty="0"/>
-              <a:t>/main/java </a:t>
-            </a:r>
-          </a:p>
-          <a:p>
-            <a:pPr lvl="1" fontAlgn="base"/>
+              <a:t>/main/java</a:t>
+            </a:r>
+          </a:p>
+          <a:p>
+            <a:pPr fontAlgn="base">
+              <a:buSzPct val="80000"/>
+            </a:pPr>
             <a:r>
               <a:rPr lang="en-IN" sz="1200" dirty="0"/>
-              <a:t>Generates target/classes</a:t>
-            </a:r>
-          </a:p>
-          <a:p>
-            <a:pPr fontAlgn="base"/>
-            <a:r>
-              <a:rPr lang="en-IN" sz="1200" dirty="0" err="1"/>
-              <a:t>Mvn</a:t>
-            </a:r>
-            <a:r>
-              <a:rPr lang="en-IN" sz="1200" dirty="0"/>
-              <a:t> Test-compile</a:t>
-            </a:r>
-          </a:p>
-          <a:p>
-            <a:pPr lvl="1" fontAlgn="base"/>
-            <a:r>
-              <a:rPr lang="en-IN" sz="1200" dirty="0"/>
-              <a:t>Compile unit test code present in </a:t>
+              <a:t>Main resources 	: </a:t>
             </a:r>
             <a:r>
               <a:rPr lang="en-IN" sz="1200" dirty="0" err="1"/>
@@ -29623,105 +29745,69 @@
             </a:r>
             <a:r>
               <a:rPr lang="en-IN" sz="1200" dirty="0"/>
+              <a:t>/main/resources</a:t>
+            </a:r>
+          </a:p>
+          <a:p>
+            <a:pPr fontAlgn="base">
+              <a:buSzPct val="80000"/>
+            </a:pPr>
+            <a:r>
+              <a:rPr lang="en-IN" sz="1200" dirty="0"/>
+              <a:t>Test code 	: </a:t>
+            </a:r>
+            <a:r>
+              <a:rPr lang="en-IN" sz="1200" dirty="0" err="1"/>
+              <a:t>src</a:t>
+            </a:r>
+            <a:r>
+              <a:rPr lang="en-IN" sz="1200" dirty="0"/>
               <a:t>/test/java</a:t>
             </a:r>
           </a:p>
           <a:p>
-            <a:pPr lvl="1" fontAlgn="base"/>
+            <a:pPr fontAlgn="base">
+              <a:buSzPct val="80000"/>
+            </a:pPr>
             <a:r>
               <a:rPr lang="en-IN" sz="1200" dirty="0"/>
-              <a:t>Generates test-classes</a:t>
-            </a:r>
-          </a:p>
-          <a:p>
-            <a:pPr fontAlgn="base"/>
+              <a:t>Test Resources 	: </a:t>
+            </a:r>
             <a:r>
               <a:rPr lang="en-IN" sz="1200" dirty="0" err="1"/>
-              <a:t>Mvn</a:t>
+              <a:t>src</a:t>
             </a:r>
             <a:r>
               <a:rPr lang="en-IN" sz="1200" dirty="0"/>
-              <a:t> test</a:t>
-            </a:r>
-          </a:p>
-          <a:p>
-            <a:pPr lvl="1" fontAlgn="base"/>
+              <a:t>/test/resources</a:t>
+            </a:r>
+          </a:p>
+          <a:p>
+            <a:pPr fontAlgn="base">
+              <a:buSzPct val="80000"/>
+            </a:pPr>
             <a:r>
               <a:rPr lang="en-IN" sz="1200" dirty="0"/>
-              <a:t>To run compile unit tests</a:t>
-            </a:r>
-          </a:p>
-          <a:p>
-            <a:pPr lvl="1" fontAlgn="base"/>
+              <a:t>target directory 	: Contains all output of the build.</a:t>
+            </a:r>
+          </a:p>
+          <a:p>
+            <a:pPr fontAlgn="base">
+              <a:buSzPct val="80000"/>
+            </a:pPr>
             <a:r>
               <a:rPr lang="en-IN" sz="1200" dirty="0"/>
-              <a:t>Generates </a:t>
-            </a:r>
-            <a:r>
-              <a:rPr lang="en-IN" sz="1200" dirty="0" err="1"/>
-              <a:t>surefire</a:t>
-            </a:r>
-            <a:r>
+              <a:t>Pom.xml 	: Should be present in project’s in root folder</a:t>
+            </a:r>
+          </a:p>
+          <a:p>
+            <a:pPr fontAlgn="base">
+              <a:buSzPct val="80000"/>
+            </a:pPr>
+            <a:br>
               <a:rPr lang="en-IN" sz="1200" dirty="0"/>
-              <a:t>-reports folder</a:t>
-            </a:r>
-          </a:p>
-          <a:p>
-            <a:pPr fontAlgn="base"/>
-            <a:r>
-              <a:rPr lang="en-IN" sz="1200" dirty="0" err="1"/>
-              <a:t>Mvn</a:t>
-            </a:r>
-            <a:r>
-              <a:rPr lang="en-IN" sz="1200" dirty="0"/>
-              <a:t> package</a:t>
-            </a:r>
-          </a:p>
-          <a:p>
-            <a:pPr lvl="1" fontAlgn="base"/>
-            <a:r>
-              <a:rPr lang="en-IN" sz="1200" dirty="0"/>
-              <a:t>To generate jar or war</a:t>
-            </a:r>
-          </a:p>
-          <a:p>
-            <a:pPr fontAlgn="base"/>
-            <a:r>
-              <a:rPr lang="en-IN" sz="1200" dirty="0" err="1"/>
-              <a:t>Mvn</a:t>
-            </a:r>
-            <a:r>
-              <a:rPr lang="en-IN" sz="1200" dirty="0"/>
-              <a:t> install</a:t>
-            </a:r>
-          </a:p>
-          <a:p>
-            <a:pPr lvl="1" fontAlgn="base"/>
-            <a:r>
-              <a:rPr lang="en-IN" sz="1200" dirty="0"/>
-              <a:t>To copy jar/war into local maven repository</a:t>
-            </a:r>
-          </a:p>
-          <a:p>
-            <a:pPr fontAlgn="base"/>
-            <a:r>
-              <a:rPr lang="en-IN" sz="1200" dirty="0" err="1"/>
-              <a:t>Mvn</a:t>
-            </a:r>
-            <a:r>
-              <a:rPr lang="en-IN" sz="1200" dirty="0"/>
-              <a:t> deploy</a:t>
-            </a:r>
-          </a:p>
-          <a:p>
-            <a:pPr lvl="1" fontAlgn="base"/>
-            <a:r>
-              <a:rPr lang="en-IN" sz="1000" dirty="0"/>
-              <a:t>To deploy the jar</a:t>
-            </a:r>
-          </a:p>
-          <a:p>
-            <a:endParaRPr lang="en-IN" dirty="0"/>
+            </a:br>
+            <a:endParaRPr lang="en-IN" sz="1200" dirty="0"/>
           </a:p>
         </p:txBody>
       </p:sp>
@@ -29747,7 +29833,7 @@
           <a:p>
             <a:r>
               <a:rPr lang="en-US" sz="1600" dirty="0"/>
-              <a:t>Maven : Build Lifecycle</a:t>
+              <a:t>Maven : Folder Structure</a:t>
             </a:r>
           </a:p>
         </p:txBody>
@@ -29755,7 +29841,7 @@
     </p:spTree>
     <p:extLst>
       <p:ext uri="{BB962C8B-B14F-4D97-AF65-F5344CB8AC3E}">
-        <p14:creationId xmlns:p14="http://schemas.microsoft.com/office/powerpoint/2010/main" val="1670723145"/>
+        <p14:creationId xmlns:p14="http://schemas.microsoft.com/office/powerpoint/2010/main" val="994180501"/>
       </p:ext>
     </p:extLst>
   </p:cSld>
@@ -29794,131 +29880,98 @@
         </p:nvSpPr>
         <p:spPr>
           <a:xfrm>
-            <a:off x="677333" y="762001"/>
-            <a:ext cx="8596668" cy="5279362"/>
+            <a:off x="677333" y="685801"/>
+            <a:ext cx="8596668" cy="5355562"/>
           </a:xfrm>
         </p:spPr>
         <p:txBody>
           <a:bodyPr/>
           <a:lstStyle/>
           <a:p>
-            <a:pPr fontAlgn="base"/>
-            <a:r>
-              <a:rPr lang="en-IN" sz="1100" dirty="0"/>
-              <a:t>A Project Object Model or POM is the fundamental unit of work in Maven</a:t>
-            </a:r>
-          </a:p>
-          <a:p>
-            <a:pPr fontAlgn="base"/>
-            <a:r>
-              <a:rPr lang="en-IN" sz="1100" dirty="0"/>
-              <a:t>POM.XML</a:t>
-            </a:r>
-          </a:p>
-          <a:p>
-            <a:pPr lvl="1" fontAlgn="base"/>
-            <a:r>
-              <a:rPr lang="en-IN" sz="1100" dirty="0"/>
-              <a:t>Minimal POM</a:t>
-            </a:r>
-          </a:p>
-          <a:p>
-            <a:pPr lvl="1" fontAlgn="base"/>
-            <a:r>
-              <a:rPr lang="en-IN" sz="1100" dirty="0"/>
-              <a:t>Effective POM</a:t>
-            </a:r>
-          </a:p>
-          <a:p>
-            <a:pPr fontAlgn="base"/>
-            <a:r>
-              <a:rPr lang="en-IN" sz="1100" dirty="0"/>
-              <a:t>Dependency management:</a:t>
-            </a:r>
-          </a:p>
-          <a:p>
-            <a:pPr lvl="1" fontAlgn="base"/>
-            <a:r>
-              <a:rPr lang="en-IN" sz="1100" dirty="0"/>
-              <a:t>Project dependencies</a:t>
-            </a:r>
-          </a:p>
-          <a:p>
-            <a:pPr lvl="1" fontAlgn="base"/>
-            <a:r>
-              <a:rPr lang="en-IN" sz="1100" dirty="0"/>
-              <a:t>Local repository</a:t>
-            </a:r>
-          </a:p>
-          <a:p>
-            <a:pPr lvl="1" fontAlgn="base"/>
-            <a:r>
-              <a:rPr lang="en-IN" sz="1100" dirty="0"/>
-              <a:t>Transitive dependencies</a:t>
-            </a:r>
-          </a:p>
-          <a:p>
-            <a:pPr lvl="2" fontAlgn="base"/>
-            <a:r>
-              <a:rPr lang="en-IN" sz="1100" dirty="0"/>
-              <a:t>Dependant jars of dependent jars are called as transitive dependencies. </a:t>
-            </a:r>
-          </a:p>
-          <a:p>
-            <a:pPr lvl="2" fontAlgn="base"/>
-            <a:r>
-              <a:rPr lang="en-IN" sz="1100" dirty="0"/>
-              <a:t>Dependency hierarchy is found in pom.xml</a:t>
-            </a:r>
-          </a:p>
-          <a:p>
-            <a:pPr lvl="1" fontAlgn="base"/>
-            <a:r>
-              <a:rPr lang="en-IN" sz="1100" dirty="0"/>
-              <a:t>Excluding transitive dependencies</a:t>
-            </a:r>
-          </a:p>
-          <a:p>
-            <a:pPr lvl="2" fontAlgn="base"/>
-            <a:r>
-              <a:rPr lang="en-IN" sz="1100" dirty="0"/>
-              <a:t>To exclude one or more transitive dependencies.</a:t>
-            </a:r>
-          </a:p>
-          <a:p>
-            <a:pPr fontAlgn="base"/>
-            <a:r>
-              <a:rPr lang="en-IN" sz="1100" dirty="0"/>
-              <a:t>Maven plugins and goals:</a:t>
-            </a:r>
-          </a:p>
-          <a:p>
-            <a:pPr lvl="1" fontAlgn="base"/>
-            <a:r>
-              <a:rPr lang="en-IN" sz="1100" dirty="0"/>
-              <a:t>Plugin :Plugin is artefact which executes goals</a:t>
-            </a:r>
-          </a:p>
-          <a:p>
-            <a:pPr lvl="1" fontAlgn="base"/>
-            <a:r>
-              <a:rPr lang="en-IN" sz="1100" dirty="0"/>
-              <a:t>Goal : Goal is a task in a phase</a:t>
-            </a:r>
-          </a:p>
-          <a:p>
-            <a:pPr lvl="1" fontAlgn="base"/>
-            <a:r>
-              <a:rPr lang="en-IN" sz="1100" dirty="0"/>
-              <a:t>Plugin can execute goals from multiple phases</a:t>
-            </a:r>
-          </a:p>
-          <a:p>
-            <a:pPr lvl="2" fontAlgn="base"/>
-            <a:endParaRPr lang="en-IN" sz="1200" dirty="0"/>
-          </a:p>
-          <a:p>
-            <a:endParaRPr lang="en-IN" dirty="0"/>
+            <a:pPr fontAlgn="base">
+              <a:buSzPct val="80000"/>
+            </a:pPr>
+            <a:r>
+              <a:rPr lang="en-IN" sz="1200" dirty="0"/>
+              <a:t>Maven Build Lifecycle:</a:t>
+            </a:r>
+          </a:p>
+          <a:p>
+            <a:pPr marL="342900" lvl="1" indent="-251459" fontAlgn="base"/>
+            <a:r>
+              <a:rPr lang="en-IN" sz="1200" dirty="0"/>
+              <a:t>It's a definition of process for building and distributing a project.</a:t>
+            </a:r>
+          </a:p>
+          <a:p>
+            <a:pPr marL="342900" lvl="1" indent="-251459" fontAlgn="base"/>
+            <a:r>
+              <a:rPr lang="en-IN" sz="1200" dirty="0"/>
+              <a:t>Build cycle consists of multiple phases which execute in a particular sequence:</a:t>
+            </a:r>
+          </a:p>
+          <a:p>
+            <a:pPr marL="342900" lvl="1" indent="-251459" fontAlgn="base"/>
+            <a:r>
+              <a:rPr lang="en-IN" sz="1200" dirty="0"/>
+              <a:t>Phases in build lifecycle are:</a:t>
+            </a:r>
+          </a:p>
+          <a:p>
+            <a:pPr marL="342900" lvl="2" indent="-251459" fontAlgn="base"/>
+            <a:r>
+              <a:rPr lang="en-IN" sz="1200" dirty="0"/>
+              <a:t>compile </a:t>
+            </a:r>
+          </a:p>
+          <a:p>
+            <a:pPr marL="342900" lvl="2" indent="-251459" fontAlgn="base"/>
+            <a:r>
+              <a:rPr lang="en-IN" sz="1200" dirty="0"/>
+              <a:t>test-compile</a:t>
+            </a:r>
+          </a:p>
+          <a:p>
+            <a:pPr marL="342900" lvl="2" indent="-251459" fontAlgn="base"/>
+            <a:r>
+              <a:rPr lang="en-IN" sz="1200" dirty="0"/>
+              <a:t>test </a:t>
+            </a:r>
+          </a:p>
+          <a:p>
+            <a:pPr marL="342900" lvl="2" indent="-251459" fontAlgn="base"/>
+            <a:r>
+              <a:rPr lang="en-IN" sz="1200" dirty="0"/>
+              <a:t>package</a:t>
+            </a:r>
+          </a:p>
+          <a:p>
+            <a:pPr marL="342900" lvl="2" indent="-251459" fontAlgn="base"/>
+            <a:r>
+              <a:rPr lang="en-IN" sz="1200" dirty="0"/>
+              <a:t>install </a:t>
+            </a:r>
+          </a:p>
+          <a:p>
+            <a:pPr marL="342900" lvl="2" indent="-251459" fontAlgn="base"/>
+            <a:r>
+              <a:rPr lang="en-IN" sz="1200" dirty="0"/>
+              <a:t>deploy</a:t>
+            </a:r>
+          </a:p>
+          <a:p>
+            <a:pPr marL="342900" lvl="1" indent="-251459" fontAlgn="base"/>
+            <a:r>
+              <a:rPr lang="en-IN" sz="1200" dirty="0"/>
+              <a:t>Build phases get executed in above order</a:t>
+            </a:r>
+          </a:p>
+          <a:p>
+            <a:pPr marL="342900" lvl="1" indent="-251459" fontAlgn="base"/>
+            <a:r>
+              <a:rPr lang="en-IN" sz="1200" dirty="0"/>
+              <a:t>When we run any particular phase ,then all the phases which come early in the order are first  executed and then the selected phase gets executed.</a:t>
+            </a:r>
           </a:p>
         </p:txBody>
       </p:sp>
@@ -29943,8 +29996,8 @@
           <a:lstStyle/>
           <a:p>
             <a:r>
-              <a:rPr lang="en-US" sz="1600" dirty="0"/>
-              <a:t>Maven : POM</a:t>
+              <a:rPr lang="en-US" sz="1400" dirty="0"/>
+              <a:t>Maven : Build Lifecycle</a:t>
             </a:r>
           </a:p>
         </p:txBody>
@@ -29952,7 +30005,7 @@
     </p:spTree>
     <p:extLst>
       <p:ext uri="{BB962C8B-B14F-4D97-AF65-F5344CB8AC3E}">
-        <p14:creationId xmlns:p14="http://schemas.microsoft.com/office/powerpoint/2010/main" val="1246472079"/>
+        <p14:creationId xmlns:p14="http://schemas.microsoft.com/office/powerpoint/2010/main" val="4225815344"/>
       </p:ext>
     </p:extLst>
   </p:cSld>
@@ -30001,115 +30054,161 @@
           <a:p>
             <a:pPr fontAlgn="base"/>
             <a:r>
-              <a:rPr lang="en-IN" sz="1100" dirty="0"/>
-              <a:t>Running a project having no dependencies.</a:t>
+              <a:rPr lang="en-IN" sz="1200" dirty="0"/>
+              <a:t>Maven build lifecycle</a:t>
+            </a:r>
+          </a:p>
+          <a:p>
+            <a:pPr fontAlgn="base"/>
+            <a:r>
+              <a:rPr lang="en-IN" sz="1200" dirty="0" err="1"/>
+              <a:t>Mvn</a:t>
+            </a:r>
+            <a:r>
+              <a:rPr lang="en-IN" sz="1200" dirty="0"/>
+              <a:t> Compile </a:t>
             </a:r>
           </a:p>
           <a:p>
             <a:pPr lvl="1" fontAlgn="base"/>
             <a:r>
-              <a:rPr lang="en-IN" sz="1100" dirty="0"/>
-              <a:t>Step1 : Add manifest entry to pom.xml</a:t>
+              <a:rPr lang="en-IN" sz="1200" dirty="0"/>
+              <a:t>Compile main code present in </a:t>
+            </a:r>
+            <a:r>
+              <a:rPr lang="en-IN" sz="1200" dirty="0" err="1"/>
+              <a:t>src</a:t>
+            </a:r>
+            <a:r>
+              <a:rPr lang="en-IN" sz="1200" dirty="0"/>
+              <a:t>/main/java </a:t>
+            </a:r>
+          </a:p>
+          <a:p>
+            <a:pPr lvl="1" fontAlgn="base"/>
+            <a:r>
+              <a:rPr lang="en-IN" sz="1200" dirty="0"/>
+              <a:t>Generates target/classes</a:t>
             </a:r>
           </a:p>
           <a:p>
             <a:pPr fontAlgn="base"/>
             <a:r>
-              <a:rPr lang="en-IN" sz="1100" dirty="0"/>
-              <a:t>Running a project having dependencies.</a:t>
+              <a:rPr lang="en-IN" sz="1200" dirty="0" err="1"/>
+              <a:t>Mvn</a:t>
+            </a:r>
+            <a:r>
+              <a:rPr lang="en-IN" sz="1200" dirty="0"/>
+              <a:t> Test-compile</a:t>
             </a:r>
           </a:p>
           <a:p>
             <a:pPr lvl="1" fontAlgn="base"/>
             <a:r>
-              <a:rPr lang="en-IN" sz="1100" dirty="0"/>
-              <a:t>Create all required folders</a:t>
-            </a:r>
-          </a:p>
-          <a:p>
-            <a:pPr lvl="2" fontAlgn="base"/>
-            <a:r>
-              <a:rPr lang="en-IN" sz="1100" dirty="0" err="1"/>
-              <a:t>conf</a:t>
-            </a:r>
-            <a:endParaRPr lang="en-IN" sz="1100" dirty="0"/>
-          </a:p>
-          <a:p>
-            <a:pPr lvl="2" fontAlgn="base"/>
-            <a:r>
-              <a:rPr lang="en-IN" sz="1100" dirty="0"/>
-              <a:t>drivers</a:t>
+              <a:rPr lang="en-IN" sz="1200" dirty="0"/>
+              <a:t>Compile unit test code present in </a:t>
+            </a:r>
+            <a:r>
+              <a:rPr lang="en-IN" sz="1200" dirty="0" err="1"/>
+              <a:t>src</a:t>
+            </a:r>
+            <a:r>
+              <a:rPr lang="en-IN" sz="1200" dirty="0"/>
+              <a:t>/test/java</a:t>
             </a:r>
           </a:p>
           <a:p>
             <a:pPr lvl="1" fontAlgn="base"/>
             <a:r>
-              <a:rPr lang="en-IN" sz="1100" dirty="0"/>
-              <a:t>Step1: Add manifest entry to pom.xml</a:t>
+              <a:rPr lang="en-IN" sz="1200" dirty="0"/>
+              <a:t>Generates test-classes</a:t>
+            </a:r>
+          </a:p>
+          <a:p>
+            <a:pPr fontAlgn="base"/>
+            <a:r>
+              <a:rPr lang="en-IN" sz="1200" dirty="0" err="1"/>
+              <a:t>Mvn</a:t>
+            </a:r>
+            <a:r>
+              <a:rPr lang="en-IN" sz="1200" dirty="0"/>
+              <a:t> test</a:t>
             </a:r>
           </a:p>
           <a:p>
             <a:pPr lvl="1" fontAlgn="base"/>
             <a:r>
-              <a:rPr lang="en-IN" sz="1100" dirty="0"/>
-              <a:t>Step2: Use assembly plugin</a:t>
-            </a:r>
-          </a:p>
-          <a:p>
-            <a:pPr lvl="2" fontAlgn="base"/>
-            <a:r>
-              <a:rPr lang="en-IN" sz="1100" dirty="0"/>
-              <a:t>What is assembly?</a:t>
-            </a:r>
-          </a:p>
-          <a:p>
-            <a:pPr lvl="2" fontAlgn="base"/>
-            <a:r>
-              <a:rPr lang="en-IN" sz="1100" dirty="0"/>
-              <a:t>Add assembly plugin to pom.xml</a:t>
-            </a:r>
-          </a:p>
-          <a:p>
-            <a:pPr lvl="2" fontAlgn="base"/>
-            <a:r>
-              <a:rPr lang="en-IN" sz="1100" dirty="0"/>
-              <a:t>Create assembly.xml</a:t>
-            </a:r>
-          </a:p>
-          <a:p>
-            <a:pPr lvl="3" fontAlgn="base"/>
-            <a:r>
-              <a:rPr lang="en-IN" sz="1100" dirty="0"/>
-              <a:t>Define formats</a:t>
-            </a:r>
-          </a:p>
-          <a:p>
-            <a:pPr lvl="3" fontAlgn="base"/>
-            <a:r>
-              <a:rPr lang="en-IN" sz="1100" dirty="0"/>
-              <a:t>Add dependency sets</a:t>
-            </a:r>
-          </a:p>
-          <a:p>
-            <a:pPr lvl="3" fontAlgn="base"/>
-            <a:r>
-              <a:rPr lang="en-IN" sz="1100" dirty="0"/>
-              <a:t>Add an entry for </a:t>
-            </a:r>
-            <a:r>
-              <a:rPr lang="en-IN" sz="1100" dirty="0" err="1"/>
-              <a:t>conf</a:t>
-            </a:r>
-            <a:r>
-              <a:rPr lang="en-IN" sz="1100" dirty="0"/>
-              <a:t> folder</a:t>
-            </a:r>
-          </a:p>
-          <a:p>
-            <a:pPr lvl="3" fontAlgn="base"/>
-            <a:r>
-              <a:rPr lang="en-IN" sz="1100" dirty="0"/>
-              <a:t>Add an entry for drivers folder</a:t>
+              <a:rPr lang="en-IN" sz="1200" dirty="0"/>
+              <a:t>To run compile unit tests</a:t>
+            </a:r>
+          </a:p>
+          <a:p>
+            <a:pPr lvl="1" fontAlgn="base"/>
+            <a:r>
+              <a:rPr lang="en-IN" sz="1200" dirty="0"/>
+              <a:t>Generates </a:t>
+            </a:r>
+            <a:r>
+              <a:rPr lang="en-IN" sz="1200" dirty="0" err="1"/>
+              <a:t>surefire</a:t>
+            </a:r>
+            <a:r>
+              <a:rPr lang="en-IN" sz="1200" dirty="0"/>
+              <a:t>-reports folder</a:t>
+            </a:r>
+          </a:p>
+          <a:p>
+            <a:pPr fontAlgn="base"/>
+            <a:r>
+              <a:rPr lang="en-IN" sz="1200" dirty="0" err="1"/>
+              <a:t>Mvn</a:t>
+            </a:r>
+            <a:r>
+              <a:rPr lang="en-IN" sz="1200" dirty="0"/>
+              <a:t> package</a:t>
+            </a:r>
+          </a:p>
+          <a:p>
+            <a:pPr lvl="1" fontAlgn="base"/>
+            <a:r>
+              <a:rPr lang="en-IN" sz="1200" dirty="0"/>
+              <a:t>To generate jar or war</a:t>
+            </a:r>
+          </a:p>
+          <a:p>
+            <a:pPr fontAlgn="base"/>
+            <a:r>
+              <a:rPr lang="en-IN" sz="1200" dirty="0" err="1"/>
+              <a:t>Mvn</a:t>
+            </a:r>
+            <a:r>
+              <a:rPr lang="en-IN" sz="1200" dirty="0"/>
+              <a:t> install</a:t>
+            </a:r>
+          </a:p>
+          <a:p>
+            <a:pPr lvl="1" fontAlgn="base"/>
+            <a:r>
+              <a:rPr lang="en-IN" sz="1200" dirty="0"/>
+              <a:t>To copy jar/war into local maven repository</a:t>
+            </a:r>
+          </a:p>
+          <a:p>
+            <a:pPr fontAlgn="base"/>
+            <a:r>
+              <a:rPr lang="en-IN" sz="1200" dirty="0" err="1"/>
+              <a:t>Mvn</a:t>
+            </a:r>
+            <a:r>
+              <a:rPr lang="en-IN" sz="1200" dirty="0"/>
+              <a:t> deploy</a:t>
+            </a:r>
+          </a:p>
+          <a:p>
+            <a:pPr lvl="1" fontAlgn="base"/>
+            <a:r>
+              <a:rPr lang="en-IN" sz="1000" dirty="0"/>
+              <a:t>To deploy the jar</a:t>
             </a:r>
           </a:p>
           <a:p>
@@ -30139,7 +30238,7 @@
           <a:p>
             <a:r>
               <a:rPr lang="en-US" sz="1600" dirty="0"/>
-              <a:t>Maven : Building runnable jars</a:t>
+              <a:t>Maven : Build Lifecycle</a:t>
             </a:r>
           </a:p>
         </p:txBody>
@@ -30147,7 +30246,7 @@
     </p:spTree>
     <p:extLst>
       <p:ext uri="{BB962C8B-B14F-4D97-AF65-F5344CB8AC3E}">
-        <p14:creationId xmlns:p14="http://schemas.microsoft.com/office/powerpoint/2010/main" val="3199482505"/>
+        <p14:creationId xmlns:p14="http://schemas.microsoft.com/office/powerpoint/2010/main" val="1670723145"/>
       </p:ext>
     </p:extLst>
   </p:cSld>
@@ -30186,8 +30285,8 @@
         </p:nvSpPr>
         <p:spPr>
           <a:xfrm>
-            <a:off x="677333" y="685801"/>
-            <a:ext cx="8596668" cy="5355562"/>
+            <a:off x="677333" y="762001"/>
+            <a:ext cx="8596668" cy="5279362"/>
           </a:xfrm>
         </p:spPr>
         <p:txBody>
@@ -30196,87 +30295,117 @@
           <a:p>
             <a:pPr fontAlgn="base"/>
             <a:r>
-              <a:rPr lang="en-IN" sz="1200" dirty="0"/>
-              <a:t>Maven Build Profiles:</a:t>
+              <a:rPr lang="en-IN" sz="1100" dirty="0"/>
+              <a:t>A Project Object Model or POM is the fundamental unit of work in Maven</a:t>
+            </a:r>
+          </a:p>
+          <a:p>
+            <a:pPr fontAlgn="base"/>
+            <a:r>
+              <a:rPr lang="en-IN" sz="1100" dirty="0"/>
+              <a:t>POM.XML</a:t>
             </a:r>
           </a:p>
           <a:p>
             <a:pPr lvl="1" fontAlgn="base"/>
             <a:r>
-              <a:rPr lang="en-IN" sz="1200" dirty="0"/>
-              <a:t>A Build profile is a set of configuration values</a:t>
+              <a:rPr lang="en-IN" sz="1100" dirty="0"/>
+              <a:t>Minimal POM</a:t>
             </a:r>
           </a:p>
           <a:p>
             <a:pPr lvl="1" fontAlgn="base"/>
             <a:r>
-              <a:rPr lang="en-IN" sz="1200" dirty="0"/>
-              <a:t>Using a build profile, you can customize build for different environments such as Production , Development and QA environments.</a:t>
+              <a:rPr lang="en-IN" sz="1100" dirty="0"/>
+              <a:t>Effective POM</a:t>
+            </a:r>
+          </a:p>
+          <a:p>
+            <a:pPr fontAlgn="base"/>
+            <a:r>
+              <a:rPr lang="en-IN" sz="1100" dirty="0"/>
+              <a:t>Dependency management:</a:t>
             </a:r>
           </a:p>
           <a:p>
             <a:pPr lvl="1" fontAlgn="base"/>
             <a:r>
-              <a:rPr lang="en-IN" sz="1200" dirty="0"/>
-              <a:t>Step1: Create a project and implement assembly as shown in previous slide</a:t>
+              <a:rPr lang="en-IN" sz="1100" dirty="0"/>
+              <a:t>Project dependencies</a:t>
             </a:r>
           </a:p>
           <a:p>
             <a:pPr lvl="1" fontAlgn="base"/>
             <a:r>
-              <a:rPr lang="en-IN" sz="1200" dirty="0"/>
-              <a:t>Step2: Add place holders in configuration files</a:t>
+              <a:rPr lang="en-IN" sz="1100" dirty="0"/>
+              <a:t>Local repository</a:t>
             </a:r>
           </a:p>
           <a:p>
             <a:pPr lvl="1" fontAlgn="base"/>
             <a:r>
-              <a:rPr lang="en-IN" sz="1200" dirty="0"/>
-              <a:t>Step3: Add a resource element to pom.xml</a:t>
+              <a:rPr lang="en-IN" sz="1100" dirty="0"/>
+              <a:t>Transitive dependencies</a:t>
             </a:r>
           </a:p>
           <a:p>
             <a:pPr lvl="2" fontAlgn="base"/>
             <a:r>
-              <a:rPr lang="en-IN" sz="1200" dirty="0"/>
-              <a:t>Set filtering to true</a:t>
+              <a:rPr lang="en-IN" sz="1100" dirty="0"/>
+              <a:t>Dependant jars of dependent jars are called as transitive dependencies. </a:t>
             </a:r>
           </a:p>
           <a:p>
             <a:pPr lvl="2" fontAlgn="base"/>
             <a:r>
-              <a:rPr lang="en-IN" sz="1200" dirty="0"/>
-              <a:t>Define your custom configuration folder directory</a:t>
+              <a:rPr lang="en-IN" sz="1100" dirty="0"/>
+              <a:t>Dependency hierarchy is found in pom.xml</a:t>
             </a:r>
           </a:p>
           <a:p>
             <a:pPr lvl="1" fontAlgn="base"/>
             <a:r>
-              <a:rPr lang="en-IN" sz="1200" dirty="0"/>
-              <a:t>Step4: Add profiles element in pom.xml</a:t>
+              <a:rPr lang="en-IN" sz="1100" dirty="0"/>
+              <a:t>Excluding transitive dependencies</a:t>
+            </a:r>
+          </a:p>
+          <a:p>
+            <a:pPr lvl="2" fontAlgn="base"/>
+            <a:r>
+              <a:rPr lang="en-IN" sz="1100" dirty="0"/>
+              <a:t>To exclude one or more transitive dependencies.</a:t>
+            </a:r>
+          </a:p>
+          <a:p>
+            <a:pPr fontAlgn="base"/>
+            <a:r>
+              <a:rPr lang="en-IN" sz="1100" dirty="0"/>
+              <a:t>Maven plugins and goals:</a:t>
             </a:r>
           </a:p>
           <a:p>
             <a:pPr lvl="1" fontAlgn="base"/>
             <a:r>
-              <a:rPr lang="en-IN" sz="1200" dirty="0"/>
-              <a:t>Step5: Build project with -P </a:t>
+              <a:rPr lang="en-IN" sz="1100" dirty="0"/>
+              <a:t>Plugin :Plugin is artefact which executes goals</a:t>
+            </a:r>
+          </a:p>
+          <a:p>
+            <a:pPr lvl="1" fontAlgn="base"/>
+            <a:r>
+              <a:rPr lang="en-IN" sz="1100" dirty="0"/>
+              <a:t>Goal : Goal is a task in a phase</a:t>
+            </a:r>
+          </a:p>
+          <a:p>
+            <a:pPr lvl="1" fontAlgn="base"/>
+            <a:r>
+              <a:rPr lang="en-IN" sz="1100" dirty="0"/>
+              <a:t>Plugin can execute goals from multiple phases</a:t>
             </a:r>
           </a:p>
           <a:p>
             <a:pPr lvl="2" fontAlgn="base"/>
-            <a:r>
-              <a:rPr lang="en-IN" sz="1200" dirty="0" err="1"/>
-              <a:t>Mvn</a:t>
-            </a:r>
-            <a:r>
-              <a:rPr lang="en-IN" sz="1200" dirty="0"/>
-              <a:t> clean install -</a:t>
-            </a:r>
-            <a:r>
-              <a:rPr lang="en-IN" sz="1200" dirty="0" err="1"/>
-              <a:t>Pqa</a:t>
-            </a:r>
             <a:endParaRPr lang="en-IN" sz="1200" dirty="0"/>
           </a:p>
           <a:p>
@@ -30306,7 +30435,7 @@
           <a:p>
             <a:r>
               <a:rPr lang="en-US" sz="1600" dirty="0"/>
-              <a:t>Maven : Profiles</a:t>
+              <a:t>Maven : POM</a:t>
             </a:r>
           </a:p>
         </p:txBody>
@@ -30314,7 +30443,7 @@
     </p:spTree>
     <p:extLst>
       <p:ext uri="{BB962C8B-B14F-4D97-AF65-F5344CB8AC3E}">
-        <p14:creationId xmlns:p14="http://schemas.microsoft.com/office/powerpoint/2010/main" val="3249783198"/>
+        <p14:creationId xmlns:p14="http://schemas.microsoft.com/office/powerpoint/2010/main" val="1246472079"/>
       </p:ext>
     </p:extLst>
   </p:cSld>
@@ -30363,72 +30492,115 @@
           <a:p>
             <a:pPr fontAlgn="base"/>
             <a:r>
-              <a:rPr lang="en-IN" sz="1200" dirty="0"/>
-              <a:t>Ways of running selenium tests:</a:t>
+              <a:rPr lang="en-IN" sz="1100" dirty="0"/>
+              <a:t>Running a project having no dependencies.</a:t>
             </a:r>
           </a:p>
           <a:p>
             <a:pPr lvl="1" fontAlgn="base"/>
             <a:r>
-              <a:rPr lang="en-IN" sz="1200" dirty="0"/>
-              <a:t>Local:</a:t>
+              <a:rPr lang="en-IN" sz="1100" dirty="0"/>
+              <a:t>Step1 : Add manifest entry to pom.xml</a:t>
+            </a:r>
+          </a:p>
+          <a:p>
+            <a:pPr fontAlgn="base"/>
+            <a:r>
+              <a:rPr lang="en-IN" sz="1100" dirty="0"/>
+              <a:t>Running a project having dependencies.</a:t>
+            </a:r>
+          </a:p>
+          <a:p>
+            <a:pPr lvl="1" fontAlgn="base"/>
+            <a:r>
+              <a:rPr lang="en-IN" sz="1100" dirty="0"/>
+              <a:t>Create all required folders</a:t>
             </a:r>
           </a:p>
           <a:p>
             <a:pPr lvl="2" fontAlgn="base"/>
             <a:r>
-              <a:rPr lang="en-IN" sz="1200" dirty="0"/>
-              <a:t>WebDriver is used to run tests locally</a:t>
+              <a:rPr lang="en-IN" sz="1100" dirty="0" err="1"/>
+              <a:t>conf</a:t>
+            </a:r>
+            <a:endParaRPr lang="en-IN" sz="1100" dirty="0"/>
+          </a:p>
+          <a:p>
+            <a:pPr lvl="2" fontAlgn="base"/>
+            <a:r>
+              <a:rPr lang="en-IN" sz="1100" dirty="0"/>
+              <a:t>drivers</a:t>
             </a:r>
           </a:p>
           <a:p>
             <a:pPr lvl="1" fontAlgn="base"/>
             <a:r>
-              <a:rPr lang="en-IN" sz="1200" dirty="0"/>
-              <a:t>Remote:</a:t>
+              <a:rPr lang="en-IN" sz="1100" dirty="0"/>
+              <a:t>Step1: Add manifest entry to pom.xml</a:t>
+            </a:r>
+          </a:p>
+          <a:p>
+            <a:pPr lvl="1" fontAlgn="base"/>
+            <a:r>
+              <a:rPr lang="en-IN" sz="1100" dirty="0"/>
+              <a:t>Step2: Use assembly plugin</a:t>
             </a:r>
           </a:p>
           <a:p>
             <a:pPr lvl="2" fontAlgn="base"/>
             <a:r>
-              <a:rPr lang="en-IN" sz="1200" dirty="0" err="1"/>
-              <a:t>RemoteWebDriver</a:t>
-            </a:r>
-            <a:r>
-              <a:rPr lang="en-IN" sz="1200" dirty="0"/>
-              <a:t> is used to run tests remotely</a:t>
+              <a:rPr lang="en-IN" sz="1100" dirty="0"/>
+              <a:t>What is assembly?</a:t>
             </a:r>
           </a:p>
           <a:p>
             <a:pPr lvl="2" fontAlgn="base"/>
             <a:r>
-              <a:rPr lang="en-IN" sz="1200" dirty="0" err="1"/>
-              <a:t>RemoteWebDriver</a:t>
-            </a:r>
-            <a:r>
-              <a:rPr lang="en-IN" sz="1200" dirty="0"/>
-              <a:t> runs tests on selenium grid</a:t>
-            </a:r>
-          </a:p>
-          <a:p>
-            <a:pPr fontAlgn="base"/>
-            <a:r>
-              <a:rPr lang="en-IN" sz="1200" dirty="0"/>
-              <a:t>Why do we need selenium grid?</a:t>
-            </a:r>
-          </a:p>
-          <a:p>
-            <a:pPr lvl="1" fontAlgn="base"/>
-            <a:r>
-              <a:rPr lang="en-IN" sz="1200" dirty="0"/>
-              <a:t>To run tests on multiple OS, Browser and device combinations.</a:t>
-            </a:r>
-          </a:p>
-          <a:p>
-            <a:pPr lvl="1" fontAlgn="base"/>
-            <a:r>
-              <a:rPr lang="en-IN" sz="1200" dirty="0"/>
-              <a:t>To run tests in parallel to reduce execution time</a:t>
+              <a:rPr lang="en-IN" sz="1100" dirty="0"/>
+              <a:t>Add assembly plugin to pom.xml</a:t>
+            </a:r>
+          </a:p>
+          <a:p>
+            <a:pPr lvl="2" fontAlgn="base"/>
+            <a:r>
+              <a:rPr lang="en-IN" sz="1100" dirty="0"/>
+              <a:t>Create assembly.xml</a:t>
+            </a:r>
+          </a:p>
+          <a:p>
+            <a:pPr lvl="3" fontAlgn="base"/>
+            <a:r>
+              <a:rPr lang="en-IN" sz="1100" dirty="0"/>
+              <a:t>Define formats</a:t>
+            </a:r>
+          </a:p>
+          <a:p>
+            <a:pPr lvl="3" fontAlgn="base"/>
+            <a:r>
+              <a:rPr lang="en-IN" sz="1100" dirty="0"/>
+              <a:t>Add dependency sets</a:t>
+            </a:r>
+          </a:p>
+          <a:p>
+            <a:pPr lvl="3" fontAlgn="base"/>
+            <a:r>
+              <a:rPr lang="en-IN" sz="1100" dirty="0"/>
+              <a:t>Add an entry for </a:t>
+            </a:r>
+            <a:r>
+              <a:rPr lang="en-IN" sz="1100" dirty="0" err="1"/>
+              <a:t>conf</a:t>
+            </a:r>
+            <a:r>
+              <a:rPr lang="en-IN" sz="1100" dirty="0"/>
+              <a:t> folder</a:t>
+            </a:r>
+          </a:p>
+          <a:p>
+            <a:pPr lvl="3" fontAlgn="base"/>
+            <a:r>
+              <a:rPr lang="en-IN" sz="1100" dirty="0"/>
+              <a:t>Add an entry for drivers folder</a:t>
             </a:r>
           </a:p>
           <a:p>
@@ -30458,7 +30630,7 @@
           <a:p>
             <a:r>
               <a:rPr lang="en-US" sz="1600" dirty="0"/>
-              <a:t>Selenium Grid</a:t>
+              <a:t>Maven : Building runnable jars</a:t>
             </a:r>
           </a:p>
         </p:txBody>
@@ -30466,7 +30638,7 @@
     </p:spTree>
     <p:extLst>
       <p:ext uri="{BB962C8B-B14F-4D97-AF65-F5344CB8AC3E}">
-        <p14:creationId xmlns:p14="http://schemas.microsoft.com/office/powerpoint/2010/main" val="959145365"/>
+        <p14:creationId xmlns:p14="http://schemas.microsoft.com/office/powerpoint/2010/main" val="3199482505"/>
       </p:ext>
     </p:extLst>
   </p:cSld>
@@ -30505,8 +30677,8 @@
         </p:nvSpPr>
         <p:spPr>
           <a:xfrm>
-            <a:off x="677333" y="762000"/>
-            <a:ext cx="8596668" cy="5279363"/>
+            <a:off x="677333" y="685801"/>
+            <a:ext cx="8596668" cy="5355562"/>
           </a:xfrm>
         </p:spPr>
         <p:txBody>
@@ -30515,13 +30687,91 @@
           <a:p>
             <a:pPr fontAlgn="base"/>
             <a:r>
-              <a:rPr lang="en-US" sz="1200" dirty="0"/>
-              <a:t>Selenium Grid Structure:</a:t>
-            </a:r>
-          </a:p>
-          <a:p>
-            <a:pPr fontAlgn="base"/>
+              <a:rPr lang="en-IN" sz="1200" dirty="0"/>
+              <a:t>Maven Build Profiles:</a:t>
+            </a:r>
+          </a:p>
+          <a:p>
+            <a:pPr lvl="1" fontAlgn="base"/>
+            <a:r>
+              <a:rPr lang="en-IN" sz="1200" dirty="0"/>
+              <a:t>A Build profile is a set of configuration values</a:t>
+            </a:r>
+          </a:p>
+          <a:p>
+            <a:pPr lvl="1" fontAlgn="base"/>
+            <a:r>
+              <a:rPr lang="en-IN" sz="1200" dirty="0"/>
+              <a:t>Using a build profile, you can customize build for different environments such as Production , Development and QA environments.</a:t>
+            </a:r>
+          </a:p>
+          <a:p>
+            <a:pPr lvl="1" fontAlgn="base"/>
+            <a:r>
+              <a:rPr lang="en-IN" sz="1200" dirty="0"/>
+              <a:t>Step1: Create a project and implement assembly as shown in previous slide</a:t>
+            </a:r>
+          </a:p>
+          <a:p>
+            <a:pPr lvl="1" fontAlgn="base"/>
+            <a:r>
+              <a:rPr lang="en-IN" sz="1200" dirty="0"/>
+              <a:t>Step2: Add place holders in configuration files</a:t>
+            </a:r>
+          </a:p>
+          <a:p>
+            <a:pPr lvl="1" fontAlgn="base"/>
+            <a:r>
+              <a:rPr lang="en-IN" sz="1200" dirty="0"/>
+              <a:t>Step3: Add a resource element to pom.xml</a:t>
+            </a:r>
+          </a:p>
+          <a:p>
+            <a:pPr lvl="2" fontAlgn="base"/>
+            <a:r>
+              <a:rPr lang="en-IN" sz="1200" dirty="0"/>
+              <a:t>Set filtering to true</a:t>
+            </a:r>
+          </a:p>
+          <a:p>
+            <a:pPr lvl="2" fontAlgn="base"/>
+            <a:r>
+              <a:rPr lang="en-IN" sz="1200" dirty="0"/>
+              <a:t>Define your custom configuration folder directory</a:t>
+            </a:r>
+          </a:p>
+          <a:p>
+            <a:pPr lvl="1" fontAlgn="base"/>
+            <a:r>
+              <a:rPr lang="en-IN" sz="1200" dirty="0"/>
+              <a:t>Step4: Add profiles element in pom.xml</a:t>
+            </a:r>
+          </a:p>
+          <a:p>
+            <a:pPr lvl="1" fontAlgn="base"/>
+            <a:r>
+              <a:rPr lang="en-IN" sz="1200" dirty="0"/>
+              <a:t>Step5: Build project with -P </a:t>
+            </a:r>
+          </a:p>
+          <a:p>
+            <a:pPr lvl="2" fontAlgn="base"/>
+            <a:r>
+              <a:rPr lang="en-IN" sz="1200" dirty="0" err="1"/>
+              <a:t>Mvn</a:t>
+            </a:r>
+            <a:r>
+              <a:rPr lang="en-IN" sz="1200" dirty="0"/>
+              <a:t> clean install -</a:t>
+            </a:r>
+            <a:r>
+              <a:rPr lang="en-IN" sz="1200" dirty="0" err="1"/>
+              <a:t>Pqa</a:t>
+            </a:r>
             <a:endParaRPr lang="en-IN" sz="1200" dirty="0"/>
+          </a:p>
+          <a:p>
+            <a:endParaRPr lang="en-IN" dirty="0"/>
           </a:p>
         </p:txBody>
       </p:sp>
@@ -30547,306 +30797,15 @@
           <a:p>
             <a:r>
               <a:rPr lang="en-US" sz="1600" dirty="0"/>
-              <a:t>Selenium Grid</a:t>
-            </a:r>
-          </a:p>
-        </p:txBody>
-      </p:sp>
-      <p:pic>
-        <p:nvPicPr>
-          <p:cNvPr id="1026" name="Picture 2"/>
-          <p:cNvPicPr>
-            <a:picLocks noChangeAspect="1" noChangeArrowheads="1"/>
-          </p:cNvPicPr>
-          <p:nvPr/>
-        </p:nvPicPr>
-        <p:blipFill>
-          <a:blip r:embed="rId2">
-            <a:extLst>
-              <a:ext uri="{28A0092B-C50C-407E-A947-70E740481C1C}">
-                <a14:useLocalDpi xmlns:a14="http://schemas.microsoft.com/office/drawing/2010/main" val="0"/>
-              </a:ext>
-            </a:extLst>
-          </a:blip>
-          <a:srcRect/>
-          <a:stretch>
-            <a:fillRect/>
-          </a:stretch>
-        </p:blipFill>
-        <p:spPr bwMode="auto">
-          <a:xfrm>
-            <a:off x="1295400" y="3718808"/>
-            <a:ext cx="4114800" cy="2868260"/>
-          </a:xfrm>
-          <a:prstGeom prst="rect">
-            <a:avLst/>
-          </a:prstGeom>
-          <a:noFill/>
-          <a:ln>
-            <a:noFill/>
-          </a:ln>
-          <a:extLst>
-            <a:ext uri="{909E8E84-426E-40DD-AFC4-6F175D3DCCD1}">
-              <a14:hiddenFill xmlns:a14="http://schemas.microsoft.com/office/drawing/2010/main">
-                <a:solidFill>
-                  <a:schemeClr val="accent1"/>
-                </a:solidFill>
-              </a14:hiddenFill>
-            </a:ext>
-            <a:ext uri="{91240B29-F687-4F45-9708-019B960494DF}">
-              <a14:hiddenLine xmlns:a14="http://schemas.microsoft.com/office/drawing/2010/main" w="9525">
-                <a:solidFill>
-                  <a:schemeClr val="tx1"/>
-                </a:solidFill>
-                <a:miter lim="800000"/>
-                <a:headEnd/>
-                <a:tailEnd/>
-              </a14:hiddenLine>
-            </a:ext>
-          </a:extLst>
-        </p:spPr>
-      </p:pic>
-      <p:sp>
-        <p:nvSpPr>
-          <p:cNvPr id="6" name="Rectangle 5"/>
-          <p:cNvSpPr/>
-          <p:nvPr/>
-        </p:nvSpPr>
-        <p:spPr>
-          <a:xfrm>
-            <a:off x="1143000" y="1066800"/>
-            <a:ext cx="6019800" cy="2652008"/>
-          </a:xfrm>
-          <a:prstGeom prst="rect">
-            <a:avLst/>
-          </a:prstGeom>
-        </p:spPr>
-        <p:txBody>
-          <a:bodyPr wrap="square">
-            <a:spAutoFit/>
-          </a:bodyPr>
-          <a:lstStyle/>
-          <a:p>
-            <a:pPr marL="171450" indent="-171450" fontAlgn="base">
-              <a:spcBef>
-                <a:spcPts val="1000"/>
-              </a:spcBef>
-              <a:buClr>
-                <a:schemeClr val="accent1"/>
-              </a:buClr>
-              <a:buFont typeface="Noto Sans Symbols"/>
-              <a:buChar char="●"/>
-            </a:pPr>
-            <a:r>
-              <a:rPr lang="en-IN" sz="1200" dirty="0">
-                <a:solidFill>
-                  <a:srgbClr val="3F3F3F"/>
-                </a:solidFill>
-                <a:latin typeface="Trebuchet MS"/>
-                <a:ea typeface="Trebuchet MS"/>
-                <a:cs typeface="Trebuchet MS"/>
-                <a:sym typeface="Trebuchet MS"/>
-              </a:rPr>
-              <a:t>Selenium Grid components:</a:t>
-            </a:r>
-          </a:p>
-          <a:p>
-            <a:pPr marL="342900" lvl="0" indent="-251459" fontAlgn="base">
-              <a:spcBef>
-                <a:spcPts val="1000"/>
-              </a:spcBef>
-              <a:buClr>
-                <a:srgbClr val="90C226"/>
-              </a:buClr>
-              <a:buSzPct val="79999"/>
-              <a:buFont typeface="Noto Sans Symbols"/>
-              <a:buChar char="●"/>
-            </a:pPr>
-            <a:r>
-              <a:rPr lang="en-IN" sz="1200" dirty="0">
-                <a:solidFill>
-                  <a:srgbClr val="3F3F3F"/>
-                </a:solidFill>
-                <a:latin typeface="Trebuchet MS"/>
-                <a:ea typeface="Trebuchet MS"/>
-                <a:cs typeface="Trebuchet MS"/>
-                <a:sym typeface="Trebuchet MS"/>
-              </a:rPr>
-              <a:t>Grid </a:t>
-            </a:r>
-            <a:r>
-              <a:rPr lang="en-IN" sz="1200" dirty="0" err="1">
-                <a:solidFill>
-                  <a:srgbClr val="3F3F3F"/>
-                </a:solidFill>
-                <a:latin typeface="Trebuchet MS"/>
-                <a:ea typeface="Trebuchet MS"/>
-                <a:cs typeface="Trebuchet MS"/>
-                <a:sym typeface="Trebuchet MS"/>
-              </a:rPr>
-              <a:t>Hub</a:t>
-            </a:r>
-            <a:r>
-              <a:rPr lang="en-IN" sz="1200" dirty="0" err="1">
-                <a:solidFill>
-                  <a:srgbClr val="3F3F3F"/>
-                </a:solidFill>
-                <a:latin typeface="Trebuchet MS"/>
-                <a:sym typeface="Trebuchet MS"/>
-              </a:rPr>
-              <a:t>Selenium</a:t>
-            </a:r>
-            <a:r>
-              <a:rPr lang="en-IN" sz="1200" dirty="0">
-                <a:solidFill>
-                  <a:srgbClr val="3F3F3F"/>
-                </a:solidFill>
-                <a:latin typeface="Trebuchet MS"/>
-                <a:sym typeface="Trebuchet MS"/>
-              </a:rPr>
-              <a:t> Grid components:</a:t>
-            </a:r>
-          </a:p>
-          <a:p>
-            <a:pPr marL="742950" lvl="1" indent="-204469" fontAlgn="base">
-              <a:spcBef>
-                <a:spcPts val="1000"/>
-              </a:spcBef>
-              <a:buClr>
-                <a:srgbClr val="90C226"/>
-              </a:buClr>
-              <a:buSzPct val="80000"/>
-              <a:buFont typeface="Noto Sans Symbols"/>
-              <a:buChar char="●"/>
-            </a:pPr>
-            <a:r>
-              <a:rPr lang="en-IN" sz="1200" dirty="0">
-                <a:solidFill>
-                  <a:srgbClr val="3F3F3F"/>
-                </a:solidFill>
-                <a:latin typeface="Trebuchet MS"/>
-                <a:sym typeface="Trebuchet MS"/>
-              </a:rPr>
-              <a:t>Grid Hub</a:t>
-            </a:r>
-          </a:p>
-          <a:p>
-            <a:pPr marL="1143000" lvl="2" indent="-157480" fontAlgn="base">
-              <a:spcBef>
-                <a:spcPts val="1000"/>
-              </a:spcBef>
-              <a:buClr>
-                <a:srgbClr val="90C226"/>
-              </a:buClr>
-              <a:buSzPct val="80000"/>
-              <a:buFont typeface="Noto Sans Symbols"/>
-              <a:buChar char="●"/>
-            </a:pPr>
-            <a:r>
-              <a:rPr lang="en-IN" sz="1200" dirty="0">
-                <a:solidFill>
-                  <a:srgbClr val="3F3F3F"/>
-                </a:solidFill>
-                <a:latin typeface="Trebuchet MS"/>
-                <a:sym typeface="Trebuchet MS"/>
-              </a:rPr>
-              <a:t>The Hub is the central point that will receive all the test request and distribute them the right nodes</a:t>
-            </a:r>
-          </a:p>
-          <a:p>
-            <a:pPr marL="742950" lvl="1" indent="-204469" fontAlgn="base">
-              <a:spcBef>
-                <a:spcPts val="1000"/>
-              </a:spcBef>
-              <a:buClr>
-                <a:srgbClr val="90C226"/>
-              </a:buClr>
-              <a:buSzPct val="80000"/>
-              <a:buFont typeface="Noto Sans Symbols"/>
-              <a:buChar char="●"/>
-            </a:pPr>
-            <a:r>
-              <a:rPr lang="en-IN" sz="1200" dirty="0">
-                <a:solidFill>
-                  <a:srgbClr val="3F3F3F"/>
-                </a:solidFill>
-                <a:latin typeface="Trebuchet MS"/>
-                <a:sym typeface="Trebuchet MS"/>
-              </a:rPr>
-              <a:t>Grid Nodes</a:t>
-            </a:r>
-          </a:p>
-          <a:p>
-            <a:pPr marL="1143000" lvl="2" indent="-157480" fontAlgn="base">
-              <a:spcBef>
-                <a:spcPts val="1000"/>
-              </a:spcBef>
-              <a:buClr>
-                <a:srgbClr val="90C226"/>
-              </a:buClr>
-              <a:buSzPct val="80000"/>
-              <a:buFont typeface="Noto Sans Symbols"/>
-              <a:buChar char="●"/>
-            </a:pPr>
-            <a:r>
-              <a:rPr lang="en-IN" sz="1200" dirty="0">
-                <a:solidFill>
-                  <a:srgbClr val="3F3F3F"/>
-                </a:solidFill>
-                <a:latin typeface="Trebuchet MS"/>
-                <a:sym typeface="Trebuchet MS"/>
-              </a:rPr>
-              <a:t>Nodes need to be registered with hub </a:t>
-            </a:r>
-          </a:p>
-          <a:p>
-            <a:pPr marL="1143000" lvl="2" indent="-157480" fontAlgn="base">
-              <a:spcBef>
-                <a:spcPts val="1000"/>
-              </a:spcBef>
-              <a:buClr>
-                <a:srgbClr val="90C226"/>
-              </a:buClr>
-              <a:buSzPct val="80000"/>
-              <a:buFont typeface="Noto Sans Symbols"/>
-              <a:buChar char="●"/>
-            </a:pPr>
-            <a:r>
-              <a:rPr lang="en-IN" sz="1200" dirty="0">
-                <a:solidFill>
-                  <a:srgbClr val="3F3F3F"/>
-                </a:solidFill>
-                <a:latin typeface="Trebuchet MS"/>
-                <a:sym typeface="Trebuchet MS"/>
-              </a:rPr>
-              <a:t>Tests are run on nodes</a:t>
-            </a:r>
-          </a:p>
-          <a:p>
-            <a:pPr lvl="4" fontAlgn="base">
-              <a:spcBef>
-                <a:spcPts val="1000"/>
-              </a:spcBef>
-              <a:buClr>
-                <a:schemeClr val="accent1"/>
-              </a:buClr>
-            </a:pPr>
-            <a:endParaRPr lang="en-IN" sz="1200" dirty="0">
-              <a:solidFill>
-                <a:srgbClr val="3F3F3F"/>
-              </a:solidFill>
-              <a:latin typeface="Trebuchet MS"/>
-              <a:ea typeface="Trebuchet MS"/>
-              <a:cs typeface="Trebuchet MS"/>
-              <a:sym typeface="Trebuchet MS"/>
-            </a:endParaRPr>
+              <a:t>Maven : Profiles</a:t>
+            </a:r>
           </a:p>
         </p:txBody>
       </p:sp>
     </p:spTree>
     <p:extLst>
       <p:ext uri="{BB962C8B-B14F-4D97-AF65-F5344CB8AC3E}">
-        <p14:creationId xmlns:p14="http://schemas.microsoft.com/office/powerpoint/2010/main" val="2104627659"/>
+        <p14:creationId xmlns:p14="http://schemas.microsoft.com/office/powerpoint/2010/main" val="3249783198"/>
       </p:ext>
     </p:extLst>
   </p:cSld>
@@ -30895,76 +30854,73 @@
           <a:p>
             <a:pPr fontAlgn="base"/>
             <a:r>
-              <a:rPr lang="en-IN" sz="1400" dirty="0"/>
-              <a:t>Selenium Grid Infrastructure:</a:t>
+              <a:rPr lang="en-IN" sz="1200" dirty="0"/>
+              <a:t>Ways of running selenium tests:</a:t>
             </a:r>
           </a:p>
           <a:p>
             <a:pPr lvl="1" fontAlgn="base"/>
             <a:r>
               <a:rPr lang="en-IN" sz="1200" dirty="0"/>
-              <a:t>Setup locally</a:t>
+              <a:t>Local:</a:t>
             </a:r>
           </a:p>
           <a:p>
             <a:pPr lvl="2" fontAlgn="base"/>
             <a:r>
-              <a:rPr lang="en-US" sz="1200" dirty="0"/>
-              <a:t>We can setup selenium grid locally on our infrastructure</a:t>
-            </a:r>
-            <a:endParaRPr lang="en-IN" sz="1200" dirty="0"/>
+              <a:rPr lang="en-IN" sz="1200" dirty="0"/>
+              <a:t>WebDriver is used to run tests locally</a:t>
+            </a:r>
           </a:p>
           <a:p>
             <a:pPr lvl="1" fontAlgn="base"/>
             <a:r>
               <a:rPr lang="en-IN" sz="1200" dirty="0"/>
-              <a:t>Cloud/online tools</a:t>
+              <a:t>Remote:</a:t>
             </a:r>
           </a:p>
           <a:p>
             <a:pPr lvl="2" fontAlgn="base"/>
             <a:r>
-              <a:rPr lang="en-US" sz="1200" dirty="0"/>
-              <a:t>There are 3</a:t>
-            </a:r>
-            <a:r>
-              <a:rPr lang="en-US" sz="1200" baseline="30000" dirty="0"/>
-              <a:t>rd</a:t>
-            </a:r>
-            <a:r>
-              <a:rPr lang="en-US" sz="1200" dirty="0"/>
-              <a:t> party tools which are set up on cloud.</a:t>
-            </a:r>
-          </a:p>
-          <a:p>
-            <a:pPr lvl="3" fontAlgn="base"/>
-            <a:r>
-              <a:rPr lang="en-IN" sz="900" dirty="0"/>
-              <a:t>Browserstack.com</a:t>
-            </a:r>
-          </a:p>
-          <a:p>
-            <a:pPr lvl="3" fontAlgn="base"/>
-            <a:r>
-              <a:rPr lang="en-IN" sz="900" dirty="0"/>
-              <a:t>saucelabs.com</a:t>
-            </a:r>
-            <a:endParaRPr lang="en-US" sz="900" dirty="0"/>
+              <a:rPr lang="en-IN" sz="1200" dirty="0" err="1"/>
+              <a:t>RemoteWebDriver</a:t>
+            </a:r>
+            <a:r>
+              <a:rPr lang="en-IN" sz="1200" dirty="0"/>
+              <a:t> is used to run tests remotely</a:t>
+            </a:r>
           </a:p>
           <a:p>
             <a:pPr lvl="2" fontAlgn="base"/>
             <a:r>
-              <a:rPr lang="en-US" sz="1200" dirty="0"/>
-              <a:t>We need to purchase the subscription and use them directly.</a:t>
-            </a:r>
-          </a:p>
-          <a:p>
-            <a:pPr lvl="2" fontAlgn="base"/>
-            <a:r>
-              <a:rPr lang="en-US" sz="1200" dirty="0"/>
-              <a:t>Less maintenance overhead</a:t>
-            </a:r>
-            <a:endParaRPr lang="en-IN" sz="1200" dirty="0"/>
+              <a:rPr lang="en-IN" sz="1200" dirty="0" err="1"/>
+              <a:t>RemoteWebDriver</a:t>
+            </a:r>
+            <a:r>
+              <a:rPr lang="en-IN" sz="1200" dirty="0"/>
+              <a:t> runs tests on selenium grid</a:t>
+            </a:r>
+          </a:p>
+          <a:p>
+            <a:pPr fontAlgn="base"/>
+            <a:r>
+              <a:rPr lang="en-IN" sz="1200" dirty="0"/>
+              <a:t>Why do we need selenium grid?</a:t>
+            </a:r>
+          </a:p>
+          <a:p>
+            <a:pPr lvl="1" fontAlgn="base"/>
+            <a:r>
+              <a:rPr lang="en-IN" sz="1200" dirty="0"/>
+              <a:t>To run tests on multiple OS, Browser and device combinations.</a:t>
+            </a:r>
+          </a:p>
+          <a:p>
+            <a:pPr lvl="1" fontAlgn="base"/>
+            <a:r>
+              <a:rPr lang="en-IN" sz="1200" dirty="0"/>
+              <a:t>To run tests in parallel to reduce execution time</a:t>
+            </a:r>
           </a:p>
           <a:p>
             <a:endParaRPr lang="en-IN" dirty="0"/>
@@ -31001,7 +30957,7 @@
     </p:spTree>
     <p:extLst>
       <p:ext uri="{BB962C8B-B14F-4D97-AF65-F5344CB8AC3E}">
-        <p14:creationId xmlns:p14="http://schemas.microsoft.com/office/powerpoint/2010/main" val="3159775197"/>
+        <p14:creationId xmlns:p14="http://schemas.microsoft.com/office/powerpoint/2010/main" val="959145365"/>
       </p:ext>
     </p:extLst>
   </p:cSld>
@@ -31281,6 +31237,541 @@
 </file>
 
 <file path=ppt/slides/slide50.xml><?xml version="1.0" encoding="utf-8"?>
+<p:sld xmlns:a="http://schemas.openxmlformats.org/drawingml/2006/main" xmlns:r="http://schemas.openxmlformats.org/officeDocument/2006/relationships" xmlns:p="http://schemas.openxmlformats.org/presentationml/2006/main">
+  <p:cSld>
+    <p:spTree>
+      <p:nvGrpSpPr>
+        <p:cNvPr id="1" name=""/>
+        <p:cNvGrpSpPr/>
+        <p:nvPr/>
+      </p:nvGrpSpPr>
+      <p:grpSpPr>
+        <a:xfrm>
+          <a:off x="0" y="0"/>
+          <a:ext cx="0" cy="0"/>
+          <a:chOff x="0" y="0"/>
+          <a:chExt cx="0" cy="0"/>
+        </a:xfrm>
+      </p:grpSpPr>
+      <p:sp>
+        <p:nvSpPr>
+          <p:cNvPr id="3" name="Text Placeholder 2"/>
+          <p:cNvSpPr>
+            <a:spLocks noGrp="1"/>
+          </p:cNvSpPr>
+          <p:nvPr>
+            <p:ph type="body" idx="1"/>
+          </p:nvPr>
+        </p:nvSpPr>
+        <p:spPr>
+          <a:xfrm>
+            <a:off x="677333" y="762000"/>
+            <a:ext cx="8596668" cy="5279363"/>
+          </a:xfrm>
+        </p:spPr>
+        <p:txBody>
+          <a:bodyPr/>
+          <a:lstStyle/>
+          <a:p>
+            <a:pPr fontAlgn="base"/>
+            <a:r>
+              <a:rPr lang="en-US" sz="1200" dirty="0"/>
+              <a:t>Selenium Grid Structure:</a:t>
+            </a:r>
+          </a:p>
+          <a:p>
+            <a:pPr fontAlgn="base"/>
+            <a:endParaRPr lang="en-IN" sz="1200" dirty="0"/>
+          </a:p>
+        </p:txBody>
+      </p:sp>
+      <p:sp>
+        <p:nvSpPr>
+          <p:cNvPr id="4" name="Title 1"/>
+          <p:cNvSpPr>
+            <a:spLocks noGrp="1"/>
+          </p:cNvSpPr>
+          <p:nvPr>
+            <p:ph type="title"/>
+          </p:nvPr>
+        </p:nvSpPr>
+        <p:spPr>
+          <a:xfrm>
+            <a:off x="685800" y="304800"/>
+            <a:ext cx="8596668" cy="304800"/>
+          </a:xfrm>
+        </p:spPr>
+        <p:txBody>
+          <a:bodyPr/>
+          <a:lstStyle/>
+          <a:p>
+            <a:r>
+              <a:rPr lang="en-US" sz="1600" dirty="0"/>
+              <a:t>Selenium Grid</a:t>
+            </a:r>
+          </a:p>
+        </p:txBody>
+      </p:sp>
+      <p:pic>
+        <p:nvPicPr>
+          <p:cNvPr id="1026" name="Picture 2"/>
+          <p:cNvPicPr>
+            <a:picLocks noChangeAspect="1" noChangeArrowheads="1"/>
+          </p:cNvPicPr>
+          <p:nvPr/>
+        </p:nvPicPr>
+        <p:blipFill>
+          <a:blip r:embed="rId2">
+            <a:extLst>
+              <a:ext uri="{28A0092B-C50C-407E-A947-70E740481C1C}">
+                <a14:useLocalDpi xmlns:a14="http://schemas.microsoft.com/office/drawing/2010/main" val="0"/>
+              </a:ext>
+            </a:extLst>
+          </a:blip>
+          <a:srcRect/>
+          <a:stretch>
+            <a:fillRect/>
+          </a:stretch>
+        </p:blipFill>
+        <p:spPr bwMode="auto">
+          <a:xfrm>
+            <a:off x="1295400" y="3718808"/>
+            <a:ext cx="4114800" cy="2868260"/>
+          </a:xfrm>
+          <a:prstGeom prst="rect">
+            <a:avLst/>
+          </a:prstGeom>
+          <a:noFill/>
+          <a:ln>
+            <a:noFill/>
+          </a:ln>
+          <a:extLst>
+            <a:ext uri="{909E8E84-426E-40DD-AFC4-6F175D3DCCD1}">
+              <a14:hiddenFill xmlns:a14="http://schemas.microsoft.com/office/drawing/2010/main">
+                <a:solidFill>
+                  <a:schemeClr val="accent1"/>
+                </a:solidFill>
+              </a14:hiddenFill>
+            </a:ext>
+            <a:ext uri="{91240B29-F687-4F45-9708-019B960494DF}">
+              <a14:hiddenLine xmlns:a14="http://schemas.microsoft.com/office/drawing/2010/main" w="9525">
+                <a:solidFill>
+                  <a:schemeClr val="tx1"/>
+                </a:solidFill>
+                <a:miter lim="800000"/>
+                <a:headEnd/>
+                <a:tailEnd/>
+              </a14:hiddenLine>
+            </a:ext>
+          </a:extLst>
+        </p:spPr>
+      </p:pic>
+      <p:sp>
+        <p:nvSpPr>
+          <p:cNvPr id="6" name="Rectangle 5"/>
+          <p:cNvSpPr/>
+          <p:nvPr/>
+        </p:nvSpPr>
+        <p:spPr>
+          <a:xfrm>
+            <a:off x="1143000" y="1066800"/>
+            <a:ext cx="6019800" cy="2652008"/>
+          </a:xfrm>
+          <a:prstGeom prst="rect">
+            <a:avLst/>
+          </a:prstGeom>
+        </p:spPr>
+        <p:txBody>
+          <a:bodyPr wrap="square">
+            <a:spAutoFit/>
+          </a:bodyPr>
+          <a:lstStyle/>
+          <a:p>
+            <a:pPr marL="171450" indent="-171450" fontAlgn="base">
+              <a:spcBef>
+                <a:spcPts val="1000"/>
+              </a:spcBef>
+              <a:buClr>
+                <a:schemeClr val="accent1"/>
+              </a:buClr>
+              <a:buFont typeface="Noto Sans Symbols"/>
+              <a:buChar char="●"/>
+            </a:pPr>
+            <a:r>
+              <a:rPr lang="en-IN" sz="1200" dirty="0">
+                <a:solidFill>
+                  <a:srgbClr val="3F3F3F"/>
+                </a:solidFill>
+                <a:latin typeface="Trebuchet MS"/>
+                <a:ea typeface="Trebuchet MS"/>
+                <a:cs typeface="Trebuchet MS"/>
+                <a:sym typeface="Trebuchet MS"/>
+              </a:rPr>
+              <a:t>Selenium Grid components:</a:t>
+            </a:r>
+          </a:p>
+          <a:p>
+            <a:pPr marL="342900" lvl="0" indent="-251459" fontAlgn="base">
+              <a:spcBef>
+                <a:spcPts val="1000"/>
+              </a:spcBef>
+              <a:buClr>
+                <a:srgbClr val="90C226"/>
+              </a:buClr>
+              <a:buSzPct val="79999"/>
+              <a:buFont typeface="Noto Sans Symbols"/>
+              <a:buChar char="●"/>
+            </a:pPr>
+            <a:r>
+              <a:rPr lang="en-IN" sz="1200" dirty="0">
+                <a:solidFill>
+                  <a:srgbClr val="3F3F3F"/>
+                </a:solidFill>
+                <a:latin typeface="Trebuchet MS"/>
+                <a:ea typeface="Trebuchet MS"/>
+                <a:cs typeface="Trebuchet MS"/>
+                <a:sym typeface="Trebuchet MS"/>
+              </a:rPr>
+              <a:t>Grid </a:t>
+            </a:r>
+            <a:r>
+              <a:rPr lang="en-IN" sz="1200" dirty="0" err="1">
+                <a:solidFill>
+                  <a:srgbClr val="3F3F3F"/>
+                </a:solidFill>
+                <a:latin typeface="Trebuchet MS"/>
+                <a:ea typeface="Trebuchet MS"/>
+                <a:cs typeface="Trebuchet MS"/>
+                <a:sym typeface="Trebuchet MS"/>
+              </a:rPr>
+              <a:t>Hub</a:t>
+            </a:r>
+            <a:r>
+              <a:rPr lang="en-IN" sz="1200" dirty="0" err="1">
+                <a:solidFill>
+                  <a:srgbClr val="3F3F3F"/>
+                </a:solidFill>
+                <a:latin typeface="Trebuchet MS"/>
+                <a:sym typeface="Trebuchet MS"/>
+              </a:rPr>
+              <a:t>Selenium</a:t>
+            </a:r>
+            <a:r>
+              <a:rPr lang="en-IN" sz="1200" dirty="0">
+                <a:solidFill>
+                  <a:srgbClr val="3F3F3F"/>
+                </a:solidFill>
+                <a:latin typeface="Trebuchet MS"/>
+                <a:sym typeface="Trebuchet MS"/>
+              </a:rPr>
+              <a:t> Grid components:</a:t>
+            </a:r>
+          </a:p>
+          <a:p>
+            <a:pPr marL="742950" lvl="1" indent="-204469" fontAlgn="base">
+              <a:spcBef>
+                <a:spcPts val="1000"/>
+              </a:spcBef>
+              <a:buClr>
+                <a:srgbClr val="90C226"/>
+              </a:buClr>
+              <a:buSzPct val="80000"/>
+              <a:buFont typeface="Noto Sans Symbols"/>
+              <a:buChar char="●"/>
+            </a:pPr>
+            <a:r>
+              <a:rPr lang="en-IN" sz="1200" dirty="0">
+                <a:solidFill>
+                  <a:srgbClr val="3F3F3F"/>
+                </a:solidFill>
+                <a:latin typeface="Trebuchet MS"/>
+                <a:sym typeface="Trebuchet MS"/>
+              </a:rPr>
+              <a:t>Grid Hub</a:t>
+            </a:r>
+          </a:p>
+          <a:p>
+            <a:pPr marL="1143000" lvl="2" indent="-157480" fontAlgn="base">
+              <a:spcBef>
+                <a:spcPts val="1000"/>
+              </a:spcBef>
+              <a:buClr>
+                <a:srgbClr val="90C226"/>
+              </a:buClr>
+              <a:buSzPct val="80000"/>
+              <a:buFont typeface="Noto Sans Symbols"/>
+              <a:buChar char="●"/>
+            </a:pPr>
+            <a:r>
+              <a:rPr lang="en-IN" sz="1200" dirty="0">
+                <a:solidFill>
+                  <a:srgbClr val="3F3F3F"/>
+                </a:solidFill>
+                <a:latin typeface="Trebuchet MS"/>
+                <a:sym typeface="Trebuchet MS"/>
+              </a:rPr>
+              <a:t>The Hub is the central point that will receive all the test request and distribute them the right nodes</a:t>
+            </a:r>
+          </a:p>
+          <a:p>
+            <a:pPr marL="742950" lvl="1" indent="-204469" fontAlgn="base">
+              <a:spcBef>
+                <a:spcPts val="1000"/>
+              </a:spcBef>
+              <a:buClr>
+                <a:srgbClr val="90C226"/>
+              </a:buClr>
+              <a:buSzPct val="80000"/>
+              <a:buFont typeface="Noto Sans Symbols"/>
+              <a:buChar char="●"/>
+            </a:pPr>
+            <a:r>
+              <a:rPr lang="en-IN" sz="1200" dirty="0">
+                <a:solidFill>
+                  <a:srgbClr val="3F3F3F"/>
+                </a:solidFill>
+                <a:latin typeface="Trebuchet MS"/>
+                <a:sym typeface="Trebuchet MS"/>
+              </a:rPr>
+              <a:t>Grid Nodes</a:t>
+            </a:r>
+          </a:p>
+          <a:p>
+            <a:pPr marL="1143000" lvl="2" indent="-157480" fontAlgn="base">
+              <a:spcBef>
+                <a:spcPts val="1000"/>
+              </a:spcBef>
+              <a:buClr>
+                <a:srgbClr val="90C226"/>
+              </a:buClr>
+              <a:buSzPct val="80000"/>
+              <a:buFont typeface="Noto Sans Symbols"/>
+              <a:buChar char="●"/>
+            </a:pPr>
+            <a:r>
+              <a:rPr lang="en-IN" sz="1200" dirty="0">
+                <a:solidFill>
+                  <a:srgbClr val="3F3F3F"/>
+                </a:solidFill>
+                <a:latin typeface="Trebuchet MS"/>
+                <a:sym typeface="Trebuchet MS"/>
+              </a:rPr>
+              <a:t>Nodes need to be registered with hub </a:t>
+            </a:r>
+          </a:p>
+          <a:p>
+            <a:pPr marL="1143000" lvl="2" indent="-157480" fontAlgn="base">
+              <a:spcBef>
+                <a:spcPts val="1000"/>
+              </a:spcBef>
+              <a:buClr>
+                <a:srgbClr val="90C226"/>
+              </a:buClr>
+              <a:buSzPct val="80000"/>
+              <a:buFont typeface="Noto Sans Symbols"/>
+              <a:buChar char="●"/>
+            </a:pPr>
+            <a:r>
+              <a:rPr lang="en-IN" sz="1200" dirty="0">
+                <a:solidFill>
+                  <a:srgbClr val="3F3F3F"/>
+                </a:solidFill>
+                <a:latin typeface="Trebuchet MS"/>
+                <a:sym typeface="Trebuchet MS"/>
+              </a:rPr>
+              <a:t>Tests are run on nodes</a:t>
+            </a:r>
+          </a:p>
+          <a:p>
+            <a:pPr lvl="4" fontAlgn="base">
+              <a:spcBef>
+                <a:spcPts val="1000"/>
+              </a:spcBef>
+              <a:buClr>
+                <a:schemeClr val="accent1"/>
+              </a:buClr>
+            </a:pPr>
+            <a:endParaRPr lang="en-IN" sz="1200" dirty="0">
+              <a:solidFill>
+                <a:srgbClr val="3F3F3F"/>
+              </a:solidFill>
+              <a:latin typeface="Trebuchet MS"/>
+              <a:ea typeface="Trebuchet MS"/>
+              <a:cs typeface="Trebuchet MS"/>
+              <a:sym typeface="Trebuchet MS"/>
+            </a:endParaRPr>
+          </a:p>
+        </p:txBody>
+      </p:sp>
+    </p:spTree>
+    <p:extLst>
+      <p:ext uri="{BB962C8B-B14F-4D97-AF65-F5344CB8AC3E}">
+        <p14:creationId xmlns:p14="http://schemas.microsoft.com/office/powerpoint/2010/main" val="2104627659"/>
+      </p:ext>
+    </p:extLst>
+  </p:cSld>
+  <p:clrMapOvr>
+    <a:masterClrMapping/>
+  </p:clrMapOvr>
+</p:sld>
+</file>
+
+<file path=ppt/slides/slide51.xml><?xml version="1.0" encoding="utf-8"?>
+<p:sld xmlns:a="http://schemas.openxmlformats.org/drawingml/2006/main" xmlns:r="http://schemas.openxmlformats.org/officeDocument/2006/relationships" xmlns:p="http://schemas.openxmlformats.org/presentationml/2006/main">
+  <p:cSld>
+    <p:spTree>
+      <p:nvGrpSpPr>
+        <p:cNvPr id="1" name=""/>
+        <p:cNvGrpSpPr/>
+        <p:nvPr/>
+      </p:nvGrpSpPr>
+      <p:grpSpPr>
+        <a:xfrm>
+          <a:off x="0" y="0"/>
+          <a:ext cx="0" cy="0"/>
+          <a:chOff x="0" y="0"/>
+          <a:chExt cx="0" cy="0"/>
+        </a:xfrm>
+      </p:grpSpPr>
+      <p:sp>
+        <p:nvSpPr>
+          <p:cNvPr id="3" name="Text Placeholder 2"/>
+          <p:cNvSpPr>
+            <a:spLocks noGrp="1"/>
+          </p:cNvSpPr>
+          <p:nvPr>
+            <p:ph type="body" idx="1"/>
+          </p:nvPr>
+        </p:nvSpPr>
+        <p:spPr>
+          <a:xfrm>
+            <a:off x="677333" y="685801"/>
+            <a:ext cx="8596668" cy="5355562"/>
+          </a:xfrm>
+        </p:spPr>
+        <p:txBody>
+          <a:bodyPr/>
+          <a:lstStyle/>
+          <a:p>
+            <a:pPr fontAlgn="base"/>
+            <a:r>
+              <a:rPr lang="en-IN" sz="1400" dirty="0"/>
+              <a:t>Selenium Grid Infrastructure:</a:t>
+            </a:r>
+          </a:p>
+          <a:p>
+            <a:pPr lvl="1" fontAlgn="base"/>
+            <a:r>
+              <a:rPr lang="en-IN" sz="1200" dirty="0"/>
+              <a:t>Setup locally</a:t>
+            </a:r>
+          </a:p>
+          <a:p>
+            <a:pPr lvl="2" fontAlgn="base"/>
+            <a:r>
+              <a:rPr lang="en-US" sz="1200" dirty="0"/>
+              <a:t>We can setup selenium grid locally on our infrastructure</a:t>
+            </a:r>
+            <a:endParaRPr lang="en-IN" sz="1200" dirty="0"/>
+          </a:p>
+          <a:p>
+            <a:pPr lvl="1" fontAlgn="base"/>
+            <a:r>
+              <a:rPr lang="en-IN" sz="1200" dirty="0"/>
+              <a:t>Cloud/online tools</a:t>
+            </a:r>
+          </a:p>
+          <a:p>
+            <a:pPr lvl="2" fontAlgn="base"/>
+            <a:r>
+              <a:rPr lang="en-US" sz="1200" dirty="0"/>
+              <a:t>There are 3</a:t>
+            </a:r>
+            <a:r>
+              <a:rPr lang="en-US" sz="1200" baseline="30000" dirty="0"/>
+              <a:t>rd</a:t>
+            </a:r>
+            <a:r>
+              <a:rPr lang="en-US" sz="1200" dirty="0"/>
+              <a:t> party tools which are set up on cloud.</a:t>
+            </a:r>
+          </a:p>
+          <a:p>
+            <a:pPr lvl="3" fontAlgn="base"/>
+            <a:r>
+              <a:rPr lang="en-IN" sz="900" dirty="0"/>
+              <a:t>Browserstack.com</a:t>
+            </a:r>
+          </a:p>
+          <a:p>
+            <a:pPr lvl="3" fontAlgn="base"/>
+            <a:r>
+              <a:rPr lang="en-IN" sz="900" dirty="0"/>
+              <a:t>saucelabs.com</a:t>
+            </a:r>
+            <a:endParaRPr lang="en-US" sz="900" dirty="0"/>
+          </a:p>
+          <a:p>
+            <a:pPr lvl="2" fontAlgn="base"/>
+            <a:r>
+              <a:rPr lang="en-US" sz="1200" dirty="0"/>
+              <a:t>We need to purchase the subscription and use them directly.</a:t>
+            </a:r>
+          </a:p>
+          <a:p>
+            <a:pPr lvl="2" fontAlgn="base"/>
+            <a:r>
+              <a:rPr lang="en-US" sz="1200" dirty="0"/>
+              <a:t>Less maintenance overhead</a:t>
+            </a:r>
+            <a:endParaRPr lang="en-IN" sz="1200" dirty="0"/>
+          </a:p>
+          <a:p>
+            <a:endParaRPr lang="en-IN" dirty="0"/>
+          </a:p>
+        </p:txBody>
+      </p:sp>
+      <p:sp>
+        <p:nvSpPr>
+          <p:cNvPr id="4" name="Title 1"/>
+          <p:cNvSpPr>
+            <a:spLocks noGrp="1"/>
+          </p:cNvSpPr>
+          <p:nvPr>
+            <p:ph type="title"/>
+          </p:nvPr>
+        </p:nvSpPr>
+        <p:spPr>
+          <a:xfrm>
+            <a:off x="685800" y="304800"/>
+            <a:ext cx="8596668" cy="304800"/>
+          </a:xfrm>
+        </p:spPr>
+        <p:txBody>
+          <a:bodyPr/>
+          <a:lstStyle/>
+          <a:p>
+            <a:r>
+              <a:rPr lang="en-US" sz="1600" dirty="0"/>
+              <a:t>Selenium Grid</a:t>
+            </a:r>
+          </a:p>
+        </p:txBody>
+      </p:sp>
+    </p:spTree>
+    <p:extLst>
+      <p:ext uri="{BB962C8B-B14F-4D97-AF65-F5344CB8AC3E}">
+        <p14:creationId xmlns:p14="http://schemas.microsoft.com/office/powerpoint/2010/main" val="3159775197"/>
+      </p:ext>
+    </p:extLst>
+  </p:cSld>
+  <p:clrMapOvr>
+    <a:masterClrMapping/>
+  </p:clrMapOvr>
+</p:sld>
+</file>
+
+<file path=ppt/slides/slide52.xml><?xml version="1.0" encoding="utf-8"?>
 <p:sld xmlns:a="http://schemas.openxmlformats.org/drawingml/2006/main" xmlns:r="http://schemas.openxmlformats.org/officeDocument/2006/relationships" xmlns:p="http://schemas.openxmlformats.org/presentationml/2006/main">
   <p:cSld>
     <p:spTree>
